--- a/Documentation/Assets/Battle UI design.pptx
+++ b/Documentation/Assets/Battle UI design.pptx
@@ -7,6 +7,7 @@
   <p:sldIdLst>
     <p:sldId id="256" r:id="rId2"/>
     <p:sldId id="257" r:id="rId3"/>
+    <p:sldId id="259" r:id="rId4"/>
   </p:sldIdLst>
   <p:sldSz cx="12192000" cy="6858000"/>
   <p:notesSz cx="6858000" cy="9144000"/>
@@ -260,7 +261,7 @@
           <a:p>
             <a:fld id="{B00B4C88-55AA-4E31-A949-40AC54A44655}" type="datetimeFigureOut">
               <a:rPr lang="en-US" smtClean="0"/>
-              <a:t>4/7/2023</a:t>
+              <a:t>10/21/2023</a:t>
             </a:fld>
             <a:endParaRPr lang="en-US"/>
           </a:p>
@@ -458,7 +459,7 @@
           <a:p>
             <a:fld id="{B00B4C88-55AA-4E31-A949-40AC54A44655}" type="datetimeFigureOut">
               <a:rPr lang="en-US" smtClean="0"/>
-              <a:t>4/7/2023</a:t>
+              <a:t>10/21/2023</a:t>
             </a:fld>
             <a:endParaRPr lang="en-US"/>
           </a:p>
@@ -666,7 +667,7 @@
           <a:p>
             <a:fld id="{B00B4C88-55AA-4E31-A949-40AC54A44655}" type="datetimeFigureOut">
               <a:rPr lang="en-US" smtClean="0"/>
-              <a:t>4/7/2023</a:t>
+              <a:t>10/21/2023</a:t>
             </a:fld>
             <a:endParaRPr lang="en-US"/>
           </a:p>
@@ -864,7 +865,7 @@
           <a:p>
             <a:fld id="{B00B4C88-55AA-4E31-A949-40AC54A44655}" type="datetimeFigureOut">
               <a:rPr lang="en-US" smtClean="0"/>
-              <a:t>4/7/2023</a:t>
+              <a:t>10/21/2023</a:t>
             </a:fld>
             <a:endParaRPr lang="en-US"/>
           </a:p>
@@ -1139,7 +1140,7 @@
           <a:p>
             <a:fld id="{B00B4C88-55AA-4E31-A949-40AC54A44655}" type="datetimeFigureOut">
               <a:rPr lang="en-US" smtClean="0"/>
-              <a:t>4/7/2023</a:t>
+              <a:t>10/21/2023</a:t>
             </a:fld>
             <a:endParaRPr lang="en-US"/>
           </a:p>
@@ -1404,7 +1405,7 @@
           <a:p>
             <a:fld id="{B00B4C88-55AA-4E31-A949-40AC54A44655}" type="datetimeFigureOut">
               <a:rPr lang="en-US" smtClean="0"/>
-              <a:t>4/7/2023</a:t>
+              <a:t>10/21/2023</a:t>
             </a:fld>
             <a:endParaRPr lang="en-US"/>
           </a:p>
@@ -1816,7 +1817,7 @@
           <a:p>
             <a:fld id="{B00B4C88-55AA-4E31-A949-40AC54A44655}" type="datetimeFigureOut">
               <a:rPr lang="en-US" smtClean="0"/>
-              <a:t>4/7/2023</a:t>
+              <a:t>10/21/2023</a:t>
             </a:fld>
             <a:endParaRPr lang="en-US"/>
           </a:p>
@@ -1957,7 +1958,7 @@
           <a:p>
             <a:fld id="{B00B4C88-55AA-4E31-A949-40AC54A44655}" type="datetimeFigureOut">
               <a:rPr lang="en-US" smtClean="0"/>
-              <a:t>4/7/2023</a:t>
+              <a:t>10/21/2023</a:t>
             </a:fld>
             <a:endParaRPr lang="en-US"/>
           </a:p>
@@ -2070,7 +2071,7 @@
           <a:p>
             <a:fld id="{B00B4C88-55AA-4E31-A949-40AC54A44655}" type="datetimeFigureOut">
               <a:rPr lang="en-US" smtClean="0"/>
-              <a:t>4/7/2023</a:t>
+              <a:t>10/21/2023</a:t>
             </a:fld>
             <a:endParaRPr lang="en-US"/>
           </a:p>
@@ -2381,7 +2382,7 @@
           <a:p>
             <a:fld id="{B00B4C88-55AA-4E31-A949-40AC54A44655}" type="datetimeFigureOut">
               <a:rPr lang="en-US" smtClean="0"/>
-              <a:t>4/7/2023</a:t>
+              <a:t>10/21/2023</a:t>
             </a:fld>
             <a:endParaRPr lang="en-US"/>
           </a:p>
@@ -2669,7 +2670,7 @@
           <a:p>
             <a:fld id="{B00B4C88-55AA-4E31-A949-40AC54A44655}" type="datetimeFigureOut">
               <a:rPr lang="en-US" smtClean="0"/>
-              <a:t>4/7/2023</a:t>
+              <a:t>10/21/2023</a:t>
             </a:fld>
             <a:endParaRPr lang="en-US"/>
           </a:p>
@@ -2910,7 +2911,7 @@
           <a:p>
             <a:fld id="{B00B4C88-55AA-4E31-A949-40AC54A44655}" type="datetimeFigureOut">
               <a:rPr lang="en-US" smtClean="0"/>
-              <a:t>4/7/2023</a:t>
+              <a:t>10/21/2023</a:t>
             </a:fld>
             <a:endParaRPr lang="en-US"/>
           </a:p>
@@ -10314,6 +10315,5615 @@
 </p:sld>
 </file>
 
+<file path=ppt/slides/slide3.xml><?xml version="1.0" encoding="utf-8"?>
+<p:sld xmlns:a="http://schemas.openxmlformats.org/drawingml/2006/main" xmlns:r="http://schemas.openxmlformats.org/officeDocument/2006/relationships" xmlns:p="http://schemas.openxmlformats.org/presentationml/2006/main">
+  <p:cSld>
+    <p:spTree>
+      <p:nvGrpSpPr>
+        <p:cNvPr id="1" name=""/>
+        <p:cNvGrpSpPr/>
+        <p:nvPr/>
+      </p:nvGrpSpPr>
+      <p:grpSpPr>
+        <a:xfrm>
+          <a:off x="0" y="0"/>
+          <a:ext cx="0" cy="0"/>
+          <a:chOff x="0" y="0"/>
+          <a:chExt cx="0" cy="0"/>
+        </a:xfrm>
+      </p:grpSpPr>
+      <p:grpSp>
+        <p:nvGrpSpPr>
+          <p:cNvPr id="168" name="Group 167">
+            <a:extLst>
+              <a:ext uri="{FF2B5EF4-FFF2-40B4-BE49-F238E27FC236}">
+                <a16:creationId xmlns:a16="http://schemas.microsoft.com/office/drawing/2014/main" id="{E1AA8225-1ECA-3A0E-3D57-80D0165DD3DA}"/>
+              </a:ext>
+            </a:extLst>
+          </p:cNvPr>
+          <p:cNvGrpSpPr/>
+          <p:nvPr/>
+        </p:nvGrpSpPr>
+        <p:grpSpPr>
+          <a:xfrm>
+            <a:off x="1315818" y="528745"/>
+            <a:ext cx="6146094" cy="1359148"/>
+            <a:chOff x="1284209" y="397016"/>
+            <a:chExt cx="6881909" cy="1521866"/>
+          </a:xfrm>
+        </p:grpSpPr>
+        <p:sp>
+          <p:nvSpPr>
+            <p:cNvPr id="148" name="Rectangle 147">
+              <a:extLst>
+                <a:ext uri="{FF2B5EF4-FFF2-40B4-BE49-F238E27FC236}">
+                  <a16:creationId xmlns:a16="http://schemas.microsoft.com/office/drawing/2014/main" id="{2DCB8D06-75EA-7F2C-A5F3-51C552805490}"/>
+                </a:ext>
+              </a:extLst>
+            </p:cNvPr>
+            <p:cNvSpPr/>
+            <p:nvPr/>
+          </p:nvSpPr>
+          <p:spPr>
+            <a:xfrm>
+              <a:off x="1284209" y="545030"/>
+              <a:ext cx="2337002" cy="1169113"/>
+            </a:xfrm>
+            <a:prstGeom prst="rect">
+              <a:avLst/>
+            </a:prstGeom>
+            <a:gradFill flip="none" rotWithShape="1">
+              <a:gsLst>
+                <a:gs pos="0">
+                  <a:schemeClr val="tx1">
+                    <a:alpha val="30000"/>
+                  </a:schemeClr>
+                </a:gs>
+                <a:gs pos="100000">
+                  <a:schemeClr val="tx1">
+                    <a:alpha val="0"/>
+                  </a:schemeClr>
+                </a:gs>
+              </a:gsLst>
+              <a:lin ang="0" scaled="1"/>
+              <a:tileRect/>
+            </a:gradFill>
+            <a:ln w="28575">
+              <a:noFill/>
+            </a:ln>
+          </p:spPr>
+          <p:style>
+            <a:lnRef idx="2">
+              <a:schemeClr val="accent1">
+                <a:shade val="15000"/>
+              </a:schemeClr>
+            </a:lnRef>
+            <a:fillRef idx="1">
+              <a:schemeClr val="accent1"/>
+            </a:fillRef>
+            <a:effectRef idx="0">
+              <a:schemeClr val="accent1"/>
+            </a:effectRef>
+            <a:fontRef idx="minor">
+              <a:schemeClr val="lt1"/>
+            </a:fontRef>
+          </p:style>
+          <p:txBody>
+            <a:bodyPr rtlCol="0" anchor="ctr"/>
+            <a:lstStyle/>
+            <a:p>
+              <a:pPr algn="ctr"/>
+              <a:endParaRPr lang="en-US"/>
+            </a:p>
+          </p:txBody>
+        </p:sp>
+        <p:sp>
+          <p:nvSpPr>
+            <p:cNvPr id="87" name="Oval 86">
+              <a:extLst>
+                <a:ext uri="{FF2B5EF4-FFF2-40B4-BE49-F238E27FC236}">
+                  <a16:creationId xmlns:a16="http://schemas.microsoft.com/office/drawing/2014/main" id="{2F449B1D-18FD-2C1E-9439-482B61805257}"/>
+                </a:ext>
+              </a:extLst>
+            </p:cNvPr>
+            <p:cNvSpPr/>
+            <p:nvPr/>
+          </p:nvSpPr>
+          <p:spPr>
+            <a:xfrm>
+              <a:off x="3858261" y="908942"/>
+              <a:ext cx="384561" cy="384561"/>
+            </a:xfrm>
+            <a:prstGeom prst="ellipse">
+              <a:avLst/>
+            </a:prstGeom>
+            <a:ln w="28575">
+              <a:solidFill>
+                <a:schemeClr val="accent1">
+                  <a:lumMod val="50000"/>
+                </a:schemeClr>
+              </a:solidFill>
+            </a:ln>
+          </p:spPr>
+          <p:style>
+            <a:lnRef idx="2">
+              <a:schemeClr val="accent1">
+                <a:shade val="50000"/>
+              </a:schemeClr>
+            </a:lnRef>
+            <a:fillRef idx="1">
+              <a:schemeClr val="accent1"/>
+            </a:fillRef>
+            <a:effectRef idx="0">
+              <a:schemeClr val="accent1"/>
+            </a:effectRef>
+            <a:fontRef idx="minor">
+              <a:schemeClr val="lt1"/>
+            </a:fontRef>
+          </p:style>
+          <p:txBody>
+            <a:bodyPr rtlCol="0" anchor="ctr"/>
+            <a:lstStyle/>
+            <a:p>
+              <a:pPr algn="ctr"/>
+              <a:endParaRPr lang="en-US"/>
+            </a:p>
+          </p:txBody>
+        </p:sp>
+        <p:sp>
+          <p:nvSpPr>
+            <p:cNvPr id="88" name="Oval 87">
+              <a:extLst>
+                <a:ext uri="{FF2B5EF4-FFF2-40B4-BE49-F238E27FC236}">
+                  <a16:creationId xmlns:a16="http://schemas.microsoft.com/office/drawing/2014/main" id="{4EC2F7DD-BC59-80BA-4B9A-F6952DD5D6D2}"/>
+                </a:ext>
+              </a:extLst>
+            </p:cNvPr>
+            <p:cNvSpPr/>
+            <p:nvPr/>
+          </p:nvSpPr>
+          <p:spPr>
+            <a:xfrm>
+              <a:off x="4050541" y="913924"/>
+              <a:ext cx="384561" cy="384561"/>
+            </a:xfrm>
+            <a:prstGeom prst="ellipse">
+              <a:avLst/>
+            </a:prstGeom>
+            <a:ln w="28575">
+              <a:solidFill>
+                <a:schemeClr val="accent1">
+                  <a:lumMod val="50000"/>
+                </a:schemeClr>
+              </a:solidFill>
+            </a:ln>
+          </p:spPr>
+          <p:style>
+            <a:lnRef idx="2">
+              <a:schemeClr val="accent1">
+                <a:shade val="50000"/>
+              </a:schemeClr>
+            </a:lnRef>
+            <a:fillRef idx="1">
+              <a:schemeClr val="accent1"/>
+            </a:fillRef>
+            <a:effectRef idx="0">
+              <a:schemeClr val="accent1"/>
+            </a:effectRef>
+            <a:fontRef idx="minor">
+              <a:schemeClr val="lt1"/>
+            </a:fontRef>
+          </p:style>
+          <p:txBody>
+            <a:bodyPr rtlCol="0" anchor="ctr"/>
+            <a:lstStyle/>
+            <a:p>
+              <a:pPr algn="ctr"/>
+              <a:endParaRPr lang="en-US"/>
+            </a:p>
+          </p:txBody>
+        </p:sp>
+        <p:sp>
+          <p:nvSpPr>
+            <p:cNvPr id="93" name="Oval 92">
+              <a:extLst>
+                <a:ext uri="{FF2B5EF4-FFF2-40B4-BE49-F238E27FC236}">
+                  <a16:creationId xmlns:a16="http://schemas.microsoft.com/office/drawing/2014/main" id="{6013FD00-1352-4570-1443-66ACB6B4F84B}"/>
+                </a:ext>
+              </a:extLst>
+            </p:cNvPr>
+            <p:cNvSpPr/>
+            <p:nvPr/>
+          </p:nvSpPr>
+          <p:spPr>
+            <a:xfrm>
+              <a:off x="4239261" y="917482"/>
+              <a:ext cx="384561" cy="384561"/>
+            </a:xfrm>
+            <a:prstGeom prst="ellipse">
+              <a:avLst/>
+            </a:prstGeom>
+            <a:ln w="28575">
+              <a:solidFill>
+                <a:schemeClr val="accent1">
+                  <a:lumMod val="50000"/>
+                </a:schemeClr>
+              </a:solidFill>
+            </a:ln>
+          </p:spPr>
+          <p:style>
+            <a:lnRef idx="2">
+              <a:schemeClr val="accent1">
+                <a:shade val="50000"/>
+              </a:schemeClr>
+            </a:lnRef>
+            <a:fillRef idx="1">
+              <a:schemeClr val="accent1"/>
+            </a:fillRef>
+            <a:effectRef idx="0">
+              <a:schemeClr val="accent1"/>
+            </a:effectRef>
+            <a:fontRef idx="minor">
+              <a:schemeClr val="lt1"/>
+            </a:fontRef>
+          </p:style>
+          <p:txBody>
+            <a:bodyPr rtlCol="0" anchor="ctr"/>
+            <a:lstStyle/>
+            <a:p>
+              <a:pPr algn="ctr"/>
+              <a:endParaRPr lang="en-US"/>
+            </a:p>
+          </p:txBody>
+        </p:sp>
+        <p:sp>
+          <p:nvSpPr>
+            <p:cNvPr id="98" name="TextBox 97">
+              <a:extLst>
+                <a:ext uri="{FF2B5EF4-FFF2-40B4-BE49-F238E27FC236}">
+                  <a16:creationId xmlns:a16="http://schemas.microsoft.com/office/drawing/2014/main" id="{EA869147-47CC-645B-7BC1-4682DDD9B96A}"/>
+                </a:ext>
+              </a:extLst>
+            </p:cNvPr>
+            <p:cNvSpPr txBox="1"/>
+            <p:nvPr/>
+          </p:nvSpPr>
+          <p:spPr>
+            <a:xfrm>
+              <a:off x="3897429" y="1293503"/>
+              <a:ext cx="518091" cy="369332"/>
+            </a:xfrm>
+            <a:prstGeom prst="rect">
+              <a:avLst/>
+            </a:prstGeom>
+            <a:noFill/>
+          </p:spPr>
+          <p:txBody>
+            <a:bodyPr wrap="none" rtlCol="0">
+              <a:spAutoFit/>
+            </a:bodyPr>
+            <a:lstStyle/>
+            <a:p>
+              <a:r>
+                <a:rPr lang="cs-CZ" dirty="0"/>
+                <a:t>12x</a:t>
+              </a:r>
+              <a:endParaRPr lang="en-US" dirty="0"/>
+            </a:p>
+          </p:txBody>
+        </p:sp>
+        <p:sp>
+          <p:nvSpPr>
+            <p:cNvPr id="102" name="Arrow: Chevron 101">
+              <a:extLst>
+                <a:ext uri="{FF2B5EF4-FFF2-40B4-BE49-F238E27FC236}">
+                  <a16:creationId xmlns:a16="http://schemas.microsoft.com/office/drawing/2014/main" id="{AC2C31F0-A716-4AB9-A690-1BD55547F345}"/>
+                </a:ext>
+              </a:extLst>
+            </p:cNvPr>
+            <p:cNvSpPr/>
+            <p:nvPr/>
+          </p:nvSpPr>
+          <p:spPr>
+            <a:xfrm flipH="1">
+              <a:off x="3872149" y="627085"/>
+              <a:ext cx="518091" cy="207055"/>
+            </a:xfrm>
+            <a:prstGeom prst="chevron">
+              <a:avLst/>
+            </a:prstGeom>
+            <a:solidFill>
+              <a:schemeClr val="bg1"/>
+            </a:solidFill>
+            <a:ln w="28575">
+              <a:solidFill>
+                <a:schemeClr val="tx1"/>
+              </a:solidFill>
+            </a:ln>
+          </p:spPr>
+          <p:style>
+            <a:lnRef idx="2">
+              <a:schemeClr val="accent1">
+                <a:shade val="50000"/>
+              </a:schemeClr>
+            </a:lnRef>
+            <a:fillRef idx="1">
+              <a:schemeClr val="accent1"/>
+            </a:fillRef>
+            <a:effectRef idx="0">
+              <a:schemeClr val="accent1"/>
+            </a:effectRef>
+            <a:fontRef idx="minor">
+              <a:schemeClr val="lt1"/>
+            </a:fontRef>
+          </p:style>
+          <p:txBody>
+            <a:bodyPr rtlCol="0" anchor="ctr"/>
+            <a:lstStyle/>
+            <a:p>
+              <a:pPr algn="ctr"/>
+              <a:r>
+                <a:rPr lang="cs-CZ" dirty="0">
+                  <a:solidFill>
+                    <a:schemeClr val="tx1"/>
+                  </a:solidFill>
+                </a:rPr>
+                <a:t>4</a:t>
+              </a:r>
+              <a:endParaRPr lang="en-US" dirty="0">
+                <a:solidFill>
+                  <a:schemeClr val="tx1"/>
+                </a:solidFill>
+              </a:endParaRPr>
+            </a:p>
+          </p:txBody>
+        </p:sp>
+        <p:sp>
+          <p:nvSpPr>
+            <p:cNvPr id="104" name="Circle: Hollow 103">
+              <a:extLst>
+                <a:ext uri="{FF2B5EF4-FFF2-40B4-BE49-F238E27FC236}">
+                  <a16:creationId xmlns:a16="http://schemas.microsoft.com/office/drawing/2014/main" id="{BE1D4E9E-2943-7856-30F7-F2B770DD6C70}"/>
+                </a:ext>
+              </a:extLst>
+            </p:cNvPr>
+            <p:cNvSpPr/>
+            <p:nvPr/>
+          </p:nvSpPr>
+          <p:spPr>
+            <a:xfrm>
+              <a:off x="4880531" y="834140"/>
+              <a:ext cx="467903" cy="467903"/>
+            </a:xfrm>
+            <a:prstGeom prst="donut">
+              <a:avLst>
+                <a:gd name="adj" fmla="val 40691"/>
+              </a:avLst>
+            </a:prstGeom>
+            <a:solidFill>
+              <a:srgbClr val="FFC000"/>
+            </a:solidFill>
+            <a:ln w="19050">
+              <a:solidFill>
+                <a:srgbClr val="FF0000"/>
+              </a:solidFill>
+            </a:ln>
+          </p:spPr>
+          <p:style>
+            <a:lnRef idx="2">
+              <a:schemeClr val="accent1">
+                <a:shade val="50000"/>
+              </a:schemeClr>
+            </a:lnRef>
+            <a:fillRef idx="1">
+              <a:schemeClr val="accent1"/>
+            </a:fillRef>
+            <a:effectRef idx="0">
+              <a:schemeClr val="accent1"/>
+            </a:effectRef>
+            <a:fontRef idx="minor">
+              <a:schemeClr val="lt1"/>
+            </a:fontRef>
+          </p:style>
+          <p:txBody>
+            <a:bodyPr rtlCol="0" anchor="ctr"/>
+            <a:lstStyle/>
+            <a:p>
+              <a:pPr algn="ctr"/>
+              <a:endParaRPr lang="en-US">
+                <a:solidFill>
+                  <a:schemeClr val="tx1"/>
+                </a:solidFill>
+              </a:endParaRPr>
+            </a:p>
+          </p:txBody>
+        </p:sp>
+        <p:sp>
+          <p:nvSpPr>
+            <p:cNvPr id="106" name="TextBox 105">
+              <a:extLst>
+                <a:ext uri="{FF2B5EF4-FFF2-40B4-BE49-F238E27FC236}">
+                  <a16:creationId xmlns:a16="http://schemas.microsoft.com/office/drawing/2014/main" id="{925C8E72-AF78-E61C-DD9F-68DF39B13851}"/>
+                </a:ext>
+              </a:extLst>
+            </p:cNvPr>
+            <p:cNvSpPr txBox="1"/>
+            <p:nvPr/>
+          </p:nvSpPr>
+          <p:spPr>
+            <a:xfrm>
+              <a:off x="4830343" y="1293503"/>
+              <a:ext cx="401072" cy="369332"/>
+            </a:xfrm>
+            <a:prstGeom prst="rect">
+              <a:avLst/>
+            </a:prstGeom>
+            <a:noFill/>
+          </p:spPr>
+          <p:txBody>
+            <a:bodyPr wrap="none" rtlCol="0">
+              <a:spAutoFit/>
+            </a:bodyPr>
+            <a:lstStyle/>
+            <a:p>
+              <a:r>
+                <a:rPr lang="cs-CZ" dirty="0"/>
+                <a:t>2x</a:t>
+              </a:r>
+              <a:endParaRPr lang="en-US" dirty="0"/>
+            </a:p>
+          </p:txBody>
+        </p:sp>
+        <p:sp>
+          <p:nvSpPr>
+            <p:cNvPr id="107" name="Arrow: Chevron 106">
+              <a:extLst>
+                <a:ext uri="{FF2B5EF4-FFF2-40B4-BE49-F238E27FC236}">
+                  <a16:creationId xmlns:a16="http://schemas.microsoft.com/office/drawing/2014/main" id="{A8719E0D-9969-CE6F-C938-EE90C4C69413}"/>
+                </a:ext>
+              </a:extLst>
+            </p:cNvPr>
+            <p:cNvSpPr/>
+            <p:nvPr/>
+          </p:nvSpPr>
+          <p:spPr>
+            <a:xfrm flipH="1">
+              <a:off x="5838725" y="624683"/>
+              <a:ext cx="518091" cy="207055"/>
+            </a:xfrm>
+            <a:prstGeom prst="chevron">
+              <a:avLst/>
+            </a:prstGeom>
+            <a:solidFill>
+              <a:schemeClr val="bg1"/>
+            </a:solidFill>
+            <a:ln w="28575">
+              <a:solidFill>
+                <a:schemeClr val="tx1"/>
+              </a:solidFill>
+            </a:ln>
+          </p:spPr>
+          <p:style>
+            <a:lnRef idx="2">
+              <a:schemeClr val="accent1">
+                <a:shade val="50000"/>
+              </a:schemeClr>
+            </a:lnRef>
+            <a:fillRef idx="1">
+              <a:schemeClr val="accent1"/>
+            </a:fillRef>
+            <a:effectRef idx="0">
+              <a:schemeClr val="accent1"/>
+            </a:effectRef>
+            <a:fontRef idx="minor">
+              <a:schemeClr val="lt1"/>
+            </a:fontRef>
+          </p:style>
+          <p:txBody>
+            <a:bodyPr rtlCol="0" anchor="ctr"/>
+            <a:lstStyle/>
+            <a:p>
+              <a:pPr algn="ctr"/>
+              <a:r>
+                <a:rPr lang="cs-CZ" dirty="0">
+                  <a:solidFill>
+                    <a:schemeClr val="tx1"/>
+                  </a:solidFill>
+                </a:rPr>
+                <a:t>5</a:t>
+              </a:r>
+              <a:endParaRPr lang="en-US" dirty="0">
+                <a:solidFill>
+                  <a:schemeClr val="tx1"/>
+                </a:solidFill>
+              </a:endParaRPr>
+            </a:p>
+          </p:txBody>
+        </p:sp>
+        <p:sp>
+          <p:nvSpPr>
+            <p:cNvPr id="108" name="Isosceles Triangle 107">
+              <a:extLst>
+                <a:ext uri="{FF2B5EF4-FFF2-40B4-BE49-F238E27FC236}">
+                  <a16:creationId xmlns:a16="http://schemas.microsoft.com/office/drawing/2014/main" id="{6C7830E0-7BA6-F2F3-AE35-A22F1C4CBA81}"/>
+                </a:ext>
+              </a:extLst>
+            </p:cNvPr>
+            <p:cNvSpPr/>
+            <p:nvPr/>
+          </p:nvSpPr>
+          <p:spPr>
+            <a:xfrm rot="16200000">
+              <a:off x="6915536" y="925474"/>
+              <a:ext cx="401072" cy="345752"/>
+            </a:xfrm>
+            <a:prstGeom prst="triangle">
+              <a:avLst/>
+            </a:prstGeom>
+            <a:solidFill>
+              <a:srgbClr val="92D050"/>
+            </a:solidFill>
+            <a:ln w="28575">
+              <a:solidFill>
+                <a:srgbClr val="00B050"/>
+              </a:solidFill>
+            </a:ln>
+          </p:spPr>
+          <p:style>
+            <a:lnRef idx="2">
+              <a:schemeClr val="accent1">
+                <a:shade val="50000"/>
+              </a:schemeClr>
+            </a:lnRef>
+            <a:fillRef idx="1">
+              <a:schemeClr val="accent1"/>
+            </a:fillRef>
+            <a:effectRef idx="0">
+              <a:schemeClr val="accent1"/>
+            </a:effectRef>
+            <a:fontRef idx="minor">
+              <a:schemeClr val="lt1"/>
+            </a:fontRef>
+          </p:style>
+          <p:txBody>
+            <a:bodyPr rtlCol="0" anchor="ctr"/>
+            <a:lstStyle/>
+            <a:p>
+              <a:pPr algn="ctr"/>
+              <a:endParaRPr lang="en-US"/>
+            </a:p>
+          </p:txBody>
+        </p:sp>
+        <p:sp>
+          <p:nvSpPr>
+            <p:cNvPr id="109" name="Isosceles Triangle 108">
+              <a:extLst>
+                <a:ext uri="{FF2B5EF4-FFF2-40B4-BE49-F238E27FC236}">
+                  <a16:creationId xmlns:a16="http://schemas.microsoft.com/office/drawing/2014/main" id="{DFD86353-3094-B9F9-9257-A89C964A437B}"/>
+                </a:ext>
+              </a:extLst>
+            </p:cNvPr>
+            <p:cNvSpPr/>
+            <p:nvPr/>
+          </p:nvSpPr>
+          <p:spPr>
+            <a:xfrm rot="16200000">
+              <a:off x="7088412" y="925474"/>
+              <a:ext cx="401072" cy="345752"/>
+            </a:xfrm>
+            <a:prstGeom prst="triangle">
+              <a:avLst/>
+            </a:prstGeom>
+            <a:solidFill>
+              <a:srgbClr val="92D050"/>
+            </a:solidFill>
+            <a:ln w="28575">
+              <a:solidFill>
+                <a:srgbClr val="00B050"/>
+              </a:solidFill>
+            </a:ln>
+          </p:spPr>
+          <p:style>
+            <a:lnRef idx="2">
+              <a:schemeClr val="accent1">
+                <a:shade val="50000"/>
+              </a:schemeClr>
+            </a:lnRef>
+            <a:fillRef idx="1">
+              <a:schemeClr val="accent1"/>
+            </a:fillRef>
+            <a:effectRef idx="0">
+              <a:schemeClr val="accent1"/>
+            </a:effectRef>
+            <a:fontRef idx="minor">
+              <a:schemeClr val="lt1"/>
+            </a:fontRef>
+          </p:style>
+          <p:txBody>
+            <a:bodyPr rtlCol="0" anchor="ctr"/>
+            <a:lstStyle/>
+            <a:p>
+              <a:pPr algn="ctr"/>
+              <a:endParaRPr lang="en-US"/>
+            </a:p>
+          </p:txBody>
+        </p:sp>
+        <p:sp>
+          <p:nvSpPr>
+            <p:cNvPr id="110" name="Isosceles Triangle 109">
+              <a:extLst>
+                <a:ext uri="{FF2B5EF4-FFF2-40B4-BE49-F238E27FC236}">
+                  <a16:creationId xmlns:a16="http://schemas.microsoft.com/office/drawing/2014/main" id="{5A5CA5DB-40F3-0D9C-66C2-AD4C0410646E}"/>
+                </a:ext>
+              </a:extLst>
+            </p:cNvPr>
+            <p:cNvSpPr/>
+            <p:nvPr/>
+          </p:nvSpPr>
+          <p:spPr>
+            <a:xfrm rot="16200000">
+              <a:off x="7261288" y="925474"/>
+              <a:ext cx="401072" cy="345752"/>
+            </a:xfrm>
+            <a:prstGeom prst="triangle">
+              <a:avLst/>
+            </a:prstGeom>
+            <a:solidFill>
+              <a:srgbClr val="92D050"/>
+            </a:solidFill>
+            <a:ln w="28575">
+              <a:solidFill>
+                <a:srgbClr val="00B050"/>
+              </a:solidFill>
+            </a:ln>
+          </p:spPr>
+          <p:style>
+            <a:lnRef idx="2">
+              <a:schemeClr val="accent1">
+                <a:shade val="50000"/>
+              </a:schemeClr>
+            </a:lnRef>
+            <a:fillRef idx="1">
+              <a:schemeClr val="accent1"/>
+            </a:fillRef>
+            <a:effectRef idx="0">
+              <a:schemeClr val="accent1"/>
+            </a:effectRef>
+            <a:fontRef idx="minor">
+              <a:schemeClr val="lt1"/>
+            </a:fontRef>
+          </p:style>
+          <p:txBody>
+            <a:bodyPr rtlCol="0" anchor="ctr"/>
+            <a:lstStyle/>
+            <a:p>
+              <a:pPr algn="ctr"/>
+              <a:endParaRPr lang="en-US"/>
+            </a:p>
+          </p:txBody>
+        </p:sp>
+        <p:sp>
+          <p:nvSpPr>
+            <p:cNvPr id="111" name="Isosceles Triangle 110">
+              <a:extLst>
+                <a:ext uri="{FF2B5EF4-FFF2-40B4-BE49-F238E27FC236}">
+                  <a16:creationId xmlns:a16="http://schemas.microsoft.com/office/drawing/2014/main" id="{ABEC0D2F-4EB4-66ED-2984-8D7288261E0D}"/>
+                </a:ext>
+              </a:extLst>
+            </p:cNvPr>
+            <p:cNvSpPr/>
+            <p:nvPr/>
+          </p:nvSpPr>
+          <p:spPr>
+            <a:xfrm rot="16200000">
+              <a:off x="7434164" y="922871"/>
+              <a:ext cx="401072" cy="345752"/>
+            </a:xfrm>
+            <a:prstGeom prst="triangle">
+              <a:avLst/>
+            </a:prstGeom>
+            <a:solidFill>
+              <a:srgbClr val="92D050"/>
+            </a:solidFill>
+            <a:ln w="28575">
+              <a:solidFill>
+                <a:srgbClr val="00B050"/>
+              </a:solidFill>
+            </a:ln>
+          </p:spPr>
+          <p:style>
+            <a:lnRef idx="2">
+              <a:schemeClr val="accent1">
+                <a:shade val="50000"/>
+              </a:schemeClr>
+            </a:lnRef>
+            <a:fillRef idx="1">
+              <a:schemeClr val="accent1"/>
+            </a:fillRef>
+            <a:effectRef idx="0">
+              <a:schemeClr val="accent1"/>
+            </a:effectRef>
+            <a:fontRef idx="minor">
+              <a:schemeClr val="lt1"/>
+            </a:fontRef>
+          </p:style>
+          <p:txBody>
+            <a:bodyPr rtlCol="0" anchor="ctr"/>
+            <a:lstStyle/>
+            <a:p>
+              <a:pPr algn="ctr"/>
+              <a:endParaRPr lang="en-US"/>
+            </a:p>
+          </p:txBody>
+        </p:sp>
+        <p:sp>
+          <p:nvSpPr>
+            <p:cNvPr id="112" name="Pentagon 111">
+              <a:extLst>
+                <a:ext uri="{FF2B5EF4-FFF2-40B4-BE49-F238E27FC236}">
+                  <a16:creationId xmlns:a16="http://schemas.microsoft.com/office/drawing/2014/main" id="{BA1672DB-9C9F-156B-D2F7-2D7D8D21819B}"/>
+                </a:ext>
+              </a:extLst>
+            </p:cNvPr>
+            <p:cNvSpPr/>
+            <p:nvPr/>
+          </p:nvSpPr>
+          <p:spPr>
+            <a:xfrm>
+              <a:off x="5869124" y="908942"/>
+              <a:ext cx="401072" cy="381973"/>
+            </a:xfrm>
+            <a:prstGeom prst="pentagon">
+              <a:avLst/>
+            </a:prstGeom>
+            <a:solidFill>
+              <a:srgbClr val="C481D9"/>
+            </a:solidFill>
+            <a:ln w="28575">
+              <a:solidFill>
+                <a:srgbClr val="7030A0"/>
+              </a:solidFill>
+            </a:ln>
+          </p:spPr>
+          <p:style>
+            <a:lnRef idx="2">
+              <a:schemeClr val="accent1">
+                <a:shade val="50000"/>
+              </a:schemeClr>
+            </a:lnRef>
+            <a:fillRef idx="1">
+              <a:schemeClr val="accent1"/>
+            </a:fillRef>
+            <a:effectRef idx="0">
+              <a:schemeClr val="accent1"/>
+            </a:effectRef>
+            <a:fontRef idx="minor">
+              <a:schemeClr val="lt1"/>
+            </a:fontRef>
+          </p:style>
+          <p:txBody>
+            <a:bodyPr rtlCol="0" anchor="ctr"/>
+            <a:lstStyle/>
+            <a:p>
+              <a:pPr algn="ctr"/>
+              <a:endParaRPr lang="en-US"/>
+            </a:p>
+          </p:txBody>
+        </p:sp>
+        <p:sp>
+          <p:nvSpPr>
+            <p:cNvPr id="113" name="Pentagon 112">
+              <a:extLst>
+                <a:ext uri="{FF2B5EF4-FFF2-40B4-BE49-F238E27FC236}">
+                  <a16:creationId xmlns:a16="http://schemas.microsoft.com/office/drawing/2014/main" id="{0CD2BFE0-3430-8396-EADC-F50028142EFD}"/>
+                </a:ext>
+              </a:extLst>
+            </p:cNvPr>
+            <p:cNvSpPr/>
+            <p:nvPr/>
+          </p:nvSpPr>
+          <p:spPr>
+            <a:xfrm>
+              <a:off x="6227668" y="899107"/>
+              <a:ext cx="401072" cy="381973"/>
+            </a:xfrm>
+            <a:prstGeom prst="pentagon">
+              <a:avLst/>
+            </a:prstGeom>
+            <a:solidFill>
+              <a:srgbClr val="C481D9"/>
+            </a:solidFill>
+            <a:ln w="28575">
+              <a:solidFill>
+                <a:srgbClr val="7030A0"/>
+              </a:solidFill>
+            </a:ln>
+          </p:spPr>
+          <p:style>
+            <a:lnRef idx="2">
+              <a:schemeClr val="accent1">
+                <a:shade val="50000"/>
+              </a:schemeClr>
+            </a:lnRef>
+            <a:fillRef idx="1">
+              <a:schemeClr val="accent1"/>
+            </a:fillRef>
+            <a:effectRef idx="0">
+              <a:schemeClr val="accent1"/>
+            </a:effectRef>
+            <a:fontRef idx="minor">
+              <a:schemeClr val="lt1"/>
+            </a:fontRef>
+          </p:style>
+          <p:txBody>
+            <a:bodyPr rtlCol="0" anchor="ctr"/>
+            <a:lstStyle/>
+            <a:p>
+              <a:pPr algn="ctr"/>
+              <a:endParaRPr lang="en-US"/>
+            </a:p>
+          </p:txBody>
+        </p:sp>
+        <p:sp>
+          <p:nvSpPr>
+            <p:cNvPr id="114" name="TextBox 113">
+              <a:extLst>
+                <a:ext uri="{FF2B5EF4-FFF2-40B4-BE49-F238E27FC236}">
+                  <a16:creationId xmlns:a16="http://schemas.microsoft.com/office/drawing/2014/main" id="{EFDF7346-1C35-D96C-7DCB-29E6E04D4918}"/>
+                </a:ext>
+              </a:extLst>
+            </p:cNvPr>
+            <p:cNvSpPr txBox="1"/>
+            <p:nvPr/>
+          </p:nvSpPr>
+          <p:spPr>
+            <a:xfrm>
+              <a:off x="5884945" y="1281080"/>
+              <a:ext cx="401072" cy="369332"/>
+            </a:xfrm>
+            <a:prstGeom prst="rect">
+              <a:avLst/>
+            </a:prstGeom>
+            <a:noFill/>
+          </p:spPr>
+          <p:txBody>
+            <a:bodyPr wrap="none" rtlCol="0">
+              <a:spAutoFit/>
+            </a:bodyPr>
+            <a:lstStyle/>
+            <a:p>
+              <a:r>
+                <a:rPr lang="cs-CZ" dirty="0"/>
+                <a:t>8x</a:t>
+              </a:r>
+              <a:endParaRPr lang="en-US" dirty="0"/>
+            </a:p>
+          </p:txBody>
+        </p:sp>
+        <p:sp>
+          <p:nvSpPr>
+            <p:cNvPr id="115" name="TextBox 114">
+              <a:extLst>
+                <a:ext uri="{FF2B5EF4-FFF2-40B4-BE49-F238E27FC236}">
+                  <a16:creationId xmlns:a16="http://schemas.microsoft.com/office/drawing/2014/main" id="{1072DC1A-635E-BDC3-E656-2B092A9099D3}"/>
+                </a:ext>
+              </a:extLst>
+            </p:cNvPr>
+            <p:cNvSpPr txBox="1"/>
+            <p:nvPr/>
+          </p:nvSpPr>
+          <p:spPr>
+            <a:xfrm>
+              <a:off x="6987705" y="1281080"/>
+              <a:ext cx="518091" cy="369332"/>
+            </a:xfrm>
+            <a:prstGeom prst="rect">
+              <a:avLst/>
+            </a:prstGeom>
+            <a:noFill/>
+          </p:spPr>
+          <p:txBody>
+            <a:bodyPr wrap="none" rtlCol="0">
+              <a:spAutoFit/>
+            </a:bodyPr>
+            <a:lstStyle/>
+            <a:p>
+              <a:r>
+                <a:rPr lang="cs-CZ" dirty="0"/>
+                <a:t>15x</a:t>
+              </a:r>
+              <a:endParaRPr lang="en-US" dirty="0"/>
+            </a:p>
+          </p:txBody>
+        </p:sp>
+        <p:cxnSp>
+          <p:nvCxnSpPr>
+            <p:cNvPr id="116" name="Straight Connector 115">
+              <a:extLst>
+                <a:ext uri="{FF2B5EF4-FFF2-40B4-BE49-F238E27FC236}">
+                  <a16:creationId xmlns:a16="http://schemas.microsoft.com/office/drawing/2014/main" id="{02BC5BE0-F20C-5FE2-F4E8-61D9CDABA1B8}"/>
+                </a:ext>
+              </a:extLst>
+            </p:cNvPr>
+            <p:cNvCxnSpPr/>
+            <p:nvPr/>
+          </p:nvCxnSpPr>
+          <p:spPr>
+            <a:xfrm>
+              <a:off x="3762477" y="745814"/>
+              <a:ext cx="0" cy="824270"/>
+            </a:xfrm>
+            <a:prstGeom prst="line">
+              <a:avLst/>
+            </a:prstGeom>
+            <a:ln w="19050">
+              <a:solidFill>
+                <a:schemeClr val="tx1"/>
+              </a:solidFill>
+              <a:prstDash val="lgDash"/>
+            </a:ln>
+          </p:spPr>
+          <p:style>
+            <a:lnRef idx="1">
+              <a:schemeClr val="accent1"/>
+            </a:lnRef>
+            <a:fillRef idx="0">
+              <a:schemeClr val="accent1"/>
+            </a:fillRef>
+            <a:effectRef idx="0">
+              <a:schemeClr val="accent1"/>
+            </a:effectRef>
+            <a:fontRef idx="minor">
+              <a:schemeClr val="tx1"/>
+            </a:fontRef>
+          </p:style>
+        </p:cxnSp>
+        <p:cxnSp>
+          <p:nvCxnSpPr>
+            <p:cNvPr id="117" name="Straight Connector 116">
+              <a:extLst>
+                <a:ext uri="{FF2B5EF4-FFF2-40B4-BE49-F238E27FC236}">
+                  <a16:creationId xmlns:a16="http://schemas.microsoft.com/office/drawing/2014/main" id="{E676BE00-85BE-2EFB-E3DB-C63A58BAFD04}"/>
+                </a:ext>
+              </a:extLst>
+            </p:cNvPr>
+            <p:cNvCxnSpPr/>
+            <p:nvPr/>
+          </p:nvCxnSpPr>
+          <p:spPr>
+            <a:xfrm>
+              <a:off x="5743677" y="745814"/>
+              <a:ext cx="0" cy="824270"/>
+            </a:xfrm>
+            <a:prstGeom prst="line">
+              <a:avLst/>
+            </a:prstGeom>
+            <a:ln w="19050">
+              <a:solidFill>
+                <a:schemeClr val="tx1"/>
+              </a:solidFill>
+              <a:prstDash val="lgDash"/>
+            </a:ln>
+          </p:spPr>
+          <p:style>
+            <a:lnRef idx="1">
+              <a:schemeClr val="accent1"/>
+            </a:lnRef>
+            <a:fillRef idx="0">
+              <a:schemeClr val="accent1"/>
+            </a:fillRef>
+            <a:effectRef idx="0">
+              <a:schemeClr val="accent1"/>
+            </a:effectRef>
+            <a:fontRef idx="minor">
+              <a:schemeClr val="tx1"/>
+            </a:fontRef>
+          </p:style>
+        </p:cxnSp>
+        <p:sp>
+          <p:nvSpPr>
+            <p:cNvPr id="118" name="Rectangle 117">
+              <a:extLst>
+                <a:ext uri="{FF2B5EF4-FFF2-40B4-BE49-F238E27FC236}">
+                  <a16:creationId xmlns:a16="http://schemas.microsoft.com/office/drawing/2014/main" id="{58AE6C6E-50A6-A600-2279-47D6C110AEFA}"/>
+                </a:ext>
+              </a:extLst>
+            </p:cNvPr>
+            <p:cNvSpPr/>
+            <p:nvPr/>
+          </p:nvSpPr>
+          <p:spPr>
+            <a:xfrm>
+              <a:off x="4338605" y="521958"/>
+              <a:ext cx="3198618" cy="1298961"/>
+            </a:xfrm>
+            <a:prstGeom prst="rect">
+              <a:avLst/>
+            </a:prstGeom>
+            <a:gradFill>
+              <a:gsLst>
+                <a:gs pos="0">
+                  <a:schemeClr val="bg1">
+                    <a:alpha val="0"/>
+                  </a:schemeClr>
+                </a:gs>
+                <a:gs pos="100000">
+                  <a:schemeClr val="bg1"/>
+                </a:gs>
+              </a:gsLst>
+              <a:lin ang="0" scaled="0"/>
+            </a:gradFill>
+            <a:ln>
+              <a:noFill/>
+            </a:ln>
+          </p:spPr>
+          <p:style>
+            <a:lnRef idx="2">
+              <a:schemeClr val="accent1">
+                <a:shade val="50000"/>
+              </a:schemeClr>
+            </a:lnRef>
+            <a:fillRef idx="1">
+              <a:schemeClr val="accent1"/>
+            </a:fillRef>
+            <a:effectRef idx="0">
+              <a:schemeClr val="accent1"/>
+            </a:effectRef>
+            <a:fontRef idx="minor">
+              <a:schemeClr val="lt1"/>
+            </a:fontRef>
+          </p:style>
+          <p:txBody>
+            <a:bodyPr rtlCol="0" anchor="ctr"/>
+            <a:lstStyle/>
+            <a:p>
+              <a:pPr algn="ctr"/>
+              <a:endParaRPr lang="en-US"/>
+            </a:p>
+          </p:txBody>
+        </p:sp>
+        <p:sp>
+          <p:nvSpPr>
+            <p:cNvPr id="129" name="Rectangle 128">
+              <a:extLst>
+                <a:ext uri="{FF2B5EF4-FFF2-40B4-BE49-F238E27FC236}">
+                  <a16:creationId xmlns:a16="http://schemas.microsoft.com/office/drawing/2014/main" id="{655A8394-EDBD-8405-E123-76D25311215A}"/>
+                </a:ext>
+              </a:extLst>
+            </p:cNvPr>
+            <p:cNvSpPr/>
+            <p:nvPr/>
+          </p:nvSpPr>
+          <p:spPr>
+            <a:xfrm>
+              <a:off x="7461824" y="397016"/>
+              <a:ext cx="704294" cy="1521866"/>
+            </a:xfrm>
+            <a:prstGeom prst="rect">
+              <a:avLst/>
+            </a:prstGeom>
+            <a:solidFill>
+              <a:schemeClr val="bg1"/>
+            </a:solidFill>
+            <a:ln>
+              <a:noFill/>
+            </a:ln>
+          </p:spPr>
+          <p:style>
+            <a:lnRef idx="2">
+              <a:schemeClr val="accent1">
+                <a:shade val="50000"/>
+              </a:schemeClr>
+            </a:lnRef>
+            <a:fillRef idx="1">
+              <a:schemeClr val="accent1"/>
+            </a:fillRef>
+            <a:effectRef idx="0">
+              <a:schemeClr val="accent1"/>
+            </a:effectRef>
+            <a:fontRef idx="minor">
+              <a:schemeClr val="lt1"/>
+            </a:fontRef>
+          </p:style>
+          <p:txBody>
+            <a:bodyPr rtlCol="0" anchor="ctr"/>
+            <a:lstStyle/>
+            <a:p>
+              <a:pPr algn="ctr"/>
+              <a:endParaRPr lang="en-US"/>
+            </a:p>
+          </p:txBody>
+        </p:sp>
+        <p:sp>
+          <p:nvSpPr>
+            <p:cNvPr id="137" name="TextBox 136">
+              <a:extLst>
+                <a:ext uri="{FF2B5EF4-FFF2-40B4-BE49-F238E27FC236}">
+                  <a16:creationId xmlns:a16="http://schemas.microsoft.com/office/drawing/2014/main" id="{7ECB878D-B839-BDB8-9E35-7C1A7568668C}"/>
+                </a:ext>
+              </a:extLst>
+            </p:cNvPr>
+            <p:cNvSpPr txBox="1"/>
+            <p:nvPr/>
+          </p:nvSpPr>
+          <p:spPr>
+            <a:xfrm>
+              <a:off x="1922367" y="1298485"/>
+              <a:ext cx="401072" cy="369332"/>
+            </a:xfrm>
+            <a:prstGeom prst="rect">
+              <a:avLst/>
+            </a:prstGeom>
+            <a:noFill/>
+          </p:spPr>
+          <p:txBody>
+            <a:bodyPr wrap="none" rtlCol="0">
+              <a:spAutoFit/>
+            </a:bodyPr>
+            <a:lstStyle/>
+            <a:p>
+              <a:r>
+                <a:rPr lang="cs-CZ" dirty="0"/>
+                <a:t>3x</a:t>
+              </a:r>
+              <a:endParaRPr lang="en-US" dirty="0"/>
+            </a:p>
+          </p:txBody>
+        </p:sp>
+        <p:sp>
+          <p:nvSpPr>
+            <p:cNvPr id="140" name="Isosceles Triangle 139">
+              <a:extLst>
+                <a:ext uri="{FF2B5EF4-FFF2-40B4-BE49-F238E27FC236}">
+                  <a16:creationId xmlns:a16="http://schemas.microsoft.com/office/drawing/2014/main" id="{FDC1642C-6109-FD0B-60D0-5BE8811805E5}"/>
+                </a:ext>
+              </a:extLst>
+            </p:cNvPr>
+            <p:cNvSpPr/>
+            <p:nvPr/>
+          </p:nvSpPr>
+          <p:spPr>
+            <a:xfrm rot="16200000">
+              <a:off x="1830120" y="948831"/>
+              <a:ext cx="401072" cy="345752"/>
+            </a:xfrm>
+            <a:prstGeom prst="triangle">
+              <a:avLst/>
+            </a:prstGeom>
+            <a:solidFill>
+              <a:srgbClr val="92D050"/>
+            </a:solidFill>
+            <a:ln w="28575">
+              <a:solidFill>
+                <a:srgbClr val="00B050"/>
+              </a:solidFill>
+            </a:ln>
+          </p:spPr>
+          <p:style>
+            <a:lnRef idx="2">
+              <a:schemeClr val="accent1">
+                <a:shade val="50000"/>
+              </a:schemeClr>
+            </a:lnRef>
+            <a:fillRef idx="1">
+              <a:schemeClr val="accent1"/>
+            </a:fillRef>
+            <a:effectRef idx="0">
+              <a:schemeClr val="accent1"/>
+            </a:effectRef>
+            <a:fontRef idx="minor">
+              <a:schemeClr val="lt1"/>
+            </a:fontRef>
+          </p:style>
+          <p:txBody>
+            <a:bodyPr rtlCol="0" anchor="ctr"/>
+            <a:lstStyle/>
+            <a:p>
+              <a:pPr algn="ctr"/>
+              <a:endParaRPr lang="en-US"/>
+            </a:p>
+          </p:txBody>
+        </p:sp>
+        <p:sp>
+          <p:nvSpPr>
+            <p:cNvPr id="141" name="Isosceles Triangle 140">
+              <a:extLst>
+                <a:ext uri="{FF2B5EF4-FFF2-40B4-BE49-F238E27FC236}">
+                  <a16:creationId xmlns:a16="http://schemas.microsoft.com/office/drawing/2014/main" id="{F0062342-F117-85DE-5C26-83A8E4FBBA6B}"/>
+                </a:ext>
+              </a:extLst>
+            </p:cNvPr>
+            <p:cNvSpPr/>
+            <p:nvPr/>
+          </p:nvSpPr>
+          <p:spPr>
+            <a:xfrm rot="16200000">
+              <a:off x="2002996" y="948831"/>
+              <a:ext cx="401072" cy="345752"/>
+            </a:xfrm>
+            <a:prstGeom prst="triangle">
+              <a:avLst/>
+            </a:prstGeom>
+            <a:solidFill>
+              <a:srgbClr val="92D050"/>
+            </a:solidFill>
+            <a:ln w="28575">
+              <a:solidFill>
+                <a:srgbClr val="00B050"/>
+              </a:solidFill>
+            </a:ln>
+          </p:spPr>
+          <p:style>
+            <a:lnRef idx="2">
+              <a:schemeClr val="accent1">
+                <a:shade val="50000"/>
+              </a:schemeClr>
+            </a:lnRef>
+            <a:fillRef idx="1">
+              <a:schemeClr val="accent1"/>
+            </a:fillRef>
+            <a:effectRef idx="0">
+              <a:schemeClr val="accent1"/>
+            </a:effectRef>
+            <a:fontRef idx="minor">
+              <a:schemeClr val="lt1"/>
+            </a:fontRef>
+          </p:style>
+          <p:txBody>
+            <a:bodyPr rtlCol="0" anchor="ctr"/>
+            <a:lstStyle/>
+            <a:p>
+              <a:pPr algn="ctr"/>
+              <a:endParaRPr lang="en-US"/>
+            </a:p>
+          </p:txBody>
+        </p:sp>
+        <p:sp>
+          <p:nvSpPr>
+            <p:cNvPr id="142" name="Isosceles Triangle 141">
+              <a:extLst>
+                <a:ext uri="{FF2B5EF4-FFF2-40B4-BE49-F238E27FC236}">
+                  <a16:creationId xmlns:a16="http://schemas.microsoft.com/office/drawing/2014/main" id="{CD09FB7C-0D49-8CC0-90CD-204F3A226212}"/>
+                </a:ext>
+              </a:extLst>
+            </p:cNvPr>
+            <p:cNvSpPr/>
+            <p:nvPr/>
+          </p:nvSpPr>
+          <p:spPr>
+            <a:xfrm rot="16200000">
+              <a:off x="2175872" y="948831"/>
+              <a:ext cx="401072" cy="345752"/>
+            </a:xfrm>
+            <a:prstGeom prst="triangle">
+              <a:avLst/>
+            </a:prstGeom>
+            <a:solidFill>
+              <a:srgbClr val="92D050"/>
+            </a:solidFill>
+            <a:ln w="28575">
+              <a:solidFill>
+                <a:srgbClr val="00B050"/>
+              </a:solidFill>
+            </a:ln>
+          </p:spPr>
+          <p:style>
+            <a:lnRef idx="2">
+              <a:schemeClr val="accent1">
+                <a:shade val="50000"/>
+              </a:schemeClr>
+            </a:lnRef>
+            <a:fillRef idx="1">
+              <a:schemeClr val="accent1"/>
+            </a:fillRef>
+            <a:effectRef idx="0">
+              <a:schemeClr val="accent1"/>
+            </a:effectRef>
+            <a:fontRef idx="minor">
+              <a:schemeClr val="lt1"/>
+            </a:fontRef>
+          </p:style>
+          <p:txBody>
+            <a:bodyPr rtlCol="0" anchor="ctr"/>
+            <a:lstStyle/>
+            <a:p>
+              <a:pPr algn="ctr"/>
+              <a:endParaRPr lang="en-US"/>
+            </a:p>
+          </p:txBody>
+        </p:sp>
+        <p:sp>
+          <p:nvSpPr>
+            <p:cNvPr id="143" name="Isosceles Triangle 142">
+              <a:extLst>
+                <a:ext uri="{FF2B5EF4-FFF2-40B4-BE49-F238E27FC236}">
+                  <a16:creationId xmlns:a16="http://schemas.microsoft.com/office/drawing/2014/main" id="{55014924-FE60-A156-7AC8-5C066BB9CCFE}"/>
+                </a:ext>
+              </a:extLst>
+            </p:cNvPr>
+            <p:cNvSpPr/>
+            <p:nvPr/>
+          </p:nvSpPr>
+          <p:spPr>
+            <a:xfrm rot="16200000">
+              <a:off x="2348748" y="946228"/>
+              <a:ext cx="401072" cy="345752"/>
+            </a:xfrm>
+            <a:prstGeom prst="triangle">
+              <a:avLst/>
+            </a:prstGeom>
+            <a:solidFill>
+              <a:srgbClr val="92D050"/>
+            </a:solidFill>
+            <a:ln w="28575">
+              <a:solidFill>
+                <a:srgbClr val="00B050"/>
+              </a:solidFill>
+            </a:ln>
+          </p:spPr>
+          <p:style>
+            <a:lnRef idx="2">
+              <a:schemeClr val="accent1">
+                <a:shade val="50000"/>
+              </a:schemeClr>
+            </a:lnRef>
+            <a:fillRef idx="1">
+              <a:schemeClr val="accent1"/>
+            </a:fillRef>
+            <a:effectRef idx="0">
+              <a:schemeClr val="accent1"/>
+            </a:effectRef>
+            <a:fontRef idx="minor">
+              <a:schemeClr val="lt1"/>
+            </a:fontRef>
+          </p:style>
+          <p:txBody>
+            <a:bodyPr rtlCol="0" anchor="ctr"/>
+            <a:lstStyle/>
+            <a:p>
+              <a:pPr algn="ctr"/>
+              <a:endParaRPr lang="en-US"/>
+            </a:p>
+          </p:txBody>
+        </p:sp>
+        <p:sp>
+          <p:nvSpPr>
+            <p:cNvPr id="144" name="Pentagon 143">
+              <a:extLst>
+                <a:ext uri="{FF2B5EF4-FFF2-40B4-BE49-F238E27FC236}">
+                  <a16:creationId xmlns:a16="http://schemas.microsoft.com/office/drawing/2014/main" id="{73D644A8-18BC-973D-55AA-9D0F548E38A6}"/>
+                </a:ext>
+              </a:extLst>
+            </p:cNvPr>
+            <p:cNvSpPr/>
+            <p:nvPr/>
+          </p:nvSpPr>
+          <p:spPr>
+            <a:xfrm>
+              <a:off x="3056886" y="932299"/>
+              <a:ext cx="401072" cy="381973"/>
+            </a:xfrm>
+            <a:prstGeom prst="pentagon">
+              <a:avLst/>
+            </a:prstGeom>
+            <a:solidFill>
+              <a:srgbClr val="C481D9"/>
+            </a:solidFill>
+            <a:ln w="28575">
+              <a:solidFill>
+                <a:srgbClr val="7030A0"/>
+              </a:solidFill>
+            </a:ln>
+          </p:spPr>
+          <p:style>
+            <a:lnRef idx="2">
+              <a:schemeClr val="accent1">
+                <a:shade val="50000"/>
+              </a:schemeClr>
+            </a:lnRef>
+            <a:fillRef idx="1">
+              <a:schemeClr val="accent1"/>
+            </a:fillRef>
+            <a:effectRef idx="0">
+              <a:schemeClr val="accent1"/>
+            </a:effectRef>
+            <a:fontRef idx="minor">
+              <a:schemeClr val="lt1"/>
+            </a:fontRef>
+          </p:style>
+          <p:txBody>
+            <a:bodyPr rtlCol="0" anchor="ctr"/>
+            <a:lstStyle/>
+            <a:p>
+              <a:pPr algn="ctr"/>
+              <a:endParaRPr lang="en-US"/>
+            </a:p>
+          </p:txBody>
+        </p:sp>
+        <p:sp>
+          <p:nvSpPr>
+            <p:cNvPr id="146" name="TextBox 145">
+              <a:extLst>
+                <a:ext uri="{FF2B5EF4-FFF2-40B4-BE49-F238E27FC236}">
+                  <a16:creationId xmlns:a16="http://schemas.microsoft.com/office/drawing/2014/main" id="{C17CBB3A-A1A6-DE47-D6AA-DB9CB4BA893B}"/>
+                </a:ext>
+              </a:extLst>
+            </p:cNvPr>
+            <p:cNvSpPr txBox="1"/>
+            <p:nvPr/>
+          </p:nvSpPr>
+          <p:spPr>
+            <a:xfrm>
+              <a:off x="3072707" y="1304437"/>
+              <a:ext cx="401072" cy="369332"/>
+            </a:xfrm>
+            <a:prstGeom prst="rect">
+              <a:avLst/>
+            </a:prstGeom>
+            <a:noFill/>
+          </p:spPr>
+          <p:txBody>
+            <a:bodyPr wrap="none" rtlCol="0">
+              <a:spAutoFit/>
+            </a:bodyPr>
+            <a:lstStyle/>
+            <a:p>
+              <a:r>
+                <a:rPr lang="cs-CZ" dirty="0"/>
+                <a:t>1x</a:t>
+              </a:r>
+              <a:endParaRPr lang="en-US" dirty="0"/>
+            </a:p>
+          </p:txBody>
+        </p:sp>
+      </p:grpSp>
+      <p:sp>
+        <p:nvSpPr>
+          <p:cNvPr id="164" name="Parallelogram 163">
+            <a:extLst>
+              <a:ext uri="{FF2B5EF4-FFF2-40B4-BE49-F238E27FC236}">
+                <a16:creationId xmlns:a16="http://schemas.microsoft.com/office/drawing/2014/main" id="{CD032361-3D6B-A186-A07A-0853D00B069F}"/>
+              </a:ext>
+            </a:extLst>
+          </p:cNvPr>
+          <p:cNvSpPr/>
+          <p:nvPr/>
+        </p:nvSpPr>
+        <p:spPr>
+          <a:xfrm>
+            <a:off x="1324035" y="421531"/>
+            <a:ext cx="4244336" cy="252804"/>
+          </a:xfrm>
+          <a:prstGeom prst="parallelogram">
+            <a:avLst>
+              <a:gd name="adj" fmla="val 88042"/>
+            </a:avLst>
+          </a:prstGeom>
+          <a:solidFill>
+            <a:schemeClr val="bg2">
+              <a:lumMod val="75000"/>
+            </a:schemeClr>
+          </a:solidFill>
+          <a:ln w="28575">
+            <a:solidFill>
+              <a:schemeClr val="tx1"/>
+            </a:solidFill>
+          </a:ln>
+        </p:spPr>
+        <p:style>
+          <a:lnRef idx="2">
+            <a:schemeClr val="accent1">
+              <a:shade val="50000"/>
+            </a:schemeClr>
+          </a:lnRef>
+          <a:fillRef idx="1">
+            <a:schemeClr val="accent1"/>
+          </a:fillRef>
+          <a:effectRef idx="0">
+            <a:schemeClr val="accent1"/>
+          </a:effectRef>
+          <a:fontRef idx="minor">
+            <a:schemeClr val="lt1"/>
+          </a:fontRef>
+        </p:style>
+        <p:txBody>
+          <a:bodyPr rtlCol="0" anchor="ctr"/>
+          <a:lstStyle/>
+          <a:p>
+            <a:pPr algn="ctr"/>
+            <a:endParaRPr lang="en-US"/>
+          </a:p>
+        </p:txBody>
+      </p:sp>
+      <p:sp>
+        <p:nvSpPr>
+          <p:cNvPr id="193" name="Parallelogram 192">
+            <a:extLst>
+              <a:ext uri="{FF2B5EF4-FFF2-40B4-BE49-F238E27FC236}">
+                <a16:creationId xmlns:a16="http://schemas.microsoft.com/office/drawing/2014/main" id="{F8096727-FD00-A981-6180-E41973E8963C}"/>
+              </a:ext>
+            </a:extLst>
+          </p:cNvPr>
+          <p:cNvSpPr/>
+          <p:nvPr/>
+        </p:nvSpPr>
+        <p:spPr>
+          <a:xfrm>
+            <a:off x="1433342" y="467437"/>
+            <a:ext cx="504313" cy="159422"/>
+          </a:xfrm>
+          <a:prstGeom prst="parallelogram">
+            <a:avLst>
+              <a:gd name="adj" fmla="val 88042"/>
+            </a:avLst>
+          </a:prstGeom>
+          <a:solidFill>
+            <a:srgbClr val="FF0000"/>
+          </a:solidFill>
+          <a:ln w="6350">
+            <a:noFill/>
+          </a:ln>
+          <a:effectLst>
+            <a:innerShdw blurRad="76200">
+              <a:prstClr val="black"/>
+            </a:innerShdw>
+          </a:effectLst>
+        </p:spPr>
+        <p:style>
+          <a:lnRef idx="2">
+            <a:schemeClr val="accent1">
+              <a:shade val="50000"/>
+            </a:schemeClr>
+          </a:lnRef>
+          <a:fillRef idx="1">
+            <a:schemeClr val="accent1"/>
+          </a:fillRef>
+          <a:effectRef idx="0">
+            <a:schemeClr val="accent1"/>
+          </a:effectRef>
+          <a:fontRef idx="minor">
+            <a:schemeClr val="lt1"/>
+          </a:fontRef>
+        </p:style>
+        <p:txBody>
+          <a:bodyPr rtlCol="0" anchor="ctr"/>
+          <a:lstStyle/>
+          <a:p>
+            <a:pPr algn="ctr"/>
+            <a:endParaRPr lang="en-US" dirty="0"/>
+          </a:p>
+        </p:txBody>
+      </p:sp>
+      <p:sp>
+        <p:nvSpPr>
+          <p:cNvPr id="165" name="Arrow: Pentagon 164">
+            <a:extLst>
+              <a:ext uri="{FF2B5EF4-FFF2-40B4-BE49-F238E27FC236}">
+                <a16:creationId xmlns:a16="http://schemas.microsoft.com/office/drawing/2014/main" id="{296D5C16-7AB2-6223-CEE6-6D4C42A39204}"/>
+              </a:ext>
+            </a:extLst>
+          </p:cNvPr>
+          <p:cNvSpPr/>
+          <p:nvPr/>
+        </p:nvSpPr>
+        <p:spPr>
+          <a:xfrm>
+            <a:off x="970503" y="119150"/>
+            <a:ext cx="5061525" cy="315884"/>
+          </a:xfrm>
+          <a:prstGeom prst="homePlate">
+            <a:avLst/>
+          </a:prstGeom>
+          <a:solidFill>
+            <a:schemeClr val="tx1">
+              <a:lumMod val="50000"/>
+              <a:lumOff val="50000"/>
+            </a:schemeClr>
+          </a:solidFill>
+          <a:ln w="28575">
+            <a:solidFill>
+              <a:schemeClr val="tx1"/>
+            </a:solidFill>
+          </a:ln>
+        </p:spPr>
+        <p:style>
+          <a:lnRef idx="2">
+            <a:schemeClr val="accent1">
+              <a:shade val="15000"/>
+            </a:schemeClr>
+          </a:lnRef>
+          <a:fillRef idx="1">
+            <a:schemeClr val="accent1"/>
+          </a:fillRef>
+          <a:effectRef idx="0">
+            <a:schemeClr val="accent1"/>
+          </a:effectRef>
+          <a:fontRef idx="minor">
+            <a:schemeClr val="lt1"/>
+          </a:fontRef>
+        </p:style>
+        <p:txBody>
+          <a:bodyPr rtlCol="0" anchor="ctr"/>
+          <a:lstStyle/>
+          <a:p>
+            <a:pPr algn="ctr"/>
+            <a:endParaRPr lang="en-US"/>
+          </a:p>
+        </p:txBody>
+      </p:sp>
+      <p:sp>
+        <p:nvSpPr>
+          <p:cNvPr id="197" name="Arrow: Pentagon 196">
+            <a:extLst>
+              <a:ext uri="{FF2B5EF4-FFF2-40B4-BE49-F238E27FC236}">
+                <a16:creationId xmlns:a16="http://schemas.microsoft.com/office/drawing/2014/main" id="{1839418C-4F52-179E-3419-F7EF9E6714E5}"/>
+              </a:ext>
+            </a:extLst>
+          </p:cNvPr>
+          <p:cNvSpPr/>
+          <p:nvPr/>
+        </p:nvSpPr>
+        <p:spPr>
+          <a:xfrm>
+            <a:off x="1097144" y="153437"/>
+            <a:ext cx="4860309" cy="245934"/>
+          </a:xfrm>
+          <a:prstGeom prst="homePlate">
+            <a:avLst/>
+          </a:prstGeom>
+          <a:solidFill>
+            <a:schemeClr val="tx1">
+              <a:lumMod val="65000"/>
+              <a:lumOff val="35000"/>
+            </a:schemeClr>
+          </a:solidFill>
+          <a:ln w="6350">
+            <a:solidFill>
+              <a:schemeClr val="tx1"/>
+            </a:solidFill>
+          </a:ln>
+          <a:effectLst>
+            <a:innerShdw blurRad="63500" dist="50800" dir="13500000">
+              <a:prstClr val="black">
+                <a:alpha val="50000"/>
+              </a:prstClr>
+            </a:innerShdw>
+          </a:effectLst>
+        </p:spPr>
+        <p:style>
+          <a:lnRef idx="2">
+            <a:schemeClr val="accent1">
+              <a:shade val="15000"/>
+            </a:schemeClr>
+          </a:lnRef>
+          <a:fillRef idx="1">
+            <a:schemeClr val="accent1"/>
+          </a:fillRef>
+          <a:effectRef idx="0">
+            <a:schemeClr val="accent1"/>
+          </a:effectRef>
+          <a:fontRef idx="minor">
+            <a:schemeClr val="lt1"/>
+          </a:fontRef>
+        </p:style>
+        <p:txBody>
+          <a:bodyPr rtlCol="0" anchor="ctr"/>
+          <a:lstStyle/>
+          <a:p>
+            <a:pPr algn="ctr"/>
+            <a:endParaRPr lang="en-US"/>
+          </a:p>
+        </p:txBody>
+      </p:sp>
+      <p:sp>
+        <p:nvSpPr>
+          <p:cNvPr id="198" name="Arrow: Pentagon 197">
+            <a:extLst>
+              <a:ext uri="{FF2B5EF4-FFF2-40B4-BE49-F238E27FC236}">
+                <a16:creationId xmlns:a16="http://schemas.microsoft.com/office/drawing/2014/main" id="{BBEC61A6-4DD5-94AE-A1BD-9AD73AAF1E42}"/>
+              </a:ext>
+            </a:extLst>
+          </p:cNvPr>
+          <p:cNvSpPr/>
+          <p:nvPr/>
+        </p:nvSpPr>
+        <p:spPr>
+          <a:xfrm>
+            <a:off x="1140758" y="166695"/>
+            <a:ext cx="3372093" cy="228373"/>
+          </a:xfrm>
+          <a:prstGeom prst="homePlate">
+            <a:avLst/>
+          </a:prstGeom>
+          <a:solidFill>
+            <a:srgbClr val="00B050"/>
+          </a:solidFill>
+          <a:ln w="6350">
+            <a:noFill/>
+          </a:ln>
+          <a:effectLst>
+            <a:innerShdw blurRad="63500" dist="50800" dir="13500000">
+              <a:prstClr val="black">
+                <a:alpha val="50000"/>
+              </a:prstClr>
+            </a:innerShdw>
+          </a:effectLst>
+        </p:spPr>
+        <p:style>
+          <a:lnRef idx="2">
+            <a:schemeClr val="accent1">
+              <a:shade val="15000"/>
+            </a:schemeClr>
+          </a:lnRef>
+          <a:fillRef idx="1">
+            <a:schemeClr val="accent1"/>
+          </a:fillRef>
+          <a:effectRef idx="0">
+            <a:schemeClr val="accent1"/>
+          </a:effectRef>
+          <a:fontRef idx="minor">
+            <a:schemeClr val="lt1"/>
+          </a:fontRef>
+        </p:style>
+        <p:txBody>
+          <a:bodyPr rtlCol="0" anchor="ctr"/>
+          <a:lstStyle/>
+          <a:p>
+            <a:pPr algn="ctr"/>
+            <a:endParaRPr lang="en-US">
+              <a:solidFill>
+                <a:srgbClr val="92D050"/>
+              </a:solidFill>
+            </a:endParaRPr>
+          </a:p>
+        </p:txBody>
+      </p:sp>
+      <p:pic>
+        <p:nvPicPr>
+          <p:cNvPr id="48" name="Picture 47" descr="A yellow folded paper with white lines&#10;&#10;Description automatically generated">
+            <a:extLst>
+              <a:ext uri="{FF2B5EF4-FFF2-40B4-BE49-F238E27FC236}">
+                <a16:creationId xmlns:a16="http://schemas.microsoft.com/office/drawing/2014/main" id="{51D98620-49F9-CB5B-D667-A695E94FCAEE}"/>
+              </a:ext>
+            </a:extLst>
+          </p:cNvPr>
+          <p:cNvPicPr>
+            <a:picLocks noChangeAspect="1"/>
+          </p:cNvPicPr>
+          <p:nvPr/>
+        </p:nvPicPr>
+        <p:blipFill>
+          <a:blip r:embed="rId2">
+            <a:extLst>
+              <a:ext uri="{28A0092B-C50C-407E-A947-70E740481C1C}">
+                <a14:useLocalDpi xmlns:a14="http://schemas.microsoft.com/office/drawing/2010/main" val="0"/>
+              </a:ext>
+            </a:extLst>
+          </a:blip>
+          <a:stretch>
+            <a:fillRect/>
+          </a:stretch>
+        </p:blipFill>
+        <p:spPr>
+          <a:xfrm>
+            <a:off x="8770930" y="5543146"/>
+            <a:ext cx="1192186" cy="1192186"/>
+          </a:xfrm>
+          <a:prstGeom prst="rect">
+            <a:avLst/>
+          </a:prstGeom>
+        </p:spPr>
+      </p:pic>
+      <p:pic>
+        <p:nvPicPr>
+          <p:cNvPr id="47" name="Picture 46" descr="A yellow folded paper with white lines&#10;&#10;Description automatically generated">
+            <a:extLst>
+              <a:ext uri="{FF2B5EF4-FFF2-40B4-BE49-F238E27FC236}">
+                <a16:creationId xmlns:a16="http://schemas.microsoft.com/office/drawing/2014/main" id="{D32367CB-8B36-A17F-81C5-DDEDC644A50E}"/>
+              </a:ext>
+            </a:extLst>
+          </p:cNvPr>
+          <p:cNvPicPr>
+            <a:picLocks noChangeAspect="1"/>
+          </p:cNvPicPr>
+          <p:nvPr/>
+        </p:nvPicPr>
+        <p:blipFill>
+          <a:blip r:embed="rId2">
+            <a:extLst>
+              <a:ext uri="{28A0092B-C50C-407E-A947-70E740481C1C}">
+                <a14:useLocalDpi xmlns:a14="http://schemas.microsoft.com/office/drawing/2010/main" val="0"/>
+              </a:ext>
+            </a:extLst>
+          </a:blip>
+          <a:stretch>
+            <a:fillRect/>
+          </a:stretch>
+        </p:blipFill>
+        <p:spPr>
+          <a:xfrm>
+            <a:off x="7611667" y="5543146"/>
+            <a:ext cx="1192186" cy="1192186"/>
+          </a:xfrm>
+          <a:prstGeom prst="rect">
+            <a:avLst/>
+          </a:prstGeom>
+        </p:spPr>
+      </p:pic>
+      <p:pic>
+        <p:nvPicPr>
+          <p:cNvPr id="56" name="Picture 55" descr="A grey and white object with a black handle&#10;&#10;Description automatically generated">
+            <a:extLst>
+              <a:ext uri="{FF2B5EF4-FFF2-40B4-BE49-F238E27FC236}">
+                <a16:creationId xmlns:a16="http://schemas.microsoft.com/office/drawing/2014/main" id="{4C7B6F72-0CFD-6104-3DC3-FEA4FBC29395}"/>
+              </a:ext>
+            </a:extLst>
+          </p:cNvPr>
+          <p:cNvPicPr>
+            <a:picLocks noChangeAspect="1"/>
+          </p:cNvPicPr>
+          <p:nvPr/>
+        </p:nvPicPr>
+        <p:blipFill>
+          <a:blip r:embed="rId3">
+            <a:extLst>
+              <a:ext uri="{28A0092B-C50C-407E-A947-70E740481C1C}">
+                <a14:useLocalDpi xmlns:a14="http://schemas.microsoft.com/office/drawing/2010/main" val="0"/>
+              </a:ext>
+            </a:extLst>
+          </a:blip>
+          <a:stretch>
+            <a:fillRect/>
+          </a:stretch>
+        </p:blipFill>
+        <p:spPr>
+          <a:xfrm>
+            <a:off x="8616918" y="5346541"/>
+            <a:ext cx="1523616" cy="1523616"/>
+          </a:xfrm>
+          <a:prstGeom prst="rect">
+            <a:avLst/>
+          </a:prstGeom>
+        </p:spPr>
+      </p:pic>
+      <p:sp>
+        <p:nvSpPr>
+          <p:cNvPr id="95" name="Rectangle: Rounded Corners 94">
+            <a:extLst>
+              <a:ext uri="{FF2B5EF4-FFF2-40B4-BE49-F238E27FC236}">
+                <a16:creationId xmlns:a16="http://schemas.microsoft.com/office/drawing/2014/main" id="{035CAFC5-C7E0-F283-069F-7276835C6EF9}"/>
+              </a:ext>
+            </a:extLst>
+          </p:cNvPr>
+          <p:cNvSpPr/>
+          <p:nvPr/>
+        </p:nvSpPr>
+        <p:spPr>
+          <a:xfrm>
+            <a:off x="7751607" y="5651291"/>
+            <a:ext cx="958824" cy="400111"/>
+          </a:xfrm>
+          <a:prstGeom prst="roundRect">
+            <a:avLst>
+              <a:gd name="adj" fmla="val 0"/>
+            </a:avLst>
+          </a:prstGeom>
+          <a:solidFill>
+            <a:schemeClr val="tx1">
+              <a:alpha val="50000"/>
+            </a:schemeClr>
+          </a:solidFill>
+          <a:ln w="28575">
+            <a:noFill/>
+          </a:ln>
+        </p:spPr>
+        <p:style>
+          <a:lnRef idx="2">
+            <a:schemeClr val="accent1">
+              <a:shade val="50000"/>
+            </a:schemeClr>
+          </a:lnRef>
+          <a:fillRef idx="1">
+            <a:schemeClr val="accent1"/>
+          </a:fillRef>
+          <a:effectRef idx="0">
+            <a:schemeClr val="accent1"/>
+          </a:effectRef>
+          <a:fontRef idx="minor">
+            <a:schemeClr val="lt1"/>
+          </a:fontRef>
+        </p:style>
+        <p:txBody>
+          <a:bodyPr rtlCol="0" anchor="ctr"/>
+          <a:lstStyle/>
+          <a:p>
+            <a:pPr algn="ctr"/>
+            <a:endParaRPr lang="en-US"/>
+          </a:p>
+        </p:txBody>
+      </p:sp>
+      <p:pic>
+        <p:nvPicPr>
+          <p:cNvPr id="51" name="Picture 50" descr="A grey and white object with a black handle&#10;&#10;Description automatically generated">
+            <a:extLst>
+              <a:ext uri="{FF2B5EF4-FFF2-40B4-BE49-F238E27FC236}">
+                <a16:creationId xmlns:a16="http://schemas.microsoft.com/office/drawing/2014/main" id="{98547B3F-CAE2-F157-930A-22103AA055BA}"/>
+              </a:ext>
+            </a:extLst>
+          </p:cNvPr>
+          <p:cNvPicPr>
+            <a:picLocks noChangeAspect="1"/>
+          </p:cNvPicPr>
+          <p:nvPr/>
+        </p:nvPicPr>
+        <p:blipFill>
+          <a:blip r:embed="rId4">
+            <a:extLst>
+              <a:ext uri="{BEBA8EAE-BF5A-486C-A8C5-ECC9F3942E4B}">
+                <a14:imgProps xmlns:a14="http://schemas.microsoft.com/office/drawing/2010/main">
+                  <a14:imgLayer r:embed="rId5">
+                    <a14:imgEffect>
+                      <a14:brightnessContrast bright="-40000"/>
+                    </a14:imgEffect>
+                  </a14:imgLayer>
+                </a14:imgProps>
+              </a:ext>
+              <a:ext uri="{28A0092B-C50C-407E-A947-70E740481C1C}">
+                <a14:useLocalDpi xmlns:a14="http://schemas.microsoft.com/office/drawing/2010/main" val="0"/>
+              </a:ext>
+            </a:extLst>
+          </a:blip>
+          <a:stretch>
+            <a:fillRect/>
+          </a:stretch>
+        </p:blipFill>
+        <p:spPr>
+          <a:xfrm>
+            <a:off x="7462505" y="5362717"/>
+            <a:ext cx="1523616" cy="1523616"/>
+          </a:xfrm>
+          <a:prstGeom prst="rect">
+            <a:avLst/>
+          </a:prstGeom>
+        </p:spPr>
+      </p:pic>
+      <p:pic>
+        <p:nvPicPr>
+          <p:cNvPr id="46" name="Picture 45" descr="A yellow folded paper with white lines&#10;&#10;Description automatically generated">
+            <a:extLst>
+              <a:ext uri="{FF2B5EF4-FFF2-40B4-BE49-F238E27FC236}">
+                <a16:creationId xmlns:a16="http://schemas.microsoft.com/office/drawing/2014/main" id="{93117B03-79F4-2785-6750-D082BFFBAAEA}"/>
+              </a:ext>
+            </a:extLst>
+          </p:cNvPr>
+          <p:cNvPicPr>
+            <a:picLocks noChangeAspect="1"/>
+          </p:cNvPicPr>
+          <p:nvPr/>
+        </p:nvPicPr>
+        <p:blipFill>
+          <a:blip r:embed="rId2">
+            <a:extLst>
+              <a:ext uri="{28A0092B-C50C-407E-A947-70E740481C1C}">
+                <a14:useLocalDpi xmlns:a14="http://schemas.microsoft.com/office/drawing/2010/main" val="0"/>
+              </a:ext>
+            </a:extLst>
+          </a:blip>
+          <a:stretch>
+            <a:fillRect/>
+          </a:stretch>
+        </p:blipFill>
+        <p:spPr>
+          <a:xfrm>
+            <a:off x="6466232" y="5528433"/>
+            <a:ext cx="1192186" cy="1192186"/>
+          </a:xfrm>
+          <a:prstGeom prst="rect">
+            <a:avLst/>
+          </a:prstGeom>
+        </p:spPr>
+      </p:pic>
+      <p:pic>
+        <p:nvPicPr>
+          <p:cNvPr id="55" name="Picture 54" descr="A grey and white object with a black handle&#10;&#10;Description automatically generated">
+            <a:extLst>
+              <a:ext uri="{FF2B5EF4-FFF2-40B4-BE49-F238E27FC236}">
+                <a16:creationId xmlns:a16="http://schemas.microsoft.com/office/drawing/2014/main" id="{B28AC4B7-A74A-4647-1D17-0132FC3EA6DB}"/>
+              </a:ext>
+            </a:extLst>
+          </p:cNvPr>
+          <p:cNvPicPr>
+            <a:picLocks noChangeAspect="1"/>
+          </p:cNvPicPr>
+          <p:nvPr/>
+        </p:nvPicPr>
+        <p:blipFill>
+          <a:blip r:embed="rId3">
+            <a:extLst>
+              <a:ext uri="{28A0092B-C50C-407E-A947-70E740481C1C}">
+                <a14:useLocalDpi xmlns:a14="http://schemas.microsoft.com/office/drawing/2010/main" val="0"/>
+              </a:ext>
+            </a:extLst>
+          </a:blip>
+          <a:stretch>
+            <a:fillRect/>
+          </a:stretch>
+        </p:blipFill>
+        <p:spPr>
+          <a:xfrm>
+            <a:off x="6308343" y="5377431"/>
+            <a:ext cx="1523616" cy="1523616"/>
+          </a:xfrm>
+          <a:prstGeom prst="rect">
+            <a:avLst/>
+          </a:prstGeom>
+        </p:spPr>
+      </p:pic>
+      <p:pic>
+        <p:nvPicPr>
+          <p:cNvPr id="44" name="Picture 43" descr="A green folded paper with white lines&#10;&#10;Description automatically generated">
+            <a:extLst>
+              <a:ext uri="{FF2B5EF4-FFF2-40B4-BE49-F238E27FC236}">
+                <a16:creationId xmlns:a16="http://schemas.microsoft.com/office/drawing/2014/main" id="{BCC5013C-D6F3-A41F-05DE-D8F499785926}"/>
+              </a:ext>
+            </a:extLst>
+          </p:cNvPr>
+          <p:cNvPicPr>
+            <a:picLocks noChangeAspect="1"/>
+          </p:cNvPicPr>
+          <p:nvPr/>
+        </p:nvPicPr>
+        <p:blipFill>
+          <a:blip r:embed="rId6">
+            <a:extLst>
+              <a:ext uri="{28A0092B-C50C-407E-A947-70E740481C1C}">
+                <a14:useLocalDpi xmlns:a14="http://schemas.microsoft.com/office/drawing/2010/main" val="0"/>
+              </a:ext>
+            </a:extLst>
+          </a:blip>
+          <a:stretch>
+            <a:fillRect/>
+          </a:stretch>
+        </p:blipFill>
+        <p:spPr>
+          <a:xfrm>
+            <a:off x="5336450" y="5528433"/>
+            <a:ext cx="1192185" cy="1192185"/>
+          </a:xfrm>
+          <a:prstGeom prst="rect">
+            <a:avLst/>
+          </a:prstGeom>
+        </p:spPr>
+      </p:pic>
+      <p:pic>
+        <p:nvPicPr>
+          <p:cNvPr id="57" name="Picture 56" descr="A grey and white object with a black handle&#10;&#10;Description automatically generated">
+            <a:extLst>
+              <a:ext uri="{FF2B5EF4-FFF2-40B4-BE49-F238E27FC236}">
+                <a16:creationId xmlns:a16="http://schemas.microsoft.com/office/drawing/2014/main" id="{F31F3BF9-EDAC-8AF1-5E93-169A5277539B}"/>
+              </a:ext>
+            </a:extLst>
+          </p:cNvPr>
+          <p:cNvPicPr>
+            <a:picLocks noChangeAspect="1"/>
+          </p:cNvPicPr>
+          <p:nvPr/>
+        </p:nvPicPr>
+        <p:blipFill>
+          <a:blip r:embed="rId3">
+            <a:extLst>
+              <a:ext uri="{28A0092B-C50C-407E-A947-70E740481C1C}">
+                <a14:useLocalDpi xmlns:a14="http://schemas.microsoft.com/office/drawing/2010/main" val="0"/>
+              </a:ext>
+            </a:extLst>
+          </a:blip>
+          <a:stretch>
+            <a:fillRect/>
+          </a:stretch>
+        </p:blipFill>
+        <p:spPr>
+          <a:xfrm>
+            <a:off x="5145872" y="5394200"/>
+            <a:ext cx="1523616" cy="1523616"/>
+          </a:xfrm>
+          <a:prstGeom prst="rect">
+            <a:avLst/>
+          </a:prstGeom>
+        </p:spPr>
+      </p:pic>
+      <p:pic>
+        <p:nvPicPr>
+          <p:cNvPr id="39" name="Picture 38" descr="A blue and white folded paper&#10;&#10;Description automatically generated">
+            <a:extLst>
+              <a:ext uri="{FF2B5EF4-FFF2-40B4-BE49-F238E27FC236}">
+                <a16:creationId xmlns:a16="http://schemas.microsoft.com/office/drawing/2014/main" id="{0B2CB7CD-5122-A6C0-3313-D686944EBCE3}"/>
+              </a:ext>
+            </a:extLst>
+          </p:cNvPr>
+          <p:cNvPicPr>
+            <a:picLocks noChangeAspect="1"/>
+          </p:cNvPicPr>
+          <p:nvPr/>
+        </p:nvPicPr>
+        <p:blipFill>
+          <a:blip r:embed="rId7">
+            <a:extLst>
+              <a:ext uri="{28A0092B-C50C-407E-A947-70E740481C1C}">
+                <a14:useLocalDpi xmlns:a14="http://schemas.microsoft.com/office/drawing/2010/main" val="0"/>
+              </a:ext>
+            </a:extLst>
+          </a:blip>
+          <a:stretch>
+            <a:fillRect/>
+          </a:stretch>
+        </p:blipFill>
+        <p:spPr>
+          <a:xfrm>
+            <a:off x="4203566" y="5544357"/>
+            <a:ext cx="1192185" cy="1192185"/>
+          </a:xfrm>
+          <a:prstGeom prst="rect">
+            <a:avLst/>
+          </a:prstGeom>
+        </p:spPr>
+      </p:pic>
+      <p:pic>
+        <p:nvPicPr>
+          <p:cNvPr id="37" name="Picture 36" descr="A blue and white folded paper&#10;&#10;Description automatically generated">
+            <a:extLst>
+              <a:ext uri="{FF2B5EF4-FFF2-40B4-BE49-F238E27FC236}">
+                <a16:creationId xmlns:a16="http://schemas.microsoft.com/office/drawing/2014/main" id="{88B6138F-A9AD-635F-14CA-5B8FC9B89B36}"/>
+              </a:ext>
+            </a:extLst>
+          </p:cNvPr>
+          <p:cNvPicPr>
+            <a:picLocks noChangeAspect="1"/>
+          </p:cNvPicPr>
+          <p:nvPr/>
+        </p:nvPicPr>
+        <p:blipFill>
+          <a:blip r:embed="rId7">
+            <a:extLst>
+              <a:ext uri="{28A0092B-C50C-407E-A947-70E740481C1C}">
+                <a14:useLocalDpi xmlns:a14="http://schemas.microsoft.com/office/drawing/2010/main" val="0"/>
+              </a:ext>
+            </a:extLst>
+          </a:blip>
+          <a:stretch>
+            <a:fillRect/>
+          </a:stretch>
+        </p:blipFill>
+        <p:spPr>
+          <a:xfrm>
+            <a:off x="3079705" y="5545780"/>
+            <a:ext cx="1192185" cy="1192185"/>
+          </a:xfrm>
+          <a:prstGeom prst="rect">
+            <a:avLst/>
+          </a:prstGeom>
+        </p:spPr>
+      </p:pic>
+      <p:sp>
+        <p:nvSpPr>
+          <p:cNvPr id="78" name="Hexagon 77">
+            <a:extLst>
+              <a:ext uri="{FF2B5EF4-FFF2-40B4-BE49-F238E27FC236}">
+                <a16:creationId xmlns:a16="http://schemas.microsoft.com/office/drawing/2014/main" id="{33879B03-07CF-76EA-E80E-C52C40A9DEC3}"/>
+              </a:ext>
+            </a:extLst>
+          </p:cNvPr>
+          <p:cNvSpPr/>
+          <p:nvPr/>
+        </p:nvSpPr>
+        <p:spPr>
+          <a:xfrm>
+            <a:off x="5378969" y="5605153"/>
+            <a:ext cx="385585" cy="332401"/>
+          </a:xfrm>
+          <a:prstGeom prst="hexagon">
+            <a:avLst>
+              <a:gd name="adj" fmla="val 33336"/>
+              <a:gd name="vf" fmla="val 115470"/>
+            </a:avLst>
+          </a:prstGeom>
+          <a:solidFill>
+            <a:srgbClr val="FF7809"/>
+          </a:solidFill>
+          <a:ln>
+            <a:solidFill>
+              <a:schemeClr val="accent2">
+                <a:lumMod val="75000"/>
+              </a:schemeClr>
+            </a:solidFill>
+          </a:ln>
+        </p:spPr>
+        <p:style>
+          <a:lnRef idx="2">
+            <a:schemeClr val="accent1">
+              <a:shade val="50000"/>
+            </a:schemeClr>
+          </a:lnRef>
+          <a:fillRef idx="1">
+            <a:schemeClr val="accent1"/>
+          </a:fillRef>
+          <a:effectRef idx="0">
+            <a:schemeClr val="accent1"/>
+          </a:effectRef>
+          <a:fontRef idx="minor">
+            <a:schemeClr val="lt1"/>
+          </a:fontRef>
+        </p:style>
+        <p:txBody>
+          <a:bodyPr rtlCol="0" anchor="ctr"/>
+          <a:lstStyle/>
+          <a:p>
+            <a:pPr algn="ctr"/>
+            <a:endParaRPr lang="en-US"/>
+          </a:p>
+        </p:txBody>
+      </p:sp>
+      <p:sp>
+        <p:nvSpPr>
+          <p:cNvPr id="80" name="TextBox 79">
+            <a:extLst>
+              <a:ext uri="{FF2B5EF4-FFF2-40B4-BE49-F238E27FC236}">
+                <a16:creationId xmlns:a16="http://schemas.microsoft.com/office/drawing/2014/main" id="{A3F8473D-54B1-C4D8-C082-7D3774F098F3}"/>
+              </a:ext>
+            </a:extLst>
+          </p:cNvPr>
+          <p:cNvSpPr txBox="1"/>
+          <p:nvPr/>
+        </p:nvSpPr>
+        <p:spPr>
+          <a:xfrm>
+            <a:off x="5349611" y="5573937"/>
+            <a:ext cx="444352" cy="400110"/>
+          </a:xfrm>
+          <a:prstGeom prst="rect">
+            <a:avLst/>
+          </a:prstGeom>
+          <a:noFill/>
+        </p:spPr>
+        <p:txBody>
+          <a:bodyPr wrap="none" rtlCol="0">
+            <a:spAutoFit/>
+          </a:bodyPr>
+          <a:lstStyle/>
+          <a:p>
+            <a:r>
+              <a:rPr lang="cs-CZ" sz="2000" dirty="0">
+                <a:solidFill>
+                  <a:srgbClr val="C00000"/>
+                </a:solidFill>
+              </a:rPr>
+              <a:t>25</a:t>
+            </a:r>
+            <a:endParaRPr lang="en-US" sz="2000" dirty="0">
+              <a:solidFill>
+                <a:srgbClr val="C00000"/>
+              </a:solidFill>
+            </a:endParaRPr>
+          </a:p>
+        </p:txBody>
+      </p:sp>
+      <p:sp>
+        <p:nvSpPr>
+          <p:cNvPr id="81" name="Hexagon 80">
+            <a:extLst>
+              <a:ext uri="{FF2B5EF4-FFF2-40B4-BE49-F238E27FC236}">
+                <a16:creationId xmlns:a16="http://schemas.microsoft.com/office/drawing/2014/main" id="{2A0C4B2F-E82B-6258-B47B-0A5956CAF53C}"/>
+              </a:ext>
+            </a:extLst>
+          </p:cNvPr>
+          <p:cNvSpPr/>
+          <p:nvPr/>
+        </p:nvSpPr>
+        <p:spPr>
+          <a:xfrm>
+            <a:off x="6520628" y="5597366"/>
+            <a:ext cx="385585" cy="332401"/>
+          </a:xfrm>
+          <a:prstGeom prst="hexagon">
+            <a:avLst>
+              <a:gd name="adj" fmla="val 33336"/>
+              <a:gd name="vf" fmla="val 115470"/>
+            </a:avLst>
+          </a:prstGeom>
+          <a:solidFill>
+            <a:srgbClr val="FF7809"/>
+          </a:solidFill>
+          <a:ln>
+            <a:solidFill>
+              <a:schemeClr val="accent2">
+                <a:lumMod val="75000"/>
+              </a:schemeClr>
+            </a:solidFill>
+          </a:ln>
+        </p:spPr>
+        <p:style>
+          <a:lnRef idx="2">
+            <a:schemeClr val="accent1">
+              <a:shade val="50000"/>
+            </a:schemeClr>
+          </a:lnRef>
+          <a:fillRef idx="1">
+            <a:schemeClr val="accent1"/>
+          </a:fillRef>
+          <a:effectRef idx="0">
+            <a:schemeClr val="accent1"/>
+          </a:effectRef>
+          <a:fontRef idx="minor">
+            <a:schemeClr val="lt1"/>
+          </a:fontRef>
+        </p:style>
+        <p:txBody>
+          <a:bodyPr rtlCol="0" anchor="ctr"/>
+          <a:lstStyle/>
+          <a:p>
+            <a:pPr algn="ctr"/>
+            <a:endParaRPr lang="en-US"/>
+          </a:p>
+        </p:txBody>
+      </p:sp>
+      <p:sp>
+        <p:nvSpPr>
+          <p:cNvPr id="82" name="TextBox 81">
+            <a:extLst>
+              <a:ext uri="{FF2B5EF4-FFF2-40B4-BE49-F238E27FC236}">
+                <a16:creationId xmlns:a16="http://schemas.microsoft.com/office/drawing/2014/main" id="{F509B4A7-4542-8A33-C9D2-32B626D9DA01}"/>
+              </a:ext>
+            </a:extLst>
+          </p:cNvPr>
+          <p:cNvSpPr txBox="1"/>
+          <p:nvPr/>
+        </p:nvSpPr>
+        <p:spPr>
+          <a:xfrm>
+            <a:off x="6491270" y="5566150"/>
+            <a:ext cx="444352" cy="400110"/>
+          </a:xfrm>
+          <a:prstGeom prst="rect">
+            <a:avLst/>
+          </a:prstGeom>
+          <a:noFill/>
+        </p:spPr>
+        <p:txBody>
+          <a:bodyPr wrap="none" rtlCol="0">
+            <a:spAutoFit/>
+          </a:bodyPr>
+          <a:lstStyle/>
+          <a:p>
+            <a:r>
+              <a:rPr lang="cs-CZ" sz="2000" dirty="0">
+                <a:solidFill>
+                  <a:schemeClr val="bg1"/>
+                </a:solidFill>
+              </a:rPr>
+              <a:t>15</a:t>
+            </a:r>
+            <a:endParaRPr lang="en-US" sz="2000" dirty="0">
+              <a:solidFill>
+                <a:schemeClr val="bg1"/>
+              </a:solidFill>
+            </a:endParaRPr>
+          </a:p>
+        </p:txBody>
+      </p:sp>
+      <p:sp>
+        <p:nvSpPr>
+          <p:cNvPr id="89" name="Hexagon 88">
+            <a:extLst>
+              <a:ext uri="{FF2B5EF4-FFF2-40B4-BE49-F238E27FC236}">
+                <a16:creationId xmlns:a16="http://schemas.microsoft.com/office/drawing/2014/main" id="{0949BD61-244D-2F33-1E00-E046134CB1CD}"/>
+              </a:ext>
+            </a:extLst>
+          </p:cNvPr>
+          <p:cNvSpPr/>
+          <p:nvPr/>
+        </p:nvSpPr>
+        <p:spPr>
+          <a:xfrm>
+            <a:off x="7689189" y="5574362"/>
+            <a:ext cx="385585" cy="332401"/>
+          </a:xfrm>
+          <a:prstGeom prst="hexagon">
+            <a:avLst>
+              <a:gd name="adj" fmla="val 33336"/>
+              <a:gd name="vf" fmla="val 115470"/>
+            </a:avLst>
+          </a:prstGeom>
+          <a:solidFill>
+            <a:srgbClr val="FF7809"/>
+          </a:solidFill>
+          <a:ln>
+            <a:solidFill>
+              <a:schemeClr val="accent2">
+                <a:lumMod val="75000"/>
+              </a:schemeClr>
+            </a:solidFill>
+          </a:ln>
+        </p:spPr>
+        <p:style>
+          <a:lnRef idx="2">
+            <a:schemeClr val="accent1">
+              <a:shade val="50000"/>
+            </a:schemeClr>
+          </a:lnRef>
+          <a:fillRef idx="1">
+            <a:schemeClr val="accent1"/>
+          </a:fillRef>
+          <a:effectRef idx="0">
+            <a:schemeClr val="accent1"/>
+          </a:effectRef>
+          <a:fontRef idx="minor">
+            <a:schemeClr val="lt1"/>
+          </a:fontRef>
+        </p:style>
+        <p:txBody>
+          <a:bodyPr rtlCol="0" anchor="ctr"/>
+          <a:lstStyle/>
+          <a:p>
+            <a:pPr algn="ctr"/>
+            <a:endParaRPr lang="en-US"/>
+          </a:p>
+        </p:txBody>
+      </p:sp>
+      <p:sp>
+        <p:nvSpPr>
+          <p:cNvPr id="90" name="TextBox 89">
+            <a:extLst>
+              <a:ext uri="{FF2B5EF4-FFF2-40B4-BE49-F238E27FC236}">
+                <a16:creationId xmlns:a16="http://schemas.microsoft.com/office/drawing/2014/main" id="{BBB963CA-7230-E88C-6B34-31A0FE589EAE}"/>
+              </a:ext>
+            </a:extLst>
+          </p:cNvPr>
+          <p:cNvSpPr txBox="1"/>
+          <p:nvPr/>
+        </p:nvSpPr>
+        <p:spPr>
+          <a:xfrm>
+            <a:off x="7659831" y="5543146"/>
+            <a:ext cx="444352" cy="400110"/>
+          </a:xfrm>
+          <a:prstGeom prst="rect">
+            <a:avLst/>
+          </a:prstGeom>
+          <a:noFill/>
+        </p:spPr>
+        <p:txBody>
+          <a:bodyPr wrap="none" rtlCol="0">
+            <a:spAutoFit/>
+          </a:bodyPr>
+          <a:lstStyle/>
+          <a:p>
+            <a:r>
+              <a:rPr lang="cs-CZ" sz="2000" dirty="0">
+                <a:solidFill>
+                  <a:schemeClr val="bg1">
+                    <a:lumMod val="85000"/>
+                  </a:schemeClr>
+                </a:solidFill>
+              </a:rPr>
+              <a:t>20</a:t>
+            </a:r>
+            <a:endParaRPr lang="en-US" sz="2000" dirty="0">
+              <a:solidFill>
+                <a:schemeClr val="bg1">
+                  <a:lumMod val="85000"/>
+                </a:schemeClr>
+              </a:solidFill>
+            </a:endParaRPr>
+          </a:p>
+        </p:txBody>
+      </p:sp>
+      <p:sp>
+        <p:nvSpPr>
+          <p:cNvPr id="91" name="Hexagon 90">
+            <a:extLst>
+              <a:ext uri="{FF2B5EF4-FFF2-40B4-BE49-F238E27FC236}">
+                <a16:creationId xmlns:a16="http://schemas.microsoft.com/office/drawing/2014/main" id="{F0BE054F-AD47-D16E-E387-165E209854C2}"/>
+              </a:ext>
+            </a:extLst>
+          </p:cNvPr>
+          <p:cNvSpPr/>
+          <p:nvPr/>
+        </p:nvSpPr>
+        <p:spPr>
+          <a:xfrm>
+            <a:off x="8857750" y="5551358"/>
+            <a:ext cx="385585" cy="332401"/>
+          </a:xfrm>
+          <a:prstGeom prst="hexagon">
+            <a:avLst>
+              <a:gd name="adj" fmla="val 33336"/>
+              <a:gd name="vf" fmla="val 115470"/>
+            </a:avLst>
+          </a:prstGeom>
+          <a:solidFill>
+            <a:srgbClr val="FF7809"/>
+          </a:solidFill>
+          <a:ln>
+            <a:solidFill>
+              <a:schemeClr val="accent2">
+                <a:lumMod val="75000"/>
+              </a:schemeClr>
+            </a:solidFill>
+          </a:ln>
+        </p:spPr>
+        <p:style>
+          <a:lnRef idx="2">
+            <a:schemeClr val="accent1">
+              <a:shade val="50000"/>
+            </a:schemeClr>
+          </a:lnRef>
+          <a:fillRef idx="1">
+            <a:schemeClr val="accent1"/>
+          </a:fillRef>
+          <a:effectRef idx="0">
+            <a:schemeClr val="accent1"/>
+          </a:effectRef>
+          <a:fontRef idx="minor">
+            <a:schemeClr val="lt1"/>
+          </a:fontRef>
+        </p:style>
+        <p:txBody>
+          <a:bodyPr rtlCol="0" anchor="ctr"/>
+          <a:lstStyle/>
+          <a:p>
+            <a:pPr algn="ctr"/>
+            <a:endParaRPr lang="en-US"/>
+          </a:p>
+        </p:txBody>
+      </p:sp>
+      <p:sp>
+        <p:nvSpPr>
+          <p:cNvPr id="92" name="TextBox 91">
+            <a:extLst>
+              <a:ext uri="{FF2B5EF4-FFF2-40B4-BE49-F238E27FC236}">
+                <a16:creationId xmlns:a16="http://schemas.microsoft.com/office/drawing/2014/main" id="{674791C7-2C5F-BE19-2968-9F6FB3EFF16F}"/>
+              </a:ext>
+            </a:extLst>
+          </p:cNvPr>
+          <p:cNvSpPr txBox="1"/>
+          <p:nvPr/>
+        </p:nvSpPr>
+        <p:spPr>
+          <a:xfrm>
+            <a:off x="8828392" y="5520142"/>
+            <a:ext cx="444352" cy="400110"/>
+          </a:xfrm>
+          <a:prstGeom prst="rect">
+            <a:avLst/>
+          </a:prstGeom>
+          <a:noFill/>
+        </p:spPr>
+        <p:txBody>
+          <a:bodyPr wrap="none" rtlCol="0">
+            <a:spAutoFit/>
+          </a:bodyPr>
+          <a:lstStyle/>
+          <a:p>
+            <a:r>
+              <a:rPr lang="cs-CZ" sz="2000" dirty="0">
+                <a:solidFill>
+                  <a:srgbClr val="C00000"/>
+                </a:solidFill>
+              </a:rPr>
+              <a:t>70</a:t>
+            </a:r>
+            <a:endParaRPr lang="en-US" sz="2000" dirty="0">
+              <a:solidFill>
+                <a:srgbClr val="C00000"/>
+              </a:solidFill>
+            </a:endParaRPr>
+          </a:p>
+        </p:txBody>
+      </p:sp>
+      <p:sp>
+        <p:nvSpPr>
+          <p:cNvPr id="94" name="Rectangle: Rounded Corners 93">
+            <a:extLst>
+              <a:ext uri="{FF2B5EF4-FFF2-40B4-BE49-F238E27FC236}">
+                <a16:creationId xmlns:a16="http://schemas.microsoft.com/office/drawing/2014/main" id="{56CA0332-3BAD-0C14-BB77-3C6939D2B772}"/>
+              </a:ext>
+            </a:extLst>
+          </p:cNvPr>
+          <p:cNvSpPr/>
+          <p:nvPr/>
+        </p:nvSpPr>
+        <p:spPr>
+          <a:xfrm>
+            <a:off x="4320234" y="5672624"/>
+            <a:ext cx="958824" cy="640544"/>
+          </a:xfrm>
+          <a:prstGeom prst="roundRect">
+            <a:avLst>
+              <a:gd name="adj" fmla="val 0"/>
+            </a:avLst>
+          </a:prstGeom>
+          <a:solidFill>
+            <a:schemeClr val="tx1">
+              <a:alpha val="50000"/>
+            </a:schemeClr>
+          </a:solidFill>
+          <a:ln w="28575">
+            <a:noFill/>
+          </a:ln>
+        </p:spPr>
+        <p:style>
+          <a:lnRef idx="2">
+            <a:schemeClr val="accent1">
+              <a:shade val="50000"/>
+            </a:schemeClr>
+          </a:lnRef>
+          <a:fillRef idx="1">
+            <a:schemeClr val="accent1"/>
+          </a:fillRef>
+          <a:effectRef idx="0">
+            <a:schemeClr val="accent1"/>
+          </a:effectRef>
+          <a:fontRef idx="minor">
+            <a:schemeClr val="lt1"/>
+          </a:fontRef>
+        </p:style>
+        <p:txBody>
+          <a:bodyPr rtlCol="0" anchor="ctr"/>
+          <a:lstStyle/>
+          <a:p>
+            <a:pPr algn="ctr"/>
+            <a:endParaRPr lang="en-US"/>
+          </a:p>
+        </p:txBody>
+      </p:sp>
+      <p:sp>
+        <p:nvSpPr>
+          <p:cNvPr id="96" name="Oval 95">
+            <a:extLst>
+              <a:ext uri="{FF2B5EF4-FFF2-40B4-BE49-F238E27FC236}">
+                <a16:creationId xmlns:a16="http://schemas.microsoft.com/office/drawing/2014/main" id="{2E2770E3-E4C1-711F-0DC3-00DFD6D67240}"/>
+              </a:ext>
+            </a:extLst>
+          </p:cNvPr>
+          <p:cNvSpPr/>
+          <p:nvPr/>
+        </p:nvSpPr>
+        <p:spPr>
+          <a:xfrm>
+            <a:off x="3147338" y="5619120"/>
+            <a:ext cx="325537" cy="325537"/>
+          </a:xfrm>
+          <a:prstGeom prst="ellipse">
+            <a:avLst/>
+          </a:prstGeom>
+          <a:solidFill>
+            <a:srgbClr val="0070C0"/>
+          </a:solidFill>
+        </p:spPr>
+        <p:style>
+          <a:lnRef idx="2">
+            <a:schemeClr val="accent1">
+              <a:shade val="50000"/>
+            </a:schemeClr>
+          </a:lnRef>
+          <a:fillRef idx="1">
+            <a:schemeClr val="accent1"/>
+          </a:fillRef>
+          <a:effectRef idx="0">
+            <a:schemeClr val="accent1"/>
+          </a:effectRef>
+          <a:fontRef idx="minor">
+            <a:schemeClr val="lt1"/>
+          </a:fontRef>
+        </p:style>
+        <p:txBody>
+          <a:bodyPr rtlCol="0" anchor="ctr"/>
+          <a:lstStyle/>
+          <a:p>
+            <a:pPr algn="ctr"/>
+            <a:endParaRPr lang="en-US"/>
+          </a:p>
+        </p:txBody>
+      </p:sp>
+      <p:sp>
+        <p:nvSpPr>
+          <p:cNvPr id="75" name="TextBox 74">
+            <a:extLst>
+              <a:ext uri="{FF2B5EF4-FFF2-40B4-BE49-F238E27FC236}">
+                <a16:creationId xmlns:a16="http://schemas.microsoft.com/office/drawing/2014/main" id="{BAA9D353-4C9C-8979-A434-A3338090BAA6}"/>
+              </a:ext>
+            </a:extLst>
+          </p:cNvPr>
+          <p:cNvSpPr txBox="1"/>
+          <p:nvPr/>
+        </p:nvSpPr>
+        <p:spPr>
+          <a:xfrm>
+            <a:off x="3087290" y="5586385"/>
+            <a:ext cx="444352" cy="400110"/>
+          </a:xfrm>
+          <a:prstGeom prst="rect">
+            <a:avLst/>
+          </a:prstGeom>
+          <a:noFill/>
+        </p:spPr>
+        <p:txBody>
+          <a:bodyPr wrap="none" rtlCol="0">
+            <a:spAutoFit/>
+          </a:bodyPr>
+          <a:lstStyle/>
+          <a:p>
+            <a:r>
+              <a:rPr lang="cs-CZ" sz="2000" dirty="0">
+                <a:solidFill>
+                  <a:schemeClr val="bg1"/>
+                </a:solidFill>
+              </a:rPr>
+              <a:t>15</a:t>
+            </a:r>
+            <a:endParaRPr lang="en-US" sz="2000" dirty="0">
+              <a:solidFill>
+                <a:schemeClr val="bg1"/>
+              </a:solidFill>
+            </a:endParaRPr>
+          </a:p>
+        </p:txBody>
+      </p:sp>
+      <p:sp>
+        <p:nvSpPr>
+          <p:cNvPr id="97" name="Oval 96">
+            <a:extLst>
+              <a:ext uri="{FF2B5EF4-FFF2-40B4-BE49-F238E27FC236}">
+                <a16:creationId xmlns:a16="http://schemas.microsoft.com/office/drawing/2014/main" id="{980F6906-AD16-423F-275C-286F0CEBC74E}"/>
+              </a:ext>
+            </a:extLst>
+          </p:cNvPr>
+          <p:cNvSpPr/>
+          <p:nvPr/>
+        </p:nvSpPr>
+        <p:spPr>
+          <a:xfrm>
+            <a:off x="4278131" y="5614603"/>
+            <a:ext cx="325537" cy="325537"/>
+          </a:xfrm>
+          <a:prstGeom prst="ellipse">
+            <a:avLst/>
+          </a:prstGeom>
+          <a:solidFill>
+            <a:srgbClr val="0070C0"/>
+          </a:solidFill>
+        </p:spPr>
+        <p:style>
+          <a:lnRef idx="2">
+            <a:schemeClr val="accent1">
+              <a:shade val="50000"/>
+            </a:schemeClr>
+          </a:lnRef>
+          <a:fillRef idx="1">
+            <a:schemeClr val="accent1"/>
+          </a:fillRef>
+          <a:effectRef idx="0">
+            <a:schemeClr val="accent1"/>
+          </a:effectRef>
+          <a:fontRef idx="minor">
+            <a:schemeClr val="lt1"/>
+          </a:fontRef>
+        </p:style>
+        <p:txBody>
+          <a:bodyPr rtlCol="0" anchor="ctr"/>
+          <a:lstStyle/>
+          <a:p>
+            <a:pPr algn="ctr"/>
+            <a:endParaRPr lang="en-US"/>
+          </a:p>
+        </p:txBody>
+      </p:sp>
+      <p:sp>
+        <p:nvSpPr>
+          <p:cNvPr id="77" name="TextBox 76">
+            <a:extLst>
+              <a:ext uri="{FF2B5EF4-FFF2-40B4-BE49-F238E27FC236}">
+                <a16:creationId xmlns:a16="http://schemas.microsoft.com/office/drawing/2014/main" id="{53614E70-99DE-9B3C-C43E-F94260458237}"/>
+              </a:ext>
+            </a:extLst>
+          </p:cNvPr>
+          <p:cNvSpPr txBox="1"/>
+          <p:nvPr/>
+        </p:nvSpPr>
+        <p:spPr>
+          <a:xfrm>
+            <a:off x="4227959" y="5575537"/>
+            <a:ext cx="444352" cy="400110"/>
+          </a:xfrm>
+          <a:prstGeom prst="rect">
+            <a:avLst/>
+          </a:prstGeom>
+          <a:noFill/>
+        </p:spPr>
+        <p:txBody>
+          <a:bodyPr wrap="none" rtlCol="0">
+            <a:spAutoFit/>
+          </a:bodyPr>
+          <a:lstStyle/>
+          <a:p>
+            <a:r>
+              <a:rPr lang="cs-CZ" sz="2000" dirty="0">
+                <a:solidFill>
+                  <a:srgbClr val="FF0000"/>
+                </a:solidFill>
+              </a:rPr>
+              <a:t>80</a:t>
+            </a:r>
+            <a:endParaRPr lang="en-US" sz="2000" dirty="0">
+              <a:solidFill>
+                <a:srgbClr val="FF0000"/>
+              </a:solidFill>
+            </a:endParaRPr>
+          </a:p>
+        </p:txBody>
+      </p:sp>
+      <p:sp>
+        <p:nvSpPr>
+          <p:cNvPr id="99" name="Oval 98">
+            <a:extLst>
+              <a:ext uri="{FF2B5EF4-FFF2-40B4-BE49-F238E27FC236}">
+                <a16:creationId xmlns:a16="http://schemas.microsoft.com/office/drawing/2014/main" id="{32E967AB-6A83-6023-266F-D5010423D343}"/>
+              </a:ext>
+            </a:extLst>
+          </p:cNvPr>
+          <p:cNvSpPr/>
+          <p:nvPr/>
+        </p:nvSpPr>
+        <p:spPr>
+          <a:xfrm>
+            <a:off x="2222508" y="5551525"/>
+            <a:ext cx="813903" cy="813903"/>
+          </a:xfrm>
+          <a:prstGeom prst="ellipse">
+            <a:avLst/>
+          </a:prstGeom>
+          <a:solidFill>
+            <a:srgbClr val="0070C0"/>
+          </a:solidFill>
+          <a:ln w="28575">
+            <a:solidFill>
+              <a:schemeClr val="tx1">
+                <a:lumMod val="95000"/>
+                <a:lumOff val="5000"/>
+              </a:schemeClr>
+            </a:solidFill>
+          </a:ln>
+          <a:effectLst>
+            <a:innerShdw blurRad="254000">
+              <a:srgbClr val="00B0F0"/>
+            </a:innerShdw>
+          </a:effectLst>
+        </p:spPr>
+        <p:style>
+          <a:lnRef idx="2">
+            <a:schemeClr val="accent1">
+              <a:shade val="50000"/>
+            </a:schemeClr>
+          </a:lnRef>
+          <a:fillRef idx="1">
+            <a:schemeClr val="accent1"/>
+          </a:fillRef>
+          <a:effectRef idx="0">
+            <a:schemeClr val="accent1"/>
+          </a:effectRef>
+          <a:fontRef idx="minor">
+            <a:schemeClr val="lt1"/>
+          </a:fontRef>
+        </p:style>
+        <p:txBody>
+          <a:bodyPr rtlCol="0" anchor="ctr"/>
+          <a:lstStyle/>
+          <a:p>
+            <a:pPr algn="ctr"/>
+            <a:endParaRPr lang="en-US" dirty="0"/>
+          </a:p>
+        </p:txBody>
+      </p:sp>
+      <p:sp>
+        <p:nvSpPr>
+          <p:cNvPr id="100" name="Chord 99">
+            <a:extLst>
+              <a:ext uri="{FF2B5EF4-FFF2-40B4-BE49-F238E27FC236}">
+                <a16:creationId xmlns:a16="http://schemas.microsoft.com/office/drawing/2014/main" id="{95F3B57F-5EE6-13F1-D8C0-BAA1099B6E71}"/>
+              </a:ext>
+            </a:extLst>
+          </p:cNvPr>
+          <p:cNvSpPr/>
+          <p:nvPr/>
+        </p:nvSpPr>
+        <p:spPr>
+          <a:xfrm rot="7063128">
+            <a:off x="2244324" y="5571855"/>
+            <a:ext cx="779668" cy="779668"/>
+          </a:xfrm>
+          <a:prstGeom prst="chord">
+            <a:avLst>
+              <a:gd name="adj1" fmla="val 2293319"/>
+              <a:gd name="adj2" fmla="val 16200000"/>
+            </a:avLst>
+          </a:prstGeom>
+          <a:solidFill>
+            <a:schemeClr val="tx1">
+              <a:alpha val="25000"/>
+            </a:schemeClr>
+          </a:solidFill>
+        </p:spPr>
+        <p:style>
+          <a:lnRef idx="2">
+            <a:schemeClr val="accent1">
+              <a:shade val="50000"/>
+            </a:schemeClr>
+          </a:lnRef>
+          <a:fillRef idx="1">
+            <a:schemeClr val="accent1"/>
+          </a:fillRef>
+          <a:effectRef idx="0">
+            <a:schemeClr val="accent1"/>
+          </a:effectRef>
+          <a:fontRef idx="minor">
+            <a:schemeClr val="lt1"/>
+          </a:fontRef>
+        </p:style>
+        <p:txBody>
+          <a:bodyPr rtlCol="0" anchor="ctr"/>
+          <a:lstStyle/>
+          <a:p>
+            <a:pPr algn="ctr"/>
+            <a:endParaRPr lang="en-US" dirty="0"/>
+          </a:p>
+        </p:txBody>
+      </p:sp>
+      <p:sp>
+        <p:nvSpPr>
+          <p:cNvPr id="101" name="TextBox 100">
+            <a:extLst>
+              <a:ext uri="{FF2B5EF4-FFF2-40B4-BE49-F238E27FC236}">
+                <a16:creationId xmlns:a16="http://schemas.microsoft.com/office/drawing/2014/main" id="{A3F6B73B-897D-BFC7-892B-0D4C9567D676}"/>
+              </a:ext>
+            </a:extLst>
+          </p:cNvPr>
+          <p:cNvSpPr txBox="1"/>
+          <p:nvPr/>
+        </p:nvSpPr>
+        <p:spPr>
+          <a:xfrm>
+            <a:off x="2328735" y="5513616"/>
+            <a:ext cx="601447" cy="861774"/>
+          </a:xfrm>
+          <a:prstGeom prst="rect">
+            <a:avLst/>
+          </a:prstGeom>
+          <a:noFill/>
+        </p:spPr>
+        <p:txBody>
+          <a:bodyPr wrap="none" rtlCol="0">
+            <a:spAutoFit/>
+          </a:bodyPr>
+          <a:lstStyle/>
+          <a:p>
+            <a:pPr algn="ctr"/>
+            <a:r>
+              <a:rPr lang="cs-CZ" sz="3200" dirty="0">
+                <a:solidFill>
+                  <a:schemeClr val="bg1"/>
+                </a:solidFill>
+              </a:rPr>
+              <a:t>10</a:t>
+            </a:r>
+          </a:p>
+          <a:p>
+            <a:pPr algn="ctr"/>
+            <a:r>
+              <a:rPr lang="cs-CZ" dirty="0">
+                <a:solidFill>
+                  <a:schemeClr val="bg1"/>
+                </a:solidFill>
+              </a:rPr>
+              <a:t>/30</a:t>
+            </a:r>
+            <a:endParaRPr lang="en-US" dirty="0">
+              <a:solidFill>
+                <a:schemeClr val="bg1"/>
+              </a:solidFill>
+            </a:endParaRPr>
+          </a:p>
+        </p:txBody>
+      </p:sp>
+      <p:sp>
+        <p:nvSpPr>
+          <p:cNvPr id="103" name="Hexagon 102">
+            <a:extLst>
+              <a:ext uri="{FF2B5EF4-FFF2-40B4-BE49-F238E27FC236}">
+                <a16:creationId xmlns:a16="http://schemas.microsoft.com/office/drawing/2014/main" id="{06FB6F29-38E5-CD88-1385-D83377EE27C9}"/>
+              </a:ext>
+            </a:extLst>
+          </p:cNvPr>
+          <p:cNvSpPr/>
+          <p:nvPr/>
+        </p:nvSpPr>
+        <p:spPr>
+          <a:xfrm>
+            <a:off x="1505060" y="6030161"/>
+            <a:ext cx="800930" cy="690457"/>
+          </a:xfrm>
+          <a:prstGeom prst="hexagon">
+            <a:avLst>
+              <a:gd name="adj" fmla="val 33336"/>
+              <a:gd name="vf" fmla="val 115470"/>
+            </a:avLst>
+          </a:prstGeom>
+          <a:solidFill>
+            <a:srgbClr val="FF7809"/>
+          </a:solidFill>
+          <a:ln w="28575">
+            <a:solidFill>
+              <a:schemeClr val="tx1">
+                <a:lumMod val="95000"/>
+                <a:lumOff val="5000"/>
+              </a:schemeClr>
+            </a:solidFill>
+          </a:ln>
+        </p:spPr>
+        <p:style>
+          <a:lnRef idx="2">
+            <a:schemeClr val="accent1">
+              <a:shade val="50000"/>
+            </a:schemeClr>
+          </a:lnRef>
+          <a:fillRef idx="1">
+            <a:schemeClr val="accent1"/>
+          </a:fillRef>
+          <a:effectRef idx="0">
+            <a:schemeClr val="accent1"/>
+          </a:effectRef>
+          <a:fontRef idx="minor">
+            <a:schemeClr val="lt1"/>
+          </a:fontRef>
+        </p:style>
+        <p:txBody>
+          <a:bodyPr rtlCol="0" anchor="ctr"/>
+          <a:lstStyle/>
+          <a:p>
+            <a:pPr algn="ctr"/>
+            <a:endParaRPr lang="en-US" dirty="0"/>
+          </a:p>
+        </p:txBody>
+      </p:sp>
+      <p:sp>
+        <p:nvSpPr>
+          <p:cNvPr id="105" name="TextBox 104">
+            <a:extLst>
+              <a:ext uri="{FF2B5EF4-FFF2-40B4-BE49-F238E27FC236}">
+                <a16:creationId xmlns:a16="http://schemas.microsoft.com/office/drawing/2014/main" id="{F7ADEC3E-04F9-5C3D-75BC-21253CBE3FB3}"/>
+              </a:ext>
+            </a:extLst>
+          </p:cNvPr>
+          <p:cNvSpPr txBox="1"/>
+          <p:nvPr/>
+        </p:nvSpPr>
+        <p:spPr>
+          <a:xfrm>
+            <a:off x="1580872" y="6083001"/>
+            <a:ext cx="658681" cy="584775"/>
+          </a:xfrm>
+          <a:prstGeom prst="rect">
+            <a:avLst/>
+          </a:prstGeom>
+          <a:noFill/>
+        </p:spPr>
+        <p:txBody>
+          <a:bodyPr wrap="square" rtlCol="0">
+            <a:spAutoFit/>
+          </a:bodyPr>
+          <a:lstStyle/>
+          <a:p>
+            <a:pPr algn="ctr"/>
+            <a:r>
+              <a:rPr lang="cs-CZ" sz="3200" dirty="0">
+                <a:solidFill>
+                  <a:schemeClr val="bg1"/>
+                </a:solidFill>
+              </a:rPr>
+              <a:t>35</a:t>
+            </a:r>
+            <a:endParaRPr lang="en-US" sz="3200" dirty="0">
+              <a:solidFill>
+                <a:schemeClr val="bg1"/>
+              </a:solidFill>
+            </a:endParaRPr>
+          </a:p>
+        </p:txBody>
+      </p:sp>
+      <p:sp>
+        <p:nvSpPr>
+          <p:cNvPr id="2" name="TextBox 1">
+            <a:extLst>
+              <a:ext uri="{FF2B5EF4-FFF2-40B4-BE49-F238E27FC236}">
+                <a16:creationId xmlns:a16="http://schemas.microsoft.com/office/drawing/2014/main" id="{ABE97EC8-8D32-96C5-0E61-495CCB715A98}"/>
+              </a:ext>
+            </a:extLst>
+          </p:cNvPr>
+          <p:cNvSpPr txBox="1"/>
+          <p:nvPr/>
+        </p:nvSpPr>
+        <p:spPr>
+          <a:xfrm>
+            <a:off x="3977065" y="3080250"/>
+            <a:ext cx="976742" cy="1477328"/>
+          </a:xfrm>
+          <a:prstGeom prst="rect">
+            <a:avLst/>
+          </a:prstGeom>
+          <a:noFill/>
+        </p:spPr>
+        <p:txBody>
+          <a:bodyPr wrap="none" rtlCol="0">
+            <a:spAutoFit/>
+          </a:bodyPr>
+          <a:lstStyle/>
+          <a:p>
+            <a:r>
+              <a:rPr lang="en-US" noProof="1"/>
+              <a:t>Fuel</a:t>
+            </a:r>
+          </a:p>
+          <a:p>
+            <a:endParaRPr lang="en-US" noProof="1"/>
+          </a:p>
+          <a:p>
+            <a:r>
+              <a:rPr lang="en-US" noProof="1"/>
+              <a:t>Material</a:t>
+            </a:r>
+          </a:p>
+          <a:p>
+            <a:endParaRPr lang="en-US" noProof="1"/>
+          </a:p>
+          <a:p>
+            <a:r>
+              <a:rPr lang="en-US" noProof="1"/>
+              <a:t>Energy</a:t>
+            </a:r>
+          </a:p>
+        </p:txBody>
+      </p:sp>
+      <p:sp>
+        <p:nvSpPr>
+          <p:cNvPr id="8" name="Hexagon 7">
+            <a:extLst>
+              <a:ext uri="{FF2B5EF4-FFF2-40B4-BE49-F238E27FC236}">
+                <a16:creationId xmlns:a16="http://schemas.microsoft.com/office/drawing/2014/main" id="{3A7CB6F2-E191-8BCA-EB94-6CA689070255}"/>
+              </a:ext>
+            </a:extLst>
+          </p:cNvPr>
+          <p:cNvSpPr/>
+          <p:nvPr/>
+        </p:nvSpPr>
+        <p:spPr>
+          <a:xfrm>
+            <a:off x="4898786" y="3708581"/>
+            <a:ext cx="255972" cy="220665"/>
+          </a:xfrm>
+          <a:prstGeom prst="hexagon">
+            <a:avLst>
+              <a:gd name="adj" fmla="val 33336"/>
+              <a:gd name="vf" fmla="val 115470"/>
+            </a:avLst>
+          </a:prstGeom>
+          <a:solidFill>
+            <a:srgbClr val="FF7809"/>
+          </a:solidFill>
+          <a:ln w="19050">
+            <a:solidFill>
+              <a:schemeClr val="tx1">
+                <a:lumMod val="95000"/>
+                <a:lumOff val="5000"/>
+              </a:schemeClr>
+            </a:solidFill>
+          </a:ln>
+        </p:spPr>
+        <p:style>
+          <a:lnRef idx="2">
+            <a:schemeClr val="accent1">
+              <a:shade val="50000"/>
+            </a:schemeClr>
+          </a:lnRef>
+          <a:fillRef idx="1">
+            <a:schemeClr val="accent1"/>
+          </a:fillRef>
+          <a:effectRef idx="0">
+            <a:schemeClr val="accent1"/>
+          </a:effectRef>
+          <a:fontRef idx="minor">
+            <a:schemeClr val="lt1"/>
+          </a:fontRef>
+        </p:style>
+        <p:txBody>
+          <a:bodyPr rtlCol="0" anchor="ctr"/>
+          <a:lstStyle/>
+          <a:p>
+            <a:pPr algn="ctr"/>
+            <a:endParaRPr lang="en-US" dirty="0"/>
+          </a:p>
+        </p:txBody>
+      </p:sp>
+      <p:sp>
+        <p:nvSpPr>
+          <p:cNvPr id="14" name="Diamond 13">
+            <a:extLst>
+              <a:ext uri="{FF2B5EF4-FFF2-40B4-BE49-F238E27FC236}">
+                <a16:creationId xmlns:a16="http://schemas.microsoft.com/office/drawing/2014/main" id="{A880FD1A-9B02-CCC8-E3F6-7888F0C05600}"/>
+              </a:ext>
+            </a:extLst>
+          </p:cNvPr>
+          <p:cNvSpPr/>
+          <p:nvPr/>
+        </p:nvSpPr>
+        <p:spPr>
+          <a:xfrm>
+            <a:off x="4578632" y="3070469"/>
+            <a:ext cx="138266" cy="332756"/>
+          </a:xfrm>
+          <a:prstGeom prst="diamond">
+            <a:avLst/>
+          </a:prstGeom>
+          <a:solidFill>
+            <a:srgbClr val="00B050"/>
+          </a:solidFill>
+          <a:ln w="19050">
+            <a:solidFill>
+              <a:schemeClr val="tx1"/>
+            </a:solidFill>
+          </a:ln>
+        </p:spPr>
+        <p:style>
+          <a:lnRef idx="2">
+            <a:schemeClr val="accent1">
+              <a:shade val="15000"/>
+            </a:schemeClr>
+          </a:lnRef>
+          <a:fillRef idx="1">
+            <a:schemeClr val="accent1"/>
+          </a:fillRef>
+          <a:effectRef idx="0">
+            <a:schemeClr val="accent1"/>
+          </a:effectRef>
+          <a:fontRef idx="minor">
+            <a:schemeClr val="lt1"/>
+          </a:fontRef>
+        </p:style>
+        <p:txBody>
+          <a:bodyPr rtlCol="0" anchor="ctr"/>
+          <a:lstStyle/>
+          <a:p>
+            <a:pPr algn="ctr"/>
+            <a:endParaRPr lang="en-US"/>
+          </a:p>
+        </p:txBody>
+      </p:sp>
+      <p:sp>
+        <p:nvSpPr>
+          <p:cNvPr id="22" name="Freeform: Shape 21">
+            <a:extLst>
+              <a:ext uri="{FF2B5EF4-FFF2-40B4-BE49-F238E27FC236}">
+                <a16:creationId xmlns:a16="http://schemas.microsoft.com/office/drawing/2014/main" id="{02AB10DF-4E0E-D530-F476-807D91BBC434}"/>
+              </a:ext>
+            </a:extLst>
+          </p:cNvPr>
+          <p:cNvSpPr/>
+          <p:nvPr/>
+        </p:nvSpPr>
+        <p:spPr>
+          <a:xfrm rot="21031095">
+            <a:off x="4807653" y="4192682"/>
+            <a:ext cx="231646" cy="314377"/>
+          </a:xfrm>
+          <a:custGeom>
+            <a:avLst/>
+            <a:gdLst>
+              <a:gd name="connsiteX0" fmla="*/ 0 w 1290415"/>
+              <a:gd name="connsiteY0" fmla="*/ 1016949 h 1709159"/>
+              <a:gd name="connsiteX1" fmla="*/ 922945 w 1290415"/>
+              <a:gd name="connsiteY1" fmla="*/ 0 h 1709159"/>
+              <a:gd name="connsiteX2" fmla="*/ 709301 w 1290415"/>
+              <a:gd name="connsiteY2" fmla="*/ 675118 h 1709159"/>
+              <a:gd name="connsiteX3" fmla="*/ 1290415 w 1290415"/>
+              <a:gd name="connsiteY3" fmla="*/ 675118 h 1709159"/>
+              <a:gd name="connsiteX4" fmla="*/ 350377 w 1290415"/>
+              <a:gd name="connsiteY4" fmla="*/ 1709159 h 1709159"/>
+              <a:gd name="connsiteX5" fmla="*/ 555476 w 1290415"/>
+              <a:gd name="connsiteY5" fmla="*/ 1016949 h 1709159"/>
+              <a:gd name="connsiteX6" fmla="*/ 0 w 1290415"/>
+              <a:gd name="connsiteY6" fmla="*/ 1016949 h 1709159"/>
+              <a:gd name="connsiteX0" fmla="*/ 0 w 1290415"/>
+              <a:gd name="connsiteY0" fmla="*/ 1051132 h 1743342"/>
+              <a:gd name="connsiteX1" fmla="*/ 957128 w 1290415"/>
+              <a:gd name="connsiteY1" fmla="*/ 0 h 1743342"/>
+              <a:gd name="connsiteX2" fmla="*/ 709301 w 1290415"/>
+              <a:gd name="connsiteY2" fmla="*/ 709301 h 1743342"/>
+              <a:gd name="connsiteX3" fmla="*/ 1290415 w 1290415"/>
+              <a:gd name="connsiteY3" fmla="*/ 709301 h 1743342"/>
+              <a:gd name="connsiteX4" fmla="*/ 350377 w 1290415"/>
+              <a:gd name="connsiteY4" fmla="*/ 1743342 h 1743342"/>
+              <a:gd name="connsiteX5" fmla="*/ 555476 w 1290415"/>
+              <a:gd name="connsiteY5" fmla="*/ 1051132 h 1743342"/>
+              <a:gd name="connsiteX6" fmla="*/ 0 w 1290415"/>
+              <a:gd name="connsiteY6" fmla="*/ 1051132 h 1743342"/>
+              <a:gd name="connsiteX0" fmla="*/ 0 w 1290415"/>
+              <a:gd name="connsiteY0" fmla="*/ 1034040 h 1726250"/>
+              <a:gd name="connsiteX1" fmla="*/ 922945 w 1290415"/>
+              <a:gd name="connsiteY1" fmla="*/ 0 h 1726250"/>
+              <a:gd name="connsiteX2" fmla="*/ 709301 w 1290415"/>
+              <a:gd name="connsiteY2" fmla="*/ 692209 h 1726250"/>
+              <a:gd name="connsiteX3" fmla="*/ 1290415 w 1290415"/>
+              <a:gd name="connsiteY3" fmla="*/ 692209 h 1726250"/>
+              <a:gd name="connsiteX4" fmla="*/ 350377 w 1290415"/>
+              <a:gd name="connsiteY4" fmla="*/ 1726250 h 1726250"/>
+              <a:gd name="connsiteX5" fmla="*/ 555476 w 1290415"/>
+              <a:gd name="connsiteY5" fmla="*/ 1034040 h 1726250"/>
+              <a:gd name="connsiteX6" fmla="*/ 0 w 1290415"/>
+              <a:gd name="connsiteY6" fmla="*/ 1034040 h 1726250"/>
+              <a:gd name="connsiteX0" fmla="*/ 0 w 1290415"/>
+              <a:gd name="connsiteY0" fmla="*/ 1034040 h 1726250"/>
+              <a:gd name="connsiteX1" fmla="*/ 948582 w 1290415"/>
+              <a:gd name="connsiteY1" fmla="*/ 0 h 1726250"/>
+              <a:gd name="connsiteX2" fmla="*/ 709301 w 1290415"/>
+              <a:gd name="connsiteY2" fmla="*/ 692209 h 1726250"/>
+              <a:gd name="connsiteX3" fmla="*/ 1290415 w 1290415"/>
+              <a:gd name="connsiteY3" fmla="*/ 692209 h 1726250"/>
+              <a:gd name="connsiteX4" fmla="*/ 350377 w 1290415"/>
+              <a:gd name="connsiteY4" fmla="*/ 1726250 h 1726250"/>
+              <a:gd name="connsiteX5" fmla="*/ 555476 w 1290415"/>
+              <a:gd name="connsiteY5" fmla="*/ 1034040 h 1726250"/>
+              <a:gd name="connsiteX6" fmla="*/ 0 w 1290415"/>
+              <a:gd name="connsiteY6" fmla="*/ 1034040 h 1726250"/>
+              <a:gd name="connsiteX0" fmla="*/ 0 w 1290415"/>
+              <a:gd name="connsiteY0" fmla="*/ 1076769 h 1768979"/>
+              <a:gd name="connsiteX1" fmla="*/ 965674 w 1290415"/>
+              <a:gd name="connsiteY1" fmla="*/ 0 h 1768979"/>
+              <a:gd name="connsiteX2" fmla="*/ 709301 w 1290415"/>
+              <a:gd name="connsiteY2" fmla="*/ 734938 h 1768979"/>
+              <a:gd name="connsiteX3" fmla="*/ 1290415 w 1290415"/>
+              <a:gd name="connsiteY3" fmla="*/ 734938 h 1768979"/>
+              <a:gd name="connsiteX4" fmla="*/ 350377 w 1290415"/>
+              <a:gd name="connsiteY4" fmla="*/ 1768979 h 1768979"/>
+              <a:gd name="connsiteX5" fmla="*/ 555476 w 1290415"/>
+              <a:gd name="connsiteY5" fmla="*/ 1076769 h 1768979"/>
+              <a:gd name="connsiteX6" fmla="*/ 0 w 1290415"/>
+              <a:gd name="connsiteY6" fmla="*/ 1076769 h 1768979"/>
+              <a:gd name="connsiteX0" fmla="*/ 0 w 1316053"/>
+              <a:gd name="connsiteY0" fmla="*/ 1093860 h 1768979"/>
+              <a:gd name="connsiteX1" fmla="*/ 991312 w 1316053"/>
+              <a:gd name="connsiteY1" fmla="*/ 0 h 1768979"/>
+              <a:gd name="connsiteX2" fmla="*/ 734939 w 1316053"/>
+              <a:gd name="connsiteY2" fmla="*/ 734938 h 1768979"/>
+              <a:gd name="connsiteX3" fmla="*/ 1316053 w 1316053"/>
+              <a:gd name="connsiteY3" fmla="*/ 734938 h 1768979"/>
+              <a:gd name="connsiteX4" fmla="*/ 376015 w 1316053"/>
+              <a:gd name="connsiteY4" fmla="*/ 1768979 h 1768979"/>
+              <a:gd name="connsiteX5" fmla="*/ 581114 w 1316053"/>
+              <a:gd name="connsiteY5" fmla="*/ 1076769 h 1768979"/>
+              <a:gd name="connsiteX6" fmla="*/ 0 w 1316053"/>
+              <a:gd name="connsiteY6" fmla="*/ 1093860 h 1768979"/>
+              <a:gd name="connsiteX0" fmla="*/ 0 w 1316053"/>
+              <a:gd name="connsiteY0" fmla="*/ 1068223 h 1768979"/>
+              <a:gd name="connsiteX1" fmla="*/ 991312 w 1316053"/>
+              <a:gd name="connsiteY1" fmla="*/ 0 h 1768979"/>
+              <a:gd name="connsiteX2" fmla="*/ 734939 w 1316053"/>
+              <a:gd name="connsiteY2" fmla="*/ 734938 h 1768979"/>
+              <a:gd name="connsiteX3" fmla="*/ 1316053 w 1316053"/>
+              <a:gd name="connsiteY3" fmla="*/ 734938 h 1768979"/>
+              <a:gd name="connsiteX4" fmla="*/ 376015 w 1316053"/>
+              <a:gd name="connsiteY4" fmla="*/ 1768979 h 1768979"/>
+              <a:gd name="connsiteX5" fmla="*/ 581114 w 1316053"/>
+              <a:gd name="connsiteY5" fmla="*/ 1076769 h 1768979"/>
+              <a:gd name="connsiteX6" fmla="*/ 0 w 1316053"/>
+              <a:gd name="connsiteY6" fmla="*/ 1068223 h 1768979"/>
+              <a:gd name="connsiteX0" fmla="*/ 0 w 1316053"/>
+              <a:gd name="connsiteY0" fmla="*/ 1068223 h 1777524"/>
+              <a:gd name="connsiteX1" fmla="*/ 991312 w 1316053"/>
+              <a:gd name="connsiteY1" fmla="*/ 0 h 1777524"/>
+              <a:gd name="connsiteX2" fmla="*/ 734939 w 1316053"/>
+              <a:gd name="connsiteY2" fmla="*/ 734938 h 1777524"/>
+              <a:gd name="connsiteX3" fmla="*/ 1316053 w 1316053"/>
+              <a:gd name="connsiteY3" fmla="*/ 734938 h 1777524"/>
+              <a:gd name="connsiteX4" fmla="*/ 333286 w 1316053"/>
+              <a:gd name="connsiteY4" fmla="*/ 1777524 h 1777524"/>
+              <a:gd name="connsiteX5" fmla="*/ 581114 w 1316053"/>
+              <a:gd name="connsiteY5" fmla="*/ 1076769 h 1777524"/>
+              <a:gd name="connsiteX6" fmla="*/ 0 w 1316053"/>
+              <a:gd name="connsiteY6" fmla="*/ 1068223 h 1777524"/>
+              <a:gd name="connsiteX0" fmla="*/ 0 w 1316053"/>
+              <a:gd name="connsiteY0" fmla="*/ 1068223 h 1786070"/>
+              <a:gd name="connsiteX1" fmla="*/ 991312 w 1316053"/>
+              <a:gd name="connsiteY1" fmla="*/ 0 h 1786070"/>
+              <a:gd name="connsiteX2" fmla="*/ 734939 w 1316053"/>
+              <a:gd name="connsiteY2" fmla="*/ 734938 h 1786070"/>
+              <a:gd name="connsiteX3" fmla="*/ 1316053 w 1316053"/>
+              <a:gd name="connsiteY3" fmla="*/ 734938 h 1786070"/>
+              <a:gd name="connsiteX4" fmla="*/ 358923 w 1316053"/>
+              <a:gd name="connsiteY4" fmla="*/ 1786070 h 1786070"/>
+              <a:gd name="connsiteX5" fmla="*/ 581114 w 1316053"/>
+              <a:gd name="connsiteY5" fmla="*/ 1076769 h 1786070"/>
+              <a:gd name="connsiteX6" fmla="*/ 0 w 1316053"/>
+              <a:gd name="connsiteY6" fmla="*/ 1068223 h 1786070"/>
+            </a:gdLst>
+            <a:ahLst/>
+            <a:cxnLst>
+              <a:cxn ang="0">
+                <a:pos x="connsiteX0" y="connsiteY0"/>
+              </a:cxn>
+              <a:cxn ang="0">
+                <a:pos x="connsiteX1" y="connsiteY1"/>
+              </a:cxn>
+              <a:cxn ang="0">
+                <a:pos x="connsiteX2" y="connsiteY2"/>
+              </a:cxn>
+              <a:cxn ang="0">
+                <a:pos x="connsiteX3" y="connsiteY3"/>
+              </a:cxn>
+              <a:cxn ang="0">
+                <a:pos x="connsiteX4" y="connsiteY4"/>
+              </a:cxn>
+              <a:cxn ang="0">
+                <a:pos x="connsiteX5" y="connsiteY5"/>
+              </a:cxn>
+              <a:cxn ang="0">
+                <a:pos x="connsiteX6" y="connsiteY6"/>
+              </a:cxn>
+            </a:cxnLst>
+            <a:rect l="l" t="t" r="r" b="b"/>
+            <a:pathLst>
+              <a:path w="1316053" h="1786070">
+                <a:moveTo>
+                  <a:pt x="0" y="1068223"/>
+                </a:moveTo>
+                <a:lnTo>
+                  <a:pt x="991312" y="0"/>
+                </a:lnTo>
+                <a:lnTo>
+                  <a:pt x="734939" y="734938"/>
+                </a:lnTo>
+                <a:lnTo>
+                  <a:pt x="1316053" y="734938"/>
+                </a:lnTo>
+                <a:lnTo>
+                  <a:pt x="358923" y="1786070"/>
+                </a:lnTo>
+                <a:lnTo>
+                  <a:pt x="581114" y="1076769"/>
+                </a:lnTo>
+                <a:lnTo>
+                  <a:pt x="0" y="1068223"/>
+                </a:lnTo>
+                <a:close/>
+              </a:path>
+            </a:pathLst>
+          </a:custGeom>
+          <a:solidFill>
+            <a:schemeClr val="accent5">
+              <a:lumMod val="75000"/>
+            </a:schemeClr>
+          </a:solidFill>
+          <a:ln w="19050"/>
+        </p:spPr>
+        <p:style>
+          <a:lnRef idx="2">
+            <a:schemeClr val="accent1">
+              <a:shade val="15000"/>
+            </a:schemeClr>
+          </a:lnRef>
+          <a:fillRef idx="1">
+            <a:schemeClr val="accent1"/>
+          </a:fillRef>
+          <a:effectRef idx="0">
+            <a:schemeClr val="accent1"/>
+          </a:effectRef>
+          <a:fontRef idx="minor">
+            <a:schemeClr val="lt1"/>
+          </a:fontRef>
+        </p:style>
+        <p:txBody>
+          <a:bodyPr rtlCol="0" anchor="ctr"/>
+          <a:lstStyle/>
+          <a:p>
+            <a:pPr algn="ctr"/>
+            <a:endParaRPr lang="en-US"/>
+          </a:p>
+        </p:txBody>
+      </p:sp>
+      <p:sp>
+        <p:nvSpPr>
+          <p:cNvPr id="149" name="Oval 148">
+            <a:extLst>
+              <a:ext uri="{FF2B5EF4-FFF2-40B4-BE49-F238E27FC236}">
+                <a16:creationId xmlns:a16="http://schemas.microsoft.com/office/drawing/2014/main" id="{8E265BD4-9F23-C1CC-66FB-94B21146C1C2}"/>
+              </a:ext>
+            </a:extLst>
+          </p:cNvPr>
+          <p:cNvSpPr/>
+          <p:nvPr/>
+        </p:nvSpPr>
+        <p:spPr>
+          <a:xfrm>
+            <a:off x="128186" y="92222"/>
+            <a:ext cx="1683522" cy="1683522"/>
+          </a:xfrm>
+          <a:prstGeom prst="ellipse">
+            <a:avLst/>
+          </a:prstGeom>
+          <a:solidFill>
+            <a:srgbClr val="00B0F0"/>
+          </a:solidFill>
+          <a:ln w="28575">
+            <a:solidFill>
+              <a:schemeClr val="tx1"/>
+            </a:solidFill>
+          </a:ln>
+        </p:spPr>
+        <p:style>
+          <a:lnRef idx="2">
+            <a:schemeClr val="accent1">
+              <a:shade val="15000"/>
+            </a:schemeClr>
+          </a:lnRef>
+          <a:fillRef idx="1">
+            <a:schemeClr val="accent1"/>
+          </a:fillRef>
+          <a:effectRef idx="0">
+            <a:schemeClr val="accent1"/>
+          </a:effectRef>
+          <a:fontRef idx="minor">
+            <a:schemeClr val="lt1"/>
+          </a:fontRef>
+        </p:style>
+        <p:txBody>
+          <a:bodyPr rtlCol="0" anchor="ctr"/>
+          <a:lstStyle/>
+          <a:p>
+            <a:pPr algn="ctr"/>
+            <a:endParaRPr lang="en-US" dirty="0"/>
+          </a:p>
+        </p:txBody>
+      </p:sp>
+      <p:sp>
+        <p:nvSpPr>
+          <p:cNvPr id="155" name="Partial Circle 154">
+            <a:extLst>
+              <a:ext uri="{FF2B5EF4-FFF2-40B4-BE49-F238E27FC236}">
+                <a16:creationId xmlns:a16="http://schemas.microsoft.com/office/drawing/2014/main" id="{FB689104-1554-FD35-B01E-6F48D02B6F0B}"/>
+              </a:ext>
+            </a:extLst>
+          </p:cNvPr>
+          <p:cNvSpPr/>
+          <p:nvPr/>
+        </p:nvSpPr>
+        <p:spPr>
+          <a:xfrm>
+            <a:off x="148041" y="110694"/>
+            <a:ext cx="1654313" cy="1654313"/>
+          </a:xfrm>
+          <a:prstGeom prst="pie">
+            <a:avLst>
+              <a:gd name="adj1" fmla="val 1798483"/>
+              <a:gd name="adj2" fmla="val 16200000"/>
+            </a:avLst>
+          </a:prstGeom>
+          <a:solidFill>
+            <a:schemeClr val="bg1">
+              <a:lumMod val="65000"/>
+            </a:schemeClr>
+          </a:solidFill>
+          <a:ln>
+            <a:noFill/>
+          </a:ln>
+        </p:spPr>
+        <p:style>
+          <a:lnRef idx="2">
+            <a:schemeClr val="accent1">
+              <a:shade val="15000"/>
+            </a:schemeClr>
+          </a:lnRef>
+          <a:fillRef idx="1">
+            <a:schemeClr val="accent1"/>
+          </a:fillRef>
+          <a:effectRef idx="0">
+            <a:schemeClr val="accent1"/>
+          </a:effectRef>
+          <a:fontRef idx="minor">
+            <a:schemeClr val="lt1"/>
+          </a:fontRef>
+        </p:style>
+        <p:txBody>
+          <a:bodyPr rtlCol="0" anchor="ctr"/>
+          <a:lstStyle/>
+          <a:p>
+            <a:pPr algn="ctr"/>
+            <a:endParaRPr lang="en-US"/>
+          </a:p>
+        </p:txBody>
+      </p:sp>
+      <p:sp>
+        <p:nvSpPr>
+          <p:cNvPr id="211" name="Rectangle 210">
+            <a:extLst>
+              <a:ext uri="{FF2B5EF4-FFF2-40B4-BE49-F238E27FC236}">
+                <a16:creationId xmlns:a16="http://schemas.microsoft.com/office/drawing/2014/main" id="{A53AE974-247E-7702-E394-EBF32B7E9A32}"/>
+              </a:ext>
+            </a:extLst>
+          </p:cNvPr>
+          <p:cNvSpPr/>
+          <p:nvPr/>
+        </p:nvSpPr>
+        <p:spPr>
+          <a:xfrm>
+            <a:off x="434109" y="1427340"/>
+            <a:ext cx="1074927" cy="610730"/>
+          </a:xfrm>
+          <a:prstGeom prst="rect">
+            <a:avLst/>
+          </a:prstGeom>
+          <a:solidFill>
+            <a:schemeClr val="tx1">
+              <a:lumMod val="65000"/>
+              <a:lumOff val="35000"/>
+            </a:schemeClr>
+          </a:solidFill>
+          <a:ln w="19050"/>
+          <a:scene3d>
+            <a:camera prst="orthographicFront"/>
+            <a:lightRig rig="threePt" dir="t"/>
+          </a:scene3d>
+          <a:sp3d>
+            <a:bevelT/>
+          </a:sp3d>
+        </p:spPr>
+        <p:style>
+          <a:lnRef idx="2">
+            <a:schemeClr val="accent1">
+              <a:shade val="15000"/>
+            </a:schemeClr>
+          </a:lnRef>
+          <a:fillRef idx="1">
+            <a:schemeClr val="accent1"/>
+          </a:fillRef>
+          <a:effectRef idx="0">
+            <a:schemeClr val="accent1"/>
+          </a:effectRef>
+          <a:fontRef idx="minor">
+            <a:schemeClr val="lt1"/>
+          </a:fontRef>
+        </p:style>
+        <p:txBody>
+          <a:bodyPr rtlCol="0" anchor="ctr"/>
+          <a:lstStyle/>
+          <a:p>
+            <a:pPr algn="ctr"/>
+            <a:endParaRPr lang="en-US"/>
+          </a:p>
+        </p:txBody>
+      </p:sp>
+      <p:sp>
+        <p:nvSpPr>
+          <p:cNvPr id="151" name="Oval 150">
+            <a:extLst>
+              <a:ext uri="{FF2B5EF4-FFF2-40B4-BE49-F238E27FC236}">
+                <a16:creationId xmlns:a16="http://schemas.microsoft.com/office/drawing/2014/main" id="{4C9F6434-27A3-CF0B-E3FF-D5BD14523C8D}"/>
+              </a:ext>
+            </a:extLst>
+          </p:cNvPr>
+          <p:cNvSpPr/>
+          <p:nvPr/>
+        </p:nvSpPr>
+        <p:spPr>
+          <a:xfrm>
+            <a:off x="215933" y="179970"/>
+            <a:ext cx="1512887" cy="1512887"/>
+          </a:xfrm>
+          <a:prstGeom prst="ellipse">
+            <a:avLst/>
+          </a:prstGeom>
+          <a:solidFill>
+            <a:schemeClr val="tx1">
+              <a:lumMod val="50000"/>
+              <a:lumOff val="50000"/>
+            </a:schemeClr>
+          </a:solidFill>
+          <a:ln w="28575">
+            <a:solidFill>
+              <a:schemeClr val="tx1"/>
+            </a:solidFill>
+          </a:ln>
+          <a:effectLst>
+            <a:outerShdw blurRad="50800" dist="38100" algn="l" rotWithShape="0">
+              <a:prstClr val="black">
+                <a:alpha val="40000"/>
+              </a:prstClr>
+            </a:outerShdw>
+          </a:effectLst>
+          <a:scene3d>
+            <a:camera prst="orthographicFront"/>
+            <a:lightRig rig="threePt" dir="t"/>
+          </a:scene3d>
+          <a:sp3d>
+            <a:bevelT/>
+          </a:sp3d>
+        </p:spPr>
+        <p:style>
+          <a:lnRef idx="2">
+            <a:schemeClr val="accent1">
+              <a:shade val="15000"/>
+            </a:schemeClr>
+          </a:lnRef>
+          <a:fillRef idx="1">
+            <a:schemeClr val="accent1"/>
+          </a:fillRef>
+          <a:effectRef idx="0">
+            <a:schemeClr val="accent1"/>
+          </a:effectRef>
+          <a:fontRef idx="minor">
+            <a:schemeClr val="lt1"/>
+          </a:fontRef>
+        </p:style>
+        <p:txBody>
+          <a:bodyPr rtlCol="0" anchor="ctr"/>
+          <a:lstStyle/>
+          <a:p>
+            <a:pPr algn="ctr"/>
+            <a:endParaRPr lang="en-US" dirty="0"/>
+          </a:p>
+        </p:txBody>
+      </p:sp>
+      <p:sp>
+        <p:nvSpPr>
+          <p:cNvPr id="153" name="TextBox 152">
+            <a:extLst>
+              <a:ext uri="{FF2B5EF4-FFF2-40B4-BE49-F238E27FC236}">
+                <a16:creationId xmlns:a16="http://schemas.microsoft.com/office/drawing/2014/main" id="{BB28470A-A8E5-774F-AED9-BE8FFCFFBCA8}"/>
+              </a:ext>
+            </a:extLst>
+          </p:cNvPr>
+          <p:cNvSpPr txBox="1"/>
+          <p:nvPr/>
+        </p:nvSpPr>
+        <p:spPr>
+          <a:xfrm>
+            <a:off x="702085" y="764977"/>
+            <a:ext cx="535724" cy="923330"/>
+          </a:xfrm>
+          <a:prstGeom prst="rect">
+            <a:avLst/>
+          </a:prstGeom>
+          <a:noFill/>
+        </p:spPr>
+        <p:txBody>
+          <a:bodyPr wrap="none" rtlCol="0">
+            <a:spAutoFit/>
+          </a:bodyPr>
+          <a:lstStyle/>
+          <a:p>
+            <a:pPr algn="ctr"/>
+            <a:r>
+              <a:rPr lang="cs-CZ" sz="5400" dirty="0">
+                <a:solidFill>
+                  <a:schemeClr val="bg1"/>
+                </a:solidFill>
+              </a:rPr>
+              <a:t>3</a:t>
+            </a:r>
+            <a:endParaRPr lang="en-US" sz="5400" dirty="0">
+              <a:solidFill>
+                <a:schemeClr val="bg1"/>
+              </a:solidFill>
+            </a:endParaRPr>
+          </a:p>
+        </p:txBody>
+      </p:sp>
+      <p:sp>
+        <p:nvSpPr>
+          <p:cNvPr id="163" name="TextBox 162">
+            <a:extLst>
+              <a:ext uri="{FF2B5EF4-FFF2-40B4-BE49-F238E27FC236}">
+                <a16:creationId xmlns:a16="http://schemas.microsoft.com/office/drawing/2014/main" id="{DEED210D-B88B-BD9D-24F0-09E7AE100CA3}"/>
+              </a:ext>
+            </a:extLst>
+          </p:cNvPr>
+          <p:cNvSpPr txBox="1"/>
+          <p:nvPr/>
+        </p:nvSpPr>
+        <p:spPr>
+          <a:xfrm>
+            <a:off x="459546" y="1770849"/>
+            <a:ext cx="881973" cy="307777"/>
+          </a:xfrm>
+          <a:prstGeom prst="rect">
+            <a:avLst/>
+          </a:prstGeom>
+          <a:noFill/>
+        </p:spPr>
+        <p:txBody>
+          <a:bodyPr wrap="none" rtlCol="0">
+            <a:spAutoFit/>
+          </a:bodyPr>
+          <a:lstStyle/>
+          <a:p>
+            <a:pPr algn="ctr"/>
+            <a:r>
+              <a:rPr lang="cs-CZ" sz="1400" dirty="0">
+                <a:solidFill>
+                  <a:schemeClr val="bg1"/>
+                </a:solidFill>
+              </a:rPr>
+              <a:t>speed: 2x</a:t>
+            </a:r>
+            <a:endParaRPr lang="en-US" sz="1400" dirty="0">
+              <a:solidFill>
+                <a:schemeClr val="bg1"/>
+              </a:solidFill>
+            </a:endParaRPr>
+          </a:p>
+        </p:txBody>
+      </p:sp>
+      <p:sp>
+        <p:nvSpPr>
+          <p:cNvPr id="177" name="Parallelogram 176">
+            <a:extLst>
+              <a:ext uri="{FF2B5EF4-FFF2-40B4-BE49-F238E27FC236}">
+                <a16:creationId xmlns:a16="http://schemas.microsoft.com/office/drawing/2014/main" id="{714660AA-8AC5-6D7E-461F-085CE3F867F8}"/>
+              </a:ext>
+            </a:extLst>
+          </p:cNvPr>
+          <p:cNvSpPr/>
+          <p:nvPr/>
+        </p:nvSpPr>
+        <p:spPr>
+          <a:xfrm>
+            <a:off x="4569396" y="474357"/>
+            <a:ext cx="504313" cy="159422"/>
+          </a:xfrm>
+          <a:prstGeom prst="parallelogram">
+            <a:avLst>
+              <a:gd name="adj" fmla="val 88042"/>
+            </a:avLst>
+          </a:prstGeom>
+          <a:solidFill>
+            <a:schemeClr val="tx1">
+              <a:lumMod val="65000"/>
+              <a:lumOff val="35000"/>
+            </a:schemeClr>
+          </a:solidFill>
+          <a:ln w="6350">
+            <a:noFill/>
+          </a:ln>
+          <a:effectLst>
+            <a:innerShdw blurRad="76200">
+              <a:prstClr val="black"/>
+            </a:innerShdw>
+          </a:effectLst>
+        </p:spPr>
+        <p:style>
+          <a:lnRef idx="2">
+            <a:schemeClr val="accent1">
+              <a:shade val="50000"/>
+            </a:schemeClr>
+          </a:lnRef>
+          <a:fillRef idx="1">
+            <a:schemeClr val="accent1"/>
+          </a:fillRef>
+          <a:effectRef idx="0">
+            <a:schemeClr val="accent1"/>
+          </a:effectRef>
+          <a:fontRef idx="minor">
+            <a:schemeClr val="lt1"/>
+          </a:fontRef>
+        </p:style>
+        <p:txBody>
+          <a:bodyPr rtlCol="0" anchor="ctr"/>
+          <a:lstStyle/>
+          <a:p>
+            <a:pPr algn="ctr"/>
+            <a:endParaRPr lang="en-US" dirty="0"/>
+          </a:p>
+        </p:txBody>
+      </p:sp>
+      <p:sp>
+        <p:nvSpPr>
+          <p:cNvPr id="179" name="Parallelogram 178">
+            <a:extLst>
+              <a:ext uri="{FF2B5EF4-FFF2-40B4-BE49-F238E27FC236}">
+                <a16:creationId xmlns:a16="http://schemas.microsoft.com/office/drawing/2014/main" id="{31B1080F-000C-6BC1-7FFD-BB829EFC61E2}"/>
+              </a:ext>
+            </a:extLst>
+          </p:cNvPr>
+          <p:cNvSpPr/>
+          <p:nvPr/>
+        </p:nvSpPr>
+        <p:spPr>
+          <a:xfrm>
+            <a:off x="4961944" y="478981"/>
+            <a:ext cx="504313" cy="159422"/>
+          </a:xfrm>
+          <a:prstGeom prst="parallelogram">
+            <a:avLst>
+              <a:gd name="adj" fmla="val 88042"/>
+            </a:avLst>
+          </a:prstGeom>
+          <a:solidFill>
+            <a:schemeClr val="tx1">
+              <a:lumMod val="65000"/>
+              <a:lumOff val="35000"/>
+            </a:schemeClr>
+          </a:solidFill>
+          <a:ln w="6350">
+            <a:noFill/>
+          </a:ln>
+          <a:effectLst>
+            <a:innerShdw blurRad="76200">
+              <a:prstClr val="black"/>
+            </a:innerShdw>
+          </a:effectLst>
+        </p:spPr>
+        <p:style>
+          <a:lnRef idx="2">
+            <a:schemeClr val="accent1">
+              <a:shade val="50000"/>
+            </a:schemeClr>
+          </a:lnRef>
+          <a:fillRef idx="1">
+            <a:schemeClr val="accent1"/>
+          </a:fillRef>
+          <a:effectRef idx="0">
+            <a:schemeClr val="accent1"/>
+          </a:effectRef>
+          <a:fontRef idx="minor">
+            <a:schemeClr val="lt1"/>
+          </a:fontRef>
+        </p:style>
+        <p:txBody>
+          <a:bodyPr rtlCol="0" anchor="ctr"/>
+          <a:lstStyle/>
+          <a:p>
+            <a:pPr algn="ctr"/>
+            <a:endParaRPr lang="en-US" dirty="0"/>
+          </a:p>
+        </p:txBody>
+      </p:sp>
+      <p:sp>
+        <p:nvSpPr>
+          <p:cNvPr id="180" name="Parallelogram 179">
+            <a:extLst>
+              <a:ext uri="{FF2B5EF4-FFF2-40B4-BE49-F238E27FC236}">
+                <a16:creationId xmlns:a16="http://schemas.microsoft.com/office/drawing/2014/main" id="{7790735A-086C-B621-95A9-7CB81221895C}"/>
+              </a:ext>
+            </a:extLst>
+          </p:cNvPr>
+          <p:cNvSpPr/>
+          <p:nvPr/>
+        </p:nvSpPr>
+        <p:spPr>
+          <a:xfrm>
+            <a:off x="3788885" y="468473"/>
+            <a:ext cx="504313" cy="159422"/>
+          </a:xfrm>
+          <a:prstGeom prst="parallelogram">
+            <a:avLst>
+              <a:gd name="adj" fmla="val 88042"/>
+            </a:avLst>
+          </a:prstGeom>
+          <a:solidFill>
+            <a:srgbClr val="FF0000"/>
+          </a:solidFill>
+          <a:ln w="6350">
+            <a:noFill/>
+          </a:ln>
+          <a:effectLst>
+            <a:innerShdw blurRad="76200">
+              <a:prstClr val="black"/>
+            </a:innerShdw>
+          </a:effectLst>
+        </p:spPr>
+        <p:style>
+          <a:lnRef idx="2">
+            <a:schemeClr val="accent1">
+              <a:shade val="50000"/>
+            </a:schemeClr>
+          </a:lnRef>
+          <a:fillRef idx="1">
+            <a:schemeClr val="accent1"/>
+          </a:fillRef>
+          <a:effectRef idx="0">
+            <a:schemeClr val="accent1"/>
+          </a:effectRef>
+          <a:fontRef idx="minor">
+            <a:schemeClr val="lt1"/>
+          </a:fontRef>
+        </p:style>
+        <p:txBody>
+          <a:bodyPr rtlCol="0" anchor="ctr"/>
+          <a:lstStyle/>
+          <a:p>
+            <a:pPr algn="ctr"/>
+            <a:endParaRPr lang="en-US" dirty="0"/>
+          </a:p>
+        </p:txBody>
+      </p:sp>
+      <p:sp>
+        <p:nvSpPr>
+          <p:cNvPr id="181" name="Parallelogram 180">
+            <a:extLst>
+              <a:ext uri="{FF2B5EF4-FFF2-40B4-BE49-F238E27FC236}">
+                <a16:creationId xmlns:a16="http://schemas.microsoft.com/office/drawing/2014/main" id="{52B9F3F5-7F0C-CF55-A5FE-62FB2A7A7B3A}"/>
+              </a:ext>
+            </a:extLst>
+          </p:cNvPr>
+          <p:cNvSpPr/>
+          <p:nvPr/>
+        </p:nvSpPr>
+        <p:spPr>
+          <a:xfrm>
+            <a:off x="4181433" y="473097"/>
+            <a:ext cx="504313" cy="159422"/>
+          </a:xfrm>
+          <a:prstGeom prst="parallelogram">
+            <a:avLst>
+              <a:gd name="adj" fmla="val 88042"/>
+            </a:avLst>
+          </a:prstGeom>
+          <a:solidFill>
+            <a:schemeClr val="tx1">
+              <a:lumMod val="65000"/>
+              <a:lumOff val="35000"/>
+            </a:schemeClr>
+          </a:solidFill>
+          <a:ln w="6350">
+            <a:noFill/>
+          </a:ln>
+          <a:effectLst>
+            <a:innerShdw blurRad="76200">
+              <a:prstClr val="black"/>
+            </a:innerShdw>
+          </a:effectLst>
+        </p:spPr>
+        <p:style>
+          <a:lnRef idx="2">
+            <a:schemeClr val="accent1">
+              <a:shade val="50000"/>
+            </a:schemeClr>
+          </a:lnRef>
+          <a:fillRef idx="1">
+            <a:schemeClr val="accent1"/>
+          </a:fillRef>
+          <a:effectRef idx="0">
+            <a:schemeClr val="accent1"/>
+          </a:effectRef>
+          <a:fontRef idx="minor">
+            <a:schemeClr val="lt1"/>
+          </a:fontRef>
+        </p:style>
+        <p:txBody>
+          <a:bodyPr rtlCol="0" anchor="ctr"/>
+          <a:lstStyle/>
+          <a:p>
+            <a:pPr algn="ctr"/>
+            <a:endParaRPr lang="en-US" dirty="0"/>
+          </a:p>
+        </p:txBody>
+      </p:sp>
+      <p:sp>
+        <p:nvSpPr>
+          <p:cNvPr id="182" name="Parallelogram 181">
+            <a:extLst>
+              <a:ext uri="{FF2B5EF4-FFF2-40B4-BE49-F238E27FC236}">
+                <a16:creationId xmlns:a16="http://schemas.microsoft.com/office/drawing/2014/main" id="{82FDDF7F-7A7E-49EC-DD1C-3E30CBFDA875}"/>
+              </a:ext>
+            </a:extLst>
+          </p:cNvPr>
+          <p:cNvSpPr/>
+          <p:nvPr/>
+        </p:nvSpPr>
+        <p:spPr>
+          <a:xfrm>
+            <a:off x="3003663" y="468319"/>
+            <a:ext cx="504313" cy="159422"/>
+          </a:xfrm>
+          <a:prstGeom prst="parallelogram">
+            <a:avLst>
+              <a:gd name="adj" fmla="val 88042"/>
+            </a:avLst>
+          </a:prstGeom>
+          <a:solidFill>
+            <a:srgbClr val="FF0000"/>
+          </a:solidFill>
+          <a:ln w="6350">
+            <a:noFill/>
+          </a:ln>
+          <a:effectLst>
+            <a:innerShdw blurRad="76200">
+              <a:prstClr val="black"/>
+            </a:innerShdw>
+          </a:effectLst>
+        </p:spPr>
+        <p:style>
+          <a:lnRef idx="2">
+            <a:schemeClr val="accent1">
+              <a:shade val="50000"/>
+            </a:schemeClr>
+          </a:lnRef>
+          <a:fillRef idx="1">
+            <a:schemeClr val="accent1"/>
+          </a:fillRef>
+          <a:effectRef idx="0">
+            <a:schemeClr val="accent1"/>
+          </a:effectRef>
+          <a:fontRef idx="minor">
+            <a:schemeClr val="lt1"/>
+          </a:fontRef>
+        </p:style>
+        <p:txBody>
+          <a:bodyPr rtlCol="0" anchor="ctr"/>
+          <a:lstStyle/>
+          <a:p>
+            <a:pPr algn="ctr"/>
+            <a:endParaRPr lang="en-US" dirty="0"/>
+          </a:p>
+        </p:txBody>
+      </p:sp>
+      <p:sp>
+        <p:nvSpPr>
+          <p:cNvPr id="183" name="Parallelogram 182">
+            <a:extLst>
+              <a:ext uri="{FF2B5EF4-FFF2-40B4-BE49-F238E27FC236}">
+                <a16:creationId xmlns:a16="http://schemas.microsoft.com/office/drawing/2014/main" id="{02ECF703-C7E1-C1C7-A77A-09CD5F4392A8}"/>
+              </a:ext>
+            </a:extLst>
+          </p:cNvPr>
+          <p:cNvSpPr/>
+          <p:nvPr/>
+        </p:nvSpPr>
+        <p:spPr>
+          <a:xfrm>
+            <a:off x="3396211" y="472943"/>
+            <a:ext cx="504313" cy="159422"/>
+          </a:xfrm>
+          <a:prstGeom prst="parallelogram">
+            <a:avLst>
+              <a:gd name="adj" fmla="val 88042"/>
+            </a:avLst>
+          </a:prstGeom>
+          <a:solidFill>
+            <a:srgbClr val="FF0000"/>
+          </a:solidFill>
+          <a:ln w="6350">
+            <a:noFill/>
+          </a:ln>
+          <a:effectLst>
+            <a:innerShdw blurRad="76200">
+              <a:prstClr val="black"/>
+            </a:innerShdw>
+          </a:effectLst>
+        </p:spPr>
+        <p:style>
+          <a:lnRef idx="2">
+            <a:schemeClr val="accent1">
+              <a:shade val="50000"/>
+            </a:schemeClr>
+          </a:lnRef>
+          <a:fillRef idx="1">
+            <a:schemeClr val="accent1"/>
+          </a:fillRef>
+          <a:effectRef idx="0">
+            <a:schemeClr val="accent1"/>
+          </a:effectRef>
+          <a:fontRef idx="minor">
+            <a:schemeClr val="lt1"/>
+          </a:fontRef>
+        </p:style>
+        <p:txBody>
+          <a:bodyPr rtlCol="0" anchor="ctr"/>
+          <a:lstStyle/>
+          <a:p>
+            <a:pPr algn="ctr"/>
+            <a:endParaRPr lang="en-US" dirty="0"/>
+          </a:p>
+        </p:txBody>
+      </p:sp>
+      <p:sp>
+        <p:nvSpPr>
+          <p:cNvPr id="185" name="Parallelogram 184">
+            <a:extLst>
+              <a:ext uri="{FF2B5EF4-FFF2-40B4-BE49-F238E27FC236}">
+                <a16:creationId xmlns:a16="http://schemas.microsoft.com/office/drawing/2014/main" id="{C0B69106-A519-0414-8685-E23DAE2C3B6A}"/>
+              </a:ext>
+            </a:extLst>
+          </p:cNvPr>
+          <p:cNvSpPr/>
+          <p:nvPr/>
+        </p:nvSpPr>
+        <p:spPr>
+          <a:xfrm>
+            <a:off x="2615700" y="467059"/>
+            <a:ext cx="504313" cy="159422"/>
+          </a:xfrm>
+          <a:prstGeom prst="parallelogram">
+            <a:avLst>
+              <a:gd name="adj" fmla="val 88042"/>
+            </a:avLst>
+          </a:prstGeom>
+          <a:solidFill>
+            <a:srgbClr val="FF0000"/>
+          </a:solidFill>
+          <a:ln w="6350">
+            <a:noFill/>
+          </a:ln>
+          <a:effectLst>
+            <a:innerShdw blurRad="76200">
+              <a:prstClr val="black"/>
+            </a:innerShdw>
+          </a:effectLst>
+        </p:spPr>
+        <p:style>
+          <a:lnRef idx="2">
+            <a:schemeClr val="accent1">
+              <a:shade val="50000"/>
+            </a:schemeClr>
+          </a:lnRef>
+          <a:fillRef idx="1">
+            <a:schemeClr val="accent1"/>
+          </a:fillRef>
+          <a:effectRef idx="0">
+            <a:schemeClr val="accent1"/>
+          </a:effectRef>
+          <a:fontRef idx="minor">
+            <a:schemeClr val="lt1"/>
+          </a:fontRef>
+        </p:style>
+        <p:txBody>
+          <a:bodyPr rtlCol="0" anchor="ctr"/>
+          <a:lstStyle/>
+          <a:p>
+            <a:pPr algn="ctr"/>
+            <a:endParaRPr lang="en-US" dirty="0"/>
+          </a:p>
+        </p:txBody>
+      </p:sp>
+      <p:sp>
+        <p:nvSpPr>
+          <p:cNvPr id="190" name="Parallelogram 189">
+            <a:extLst>
+              <a:ext uri="{FF2B5EF4-FFF2-40B4-BE49-F238E27FC236}">
+                <a16:creationId xmlns:a16="http://schemas.microsoft.com/office/drawing/2014/main" id="{0F7AE083-795E-33AE-73B6-3D3CE8E5B480}"/>
+              </a:ext>
+            </a:extLst>
+          </p:cNvPr>
+          <p:cNvSpPr/>
+          <p:nvPr/>
+        </p:nvSpPr>
+        <p:spPr>
+          <a:xfrm>
+            <a:off x="1830541" y="468697"/>
+            <a:ext cx="504313" cy="159422"/>
+          </a:xfrm>
+          <a:prstGeom prst="parallelogram">
+            <a:avLst>
+              <a:gd name="adj" fmla="val 88042"/>
+            </a:avLst>
+          </a:prstGeom>
+          <a:solidFill>
+            <a:srgbClr val="FF0000"/>
+          </a:solidFill>
+          <a:ln w="6350">
+            <a:noFill/>
+          </a:ln>
+          <a:effectLst>
+            <a:innerShdw blurRad="76200">
+              <a:prstClr val="black"/>
+            </a:innerShdw>
+          </a:effectLst>
+        </p:spPr>
+        <p:style>
+          <a:lnRef idx="2">
+            <a:schemeClr val="accent1">
+              <a:shade val="50000"/>
+            </a:schemeClr>
+          </a:lnRef>
+          <a:fillRef idx="1">
+            <a:schemeClr val="accent1"/>
+          </a:fillRef>
+          <a:effectRef idx="0">
+            <a:schemeClr val="accent1"/>
+          </a:effectRef>
+          <a:fontRef idx="minor">
+            <a:schemeClr val="lt1"/>
+          </a:fontRef>
+        </p:style>
+        <p:txBody>
+          <a:bodyPr rtlCol="0" anchor="ctr"/>
+          <a:lstStyle/>
+          <a:p>
+            <a:pPr algn="ctr"/>
+            <a:endParaRPr lang="en-US" dirty="0"/>
+          </a:p>
+        </p:txBody>
+      </p:sp>
+      <p:sp>
+        <p:nvSpPr>
+          <p:cNvPr id="191" name="Parallelogram 190">
+            <a:extLst>
+              <a:ext uri="{FF2B5EF4-FFF2-40B4-BE49-F238E27FC236}">
+                <a16:creationId xmlns:a16="http://schemas.microsoft.com/office/drawing/2014/main" id="{7019CDFF-B057-F6FB-C566-B580C21916BE}"/>
+              </a:ext>
+            </a:extLst>
+          </p:cNvPr>
+          <p:cNvSpPr/>
+          <p:nvPr/>
+        </p:nvSpPr>
+        <p:spPr>
+          <a:xfrm>
+            <a:off x="2223089" y="473321"/>
+            <a:ext cx="504313" cy="159422"/>
+          </a:xfrm>
+          <a:prstGeom prst="parallelogram">
+            <a:avLst>
+              <a:gd name="adj" fmla="val 88042"/>
+            </a:avLst>
+          </a:prstGeom>
+          <a:solidFill>
+            <a:srgbClr val="FF0000"/>
+          </a:solidFill>
+          <a:ln w="6350">
+            <a:noFill/>
+          </a:ln>
+          <a:effectLst>
+            <a:innerShdw blurRad="76200">
+              <a:prstClr val="black"/>
+            </a:innerShdw>
+          </a:effectLst>
+        </p:spPr>
+        <p:style>
+          <a:lnRef idx="2">
+            <a:schemeClr val="accent1">
+              <a:shade val="50000"/>
+            </a:schemeClr>
+          </a:lnRef>
+          <a:fillRef idx="1">
+            <a:schemeClr val="accent1"/>
+          </a:fillRef>
+          <a:effectRef idx="0">
+            <a:schemeClr val="accent1"/>
+          </a:effectRef>
+          <a:fontRef idx="minor">
+            <a:schemeClr val="lt1"/>
+          </a:fontRef>
+        </p:style>
+        <p:txBody>
+          <a:bodyPr rtlCol="0" anchor="ctr"/>
+          <a:lstStyle/>
+          <a:p>
+            <a:pPr algn="ctr"/>
+            <a:endParaRPr lang="en-US" dirty="0"/>
+          </a:p>
+        </p:txBody>
+      </p:sp>
+      <p:sp>
+        <p:nvSpPr>
+          <p:cNvPr id="199" name="TextBox 198">
+            <a:extLst>
+              <a:ext uri="{FF2B5EF4-FFF2-40B4-BE49-F238E27FC236}">
+                <a16:creationId xmlns:a16="http://schemas.microsoft.com/office/drawing/2014/main" id="{C641BF30-10EB-F6F9-7124-D59F7C407281}"/>
+              </a:ext>
+            </a:extLst>
+          </p:cNvPr>
+          <p:cNvSpPr txBox="1"/>
+          <p:nvPr/>
+        </p:nvSpPr>
+        <p:spPr>
+          <a:xfrm>
+            <a:off x="2906260" y="101878"/>
+            <a:ext cx="859531" cy="369332"/>
+          </a:xfrm>
+          <a:prstGeom prst="rect">
+            <a:avLst/>
+          </a:prstGeom>
+          <a:noFill/>
+        </p:spPr>
+        <p:txBody>
+          <a:bodyPr wrap="none" rtlCol="0">
+            <a:spAutoFit/>
+          </a:bodyPr>
+          <a:lstStyle/>
+          <a:p>
+            <a:r>
+              <a:rPr lang="cs-CZ" dirty="0">
+                <a:solidFill>
+                  <a:schemeClr val="bg1"/>
+                </a:solidFill>
+              </a:rPr>
+              <a:t>85/120</a:t>
+            </a:r>
+            <a:endParaRPr lang="en-US" dirty="0">
+              <a:solidFill>
+                <a:schemeClr val="bg1"/>
+              </a:solidFill>
+            </a:endParaRPr>
+          </a:p>
+        </p:txBody>
+      </p:sp>
+      <p:sp>
+        <p:nvSpPr>
+          <p:cNvPr id="201" name="Arrow: Chevron 200">
+            <a:extLst>
+              <a:ext uri="{FF2B5EF4-FFF2-40B4-BE49-F238E27FC236}">
+                <a16:creationId xmlns:a16="http://schemas.microsoft.com/office/drawing/2014/main" id="{77940102-9BFF-CB80-F97C-274FBBC32546}"/>
+              </a:ext>
+            </a:extLst>
+          </p:cNvPr>
+          <p:cNvSpPr/>
+          <p:nvPr/>
+        </p:nvSpPr>
+        <p:spPr>
+          <a:xfrm>
+            <a:off x="4972646" y="177128"/>
+            <a:ext cx="148732" cy="218976"/>
+          </a:xfrm>
+          <a:prstGeom prst="chevron">
+            <a:avLst/>
+          </a:prstGeom>
+          <a:solidFill>
+            <a:srgbClr val="92D050"/>
+          </a:solidFill>
+          <a:ln>
+            <a:noFill/>
+          </a:ln>
+        </p:spPr>
+        <p:style>
+          <a:lnRef idx="2">
+            <a:schemeClr val="accent1">
+              <a:shade val="15000"/>
+            </a:schemeClr>
+          </a:lnRef>
+          <a:fillRef idx="1">
+            <a:schemeClr val="accent1"/>
+          </a:fillRef>
+          <a:effectRef idx="0">
+            <a:schemeClr val="accent1"/>
+          </a:effectRef>
+          <a:fontRef idx="minor">
+            <a:schemeClr val="lt1"/>
+          </a:fontRef>
+        </p:style>
+        <p:txBody>
+          <a:bodyPr rtlCol="0" anchor="ctr"/>
+          <a:lstStyle/>
+          <a:p>
+            <a:pPr algn="ctr"/>
+            <a:endParaRPr lang="en-US">
+              <a:solidFill>
+                <a:schemeClr val="tx1"/>
+              </a:solidFill>
+            </a:endParaRPr>
+          </a:p>
+        </p:txBody>
+      </p:sp>
+      <p:sp>
+        <p:nvSpPr>
+          <p:cNvPr id="202" name="Arrow: Chevron 201">
+            <a:extLst>
+              <a:ext uri="{FF2B5EF4-FFF2-40B4-BE49-F238E27FC236}">
+                <a16:creationId xmlns:a16="http://schemas.microsoft.com/office/drawing/2014/main" id="{617AE107-9C2E-4401-DFAB-CF00101C891B}"/>
+              </a:ext>
+            </a:extLst>
+          </p:cNvPr>
+          <p:cNvSpPr/>
+          <p:nvPr/>
+        </p:nvSpPr>
+        <p:spPr>
+          <a:xfrm>
+            <a:off x="5581173" y="179715"/>
+            <a:ext cx="148732" cy="218976"/>
+          </a:xfrm>
+          <a:prstGeom prst="chevron">
+            <a:avLst/>
+          </a:prstGeom>
+          <a:solidFill>
+            <a:srgbClr val="92D050"/>
+          </a:solidFill>
+          <a:ln>
+            <a:noFill/>
+          </a:ln>
+        </p:spPr>
+        <p:style>
+          <a:lnRef idx="2">
+            <a:schemeClr val="accent1">
+              <a:shade val="15000"/>
+            </a:schemeClr>
+          </a:lnRef>
+          <a:fillRef idx="1">
+            <a:schemeClr val="accent1"/>
+          </a:fillRef>
+          <a:effectRef idx="0">
+            <a:schemeClr val="accent1"/>
+          </a:effectRef>
+          <a:fontRef idx="minor">
+            <a:schemeClr val="lt1"/>
+          </a:fontRef>
+        </p:style>
+        <p:txBody>
+          <a:bodyPr rtlCol="0" anchor="ctr"/>
+          <a:lstStyle/>
+          <a:p>
+            <a:pPr algn="ctr"/>
+            <a:endParaRPr lang="en-US">
+              <a:solidFill>
+                <a:schemeClr val="tx1"/>
+              </a:solidFill>
+            </a:endParaRPr>
+          </a:p>
+        </p:txBody>
+      </p:sp>
+      <p:sp>
+        <p:nvSpPr>
+          <p:cNvPr id="203" name="TextBox 202">
+            <a:extLst>
+              <a:ext uri="{FF2B5EF4-FFF2-40B4-BE49-F238E27FC236}">
+                <a16:creationId xmlns:a16="http://schemas.microsoft.com/office/drawing/2014/main" id="{D0CEE02F-4498-CFD7-A730-5395761B6BFF}"/>
+              </a:ext>
+            </a:extLst>
+          </p:cNvPr>
+          <p:cNvSpPr txBox="1"/>
+          <p:nvPr/>
+        </p:nvSpPr>
+        <p:spPr>
+          <a:xfrm>
+            <a:off x="4472211" y="101840"/>
+            <a:ext cx="534121" cy="369332"/>
+          </a:xfrm>
+          <a:prstGeom prst="rect">
+            <a:avLst/>
+          </a:prstGeom>
+          <a:noFill/>
+        </p:spPr>
+        <p:txBody>
+          <a:bodyPr wrap="none" rtlCol="0">
+            <a:spAutoFit/>
+          </a:bodyPr>
+          <a:lstStyle/>
+          <a:p>
+            <a:r>
+              <a:rPr lang="cs-CZ" dirty="0">
+                <a:solidFill>
+                  <a:srgbClr val="92D050"/>
+                </a:solidFill>
+              </a:rPr>
+              <a:t>+15</a:t>
+            </a:r>
+            <a:endParaRPr lang="en-US" dirty="0">
+              <a:solidFill>
+                <a:srgbClr val="92D050"/>
+              </a:solidFill>
+            </a:endParaRPr>
+          </a:p>
+        </p:txBody>
+      </p:sp>
+      <p:sp>
+        <p:nvSpPr>
+          <p:cNvPr id="206" name="Rectangle 205">
+            <a:extLst>
+              <a:ext uri="{FF2B5EF4-FFF2-40B4-BE49-F238E27FC236}">
+                <a16:creationId xmlns:a16="http://schemas.microsoft.com/office/drawing/2014/main" id="{17B55743-C331-4B16-8EE1-71EC2C81E8F4}"/>
+              </a:ext>
+            </a:extLst>
+          </p:cNvPr>
+          <p:cNvSpPr/>
+          <p:nvPr/>
+        </p:nvSpPr>
+        <p:spPr>
+          <a:xfrm>
+            <a:off x="9691065" y="219406"/>
+            <a:ext cx="2259412" cy="4378037"/>
+          </a:xfrm>
+          <a:prstGeom prst="rect">
+            <a:avLst/>
+          </a:prstGeom>
+        </p:spPr>
+        <p:style>
+          <a:lnRef idx="2">
+            <a:schemeClr val="accent1">
+              <a:shade val="15000"/>
+            </a:schemeClr>
+          </a:lnRef>
+          <a:fillRef idx="1">
+            <a:schemeClr val="accent1"/>
+          </a:fillRef>
+          <a:effectRef idx="0">
+            <a:schemeClr val="accent1"/>
+          </a:effectRef>
+          <a:fontRef idx="minor">
+            <a:schemeClr val="lt1"/>
+          </a:fontRef>
+        </p:style>
+        <p:txBody>
+          <a:bodyPr rtlCol="0" anchor="ctr"/>
+          <a:lstStyle/>
+          <a:p>
+            <a:pPr algn="ctr"/>
+            <a:endParaRPr lang="en-US"/>
+          </a:p>
+        </p:txBody>
+      </p:sp>
+      <p:sp>
+        <p:nvSpPr>
+          <p:cNvPr id="207" name="TextBox 206">
+            <a:extLst>
+              <a:ext uri="{FF2B5EF4-FFF2-40B4-BE49-F238E27FC236}">
+                <a16:creationId xmlns:a16="http://schemas.microsoft.com/office/drawing/2014/main" id="{7830A819-AF03-F024-2231-FDC5E0A7AD55}"/>
+              </a:ext>
+            </a:extLst>
+          </p:cNvPr>
+          <p:cNvSpPr txBox="1"/>
+          <p:nvPr/>
+        </p:nvSpPr>
+        <p:spPr>
+          <a:xfrm>
+            <a:off x="10089901" y="579797"/>
+            <a:ext cx="1494705" cy="646331"/>
+          </a:xfrm>
+          <a:prstGeom prst="rect">
+            <a:avLst/>
+          </a:prstGeom>
+          <a:noFill/>
+        </p:spPr>
+        <p:txBody>
+          <a:bodyPr wrap="none" rtlCol="0">
+            <a:spAutoFit/>
+          </a:bodyPr>
+          <a:lstStyle/>
+          <a:p>
+            <a:r>
+              <a:rPr lang="en-US" noProof="1">
+                <a:solidFill>
+                  <a:schemeClr val="bg1"/>
+                </a:solidFill>
+              </a:rPr>
+              <a:t>Lorem ipusm </a:t>
+            </a:r>
+            <a:br>
+              <a:rPr lang="en-US" noProof="1">
+                <a:solidFill>
+                  <a:schemeClr val="bg1"/>
+                </a:solidFill>
+              </a:rPr>
+            </a:br>
+            <a:r>
+              <a:rPr lang="en-US" noProof="1">
+                <a:solidFill>
+                  <a:schemeClr val="bg1"/>
+                </a:solidFill>
+              </a:rPr>
+              <a:t>dolor sit amet</a:t>
+            </a:r>
+          </a:p>
+        </p:txBody>
+      </p:sp>
+      <p:sp>
+        <p:nvSpPr>
+          <p:cNvPr id="209" name="TextBox 208">
+            <a:extLst>
+              <a:ext uri="{FF2B5EF4-FFF2-40B4-BE49-F238E27FC236}">
+                <a16:creationId xmlns:a16="http://schemas.microsoft.com/office/drawing/2014/main" id="{8B23AAF1-DFCD-B39C-9794-04A37C25DD08}"/>
+              </a:ext>
+            </a:extLst>
+          </p:cNvPr>
+          <p:cNvSpPr txBox="1"/>
+          <p:nvPr/>
+        </p:nvSpPr>
+        <p:spPr>
+          <a:xfrm>
+            <a:off x="463805" y="243264"/>
+            <a:ext cx="1021946" cy="469616"/>
+          </a:xfrm>
+          <a:prstGeom prst="rect">
+            <a:avLst/>
+          </a:prstGeom>
+          <a:noFill/>
+        </p:spPr>
+        <p:txBody>
+          <a:bodyPr wrap="none" rtlCol="0">
+            <a:spAutoFit/>
+          </a:bodyPr>
+          <a:lstStyle/>
+          <a:p>
+            <a:pPr algn="ctr">
+              <a:lnSpc>
+                <a:spcPct val="75000"/>
+              </a:lnSpc>
+            </a:pPr>
+            <a:r>
+              <a:rPr lang="en-US" sz="1600" noProof="1">
+                <a:solidFill>
+                  <a:srgbClr val="92D050"/>
+                </a:solidFill>
+              </a:rPr>
+              <a:t>3 waves</a:t>
+            </a:r>
+            <a:br>
+              <a:rPr lang="en-US" sz="1600" noProof="1">
+                <a:solidFill>
+                  <a:srgbClr val="92D050"/>
+                </a:solidFill>
+              </a:rPr>
+            </a:br>
+            <a:r>
+              <a:rPr lang="en-US" sz="1600" noProof="1">
+                <a:solidFill>
+                  <a:srgbClr val="92D050"/>
+                </a:solidFill>
+              </a:rPr>
+              <a:t>remaining</a:t>
+            </a:r>
+          </a:p>
+        </p:txBody>
+      </p:sp>
+      <p:sp>
+        <p:nvSpPr>
+          <p:cNvPr id="210" name="TextBox 209">
+            <a:extLst>
+              <a:ext uri="{FF2B5EF4-FFF2-40B4-BE49-F238E27FC236}">
+                <a16:creationId xmlns:a16="http://schemas.microsoft.com/office/drawing/2014/main" id="{670953E9-D0E2-EEC6-5FB2-3604A25E60B1}"/>
+              </a:ext>
+            </a:extLst>
+          </p:cNvPr>
+          <p:cNvSpPr txBox="1"/>
+          <p:nvPr/>
+        </p:nvSpPr>
+        <p:spPr>
+          <a:xfrm>
+            <a:off x="450294" y="505590"/>
+            <a:ext cx="1049262" cy="584775"/>
+          </a:xfrm>
+          <a:prstGeom prst="rect">
+            <a:avLst/>
+          </a:prstGeom>
+          <a:noFill/>
+        </p:spPr>
+        <p:txBody>
+          <a:bodyPr wrap="none" rtlCol="0">
+            <a:spAutoFit/>
+          </a:bodyPr>
+          <a:lstStyle/>
+          <a:p>
+            <a:r>
+              <a:rPr lang="en-US" sz="3200" noProof="1">
+                <a:solidFill>
+                  <a:schemeClr val="bg1"/>
+                </a:solidFill>
+              </a:rPr>
+              <a:t>wave</a:t>
+            </a:r>
+          </a:p>
+        </p:txBody>
+      </p:sp>
+      <p:sp>
+        <p:nvSpPr>
+          <p:cNvPr id="213" name="Oval 212">
+            <a:extLst>
+              <a:ext uri="{FF2B5EF4-FFF2-40B4-BE49-F238E27FC236}">
+                <a16:creationId xmlns:a16="http://schemas.microsoft.com/office/drawing/2014/main" id="{FCD6F540-BC41-C6F4-1126-D3EA55E0A222}"/>
+              </a:ext>
+            </a:extLst>
+          </p:cNvPr>
+          <p:cNvSpPr/>
+          <p:nvPr/>
+        </p:nvSpPr>
+        <p:spPr>
+          <a:xfrm>
+            <a:off x="774916" y="1499530"/>
+            <a:ext cx="361814" cy="361814"/>
+          </a:xfrm>
+          <a:prstGeom prst="ellipse">
+            <a:avLst/>
+          </a:prstGeom>
+          <a:solidFill>
+            <a:schemeClr val="bg1">
+              <a:lumMod val="75000"/>
+            </a:schemeClr>
+          </a:solidFill>
+          <a:ln>
+            <a:solidFill>
+              <a:schemeClr val="tx1">
+                <a:lumMod val="85000"/>
+                <a:lumOff val="15000"/>
+              </a:schemeClr>
+            </a:solidFill>
+          </a:ln>
+          <a:scene3d>
+            <a:camera prst="orthographicFront"/>
+            <a:lightRig rig="threePt" dir="t"/>
+          </a:scene3d>
+          <a:sp3d>
+            <a:bevelT w="25400" h="25400"/>
+          </a:sp3d>
+        </p:spPr>
+        <p:style>
+          <a:lnRef idx="2">
+            <a:schemeClr val="accent1">
+              <a:shade val="15000"/>
+            </a:schemeClr>
+          </a:lnRef>
+          <a:fillRef idx="1">
+            <a:schemeClr val="accent1"/>
+          </a:fillRef>
+          <a:effectRef idx="0">
+            <a:schemeClr val="accent1"/>
+          </a:effectRef>
+          <a:fontRef idx="minor">
+            <a:schemeClr val="lt1"/>
+          </a:fontRef>
+        </p:style>
+        <p:txBody>
+          <a:bodyPr rtlCol="0" anchor="ctr"/>
+          <a:lstStyle/>
+          <a:p>
+            <a:pPr algn="ctr"/>
+            <a:endParaRPr lang="en-US"/>
+          </a:p>
+        </p:txBody>
+      </p:sp>
+      <p:sp>
+        <p:nvSpPr>
+          <p:cNvPr id="154" name="Equals 153">
+            <a:extLst>
+              <a:ext uri="{FF2B5EF4-FFF2-40B4-BE49-F238E27FC236}">
+                <a16:creationId xmlns:a16="http://schemas.microsoft.com/office/drawing/2014/main" id="{BC40E713-698F-D70D-C78C-B54545A52F32}"/>
+              </a:ext>
+            </a:extLst>
+          </p:cNvPr>
+          <p:cNvSpPr/>
+          <p:nvPr/>
+        </p:nvSpPr>
+        <p:spPr>
+          <a:xfrm rot="5400000">
+            <a:off x="836400" y="1534577"/>
+            <a:ext cx="233256" cy="296949"/>
+          </a:xfrm>
+          <a:prstGeom prst="mathEqual">
+            <a:avLst/>
+          </a:prstGeom>
+          <a:solidFill>
+            <a:schemeClr val="bg1"/>
+          </a:solidFill>
+          <a:ln>
+            <a:solidFill>
+              <a:schemeClr val="tx1">
+                <a:lumMod val="50000"/>
+                <a:lumOff val="50000"/>
+              </a:schemeClr>
+            </a:solidFill>
+          </a:ln>
+          <a:effectLst>
+            <a:innerShdw blurRad="63500" dist="12700" dir="13500000">
+              <a:prstClr val="black">
+                <a:alpha val="50000"/>
+              </a:prstClr>
+            </a:innerShdw>
+          </a:effectLst>
+        </p:spPr>
+        <p:style>
+          <a:lnRef idx="2">
+            <a:schemeClr val="accent1">
+              <a:shade val="15000"/>
+            </a:schemeClr>
+          </a:lnRef>
+          <a:fillRef idx="1">
+            <a:schemeClr val="accent1"/>
+          </a:fillRef>
+          <a:effectRef idx="0">
+            <a:schemeClr val="accent1"/>
+          </a:effectRef>
+          <a:fontRef idx="minor">
+            <a:schemeClr val="lt1"/>
+          </a:fontRef>
+        </p:style>
+        <p:txBody>
+          <a:bodyPr rtlCol="0" anchor="ctr"/>
+          <a:lstStyle/>
+          <a:p>
+            <a:pPr algn="ctr"/>
+            <a:endParaRPr lang="en-US">
+              <a:solidFill>
+                <a:schemeClr val="tx1"/>
+              </a:solidFill>
+            </a:endParaRPr>
+          </a:p>
+        </p:txBody>
+      </p:sp>
+      <p:sp>
+        <p:nvSpPr>
+          <p:cNvPr id="214" name="Flowchart: Stored Data 213">
+            <a:extLst>
+              <a:ext uri="{FF2B5EF4-FFF2-40B4-BE49-F238E27FC236}">
+                <a16:creationId xmlns:a16="http://schemas.microsoft.com/office/drawing/2014/main" id="{E6ABB1E9-AB7E-EFD5-8AB6-3211789A9696}"/>
+              </a:ext>
+            </a:extLst>
+          </p:cNvPr>
+          <p:cNvSpPr/>
+          <p:nvPr/>
+        </p:nvSpPr>
+        <p:spPr>
+          <a:xfrm>
+            <a:off x="449779" y="1544278"/>
+            <a:ext cx="339956" cy="276482"/>
+          </a:xfrm>
+          <a:prstGeom prst="flowChartOnlineStorage">
+            <a:avLst/>
+          </a:prstGeom>
+          <a:solidFill>
+            <a:schemeClr val="bg1">
+              <a:lumMod val="75000"/>
+            </a:schemeClr>
+          </a:solidFill>
+          <a:ln w="12700">
+            <a:solidFill>
+              <a:schemeClr val="tx1">
+                <a:lumMod val="85000"/>
+                <a:lumOff val="15000"/>
+              </a:schemeClr>
+            </a:solidFill>
+          </a:ln>
+          <a:scene3d>
+            <a:camera prst="orthographicFront"/>
+            <a:lightRig rig="threePt" dir="t"/>
+          </a:scene3d>
+          <a:sp3d>
+            <a:bevelT w="25400" h="25400"/>
+          </a:sp3d>
+        </p:spPr>
+        <p:style>
+          <a:lnRef idx="2">
+            <a:schemeClr val="accent1">
+              <a:shade val="15000"/>
+            </a:schemeClr>
+          </a:lnRef>
+          <a:fillRef idx="1">
+            <a:schemeClr val="accent1"/>
+          </a:fillRef>
+          <a:effectRef idx="0">
+            <a:schemeClr val="accent1"/>
+          </a:effectRef>
+          <a:fontRef idx="minor">
+            <a:schemeClr val="lt1"/>
+          </a:fontRef>
+        </p:style>
+        <p:txBody>
+          <a:bodyPr rtlCol="0" anchor="ctr"/>
+          <a:lstStyle/>
+          <a:p>
+            <a:pPr algn="ctr"/>
+            <a:endParaRPr lang="en-US"/>
+          </a:p>
+        </p:txBody>
+      </p:sp>
+      <p:sp>
+        <p:nvSpPr>
+          <p:cNvPr id="159" name="Arrow: Chevron 158">
+            <a:extLst>
+              <a:ext uri="{FF2B5EF4-FFF2-40B4-BE49-F238E27FC236}">
+                <a16:creationId xmlns:a16="http://schemas.microsoft.com/office/drawing/2014/main" id="{7E1643DB-D500-0D89-C75A-4B0CB4B4A46E}"/>
+              </a:ext>
+            </a:extLst>
+          </p:cNvPr>
+          <p:cNvSpPr/>
+          <p:nvPr/>
+        </p:nvSpPr>
+        <p:spPr>
+          <a:xfrm rot="10800000">
+            <a:off x="461657" y="1596156"/>
+            <a:ext cx="162116" cy="168381"/>
+          </a:xfrm>
+          <a:prstGeom prst="chevron">
+            <a:avLst/>
+          </a:prstGeom>
+          <a:solidFill>
+            <a:schemeClr val="bg1"/>
+          </a:solidFill>
+          <a:ln>
+            <a:solidFill>
+              <a:schemeClr val="tx1">
+                <a:lumMod val="50000"/>
+                <a:lumOff val="50000"/>
+              </a:schemeClr>
+            </a:solidFill>
+          </a:ln>
+          <a:effectLst>
+            <a:innerShdw blurRad="63500" dist="12700" dir="13500000">
+              <a:prstClr val="black">
+                <a:alpha val="50000"/>
+              </a:prstClr>
+            </a:innerShdw>
+          </a:effectLst>
+        </p:spPr>
+        <p:style>
+          <a:lnRef idx="2">
+            <a:schemeClr val="accent1">
+              <a:shade val="15000"/>
+            </a:schemeClr>
+          </a:lnRef>
+          <a:fillRef idx="1">
+            <a:schemeClr val="accent1"/>
+          </a:fillRef>
+          <a:effectRef idx="0">
+            <a:schemeClr val="accent1"/>
+          </a:effectRef>
+          <a:fontRef idx="minor">
+            <a:schemeClr val="lt1"/>
+          </a:fontRef>
+        </p:style>
+        <p:txBody>
+          <a:bodyPr rtlCol="0" anchor="ctr"/>
+          <a:lstStyle/>
+          <a:p>
+            <a:pPr algn="ctr"/>
+            <a:endParaRPr lang="en-US">
+              <a:solidFill>
+                <a:schemeClr val="tx1"/>
+              </a:solidFill>
+            </a:endParaRPr>
+          </a:p>
+        </p:txBody>
+      </p:sp>
+      <p:sp>
+        <p:nvSpPr>
+          <p:cNvPr id="160" name="Arrow: Chevron 159">
+            <a:extLst>
+              <a:ext uri="{FF2B5EF4-FFF2-40B4-BE49-F238E27FC236}">
+                <a16:creationId xmlns:a16="http://schemas.microsoft.com/office/drawing/2014/main" id="{53495391-238F-24A3-6422-2685706F4007}"/>
+              </a:ext>
+            </a:extLst>
+          </p:cNvPr>
+          <p:cNvSpPr/>
+          <p:nvPr/>
+        </p:nvSpPr>
+        <p:spPr>
+          <a:xfrm rot="10800000">
+            <a:off x="565970" y="1597986"/>
+            <a:ext cx="162116" cy="168381"/>
+          </a:xfrm>
+          <a:prstGeom prst="chevron">
+            <a:avLst/>
+          </a:prstGeom>
+          <a:solidFill>
+            <a:schemeClr val="bg1"/>
+          </a:solidFill>
+          <a:ln>
+            <a:solidFill>
+              <a:schemeClr val="tx1">
+                <a:lumMod val="50000"/>
+                <a:lumOff val="50000"/>
+              </a:schemeClr>
+            </a:solidFill>
+          </a:ln>
+          <a:effectLst>
+            <a:innerShdw blurRad="63500" dist="12700" dir="13500000">
+              <a:prstClr val="black">
+                <a:alpha val="50000"/>
+              </a:prstClr>
+            </a:innerShdw>
+          </a:effectLst>
+        </p:spPr>
+        <p:style>
+          <a:lnRef idx="2">
+            <a:schemeClr val="accent1">
+              <a:shade val="15000"/>
+            </a:schemeClr>
+          </a:lnRef>
+          <a:fillRef idx="1">
+            <a:schemeClr val="accent1"/>
+          </a:fillRef>
+          <a:effectRef idx="0">
+            <a:schemeClr val="accent1"/>
+          </a:effectRef>
+          <a:fontRef idx="minor">
+            <a:schemeClr val="lt1"/>
+          </a:fontRef>
+        </p:style>
+        <p:txBody>
+          <a:bodyPr rtlCol="0" anchor="ctr"/>
+          <a:lstStyle/>
+          <a:p>
+            <a:pPr algn="ctr"/>
+            <a:endParaRPr lang="en-US">
+              <a:solidFill>
+                <a:schemeClr val="tx1"/>
+              </a:solidFill>
+            </a:endParaRPr>
+          </a:p>
+        </p:txBody>
+      </p:sp>
+      <p:sp>
+        <p:nvSpPr>
+          <p:cNvPr id="215" name="Flowchart: Stored Data 214">
+            <a:extLst>
+              <a:ext uri="{FF2B5EF4-FFF2-40B4-BE49-F238E27FC236}">
+                <a16:creationId xmlns:a16="http://schemas.microsoft.com/office/drawing/2014/main" id="{88174DD3-9624-ADA2-24B9-49464C0D34FC}"/>
+              </a:ext>
+            </a:extLst>
+          </p:cNvPr>
+          <p:cNvSpPr/>
+          <p:nvPr/>
+        </p:nvSpPr>
+        <p:spPr>
+          <a:xfrm flipH="1">
+            <a:off x="1111081" y="1538495"/>
+            <a:ext cx="362363" cy="276482"/>
+          </a:xfrm>
+          <a:prstGeom prst="flowChartOnlineStorage">
+            <a:avLst/>
+          </a:prstGeom>
+          <a:solidFill>
+            <a:schemeClr val="bg1">
+              <a:lumMod val="75000"/>
+            </a:schemeClr>
+          </a:solidFill>
+          <a:ln w="12700">
+            <a:solidFill>
+              <a:schemeClr val="tx1">
+                <a:lumMod val="85000"/>
+                <a:lumOff val="15000"/>
+              </a:schemeClr>
+            </a:solidFill>
+          </a:ln>
+          <a:scene3d>
+            <a:camera prst="orthographicFront"/>
+            <a:lightRig rig="threePt" dir="t"/>
+          </a:scene3d>
+          <a:sp3d>
+            <a:bevelT w="25400" h="25400"/>
+          </a:sp3d>
+        </p:spPr>
+        <p:style>
+          <a:lnRef idx="2">
+            <a:schemeClr val="accent1">
+              <a:shade val="15000"/>
+            </a:schemeClr>
+          </a:lnRef>
+          <a:fillRef idx="1">
+            <a:schemeClr val="accent1"/>
+          </a:fillRef>
+          <a:effectRef idx="0">
+            <a:schemeClr val="accent1"/>
+          </a:effectRef>
+          <a:fontRef idx="minor">
+            <a:schemeClr val="lt1"/>
+          </a:fontRef>
+        </p:style>
+        <p:txBody>
+          <a:bodyPr rtlCol="0" anchor="ctr"/>
+          <a:lstStyle/>
+          <a:p>
+            <a:pPr algn="ctr"/>
+            <a:endParaRPr lang="en-US"/>
+          </a:p>
+        </p:txBody>
+      </p:sp>
+      <p:sp>
+        <p:nvSpPr>
+          <p:cNvPr id="157" name="Arrow: Chevron 156">
+            <a:extLst>
+              <a:ext uri="{FF2B5EF4-FFF2-40B4-BE49-F238E27FC236}">
+                <a16:creationId xmlns:a16="http://schemas.microsoft.com/office/drawing/2014/main" id="{5F9C2888-1B3E-DD46-EC67-F01C809506B5}"/>
+              </a:ext>
+            </a:extLst>
+          </p:cNvPr>
+          <p:cNvSpPr/>
+          <p:nvPr/>
+        </p:nvSpPr>
+        <p:spPr>
+          <a:xfrm>
+            <a:off x="1169379" y="1598035"/>
+            <a:ext cx="162116" cy="168381"/>
+          </a:xfrm>
+          <a:prstGeom prst="chevron">
+            <a:avLst/>
+          </a:prstGeom>
+          <a:solidFill>
+            <a:schemeClr val="bg1"/>
+          </a:solidFill>
+          <a:ln>
+            <a:solidFill>
+              <a:schemeClr val="tx1">
+                <a:lumMod val="50000"/>
+                <a:lumOff val="50000"/>
+              </a:schemeClr>
+            </a:solidFill>
+          </a:ln>
+          <a:effectLst>
+            <a:innerShdw blurRad="63500" dist="12700" dir="13500000">
+              <a:prstClr val="black">
+                <a:alpha val="50000"/>
+              </a:prstClr>
+            </a:innerShdw>
+          </a:effectLst>
+        </p:spPr>
+        <p:style>
+          <a:lnRef idx="2">
+            <a:schemeClr val="accent1">
+              <a:shade val="15000"/>
+            </a:schemeClr>
+          </a:lnRef>
+          <a:fillRef idx="1">
+            <a:schemeClr val="accent1"/>
+          </a:fillRef>
+          <a:effectRef idx="0">
+            <a:schemeClr val="accent1"/>
+          </a:effectRef>
+          <a:fontRef idx="minor">
+            <a:schemeClr val="lt1"/>
+          </a:fontRef>
+        </p:style>
+        <p:txBody>
+          <a:bodyPr rtlCol="0" anchor="ctr"/>
+          <a:lstStyle/>
+          <a:p>
+            <a:pPr algn="ctr"/>
+            <a:endParaRPr lang="en-US">
+              <a:solidFill>
+                <a:schemeClr val="tx1"/>
+              </a:solidFill>
+            </a:endParaRPr>
+          </a:p>
+        </p:txBody>
+      </p:sp>
+      <p:sp>
+        <p:nvSpPr>
+          <p:cNvPr id="158" name="Arrow: Chevron 157">
+            <a:extLst>
+              <a:ext uri="{FF2B5EF4-FFF2-40B4-BE49-F238E27FC236}">
+                <a16:creationId xmlns:a16="http://schemas.microsoft.com/office/drawing/2014/main" id="{4743CAF8-55F3-7FB1-5A0D-DBA0298BECD3}"/>
+              </a:ext>
+            </a:extLst>
+          </p:cNvPr>
+          <p:cNvSpPr/>
+          <p:nvPr/>
+        </p:nvSpPr>
+        <p:spPr>
+          <a:xfrm>
+            <a:off x="1273692" y="1592750"/>
+            <a:ext cx="162116" cy="168381"/>
+          </a:xfrm>
+          <a:prstGeom prst="chevron">
+            <a:avLst/>
+          </a:prstGeom>
+          <a:solidFill>
+            <a:schemeClr val="bg1"/>
+          </a:solidFill>
+          <a:ln>
+            <a:solidFill>
+              <a:schemeClr val="tx1">
+                <a:lumMod val="50000"/>
+                <a:lumOff val="50000"/>
+              </a:schemeClr>
+            </a:solidFill>
+          </a:ln>
+          <a:effectLst>
+            <a:innerShdw blurRad="63500" dist="12700" dir="13500000">
+              <a:prstClr val="black">
+                <a:alpha val="50000"/>
+              </a:prstClr>
+            </a:innerShdw>
+          </a:effectLst>
+        </p:spPr>
+        <p:style>
+          <a:lnRef idx="2">
+            <a:schemeClr val="accent1">
+              <a:shade val="15000"/>
+            </a:schemeClr>
+          </a:lnRef>
+          <a:fillRef idx="1">
+            <a:schemeClr val="accent1"/>
+          </a:fillRef>
+          <a:effectRef idx="0">
+            <a:schemeClr val="accent1"/>
+          </a:effectRef>
+          <a:fontRef idx="minor">
+            <a:schemeClr val="lt1"/>
+          </a:fontRef>
+        </p:style>
+        <p:txBody>
+          <a:bodyPr rtlCol="0" anchor="ctr"/>
+          <a:lstStyle/>
+          <a:p>
+            <a:pPr algn="ctr"/>
+            <a:endParaRPr lang="en-US">
+              <a:solidFill>
+                <a:schemeClr val="tx1"/>
+              </a:solidFill>
+            </a:endParaRPr>
+          </a:p>
+        </p:txBody>
+      </p:sp>
+      <p:sp>
+        <p:nvSpPr>
+          <p:cNvPr id="216" name="Rectangle: Rounded Corners 215">
+            <a:extLst>
+              <a:ext uri="{FF2B5EF4-FFF2-40B4-BE49-F238E27FC236}">
+                <a16:creationId xmlns:a16="http://schemas.microsoft.com/office/drawing/2014/main" id="{9CB015AC-697C-FAE5-6893-F6AE069407C5}"/>
+              </a:ext>
+            </a:extLst>
+          </p:cNvPr>
+          <p:cNvSpPr/>
+          <p:nvPr/>
+        </p:nvSpPr>
+        <p:spPr>
+          <a:xfrm>
+            <a:off x="10703208" y="17091"/>
+            <a:ext cx="1471699" cy="474357"/>
+          </a:xfrm>
+          <a:prstGeom prst="roundRect">
+            <a:avLst/>
+          </a:prstGeom>
+          <a:solidFill>
+            <a:schemeClr val="tx1">
+              <a:lumMod val="50000"/>
+              <a:lumOff val="50000"/>
+            </a:schemeClr>
+          </a:solidFill>
+        </p:spPr>
+        <p:style>
+          <a:lnRef idx="2">
+            <a:schemeClr val="accent1">
+              <a:shade val="15000"/>
+            </a:schemeClr>
+          </a:lnRef>
+          <a:fillRef idx="1">
+            <a:schemeClr val="accent1"/>
+          </a:fillRef>
+          <a:effectRef idx="0">
+            <a:schemeClr val="accent1"/>
+          </a:effectRef>
+          <a:fontRef idx="minor">
+            <a:schemeClr val="lt1"/>
+          </a:fontRef>
+        </p:style>
+        <p:txBody>
+          <a:bodyPr rtlCol="0" anchor="ctr"/>
+          <a:lstStyle/>
+          <a:p>
+            <a:pPr algn="ctr"/>
+            <a:endParaRPr lang="en-US"/>
+          </a:p>
+        </p:txBody>
+      </p:sp>
+      <p:sp>
+        <p:nvSpPr>
+          <p:cNvPr id="217" name="Oval 216">
+            <a:extLst>
+              <a:ext uri="{FF2B5EF4-FFF2-40B4-BE49-F238E27FC236}">
+                <a16:creationId xmlns:a16="http://schemas.microsoft.com/office/drawing/2014/main" id="{97D32959-B727-AE48-8ADC-C4F6A7893837}"/>
+              </a:ext>
+            </a:extLst>
+          </p:cNvPr>
+          <p:cNvSpPr/>
+          <p:nvPr/>
+        </p:nvSpPr>
+        <p:spPr>
+          <a:xfrm>
+            <a:off x="11730638" y="67310"/>
+            <a:ext cx="353396" cy="353396"/>
+          </a:xfrm>
+          <a:prstGeom prst="ellipse">
+            <a:avLst/>
+          </a:prstGeom>
+          <a:solidFill>
+            <a:schemeClr val="tx1">
+              <a:lumMod val="75000"/>
+              <a:lumOff val="25000"/>
+            </a:schemeClr>
+          </a:solidFill>
+          <a:ln>
+            <a:solidFill>
+              <a:schemeClr val="tx1">
+                <a:lumMod val="95000"/>
+                <a:lumOff val="5000"/>
+              </a:schemeClr>
+            </a:solidFill>
+          </a:ln>
+        </p:spPr>
+        <p:style>
+          <a:lnRef idx="2">
+            <a:schemeClr val="accent1">
+              <a:shade val="15000"/>
+            </a:schemeClr>
+          </a:lnRef>
+          <a:fillRef idx="1">
+            <a:schemeClr val="accent1"/>
+          </a:fillRef>
+          <a:effectRef idx="0">
+            <a:schemeClr val="accent1"/>
+          </a:effectRef>
+          <a:fontRef idx="minor">
+            <a:schemeClr val="lt1"/>
+          </a:fontRef>
+        </p:style>
+        <p:txBody>
+          <a:bodyPr rtlCol="0" anchor="ctr"/>
+          <a:lstStyle/>
+          <a:p>
+            <a:pPr algn="ctr"/>
+            <a:endParaRPr lang="en-US"/>
+          </a:p>
+        </p:txBody>
+      </p:sp>
+      <p:sp>
+        <p:nvSpPr>
+          <p:cNvPr id="3" name="Oval 2">
+            <a:extLst>
+              <a:ext uri="{FF2B5EF4-FFF2-40B4-BE49-F238E27FC236}">
+                <a16:creationId xmlns:a16="http://schemas.microsoft.com/office/drawing/2014/main" id="{6808C178-6011-78CE-C37D-DFE346E74209}"/>
+              </a:ext>
+            </a:extLst>
+          </p:cNvPr>
+          <p:cNvSpPr/>
+          <p:nvPr/>
+        </p:nvSpPr>
+        <p:spPr>
+          <a:xfrm>
+            <a:off x="11269275" y="61351"/>
+            <a:ext cx="353396" cy="353396"/>
+          </a:xfrm>
+          <a:prstGeom prst="ellipse">
+            <a:avLst/>
+          </a:prstGeom>
+          <a:solidFill>
+            <a:schemeClr val="tx1">
+              <a:lumMod val="75000"/>
+              <a:lumOff val="25000"/>
+            </a:schemeClr>
+          </a:solidFill>
+          <a:ln>
+            <a:solidFill>
+              <a:schemeClr val="tx1">
+                <a:lumMod val="95000"/>
+                <a:lumOff val="5000"/>
+              </a:schemeClr>
+            </a:solidFill>
+          </a:ln>
+        </p:spPr>
+        <p:style>
+          <a:lnRef idx="2">
+            <a:schemeClr val="accent1">
+              <a:shade val="15000"/>
+            </a:schemeClr>
+          </a:lnRef>
+          <a:fillRef idx="1">
+            <a:schemeClr val="accent1"/>
+          </a:fillRef>
+          <a:effectRef idx="0">
+            <a:schemeClr val="accent1"/>
+          </a:effectRef>
+          <a:fontRef idx="minor">
+            <a:schemeClr val="lt1"/>
+          </a:fontRef>
+        </p:style>
+        <p:txBody>
+          <a:bodyPr rtlCol="0" anchor="ctr"/>
+          <a:lstStyle/>
+          <a:p>
+            <a:pPr algn="ctr"/>
+            <a:endParaRPr lang="en-US"/>
+          </a:p>
+        </p:txBody>
+      </p:sp>
+      <p:sp>
+        <p:nvSpPr>
+          <p:cNvPr id="4" name="Oval 3">
+            <a:extLst>
+              <a:ext uri="{FF2B5EF4-FFF2-40B4-BE49-F238E27FC236}">
+                <a16:creationId xmlns:a16="http://schemas.microsoft.com/office/drawing/2014/main" id="{A093D767-4D83-D6AB-72DB-E71BCAD23D9E}"/>
+              </a:ext>
+            </a:extLst>
+          </p:cNvPr>
+          <p:cNvSpPr/>
+          <p:nvPr/>
+        </p:nvSpPr>
+        <p:spPr>
+          <a:xfrm>
+            <a:off x="10794876" y="68346"/>
+            <a:ext cx="353396" cy="353396"/>
+          </a:xfrm>
+          <a:prstGeom prst="ellipse">
+            <a:avLst/>
+          </a:prstGeom>
+          <a:solidFill>
+            <a:schemeClr val="tx1">
+              <a:lumMod val="75000"/>
+              <a:lumOff val="25000"/>
+            </a:schemeClr>
+          </a:solidFill>
+          <a:ln>
+            <a:solidFill>
+              <a:schemeClr val="tx1">
+                <a:lumMod val="95000"/>
+                <a:lumOff val="5000"/>
+              </a:schemeClr>
+            </a:solidFill>
+          </a:ln>
+        </p:spPr>
+        <p:style>
+          <a:lnRef idx="2">
+            <a:schemeClr val="accent1">
+              <a:shade val="15000"/>
+            </a:schemeClr>
+          </a:lnRef>
+          <a:fillRef idx="1">
+            <a:schemeClr val="accent1"/>
+          </a:fillRef>
+          <a:effectRef idx="0">
+            <a:schemeClr val="accent1"/>
+          </a:effectRef>
+          <a:fontRef idx="minor">
+            <a:schemeClr val="lt1"/>
+          </a:fontRef>
+        </p:style>
+        <p:txBody>
+          <a:bodyPr rtlCol="0" anchor="ctr"/>
+          <a:lstStyle/>
+          <a:p>
+            <a:pPr algn="ctr"/>
+            <a:endParaRPr lang="en-US"/>
+          </a:p>
+        </p:txBody>
+      </p:sp>
+      <p:sp>
+        <p:nvSpPr>
+          <p:cNvPr id="5" name="TextBox 4">
+            <a:extLst>
+              <a:ext uri="{FF2B5EF4-FFF2-40B4-BE49-F238E27FC236}">
+                <a16:creationId xmlns:a16="http://schemas.microsoft.com/office/drawing/2014/main" id="{C83F6D58-900E-CAB3-3E63-1BB64DE7D9E2}"/>
+              </a:ext>
+            </a:extLst>
+          </p:cNvPr>
+          <p:cNvSpPr txBox="1"/>
+          <p:nvPr/>
+        </p:nvSpPr>
+        <p:spPr>
+          <a:xfrm rot="1153844">
+            <a:off x="5737532" y="3024303"/>
+            <a:ext cx="3014800" cy="461665"/>
+          </a:xfrm>
+          <a:prstGeom prst="rect">
+            <a:avLst/>
+          </a:prstGeom>
+          <a:noFill/>
+        </p:spPr>
+        <p:txBody>
+          <a:bodyPr wrap="none" rtlCol="0">
+            <a:spAutoFit/>
+          </a:bodyPr>
+          <a:lstStyle/>
+          <a:p>
+            <a:r>
+              <a:rPr lang="en-US" sz="2400"/>
+              <a:t>Absolutely not to scale</a:t>
+            </a:r>
+          </a:p>
+        </p:txBody>
+      </p:sp>
+    </p:spTree>
+    <p:extLst>
+      <p:ext uri="{BB962C8B-B14F-4D97-AF65-F5344CB8AC3E}">
+        <p14:creationId xmlns:p14="http://schemas.microsoft.com/office/powerpoint/2010/main" val="3678447292"/>
+      </p:ext>
+    </p:extLst>
+  </p:cSld>
+  <p:clrMapOvr>
+    <a:masterClrMapping/>
+  </p:clrMapOvr>
+</p:sld>
+</file>
+
 <file path=ppt/theme/theme1.xml><?xml version="1.0" encoding="utf-8"?>
 <a:theme xmlns:a="http://schemas.openxmlformats.org/drawingml/2006/main" name="Office Theme">
   <a:themeElements>

--- a/Documentation/Assets/Battle UI design.pptx
+++ b/Documentation/Assets/Battle UI design.pptx
@@ -8,6 +8,7 @@
     <p:sldId id="256" r:id="rId2"/>
     <p:sldId id="257" r:id="rId3"/>
     <p:sldId id="259" r:id="rId4"/>
+    <p:sldId id="260" r:id="rId5"/>
   </p:sldIdLst>
   <p:sldSz cx="12192000" cy="6858000"/>
   <p:notesSz cx="6858000" cy="9144000"/>
@@ -261,7 +262,7 @@
           <a:p>
             <a:fld id="{B00B4C88-55AA-4E31-A949-40AC54A44655}" type="datetimeFigureOut">
               <a:rPr lang="en-US" smtClean="0"/>
-              <a:t>10/21/2023</a:t>
+              <a:t>5/28/2024</a:t>
             </a:fld>
             <a:endParaRPr lang="en-US"/>
           </a:p>
@@ -459,7 +460,7 @@
           <a:p>
             <a:fld id="{B00B4C88-55AA-4E31-A949-40AC54A44655}" type="datetimeFigureOut">
               <a:rPr lang="en-US" smtClean="0"/>
-              <a:t>10/21/2023</a:t>
+              <a:t>5/28/2024</a:t>
             </a:fld>
             <a:endParaRPr lang="en-US"/>
           </a:p>
@@ -667,7 +668,7 @@
           <a:p>
             <a:fld id="{B00B4C88-55AA-4E31-A949-40AC54A44655}" type="datetimeFigureOut">
               <a:rPr lang="en-US" smtClean="0"/>
-              <a:t>10/21/2023</a:t>
+              <a:t>5/28/2024</a:t>
             </a:fld>
             <a:endParaRPr lang="en-US"/>
           </a:p>
@@ -865,7 +866,7 @@
           <a:p>
             <a:fld id="{B00B4C88-55AA-4E31-A949-40AC54A44655}" type="datetimeFigureOut">
               <a:rPr lang="en-US" smtClean="0"/>
-              <a:t>10/21/2023</a:t>
+              <a:t>5/28/2024</a:t>
             </a:fld>
             <a:endParaRPr lang="en-US"/>
           </a:p>
@@ -1140,7 +1141,7 @@
           <a:p>
             <a:fld id="{B00B4C88-55AA-4E31-A949-40AC54A44655}" type="datetimeFigureOut">
               <a:rPr lang="en-US" smtClean="0"/>
-              <a:t>10/21/2023</a:t>
+              <a:t>5/28/2024</a:t>
             </a:fld>
             <a:endParaRPr lang="en-US"/>
           </a:p>
@@ -1405,7 +1406,7 @@
           <a:p>
             <a:fld id="{B00B4C88-55AA-4E31-A949-40AC54A44655}" type="datetimeFigureOut">
               <a:rPr lang="en-US" smtClean="0"/>
-              <a:t>10/21/2023</a:t>
+              <a:t>5/28/2024</a:t>
             </a:fld>
             <a:endParaRPr lang="en-US"/>
           </a:p>
@@ -1817,7 +1818,7 @@
           <a:p>
             <a:fld id="{B00B4C88-55AA-4E31-A949-40AC54A44655}" type="datetimeFigureOut">
               <a:rPr lang="en-US" smtClean="0"/>
-              <a:t>10/21/2023</a:t>
+              <a:t>5/28/2024</a:t>
             </a:fld>
             <a:endParaRPr lang="en-US"/>
           </a:p>
@@ -1958,7 +1959,7 @@
           <a:p>
             <a:fld id="{B00B4C88-55AA-4E31-A949-40AC54A44655}" type="datetimeFigureOut">
               <a:rPr lang="en-US" smtClean="0"/>
-              <a:t>10/21/2023</a:t>
+              <a:t>5/28/2024</a:t>
             </a:fld>
             <a:endParaRPr lang="en-US"/>
           </a:p>
@@ -2071,7 +2072,7 @@
           <a:p>
             <a:fld id="{B00B4C88-55AA-4E31-A949-40AC54A44655}" type="datetimeFigureOut">
               <a:rPr lang="en-US" smtClean="0"/>
-              <a:t>10/21/2023</a:t>
+              <a:t>5/28/2024</a:t>
             </a:fld>
             <a:endParaRPr lang="en-US"/>
           </a:p>
@@ -2382,7 +2383,7 @@
           <a:p>
             <a:fld id="{B00B4C88-55AA-4E31-A949-40AC54A44655}" type="datetimeFigureOut">
               <a:rPr lang="en-US" smtClean="0"/>
-              <a:t>10/21/2023</a:t>
+              <a:t>5/28/2024</a:t>
             </a:fld>
             <a:endParaRPr lang="en-US"/>
           </a:p>
@@ -2670,7 +2671,7 @@
           <a:p>
             <a:fld id="{B00B4C88-55AA-4E31-A949-40AC54A44655}" type="datetimeFigureOut">
               <a:rPr lang="en-US" smtClean="0"/>
-              <a:t>10/21/2023</a:t>
+              <a:t>5/28/2024</a:t>
             </a:fld>
             <a:endParaRPr lang="en-US"/>
           </a:p>
@@ -2911,7 +2912,7 @@
           <a:p>
             <a:fld id="{B00B4C88-55AA-4E31-A949-40AC54A44655}" type="datetimeFigureOut">
               <a:rPr lang="en-US" smtClean="0"/>
-              <a:t>10/21/2023</a:t>
+              <a:t>5/28/2024</a:t>
             </a:fld>
             <a:endParaRPr lang="en-US"/>
           </a:p>
@@ -12200,8 +12201,8 @@
         </p:nvSpPr>
         <p:spPr>
           <a:xfrm>
-            <a:off x="7751607" y="5651291"/>
-            <a:ext cx="958824" cy="400111"/>
+            <a:off x="7729114" y="6254984"/>
+            <a:ext cx="983255" cy="400111"/>
           </a:xfrm>
           <a:prstGeom prst="roundRect">
             <a:avLst>
@@ -12279,7 +12280,7 @@
         </p:blipFill>
         <p:spPr>
           <a:xfrm>
-            <a:off x="7462505" y="5362717"/>
+            <a:off x="7461912" y="5334384"/>
             <a:ext cx="1523616" cy="1523616"/>
           </a:xfrm>
           <a:prstGeom prst="rect">
@@ -12505,10 +12506,10 @@
       </p:pic>
       <p:sp>
         <p:nvSpPr>
-          <p:cNvPr id="78" name="Hexagon 77">
-            <a:extLst>
-              <a:ext uri="{FF2B5EF4-FFF2-40B4-BE49-F238E27FC236}">
-                <a16:creationId xmlns:a16="http://schemas.microsoft.com/office/drawing/2014/main" id="{33879B03-07CF-76EA-E80E-C52C40A9DEC3}"/>
+          <p:cNvPr id="94" name="Rectangle: Rounded Corners 93">
+            <a:extLst>
+              <a:ext uri="{FF2B5EF4-FFF2-40B4-BE49-F238E27FC236}">
+                <a16:creationId xmlns:a16="http://schemas.microsoft.com/office/drawing/2014/main" id="{56CA0332-3BAD-0C14-BB77-3C6939D2B772}"/>
               </a:ext>
             </a:extLst>
           </p:cNvPr>
@@ -12517,24 +12518,21 @@
         </p:nvSpPr>
         <p:spPr>
           <a:xfrm>
-            <a:off x="5378969" y="5605153"/>
-            <a:ext cx="385585" cy="332401"/>
-          </a:xfrm>
-          <a:prstGeom prst="hexagon">
+            <a:off x="4314741" y="6018191"/>
+            <a:ext cx="997077" cy="640544"/>
+          </a:xfrm>
+          <a:prstGeom prst="roundRect">
             <a:avLst>
-              <a:gd name="adj" fmla="val 33336"/>
-              <a:gd name="vf" fmla="val 115470"/>
+              <a:gd name="adj" fmla="val 0"/>
             </a:avLst>
           </a:prstGeom>
           <a:solidFill>
-            <a:srgbClr val="FF7809"/>
+            <a:schemeClr val="tx1">
+              <a:alpha val="50000"/>
+            </a:schemeClr>
           </a:solidFill>
-          <a:ln>
-            <a:solidFill>
-              <a:schemeClr val="accent2">
-                <a:lumMod val="75000"/>
-              </a:schemeClr>
-            </a:solidFill>
+          <a:ln w="28575">
+            <a:noFill/>
           </a:ln>
         </p:spPr>
         <p:style>
@@ -12559,605 +12557,6 @@
           <a:p>
             <a:pPr algn="ctr"/>
             <a:endParaRPr lang="en-US"/>
-          </a:p>
-        </p:txBody>
-      </p:sp>
-      <p:sp>
-        <p:nvSpPr>
-          <p:cNvPr id="80" name="TextBox 79">
-            <a:extLst>
-              <a:ext uri="{FF2B5EF4-FFF2-40B4-BE49-F238E27FC236}">
-                <a16:creationId xmlns:a16="http://schemas.microsoft.com/office/drawing/2014/main" id="{A3F8473D-54B1-C4D8-C082-7D3774F098F3}"/>
-              </a:ext>
-            </a:extLst>
-          </p:cNvPr>
-          <p:cNvSpPr txBox="1"/>
-          <p:nvPr/>
-        </p:nvSpPr>
-        <p:spPr>
-          <a:xfrm>
-            <a:off x="5349611" y="5573937"/>
-            <a:ext cx="444352" cy="400110"/>
-          </a:xfrm>
-          <a:prstGeom prst="rect">
-            <a:avLst/>
-          </a:prstGeom>
-          <a:noFill/>
-        </p:spPr>
-        <p:txBody>
-          <a:bodyPr wrap="none" rtlCol="0">
-            <a:spAutoFit/>
-          </a:bodyPr>
-          <a:lstStyle/>
-          <a:p>
-            <a:r>
-              <a:rPr lang="cs-CZ" sz="2000" dirty="0">
-                <a:solidFill>
-                  <a:srgbClr val="C00000"/>
-                </a:solidFill>
-              </a:rPr>
-              <a:t>25</a:t>
-            </a:r>
-            <a:endParaRPr lang="en-US" sz="2000" dirty="0">
-              <a:solidFill>
-                <a:srgbClr val="C00000"/>
-              </a:solidFill>
-            </a:endParaRPr>
-          </a:p>
-        </p:txBody>
-      </p:sp>
-      <p:sp>
-        <p:nvSpPr>
-          <p:cNvPr id="81" name="Hexagon 80">
-            <a:extLst>
-              <a:ext uri="{FF2B5EF4-FFF2-40B4-BE49-F238E27FC236}">
-                <a16:creationId xmlns:a16="http://schemas.microsoft.com/office/drawing/2014/main" id="{2A0C4B2F-E82B-6258-B47B-0A5956CAF53C}"/>
-              </a:ext>
-            </a:extLst>
-          </p:cNvPr>
-          <p:cNvSpPr/>
-          <p:nvPr/>
-        </p:nvSpPr>
-        <p:spPr>
-          <a:xfrm>
-            <a:off x="6520628" y="5597366"/>
-            <a:ext cx="385585" cy="332401"/>
-          </a:xfrm>
-          <a:prstGeom prst="hexagon">
-            <a:avLst>
-              <a:gd name="adj" fmla="val 33336"/>
-              <a:gd name="vf" fmla="val 115470"/>
-            </a:avLst>
-          </a:prstGeom>
-          <a:solidFill>
-            <a:srgbClr val="FF7809"/>
-          </a:solidFill>
-          <a:ln>
-            <a:solidFill>
-              <a:schemeClr val="accent2">
-                <a:lumMod val="75000"/>
-              </a:schemeClr>
-            </a:solidFill>
-          </a:ln>
-        </p:spPr>
-        <p:style>
-          <a:lnRef idx="2">
-            <a:schemeClr val="accent1">
-              <a:shade val="50000"/>
-            </a:schemeClr>
-          </a:lnRef>
-          <a:fillRef idx="1">
-            <a:schemeClr val="accent1"/>
-          </a:fillRef>
-          <a:effectRef idx="0">
-            <a:schemeClr val="accent1"/>
-          </a:effectRef>
-          <a:fontRef idx="minor">
-            <a:schemeClr val="lt1"/>
-          </a:fontRef>
-        </p:style>
-        <p:txBody>
-          <a:bodyPr rtlCol="0" anchor="ctr"/>
-          <a:lstStyle/>
-          <a:p>
-            <a:pPr algn="ctr"/>
-            <a:endParaRPr lang="en-US"/>
-          </a:p>
-        </p:txBody>
-      </p:sp>
-      <p:sp>
-        <p:nvSpPr>
-          <p:cNvPr id="82" name="TextBox 81">
-            <a:extLst>
-              <a:ext uri="{FF2B5EF4-FFF2-40B4-BE49-F238E27FC236}">
-                <a16:creationId xmlns:a16="http://schemas.microsoft.com/office/drawing/2014/main" id="{F509B4A7-4542-8A33-C9D2-32B626D9DA01}"/>
-              </a:ext>
-            </a:extLst>
-          </p:cNvPr>
-          <p:cNvSpPr txBox="1"/>
-          <p:nvPr/>
-        </p:nvSpPr>
-        <p:spPr>
-          <a:xfrm>
-            <a:off x="6491270" y="5566150"/>
-            <a:ext cx="444352" cy="400110"/>
-          </a:xfrm>
-          <a:prstGeom prst="rect">
-            <a:avLst/>
-          </a:prstGeom>
-          <a:noFill/>
-        </p:spPr>
-        <p:txBody>
-          <a:bodyPr wrap="none" rtlCol="0">
-            <a:spAutoFit/>
-          </a:bodyPr>
-          <a:lstStyle/>
-          <a:p>
-            <a:r>
-              <a:rPr lang="cs-CZ" sz="2000" dirty="0">
-                <a:solidFill>
-                  <a:schemeClr val="bg1"/>
-                </a:solidFill>
-              </a:rPr>
-              <a:t>15</a:t>
-            </a:r>
-            <a:endParaRPr lang="en-US" sz="2000" dirty="0">
-              <a:solidFill>
-                <a:schemeClr val="bg1"/>
-              </a:solidFill>
-            </a:endParaRPr>
-          </a:p>
-        </p:txBody>
-      </p:sp>
-      <p:sp>
-        <p:nvSpPr>
-          <p:cNvPr id="89" name="Hexagon 88">
-            <a:extLst>
-              <a:ext uri="{FF2B5EF4-FFF2-40B4-BE49-F238E27FC236}">
-                <a16:creationId xmlns:a16="http://schemas.microsoft.com/office/drawing/2014/main" id="{0949BD61-244D-2F33-1E00-E046134CB1CD}"/>
-              </a:ext>
-            </a:extLst>
-          </p:cNvPr>
-          <p:cNvSpPr/>
-          <p:nvPr/>
-        </p:nvSpPr>
-        <p:spPr>
-          <a:xfrm>
-            <a:off x="7689189" y="5574362"/>
-            <a:ext cx="385585" cy="332401"/>
-          </a:xfrm>
-          <a:prstGeom prst="hexagon">
-            <a:avLst>
-              <a:gd name="adj" fmla="val 33336"/>
-              <a:gd name="vf" fmla="val 115470"/>
-            </a:avLst>
-          </a:prstGeom>
-          <a:solidFill>
-            <a:srgbClr val="FF7809"/>
-          </a:solidFill>
-          <a:ln>
-            <a:solidFill>
-              <a:schemeClr val="accent2">
-                <a:lumMod val="75000"/>
-              </a:schemeClr>
-            </a:solidFill>
-          </a:ln>
-        </p:spPr>
-        <p:style>
-          <a:lnRef idx="2">
-            <a:schemeClr val="accent1">
-              <a:shade val="50000"/>
-            </a:schemeClr>
-          </a:lnRef>
-          <a:fillRef idx="1">
-            <a:schemeClr val="accent1"/>
-          </a:fillRef>
-          <a:effectRef idx="0">
-            <a:schemeClr val="accent1"/>
-          </a:effectRef>
-          <a:fontRef idx="minor">
-            <a:schemeClr val="lt1"/>
-          </a:fontRef>
-        </p:style>
-        <p:txBody>
-          <a:bodyPr rtlCol="0" anchor="ctr"/>
-          <a:lstStyle/>
-          <a:p>
-            <a:pPr algn="ctr"/>
-            <a:endParaRPr lang="en-US"/>
-          </a:p>
-        </p:txBody>
-      </p:sp>
-      <p:sp>
-        <p:nvSpPr>
-          <p:cNvPr id="90" name="TextBox 89">
-            <a:extLst>
-              <a:ext uri="{FF2B5EF4-FFF2-40B4-BE49-F238E27FC236}">
-                <a16:creationId xmlns:a16="http://schemas.microsoft.com/office/drawing/2014/main" id="{BBB963CA-7230-E88C-6B34-31A0FE589EAE}"/>
-              </a:ext>
-            </a:extLst>
-          </p:cNvPr>
-          <p:cNvSpPr txBox="1"/>
-          <p:nvPr/>
-        </p:nvSpPr>
-        <p:spPr>
-          <a:xfrm>
-            <a:off x="7659831" y="5543146"/>
-            <a:ext cx="444352" cy="400110"/>
-          </a:xfrm>
-          <a:prstGeom prst="rect">
-            <a:avLst/>
-          </a:prstGeom>
-          <a:noFill/>
-        </p:spPr>
-        <p:txBody>
-          <a:bodyPr wrap="none" rtlCol="0">
-            <a:spAutoFit/>
-          </a:bodyPr>
-          <a:lstStyle/>
-          <a:p>
-            <a:r>
-              <a:rPr lang="cs-CZ" sz="2000" dirty="0">
-                <a:solidFill>
-                  <a:schemeClr val="bg1">
-                    <a:lumMod val="85000"/>
-                  </a:schemeClr>
-                </a:solidFill>
-              </a:rPr>
-              <a:t>20</a:t>
-            </a:r>
-            <a:endParaRPr lang="en-US" sz="2000" dirty="0">
-              <a:solidFill>
-                <a:schemeClr val="bg1">
-                  <a:lumMod val="85000"/>
-                </a:schemeClr>
-              </a:solidFill>
-            </a:endParaRPr>
-          </a:p>
-        </p:txBody>
-      </p:sp>
-      <p:sp>
-        <p:nvSpPr>
-          <p:cNvPr id="91" name="Hexagon 90">
-            <a:extLst>
-              <a:ext uri="{FF2B5EF4-FFF2-40B4-BE49-F238E27FC236}">
-                <a16:creationId xmlns:a16="http://schemas.microsoft.com/office/drawing/2014/main" id="{F0BE054F-AD47-D16E-E387-165E209854C2}"/>
-              </a:ext>
-            </a:extLst>
-          </p:cNvPr>
-          <p:cNvSpPr/>
-          <p:nvPr/>
-        </p:nvSpPr>
-        <p:spPr>
-          <a:xfrm>
-            <a:off x="8857750" y="5551358"/>
-            <a:ext cx="385585" cy="332401"/>
-          </a:xfrm>
-          <a:prstGeom prst="hexagon">
-            <a:avLst>
-              <a:gd name="adj" fmla="val 33336"/>
-              <a:gd name="vf" fmla="val 115470"/>
-            </a:avLst>
-          </a:prstGeom>
-          <a:solidFill>
-            <a:srgbClr val="FF7809"/>
-          </a:solidFill>
-          <a:ln>
-            <a:solidFill>
-              <a:schemeClr val="accent2">
-                <a:lumMod val="75000"/>
-              </a:schemeClr>
-            </a:solidFill>
-          </a:ln>
-        </p:spPr>
-        <p:style>
-          <a:lnRef idx="2">
-            <a:schemeClr val="accent1">
-              <a:shade val="50000"/>
-            </a:schemeClr>
-          </a:lnRef>
-          <a:fillRef idx="1">
-            <a:schemeClr val="accent1"/>
-          </a:fillRef>
-          <a:effectRef idx="0">
-            <a:schemeClr val="accent1"/>
-          </a:effectRef>
-          <a:fontRef idx="minor">
-            <a:schemeClr val="lt1"/>
-          </a:fontRef>
-        </p:style>
-        <p:txBody>
-          <a:bodyPr rtlCol="0" anchor="ctr"/>
-          <a:lstStyle/>
-          <a:p>
-            <a:pPr algn="ctr"/>
-            <a:endParaRPr lang="en-US"/>
-          </a:p>
-        </p:txBody>
-      </p:sp>
-      <p:sp>
-        <p:nvSpPr>
-          <p:cNvPr id="92" name="TextBox 91">
-            <a:extLst>
-              <a:ext uri="{FF2B5EF4-FFF2-40B4-BE49-F238E27FC236}">
-                <a16:creationId xmlns:a16="http://schemas.microsoft.com/office/drawing/2014/main" id="{674791C7-2C5F-BE19-2968-9F6FB3EFF16F}"/>
-              </a:ext>
-            </a:extLst>
-          </p:cNvPr>
-          <p:cNvSpPr txBox="1"/>
-          <p:nvPr/>
-        </p:nvSpPr>
-        <p:spPr>
-          <a:xfrm>
-            <a:off x="8828392" y="5520142"/>
-            <a:ext cx="444352" cy="400110"/>
-          </a:xfrm>
-          <a:prstGeom prst="rect">
-            <a:avLst/>
-          </a:prstGeom>
-          <a:noFill/>
-        </p:spPr>
-        <p:txBody>
-          <a:bodyPr wrap="none" rtlCol="0">
-            <a:spAutoFit/>
-          </a:bodyPr>
-          <a:lstStyle/>
-          <a:p>
-            <a:r>
-              <a:rPr lang="cs-CZ" sz="2000" dirty="0">
-                <a:solidFill>
-                  <a:srgbClr val="C00000"/>
-                </a:solidFill>
-              </a:rPr>
-              <a:t>70</a:t>
-            </a:r>
-            <a:endParaRPr lang="en-US" sz="2000" dirty="0">
-              <a:solidFill>
-                <a:srgbClr val="C00000"/>
-              </a:solidFill>
-            </a:endParaRPr>
-          </a:p>
-        </p:txBody>
-      </p:sp>
-      <p:sp>
-        <p:nvSpPr>
-          <p:cNvPr id="94" name="Rectangle: Rounded Corners 93">
-            <a:extLst>
-              <a:ext uri="{FF2B5EF4-FFF2-40B4-BE49-F238E27FC236}">
-                <a16:creationId xmlns:a16="http://schemas.microsoft.com/office/drawing/2014/main" id="{56CA0332-3BAD-0C14-BB77-3C6939D2B772}"/>
-              </a:ext>
-            </a:extLst>
-          </p:cNvPr>
-          <p:cNvSpPr/>
-          <p:nvPr/>
-        </p:nvSpPr>
-        <p:spPr>
-          <a:xfrm>
-            <a:off x="4320234" y="5672624"/>
-            <a:ext cx="958824" cy="640544"/>
-          </a:xfrm>
-          <a:prstGeom prst="roundRect">
-            <a:avLst>
-              <a:gd name="adj" fmla="val 0"/>
-            </a:avLst>
-          </a:prstGeom>
-          <a:solidFill>
-            <a:schemeClr val="tx1">
-              <a:alpha val="50000"/>
-            </a:schemeClr>
-          </a:solidFill>
-          <a:ln w="28575">
-            <a:noFill/>
-          </a:ln>
-        </p:spPr>
-        <p:style>
-          <a:lnRef idx="2">
-            <a:schemeClr val="accent1">
-              <a:shade val="50000"/>
-            </a:schemeClr>
-          </a:lnRef>
-          <a:fillRef idx="1">
-            <a:schemeClr val="accent1"/>
-          </a:fillRef>
-          <a:effectRef idx="0">
-            <a:schemeClr val="accent1"/>
-          </a:effectRef>
-          <a:fontRef idx="minor">
-            <a:schemeClr val="lt1"/>
-          </a:fontRef>
-        </p:style>
-        <p:txBody>
-          <a:bodyPr rtlCol="0" anchor="ctr"/>
-          <a:lstStyle/>
-          <a:p>
-            <a:pPr algn="ctr"/>
-            <a:endParaRPr lang="en-US"/>
-          </a:p>
-        </p:txBody>
-      </p:sp>
-      <p:sp>
-        <p:nvSpPr>
-          <p:cNvPr id="96" name="Oval 95">
-            <a:extLst>
-              <a:ext uri="{FF2B5EF4-FFF2-40B4-BE49-F238E27FC236}">
-                <a16:creationId xmlns:a16="http://schemas.microsoft.com/office/drawing/2014/main" id="{2E2770E3-E4C1-711F-0DC3-00DFD6D67240}"/>
-              </a:ext>
-            </a:extLst>
-          </p:cNvPr>
-          <p:cNvSpPr/>
-          <p:nvPr/>
-        </p:nvSpPr>
-        <p:spPr>
-          <a:xfrm>
-            <a:off x="3147338" y="5619120"/>
-            <a:ext cx="325537" cy="325537"/>
-          </a:xfrm>
-          <a:prstGeom prst="ellipse">
-            <a:avLst/>
-          </a:prstGeom>
-          <a:solidFill>
-            <a:srgbClr val="0070C0"/>
-          </a:solidFill>
-        </p:spPr>
-        <p:style>
-          <a:lnRef idx="2">
-            <a:schemeClr val="accent1">
-              <a:shade val="50000"/>
-            </a:schemeClr>
-          </a:lnRef>
-          <a:fillRef idx="1">
-            <a:schemeClr val="accent1"/>
-          </a:fillRef>
-          <a:effectRef idx="0">
-            <a:schemeClr val="accent1"/>
-          </a:effectRef>
-          <a:fontRef idx="minor">
-            <a:schemeClr val="lt1"/>
-          </a:fontRef>
-        </p:style>
-        <p:txBody>
-          <a:bodyPr rtlCol="0" anchor="ctr"/>
-          <a:lstStyle/>
-          <a:p>
-            <a:pPr algn="ctr"/>
-            <a:endParaRPr lang="en-US"/>
-          </a:p>
-        </p:txBody>
-      </p:sp>
-      <p:sp>
-        <p:nvSpPr>
-          <p:cNvPr id="75" name="TextBox 74">
-            <a:extLst>
-              <a:ext uri="{FF2B5EF4-FFF2-40B4-BE49-F238E27FC236}">
-                <a16:creationId xmlns:a16="http://schemas.microsoft.com/office/drawing/2014/main" id="{BAA9D353-4C9C-8979-A434-A3338090BAA6}"/>
-              </a:ext>
-            </a:extLst>
-          </p:cNvPr>
-          <p:cNvSpPr txBox="1"/>
-          <p:nvPr/>
-        </p:nvSpPr>
-        <p:spPr>
-          <a:xfrm>
-            <a:off x="3087290" y="5586385"/>
-            <a:ext cx="444352" cy="400110"/>
-          </a:xfrm>
-          <a:prstGeom prst="rect">
-            <a:avLst/>
-          </a:prstGeom>
-          <a:noFill/>
-        </p:spPr>
-        <p:txBody>
-          <a:bodyPr wrap="none" rtlCol="0">
-            <a:spAutoFit/>
-          </a:bodyPr>
-          <a:lstStyle/>
-          <a:p>
-            <a:r>
-              <a:rPr lang="cs-CZ" sz="2000" dirty="0">
-                <a:solidFill>
-                  <a:schemeClr val="bg1"/>
-                </a:solidFill>
-              </a:rPr>
-              <a:t>15</a:t>
-            </a:r>
-            <a:endParaRPr lang="en-US" sz="2000" dirty="0">
-              <a:solidFill>
-                <a:schemeClr val="bg1"/>
-              </a:solidFill>
-            </a:endParaRPr>
-          </a:p>
-        </p:txBody>
-      </p:sp>
-      <p:sp>
-        <p:nvSpPr>
-          <p:cNvPr id="97" name="Oval 96">
-            <a:extLst>
-              <a:ext uri="{FF2B5EF4-FFF2-40B4-BE49-F238E27FC236}">
-                <a16:creationId xmlns:a16="http://schemas.microsoft.com/office/drawing/2014/main" id="{980F6906-AD16-423F-275C-286F0CEBC74E}"/>
-              </a:ext>
-            </a:extLst>
-          </p:cNvPr>
-          <p:cNvSpPr/>
-          <p:nvPr/>
-        </p:nvSpPr>
-        <p:spPr>
-          <a:xfrm>
-            <a:off x="4278131" y="5614603"/>
-            <a:ext cx="325537" cy="325537"/>
-          </a:xfrm>
-          <a:prstGeom prst="ellipse">
-            <a:avLst/>
-          </a:prstGeom>
-          <a:solidFill>
-            <a:srgbClr val="0070C0"/>
-          </a:solidFill>
-        </p:spPr>
-        <p:style>
-          <a:lnRef idx="2">
-            <a:schemeClr val="accent1">
-              <a:shade val="50000"/>
-            </a:schemeClr>
-          </a:lnRef>
-          <a:fillRef idx="1">
-            <a:schemeClr val="accent1"/>
-          </a:fillRef>
-          <a:effectRef idx="0">
-            <a:schemeClr val="accent1"/>
-          </a:effectRef>
-          <a:fontRef idx="minor">
-            <a:schemeClr val="lt1"/>
-          </a:fontRef>
-        </p:style>
-        <p:txBody>
-          <a:bodyPr rtlCol="0" anchor="ctr"/>
-          <a:lstStyle/>
-          <a:p>
-            <a:pPr algn="ctr"/>
-            <a:endParaRPr lang="en-US"/>
-          </a:p>
-        </p:txBody>
-      </p:sp>
-      <p:sp>
-        <p:nvSpPr>
-          <p:cNvPr id="77" name="TextBox 76">
-            <a:extLst>
-              <a:ext uri="{FF2B5EF4-FFF2-40B4-BE49-F238E27FC236}">
-                <a16:creationId xmlns:a16="http://schemas.microsoft.com/office/drawing/2014/main" id="{53614E70-99DE-9B3C-C43E-F94260458237}"/>
-              </a:ext>
-            </a:extLst>
-          </p:cNvPr>
-          <p:cNvSpPr txBox="1"/>
-          <p:nvPr/>
-        </p:nvSpPr>
-        <p:spPr>
-          <a:xfrm>
-            <a:off x="4227959" y="5575537"/>
-            <a:ext cx="444352" cy="400110"/>
-          </a:xfrm>
-          <a:prstGeom prst="rect">
-            <a:avLst/>
-          </a:prstGeom>
-          <a:noFill/>
-        </p:spPr>
-        <p:txBody>
-          <a:bodyPr wrap="none" rtlCol="0">
-            <a:spAutoFit/>
-          </a:bodyPr>
-          <a:lstStyle/>
-          <a:p>
-            <a:r>
-              <a:rPr lang="cs-CZ" sz="2000" dirty="0">
-                <a:solidFill>
-                  <a:srgbClr val="FF0000"/>
-                </a:solidFill>
-              </a:rPr>
-              <a:t>80</a:t>
-            </a:r>
-            <a:endParaRPr lang="en-US" sz="2000" dirty="0">
-              <a:solidFill>
-                <a:srgbClr val="FF0000"/>
-              </a:solidFill>
-            </a:endParaRPr>
           </a:p>
         </p:txBody>
       </p:sp>
@@ -13291,8 +12690,8 @@
         </p:nvSpPr>
         <p:spPr>
           <a:xfrm>
-            <a:off x="2328735" y="5513616"/>
-            <a:ext cx="601447" cy="861774"/>
+            <a:off x="2220532" y="5602345"/>
+            <a:ext cx="817853" cy="584775"/>
           </a:xfrm>
           <a:prstGeom prst="rect">
             <a:avLst/>
@@ -13314,18 +12713,15 @@
               </a:rPr>
               <a:t>10</a:t>
             </a:r>
-          </a:p>
-          <a:p>
-            <a:pPr algn="ctr"/>
             <a:r>
-              <a:rPr lang="cs-CZ" dirty="0">
+              <a:rPr lang="cs-CZ" sz="1200" dirty="0">
                 <a:solidFill>
                   <a:schemeClr val="bg1"/>
                 </a:solidFill>
               </a:rPr>
               <a:t>/30</a:t>
             </a:r>
-            <a:endParaRPr lang="en-US" dirty="0">
+            <a:endParaRPr lang="en-US" sz="1200" dirty="0">
               <a:solidFill>
                 <a:schemeClr val="bg1"/>
               </a:solidFill>
@@ -13407,7 +12803,7 @@
         </p:nvSpPr>
         <p:spPr>
           <a:xfrm>
-            <a:off x="1580872" y="6083001"/>
+            <a:off x="1570821" y="6046075"/>
             <a:ext cx="658681" cy="584775"/>
           </a:xfrm>
           <a:prstGeom prst="rect">
@@ -14021,8 +13417,8 @@
         </p:nvSpPr>
         <p:spPr>
           <a:xfrm>
-            <a:off x="215933" y="179970"/>
-            <a:ext cx="1512887" cy="1512887"/>
+            <a:off x="138687" y="88346"/>
+            <a:ext cx="1662173" cy="1643270"/>
           </a:xfrm>
           <a:prstGeom prst="ellipse">
             <a:avLst/>
@@ -14922,8 +14318,8 @@
         </p:nvSpPr>
         <p:spPr>
           <a:xfrm>
-            <a:off x="9691065" y="219406"/>
-            <a:ext cx="2259412" cy="4378037"/>
+            <a:off x="9691065" y="505590"/>
+            <a:ext cx="2259412" cy="4091853"/>
           </a:xfrm>
           <a:prstGeom prst="rect">
             <a:avLst/>
@@ -14951,60 +14347,6 @@
           <a:p>
             <a:pPr algn="ctr"/>
             <a:endParaRPr lang="en-US"/>
-          </a:p>
-        </p:txBody>
-      </p:sp>
-      <p:sp>
-        <p:nvSpPr>
-          <p:cNvPr id="207" name="TextBox 206">
-            <a:extLst>
-              <a:ext uri="{FF2B5EF4-FFF2-40B4-BE49-F238E27FC236}">
-                <a16:creationId xmlns:a16="http://schemas.microsoft.com/office/drawing/2014/main" id="{7830A819-AF03-F024-2231-FDC5E0A7AD55}"/>
-              </a:ext>
-            </a:extLst>
-          </p:cNvPr>
-          <p:cNvSpPr txBox="1"/>
-          <p:nvPr/>
-        </p:nvSpPr>
-        <p:spPr>
-          <a:xfrm>
-            <a:off x="10089901" y="579797"/>
-            <a:ext cx="1494705" cy="646331"/>
-          </a:xfrm>
-          <a:prstGeom prst="rect">
-            <a:avLst/>
-          </a:prstGeom>
-          <a:noFill/>
-        </p:spPr>
-        <p:txBody>
-          <a:bodyPr wrap="none" rtlCol="0">
-            <a:spAutoFit/>
-          </a:bodyPr>
-          <a:lstStyle/>
-          <a:p>
-            <a:r>
-              <a:rPr lang="en-US" noProof="1">
-                <a:solidFill>
-                  <a:schemeClr val="bg1"/>
-                </a:solidFill>
-              </a:rPr>
-              <a:t>Lorem ipusm </a:t>
-            </a:r>
-            <a:br>
-              <a:rPr lang="en-US" noProof="1">
-                <a:solidFill>
-                  <a:schemeClr val="bg1"/>
-                </a:solidFill>
-              </a:rPr>
-            </a:br>
-            <a:r>
-              <a:rPr lang="en-US" noProof="1">
-                <a:solidFill>
-                  <a:schemeClr val="bg1"/>
-                </a:solidFill>
-              </a:rPr>
-              <a:t>dolor sit amet</a:t>
-            </a:r>
           </a:p>
         </p:txBody>
       </p:sp>
@@ -15646,58 +14988,6 @@
       </p:sp>
       <p:sp>
         <p:nvSpPr>
-          <p:cNvPr id="216" name="Rectangle: Rounded Corners 215">
-            <a:extLst>
-              <a:ext uri="{FF2B5EF4-FFF2-40B4-BE49-F238E27FC236}">
-                <a16:creationId xmlns:a16="http://schemas.microsoft.com/office/drawing/2014/main" id="{9CB015AC-697C-FAE5-6893-F6AE069407C5}"/>
-              </a:ext>
-            </a:extLst>
-          </p:cNvPr>
-          <p:cNvSpPr/>
-          <p:nvPr/>
-        </p:nvSpPr>
-        <p:spPr>
-          <a:xfrm>
-            <a:off x="10703208" y="17091"/>
-            <a:ext cx="1471699" cy="474357"/>
-          </a:xfrm>
-          <a:prstGeom prst="roundRect">
-            <a:avLst/>
-          </a:prstGeom>
-          <a:solidFill>
-            <a:schemeClr val="tx1">
-              <a:lumMod val="50000"/>
-              <a:lumOff val="50000"/>
-            </a:schemeClr>
-          </a:solidFill>
-        </p:spPr>
-        <p:style>
-          <a:lnRef idx="2">
-            <a:schemeClr val="accent1">
-              <a:shade val="15000"/>
-            </a:schemeClr>
-          </a:lnRef>
-          <a:fillRef idx="1">
-            <a:schemeClr val="accent1"/>
-          </a:fillRef>
-          <a:effectRef idx="0">
-            <a:schemeClr val="accent1"/>
-          </a:effectRef>
-          <a:fontRef idx="minor">
-            <a:schemeClr val="lt1"/>
-          </a:fontRef>
-        </p:style>
-        <p:txBody>
-          <a:bodyPr rtlCol="0" anchor="ctr"/>
-          <a:lstStyle/>
-          <a:p>
-            <a:pPr algn="ctr"/>
-            <a:endParaRPr lang="en-US"/>
-          </a:p>
-        </p:txBody>
-      </p:sp>
-      <p:sp>
-        <p:nvSpPr>
           <p:cNvPr id="217" name="Oval 216">
             <a:extLst>
               <a:ext uri="{FF2B5EF4-FFF2-40B4-BE49-F238E27FC236}">
@@ -15756,6 +15046,87 @@
           </a:p>
         </p:txBody>
       </p:sp>
+      <p:pic>
+        <p:nvPicPr>
+          <p:cNvPr id="28" name="Picture 27" descr="A grey and white object with a black handle&#10;&#10;Description automatically generated">
+            <a:extLst>
+              <a:ext uri="{FF2B5EF4-FFF2-40B4-BE49-F238E27FC236}">
+                <a16:creationId xmlns:a16="http://schemas.microsoft.com/office/drawing/2014/main" id="{DEE88AE6-1C7D-CE3B-F9EC-64BF8BB9DD46}"/>
+              </a:ext>
+            </a:extLst>
+          </p:cNvPr>
+          <p:cNvPicPr>
+            <a:picLocks noChangeAspect="1"/>
+          </p:cNvPicPr>
+          <p:nvPr/>
+        </p:nvPicPr>
+        <p:blipFill>
+          <a:blip r:embed="rId3">
+            <a:extLst>
+              <a:ext uri="{28A0092B-C50C-407E-A947-70E740481C1C}">
+                <a14:useLocalDpi xmlns:a14="http://schemas.microsoft.com/office/drawing/2010/main" val="0"/>
+              </a:ext>
+            </a:extLst>
+          </a:blip>
+          <a:stretch>
+            <a:fillRect/>
+          </a:stretch>
+        </p:blipFill>
+        <p:spPr>
+          <a:xfrm>
+            <a:off x="2913089" y="5425040"/>
+            <a:ext cx="1523616" cy="1523616"/>
+          </a:xfrm>
+          <a:prstGeom prst="rect">
+            <a:avLst/>
+          </a:prstGeom>
+        </p:spPr>
+      </p:pic>
+      <p:pic>
+        <p:nvPicPr>
+          <p:cNvPr id="26" name="Picture 25" descr="A grey and white object with a black handle&#10;&#10;Description automatically generated">
+            <a:extLst>
+              <a:ext uri="{FF2B5EF4-FFF2-40B4-BE49-F238E27FC236}">
+                <a16:creationId xmlns:a16="http://schemas.microsoft.com/office/drawing/2014/main" id="{90B50BE9-B304-F77C-263C-8949F22802B2}"/>
+              </a:ext>
+            </a:extLst>
+          </p:cNvPr>
+          <p:cNvPicPr>
+            <a:picLocks noChangeAspect="1"/>
+          </p:cNvPicPr>
+          <p:nvPr/>
+        </p:nvPicPr>
+        <p:blipFill>
+          <a:blip r:embed="rId4">
+            <a:extLst>
+              <a:ext uri="{BEBA8EAE-BF5A-486C-A8C5-ECC9F3942E4B}">
+                <a14:imgProps xmlns:a14="http://schemas.microsoft.com/office/drawing/2010/main">
+                  <a14:imgLayer r:embed="rId5">
+                    <a14:imgEffect>
+                      <a14:brightnessContrast bright="-40000"/>
+                    </a14:imgEffect>
+                  </a14:imgLayer>
+                </a14:imgProps>
+              </a:ext>
+              <a:ext uri="{28A0092B-C50C-407E-A947-70E740481C1C}">
+                <a14:useLocalDpi xmlns:a14="http://schemas.microsoft.com/office/drawing/2010/main" val="0"/>
+              </a:ext>
+            </a:extLst>
+          </a:blip>
+          <a:stretch>
+            <a:fillRect/>
+          </a:stretch>
+        </p:blipFill>
+        <p:spPr>
+          <a:xfrm>
+            <a:off x="4037850" y="5394200"/>
+            <a:ext cx="1523616" cy="1523616"/>
+          </a:xfrm>
+          <a:prstGeom prst="rect">
+            <a:avLst/>
+          </a:prstGeom>
+        </p:spPr>
+      </p:pic>
       <p:sp>
         <p:nvSpPr>
           <p:cNvPr id="3" name="Oval 2">
@@ -15890,8 +15261,8 @@
         </p:nvSpPr>
         <p:spPr>
           <a:xfrm rot="1153844">
-            <a:off x="5737532" y="3024303"/>
-            <a:ext cx="3014800" cy="461665"/>
+            <a:off x="6411598" y="3024303"/>
+            <a:ext cx="1666675" cy="461665"/>
           </a:xfrm>
           <a:prstGeom prst="rect">
             <a:avLst/>
@@ -15905,9 +15276,1875 @@
           <a:lstStyle/>
           <a:p>
             <a:r>
-              <a:rPr lang="en-US" sz="2400"/>
-              <a:t>Absolutely not to scale</a:t>
+              <a:rPr lang="cs-CZ" sz="2400" dirty="0"/>
+              <a:t>Not to </a:t>
             </a:r>
+            <a:r>
+              <a:rPr lang="cs-CZ" sz="2400" dirty="0" err="1"/>
+              <a:t>scale</a:t>
+            </a:r>
+            <a:endParaRPr lang="en-US" sz="2400" dirty="0"/>
+          </a:p>
+        </p:txBody>
+      </p:sp>
+      <p:pic>
+        <p:nvPicPr>
+          <p:cNvPr id="6" name="Picture 5">
+            <a:extLst>
+              <a:ext uri="{FF2B5EF4-FFF2-40B4-BE49-F238E27FC236}">
+                <a16:creationId xmlns:a16="http://schemas.microsoft.com/office/drawing/2014/main" id="{22E62D54-DAD2-2785-5192-49BD1CF0625C}"/>
+              </a:ext>
+            </a:extLst>
+          </p:cNvPr>
+          <p:cNvPicPr>
+            <a:picLocks noChangeAspect="1"/>
+          </p:cNvPicPr>
+          <p:nvPr/>
+        </p:nvPicPr>
+        <p:blipFill>
+          <a:blip r:embed="rId3">
+            <a:extLst>
+              <a:ext uri="{28A0092B-C50C-407E-A947-70E740481C1C}">
+                <a14:useLocalDpi xmlns:a14="http://schemas.microsoft.com/office/drawing/2010/main" val="0"/>
+              </a:ext>
+            </a:extLst>
+          </a:blip>
+          <a:stretch>
+            <a:fillRect/>
+          </a:stretch>
+        </p:blipFill>
+        <p:spPr>
+          <a:xfrm>
+            <a:off x="9825232" y="356179"/>
+            <a:ext cx="1983498" cy="1983498"/>
+          </a:xfrm>
+          <a:prstGeom prst="rect">
+            <a:avLst/>
+          </a:prstGeom>
+        </p:spPr>
+      </p:pic>
+      <p:sp>
+        <p:nvSpPr>
+          <p:cNvPr id="207" name="TextBox 206">
+            <a:extLst>
+              <a:ext uri="{FF2B5EF4-FFF2-40B4-BE49-F238E27FC236}">
+                <a16:creationId xmlns:a16="http://schemas.microsoft.com/office/drawing/2014/main" id="{7830A819-AF03-F024-2231-FDC5E0A7AD55}"/>
+              </a:ext>
+            </a:extLst>
+          </p:cNvPr>
+          <p:cNvSpPr txBox="1"/>
+          <p:nvPr/>
+        </p:nvSpPr>
+        <p:spPr>
+          <a:xfrm>
+            <a:off x="10139873" y="568909"/>
+            <a:ext cx="1404744" cy="369332"/>
+          </a:xfrm>
+          <a:prstGeom prst="rect">
+            <a:avLst/>
+          </a:prstGeom>
+          <a:noFill/>
+        </p:spPr>
+        <p:txBody>
+          <a:bodyPr wrap="none" rtlCol="0">
+            <a:spAutoFit/>
+          </a:bodyPr>
+          <a:lstStyle/>
+          <a:p>
+            <a:r>
+              <a:rPr lang="en-US" noProof="1">
+                <a:solidFill>
+                  <a:schemeClr val="bg1"/>
+                </a:solidFill>
+              </a:rPr>
+              <a:t>Lorem ipusm</a:t>
+            </a:r>
+          </a:p>
+        </p:txBody>
+      </p:sp>
+      <p:sp>
+        <p:nvSpPr>
+          <p:cNvPr id="7" name="TextBox 6">
+            <a:extLst>
+              <a:ext uri="{FF2B5EF4-FFF2-40B4-BE49-F238E27FC236}">
+                <a16:creationId xmlns:a16="http://schemas.microsoft.com/office/drawing/2014/main" id="{A2C8F947-9E2B-8D78-C0EA-979D6371EF09}"/>
+              </a:ext>
+            </a:extLst>
+          </p:cNvPr>
+          <p:cNvSpPr txBox="1"/>
+          <p:nvPr/>
+        </p:nvSpPr>
+        <p:spPr>
+          <a:xfrm>
+            <a:off x="9687275" y="1896219"/>
+            <a:ext cx="2259411" cy="2585323"/>
+          </a:xfrm>
+          <a:prstGeom prst="rect">
+            <a:avLst/>
+          </a:prstGeom>
+          <a:noFill/>
+        </p:spPr>
+        <p:txBody>
+          <a:bodyPr wrap="square" rtlCol="0">
+            <a:spAutoFit/>
+          </a:bodyPr>
+          <a:lstStyle/>
+          <a:p>
+            <a:r>
+              <a:rPr lang="cs-CZ" dirty="0" err="1">
+                <a:solidFill>
+                  <a:schemeClr val="bg1"/>
+                </a:solidFill>
+              </a:rPr>
+              <a:t>Lorem</a:t>
+            </a:r>
+            <a:r>
+              <a:rPr lang="cs-CZ" dirty="0">
+                <a:solidFill>
+                  <a:schemeClr val="bg1"/>
+                </a:solidFill>
+              </a:rPr>
+              <a:t> </a:t>
+            </a:r>
+            <a:r>
+              <a:rPr lang="cs-CZ" dirty="0" err="1">
+                <a:solidFill>
+                  <a:schemeClr val="bg1"/>
+                </a:solidFill>
+              </a:rPr>
+              <a:t>ipsum</a:t>
+            </a:r>
+            <a:r>
+              <a:rPr lang="cs-CZ" dirty="0">
+                <a:solidFill>
+                  <a:schemeClr val="bg1"/>
+                </a:solidFill>
+              </a:rPr>
+              <a:t> </a:t>
+            </a:r>
+            <a:r>
+              <a:rPr lang="cs-CZ" dirty="0" err="1">
+                <a:solidFill>
+                  <a:schemeClr val="bg1"/>
+                </a:solidFill>
+              </a:rPr>
+              <a:t>dolor</a:t>
+            </a:r>
+            <a:r>
+              <a:rPr lang="cs-CZ" dirty="0">
+                <a:solidFill>
+                  <a:schemeClr val="bg1"/>
+                </a:solidFill>
+              </a:rPr>
+              <a:t> </a:t>
+            </a:r>
+            <a:r>
+              <a:rPr lang="cs-CZ" dirty="0" err="1">
+                <a:solidFill>
+                  <a:schemeClr val="bg1"/>
+                </a:solidFill>
+              </a:rPr>
+              <a:t>sit</a:t>
+            </a:r>
+            <a:r>
+              <a:rPr lang="cs-CZ" dirty="0">
+                <a:solidFill>
+                  <a:schemeClr val="bg1"/>
+                </a:solidFill>
+              </a:rPr>
+              <a:t> </a:t>
+            </a:r>
+            <a:r>
+              <a:rPr lang="cs-CZ" dirty="0" err="1">
+                <a:solidFill>
+                  <a:schemeClr val="bg1"/>
+                </a:solidFill>
+              </a:rPr>
+              <a:t>amet</a:t>
+            </a:r>
+            <a:endParaRPr lang="cs-CZ" dirty="0">
+              <a:solidFill>
+                <a:schemeClr val="bg1"/>
+              </a:solidFill>
+            </a:endParaRPr>
+          </a:p>
+          <a:p>
+            <a:r>
+              <a:rPr lang="cs-CZ" dirty="0" err="1">
+                <a:solidFill>
+                  <a:schemeClr val="bg1"/>
+                </a:solidFill>
+              </a:rPr>
+              <a:t>Lorem</a:t>
+            </a:r>
+            <a:r>
+              <a:rPr lang="cs-CZ" dirty="0">
+                <a:solidFill>
+                  <a:schemeClr val="bg1"/>
+                </a:solidFill>
+              </a:rPr>
+              <a:t> </a:t>
+            </a:r>
+            <a:r>
+              <a:rPr lang="cs-CZ" dirty="0" err="1">
+                <a:solidFill>
+                  <a:schemeClr val="bg1"/>
+                </a:solidFill>
+              </a:rPr>
+              <a:t>ipsum</a:t>
+            </a:r>
+            <a:r>
+              <a:rPr lang="cs-CZ" dirty="0">
+                <a:solidFill>
+                  <a:schemeClr val="bg1"/>
+                </a:solidFill>
+              </a:rPr>
+              <a:t> </a:t>
+            </a:r>
+            <a:r>
+              <a:rPr lang="cs-CZ" dirty="0" err="1">
+                <a:solidFill>
+                  <a:schemeClr val="bg1"/>
+                </a:solidFill>
+              </a:rPr>
+              <a:t>dolor</a:t>
+            </a:r>
+            <a:r>
+              <a:rPr lang="cs-CZ" dirty="0">
+                <a:solidFill>
+                  <a:schemeClr val="bg1"/>
+                </a:solidFill>
+              </a:rPr>
+              <a:t> </a:t>
+            </a:r>
+            <a:r>
+              <a:rPr lang="cs-CZ" dirty="0" err="1">
+                <a:solidFill>
+                  <a:schemeClr val="bg1"/>
+                </a:solidFill>
+              </a:rPr>
+              <a:t>sit</a:t>
+            </a:r>
+            <a:r>
+              <a:rPr lang="cs-CZ" dirty="0">
+                <a:solidFill>
+                  <a:schemeClr val="bg1"/>
+                </a:solidFill>
+              </a:rPr>
+              <a:t> </a:t>
+            </a:r>
+            <a:r>
+              <a:rPr lang="cs-CZ" dirty="0" err="1">
+                <a:solidFill>
+                  <a:schemeClr val="bg1"/>
+                </a:solidFill>
+              </a:rPr>
+              <a:t>amet</a:t>
+            </a:r>
+            <a:endParaRPr lang="en-US" dirty="0">
+              <a:solidFill>
+                <a:schemeClr val="bg1"/>
+              </a:solidFill>
+            </a:endParaRPr>
+          </a:p>
+          <a:p>
+            <a:r>
+              <a:rPr lang="cs-CZ" dirty="0" err="1">
+                <a:solidFill>
+                  <a:schemeClr val="bg1"/>
+                </a:solidFill>
+              </a:rPr>
+              <a:t>Lorem</a:t>
+            </a:r>
+            <a:r>
+              <a:rPr lang="cs-CZ" dirty="0">
+                <a:solidFill>
+                  <a:schemeClr val="bg1"/>
+                </a:solidFill>
+              </a:rPr>
+              <a:t> </a:t>
+            </a:r>
+            <a:r>
+              <a:rPr lang="cs-CZ" dirty="0" err="1">
+                <a:solidFill>
+                  <a:schemeClr val="bg1"/>
+                </a:solidFill>
+              </a:rPr>
+              <a:t>ipsum</a:t>
+            </a:r>
+            <a:r>
+              <a:rPr lang="cs-CZ" dirty="0">
+                <a:solidFill>
+                  <a:schemeClr val="bg1"/>
+                </a:solidFill>
+              </a:rPr>
+              <a:t> </a:t>
+            </a:r>
+            <a:r>
+              <a:rPr lang="cs-CZ" dirty="0" err="1">
+                <a:solidFill>
+                  <a:schemeClr val="bg1"/>
+                </a:solidFill>
+              </a:rPr>
+              <a:t>dolor</a:t>
+            </a:r>
+            <a:r>
+              <a:rPr lang="cs-CZ" dirty="0">
+                <a:solidFill>
+                  <a:schemeClr val="bg1"/>
+                </a:solidFill>
+              </a:rPr>
+              <a:t> </a:t>
+            </a:r>
+            <a:r>
+              <a:rPr lang="cs-CZ" dirty="0" err="1">
+                <a:solidFill>
+                  <a:schemeClr val="bg1"/>
+                </a:solidFill>
+              </a:rPr>
+              <a:t>sit</a:t>
+            </a:r>
+            <a:r>
+              <a:rPr lang="cs-CZ" dirty="0">
+                <a:solidFill>
+                  <a:schemeClr val="bg1"/>
+                </a:solidFill>
+              </a:rPr>
+              <a:t> </a:t>
+            </a:r>
+            <a:r>
+              <a:rPr lang="cs-CZ" dirty="0" err="1">
+                <a:solidFill>
+                  <a:schemeClr val="bg1"/>
+                </a:solidFill>
+              </a:rPr>
+              <a:t>amet</a:t>
+            </a:r>
+            <a:r>
+              <a:rPr lang="cs-CZ" dirty="0">
+                <a:solidFill>
+                  <a:schemeClr val="bg1"/>
+                </a:solidFill>
+              </a:rPr>
+              <a:t> </a:t>
+            </a:r>
+            <a:r>
+              <a:rPr lang="cs-CZ" dirty="0" err="1">
+                <a:solidFill>
+                  <a:schemeClr val="bg1"/>
+                </a:solidFill>
+              </a:rPr>
+              <a:t>Lorem</a:t>
+            </a:r>
+            <a:r>
+              <a:rPr lang="cs-CZ" dirty="0">
+                <a:solidFill>
+                  <a:schemeClr val="bg1"/>
+                </a:solidFill>
+              </a:rPr>
+              <a:t> </a:t>
+            </a:r>
+            <a:r>
+              <a:rPr lang="cs-CZ" dirty="0" err="1">
+                <a:solidFill>
+                  <a:schemeClr val="bg1"/>
+                </a:solidFill>
+              </a:rPr>
+              <a:t>ipsum</a:t>
+            </a:r>
+            <a:r>
+              <a:rPr lang="cs-CZ" dirty="0">
+                <a:solidFill>
+                  <a:schemeClr val="bg1"/>
+                </a:solidFill>
+              </a:rPr>
+              <a:t> </a:t>
+            </a:r>
+            <a:r>
+              <a:rPr lang="cs-CZ" dirty="0" err="1">
+                <a:solidFill>
+                  <a:schemeClr val="bg1"/>
+                </a:solidFill>
+              </a:rPr>
+              <a:t>dolor</a:t>
+            </a:r>
+            <a:r>
+              <a:rPr lang="cs-CZ" dirty="0">
+                <a:solidFill>
+                  <a:schemeClr val="bg1"/>
+                </a:solidFill>
+              </a:rPr>
+              <a:t> </a:t>
+            </a:r>
+            <a:r>
+              <a:rPr lang="cs-CZ" dirty="0" err="1">
+                <a:solidFill>
+                  <a:schemeClr val="bg1"/>
+                </a:solidFill>
+              </a:rPr>
+              <a:t>sit</a:t>
+            </a:r>
+            <a:r>
+              <a:rPr lang="cs-CZ" dirty="0">
+                <a:solidFill>
+                  <a:schemeClr val="bg1"/>
+                </a:solidFill>
+              </a:rPr>
+              <a:t> </a:t>
+            </a:r>
+            <a:r>
+              <a:rPr lang="cs-CZ" dirty="0" err="1">
+                <a:solidFill>
+                  <a:schemeClr val="bg1"/>
+                </a:solidFill>
+              </a:rPr>
+              <a:t>amet</a:t>
+            </a:r>
+            <a:r>
+              <a:rPr lang="cs-CZ" dirty="0">
+                <a:solidFill>
+                  <a:schemeClr val="bg1"/>
+                </a:solidFill>
+              </a:rPr>
+              <a:t> </a:t>
+            </a:r>
+            <a:r>
+              <a:rPr lang="cs-CZ" dirty="0" err="1">
+                <a:solidFill>
+                  <a:schemeClr val="bg1"/>
+                </a:solidFill>
+              </a:rPr>
+              <a:t>Lorem</a:t>
+            </a:r>
+            <a:r>
+              <a:rPr lang="cs-CZ" dirty="0">
+                <a:solidFill>
+                  <a:schemeClr val="bg1"/>
+                </a:solidFill>
+              </a:rPr>
+              <a:t> </a:t>
+            </a:r>
+            <a:r>
+              <a:rPr lang="cs-CZ" dirty="0" err="1">
+                <a:solidFill>
+                  <a:schemeClr val="bg1"/>
+                </a:solidFill>
+              </a:rPr>
+              <a:t>ipsum</a:t>
+            </a:r>
+            <a:r>
+              <a:rPr lang="cs-CZ" dirty="0">
+                <a:solidFill>
+                  <a:schemeClr val="bg1"/>
+                </a:solidFill>
+              </a:rPr>
+              <a:t> </a:t>
+            </a:r>
+            <a:r>
+              <a:rPr lang="cs-CZ" dirty="0" err="1">
+                <a:solidFill>
+                  <a:schemeClr val="bg1"/>
+                </a:solidFill>
+              </a:rPr>
+              <a:t>dolor</a:t>
+            </a:r>
+            <a:r>
+              <a:rPr lang="cs-CZ" dirty="0">
+                <a:solidFill>
+                  <a:schemeClr val="bg1"/>
+                </a:solidFill>
+              </a:rPr>
+              <a:t> </a:t>
+            </a:r>
+            <a:r>
+              <a:rPr lang="cs-CZ" dirty="0" err="1">
+                <a:solidFill>
+                  <a:schemeClr val="bg1"/>
+                </a:solidFill>
+              </a:rPr>
+              <a:t>sit</a:t>
+            </a:r>
+            <a:r>
+              <a:rPr lang="cs-CZ" dirty="0">
+                <a:solidFill>
+                  <a:schemeClr val="bg1"/>
+                </a:solidFill>
+              </a:rPr>
+              <a:t> </a:t>
+            </a:r>
+            <a:r>
+              <a:rPr lang="cs-CZ" dirty="0" err="1">
+                <a:solidFill>
+                  <a:schemeClr val="bg1"/>
+                </a:solidFill>
+              </a:rPr>
+              <a:t>amet</a:t>
+            </a:r>
+            <a:endParaRPr lang="en-US" dirty="0">
+              <a:solidFill>
+                <a:schemeClr val="bg1"/>
+              </a:solidFill>
+            </a:endParaRPr>
+          </a:p>
+          <a:p>
+            <a:endParaRPr lang="en-US" dirty="0">
+              <a:solidFill>
+                <a:schemeClr val="bg1"/>
+              </a:solidFill>
+            </a:endParaRPr>
+          </a:p>
+        </p:txBody>
+      </p:sp>
+      <p:sp>
+        <p:nvSpPr>
+          <p:cNvPr id="9" name="TextBox 8">
+            <a:extLst>
+              <a:ext uri="{FF2B5EF4-FFF2-40B4-BE49-F238E27FC236}">
+                <a16:creationId xmlns:a16="http://schemas.microsoft.com/office/drawing/2014/main" id="{3C4972D4-71BD-CE0A-E0A6-23109BC73655}"/>
+              </a:ext>
+            </a:extLst>
+          </p:cNvPr>
+          <p:cNvSpPr txBox="1"/>
+          <p:nvPr/>
+        </p:nvSpPr>
+        <p:spPr>
+          <a:xfrm>
+            <a:off x="1667157" y="6412841"/>
+            <a:ext cx="457176" cy="307777"/>
+          </a:xfrm>
+          <a:prstGeom prst="rect">
+            <a:avLst/>
+          </a:prstGeom>
+          <a:noFill/>
+        </p:spPr>
+        <p:txBody>
+          <a:bodyPr wrap="none" rtlCol="0">
+            <a:spAutoFit/>
+          </a:bodyPr>
+          <a:lstStyle/>
+          <a:p>
+            <a:r>
+              <a:rPr lang="cs-CZ" sz="1400" dirty="0">
+                <a:solidFill>
+                  <a:schemeClr val="bg1"/>
+                </a:solidFill>
+              </a:rPr>
+              <a:t>+15</a:t>
+            </a:r>
+            <a:endParaRPr lang="en-US" sz="1400" dirty="0">
+              <a:solidFill>
+                <a:schemeClr val="bg1"/>
+              </a:solidFill>
+            </a:endParaRPr>
+          </a:p>
+        </p:txBody>
+      </p:sp>
+      <p:sp>
+        <p:nvSpPr>
+          <p:cNvPr id="10" name="TextBox 9">
+            <a:extLst>
+              <a:ext uri="{FF2B5EF4-FFF2-40B4-BE49-F238E27FC236}">
+                <a16:creationId xmlns:a16="http://schemas.microsoft.com/office/drawing/2014/main" id="{A3699D12-D821-F6F6-2087-52538B65B225}"/>
+              </a:ext>
+            </a:extLst>
+          </p:cNvPr>
+          <p:cNvSpPr txBox="1"/>
+          <p:nvPr/>
+        </p:nvSpPr>
+        <p:spPr>
+          <a:xfrm>
+            <a:off x="2383203" y="6002119"/>
+            <a:ext cx="457176" cy="307777"/>
+          </a:xfrm>
+          <a:prstGeom prst="rect">
+            <a:avLst/>
+          </a:prstGeom>
+          <a:noFill/>
+        </p:spPr>
+        <p:txBody>
+          <a:bodyPr wrap="none" rtlCol="0">
+            <a:spAutoFit/>
+          </a:bodyPr>
+          <a:lstStyle/>
+          <a:p>
+            <a:r>
+              <a:rPr lang="cs-CZ" sz="1400" dirty="0">
+                <a:solidFill>
+                  <a:schemeClr val="bg1"/>
+                </a:solidFill>
+              </a:rPr>
+              <a:t>+10</a:t>
+            </a:r>
+            <a:endParaRPr lang="en-US" sz="1400" dirty="0">
+              <a:solidFill>
+                <a:schemeClr val="bg1"/>
+              </a:solidFill>
+            </a:endParaRPr>
+          </a:p>
+        </p:txBody>
+      </p:sp>
+      <p:sp>
+        <p:nvSpPr>
+          <p:cNvPr id="11" name="Rectangle 10">
+            <a:extLst>
+              <a:ext uri="{FF2B5EF4-FFF2-40B4-BE49-F238E27FC236}">
+                <a16:creationId xmlns:a16="http://schemas.microsoft.com/office/drawing/2014/main" id="{3E78A3EF-024C-42C0-2BE7-7D353B2489F1}"/>
+              </a:ext>
+            </a:extLst>
+          </p:cNvPr>
+          <p:cNvSpPr/>
+          <p:nvPr/>
+        </p:nvSpPr>
+        <p:spPr>
+          <a:xfrm>
+            <a:off x="3346095" y="6488111"/>
+            <a:ext cx="644771" cy="267954"/>
+          </a:xfrm>
+          <a:prstGeom prst="rect">
+            <a:avLst/>
+          </a:prstGeom>
+          <a:solidFill>
+            <a:srgbClr val="020306">
+              <a:alpha val="60000"/>
+            </a:srgbClr>
+          </a:solidFill>
+          <a:ln>
+            <a:noFill/>
+          </a:ln>
+        </p:spPr>
+        <p:style>
+          <a:lnRef idx="2">
+            <a:schemeClr val="accent1">
+              <a:shade val="15000"/>
+            </a:schemeClr>
+          </a:lnRef>
+          <a:fillRef idx="1">
+            <a:schemeClr val="accent1"/>
+          </a:fillRef>
+          <a:effectRef idx="0">
+            <a:schemeClr val="accent1"/>
+          </a:effectRef>
+          <a:fontRef idx="minor">
+            <a:schemeClr val="lt1"/>
+          </a:fontRef>
+        </p:style>
+        <p:txBody>
+          <a:bodyPr rtlCol="0" anchor="ctr"/>
+          <a:lstStyle/>
+          <a:p>
+            <a:pPr algn="ctr"/>
+            <a:r>
+              <a:rPr lang="cs-CZ" dirty="0"/>
+              <a:t>    20</a:t>
+            </a:r>
+            <a:endParaRPr lang="en-US" dirty="0"/>
+          </a:p>
+        </p:txBody>
+      </p:sp>
+      <p:sp>
+        <p:nvSpPr>
+          <p:cNvPr id="12" name="Hexagon 11">
+            <a:extLst>
+              <a:ext uri="{FF2B5EF4-FFF2-40B4-BE49-F238E27FC236}">
+                <a16:creationId xmlns:a16="http://schemas.microsoft.com/office/drawing/2014/main" id="{E23D5654-E1F3-C6A9-B393-2464DBEB7498}"/>
+              </a:ext>
+            </a:extLst>
+          </p:cNvPr>
+          <p:cNvSpPr/>
+          <p:nvPr/>
+        </p:nvSpPr>
+        <p:spPr>
+          <a:xfrm>
+            <a:off x="3383071" y="6514667"/>
+            <a:ext cx="255972" cy="220665"/>
+          </a:xfrm>
+          <a:prstGeom prst="hexagon">
+            <a:avLst>
+              <a:gd name="adj" fmla="val 33336"/>
+              <a:gd name="vf" fmla="val 115470"/>
+            </a:avLst>
+          </a:prstGeom>
+          <a:solidFill>
+            <a:srgbClr val="FF7809"/>
+          </a:solidFill>
+          <a:ln w="19050">
+            <a:solidFill>
+              <a:schemeClr val="tx1">
+                <a:lumMod val="95000"/>
+                <a:lumOff val="5000"/>
+              </a:schemeClr>
+            </a:solidFill>
+          </a:ln>
+        </p:spPr>
+        <p:style>
+          <a:lnRef idx="2">
+            <a:schemeClr val="accent1">
+              <a:shade val="50000"/>
+            </a:schemeClr>
+          </a:lnRef>
+          <a:fillRef idx="1">
+            <a:schemeClr val="accent1"/>
+          </a:fillRef>
+          <a:effectRef idx="0">
+            <a:schemeClr val="accent1"/>
+          </a:effectRef>
+          <a:fontRef idx="minor">
+            <a:schemeClr val="lt1"/>
+          </a:fontRef>
+        </p:style>
+        <p:txBody>
+          <a:bodyPr rtlCol="0" anchor="ctr"/>
+          <a:lstStyle/>
+          <a:p>
+            <a:pPr algn="ctr"/>
+            <a:endParaRPr lang="en-US" dirty="0"/>
+          </a:p>
+        </p:txBody>
+      </p:sp>
+      <p:sp>
+        <p:nvSpPr>
+          <p:cNvPr id="13" name="Rectangle 12">
+            <a:extLst>
+              <a:ext uri="{FF2B5EF4-FFF2-40B4-BE49-F238E27FC236}">
+                <a16:creationId xmlns:a16="http://schemas.microsoft.com/office/drawing/2014/main" id="{2EECB8EF-9343-C38C-C5F1-89A8D5E4D9A9}"/>
+              </a:ext>
+            </a:extLst>
+          </p:cNvPr>
+          <p:cNvSpPr/>
+          <p:nvPr/>
+        </p:nvSpPr>
+        <p:spPr>
+          <a:xfrm>
+            <a:off x="4484425" y="6457342"/>
+            <a:ext cx="644771" cy="267954"/>
+          </a:xfrm>
+          <a:prstGeom prst="rect">
+            <a:avLst/>
+          </a:prstGeom>
+          <a:solidFill>
+            <a:srgbClr val="020306">
+              <a:alpha val="60000"/>
+            </a:srgbClr>
+          </a:solidFill>
+          <a:ln>
+            <a:noFill/>
+          </a:ln>
+        </p:spPr>
+        <p:style>
+          <a:lnRef idx="2">
+            <a:schemeClr val="accent1">
+              <a:shade val="15000"/>
+            </a:schemeClr>
+          </a:lnRef>
+          <a:fillRef idx="1">
+            <a:schemeClr val="accent1"/>
+          </a:fillRef>
+          <a:effectRef idx="0">
+            <a:schemeClr val="accent1"/>
+          </a:effectRef>
+          <a:fontRef idx="minor">
+            <a:schemeClr val="lt1"/>
+          </a:fontRef>
+        </p:style>
+        <p:txBody>
+          <a:bodyPr rtlCol="0" anchor="ctr"/>
+          <a:lstStyle/>
+          <a:p>
+            <a:pPr algn="ctr"/>
+            <a:r>
+              <a:rPr lang="cs-CZ" dirty="0">
+                <a:solidFill>
+                  <a:srgbClr val="FF0000"/>
+                </a:solidFill>
+              </a:rPr>
+              <a:t>    </a:t>
+            </a:r>
+            <a:r>
+              <a:rPr lang="cs-CZ" dirty="0">
+                <a:solidFill>
+                  <a:schemeClr val="bg2">
+                    <a:lumMod val="90000"/>
+                  </a:schemeClr>
+                </a:solidFill>
+              </a:rPr>
+              <a:t>30</a:t>
+            </a:r>
+            <a:endParaRPr lang="en-US" dirty="0">
+              <a:solidFill>
+                <a:schemeClr val="bg2">
+                  <a:lumMod val="90000"/>
+                </a:schemeClr>
+              </a:solidFill>
+            </a:endParaRPr>
+          </a:p>
+        </p:txBody>
+      </p:sp>
+      <p:sp>
+        <p:nvSpPr>
+          <p:cNvPr id="15" name="Hexagon 14">
+            <a:extLst>
+              <a:ext uri="{FF2B5EF4-FFF2-40B4-BE49-F238E27FC236}">
+                <a16:creationId xmlns:a16="http://schemas.microsoft.com/office/drawing/2014/main" id="{F7E5370D-E4F5-F3F2-FE80-86D5F30B4824}"/>
+              </a:ext>
+            </a:extLst>
+          </p:cNvPr>
+          <p:cNvSpPr/>
+          <p:nvPr/>
+        </p:nvSpPr>
+        <p:spPr>
+          <a:xfrm>
+            <a:off x="4521401" y="6483898"/>
+            <a:ext cx="255972" cy="220665"/>
+          </a:xfrm>
+          <a:prstGeom prst="hexagon">
+            <a:avLst>
+              <a:gd name="adj" fmla="val 33336"/>
+              <a:gd name="vf" fmla="val 115470"/>
+            </a:avLst>
+          </a:prstGeom>
+          <a:solidFill>
+            <a:srgbClr val="FF7809"/>
+          </a:solidFill>
+          <a:ln w="19050">
+            <a:solidFill>
+              <a:schemeClr val="tx1">
+                <a:lumMod val="95000"/>
+                <a:lumOff val="5000"/>
+              </a:schemeClr>
+            </a:solidFill>
+          </a:ln>
+        </p:spPr>
+        <p:style>
+          <a:lnRef idx="2">
+            <a:schemeClr val="accent1">
+              <a:shade val="50000"/>
+            </a:schemeClr>
+          </a:lnRef>
+          <a:fillRef idx="1">
+            <a:schemeClr val="accent1"/>
+          </a:fillRef>
+          <a:effectRef idx="0">
+            <a:schemeClr val="accent1"/>
+          </a:effectRef>
+          <a:fontRef idx="minor">
+            <a:schemeClr val="lt1"/>
+          </a:fontRef>
+        </p:style>
+        <p:txBody>
+          <a:bodyPr rtlCol="0" anchor="ctr"/>
+          <a:lstStyle/>
+          <a:p>
+            <a:pPr algn="ctr"/>
+            <a:endParaRPr lang="en-US" dirty="0"/>
+          </a:p>
+        </p:txBody>
+      </p:sp>
+      <p:sp>
+        <p:nvSpPr>
+          <p:cNvPr id="16" name="Rectangle 15">
+            <a:extLst>
+              <a:ext uri="{FF2B5EF4-FFF2-40B4-BE49-F238E27FC236}">
+                <a16:creationId xmlns:a16="http://schemas.microsoft.com/office/drawing/2014/main" id="{99D25D6C-7AB1-79B7-87A2-389D6261E40A}"/>
+              </a:ext>
+            </a:extLst>
+          </p:cNvPr>
+          <p:cNvSpPr/>
+          <p:nvPr/>
+        </p:nvSpPr>
+        <p:spPr>
+          <a:xfrm>
+            <a:off x="5614065" y="6457342"/>
+            <a:ext cx="644771" cy="267954"/>
+          </a:xfrm>
+          <a:prstGeom prst="rect">
+            <a:avLst/>
+          </a:prstGeom>
+          <a:solidFill>
+            <a:srgbClr val="020306">
+              <a:alpha val="60000"/>
+            </a:srgbClr>
+          </a:solidFill>
+          <a:ln>
+            <a:noFill/>
+          </a:ln>
+        </p:spPr>
+        <p:style>
+          <a:lnRef idx="2">
+            <a:schemeClr val="accent1">
+              <a:shade val="15000"/>
+            </a:schemeClr>
+          </a:lnRef>
+          <a:fillRef idx="1">
+            <a:schemeClr val="accent1"/>
+          </a:fillRef>
+          <a:effectRef idx="0">
+            <a:schemeClr val="accent1"/>
+          </a:effectRef>
+          <a:fontRef idx="minor">
+            <a:schemeClr val="lt1"/>
+          </a:fontRef>
+        </p:style>
+        <p:txBody>
+          <a:bodyPr rtlCol="0" anchor="ctr"/>
+          <a:lstStyle/>
+          <a:p>
+            <a:pPr algn="ctr"/>
+            <a:r>
+              <a:rPr lang="cs-CZ" dirty="0">
+                <a:solidFill>
+                  <a:srgbClr val="FF0000"/>
+                </a:solidFill>
+              </a:rPr>
+              <a:t>    40</a:t>
+            </a:r>
+            <a:endParaRPr lang="en-US" dirty="0">
+              <a:solidFill>
+                <a:srgbClr val="FF0000"/>
+              </a:solidFill>
+            </a:endParaRPr>
+          </a:p>
+        </p:txBody>
+      </p:sp>
+      <p:sp>
+        <p:nvSpPr>
+          <p:cNvPr id="17" name="Hexagon 16">
+            <a:extLst>
+              <a:ext uri="{FF2B5EF4-FFF2-40B4-BE49-F238E27FC236}">
+                <a16:creationId xmlns:a16="http://schemas.microsoft.com/office/drawing/2014/main" id="{375CF218-8DE2-0576-54AC-CAC75634A66D}"/>
+              </a:ext>
+            </a:extLst>
+          </p:cNvPr>
+          <p:cNvSpPr/>
+          <p:nvPr/>
+        </p:nvSpPr>
+        <p:spPr>
+          <a:xfrm>
+            <a:off x="5651041" y="6483898"/>
+            <a:ext cx="255972" cy="220665"/>
+          </a:xfrm>
+          <a:prstGeom prst="hexagon">
+            <a:avLst>
+              <a:gd name="adj" fmla="val 33336"/>
+              <a:gd name="vf" fmla="val 115470"/>
+            </a:avLst>
+          </a:prstGeom>
+          <a:solidFill>
+            <a:srgbClr val="FF7809"/>
+          </a:solidFill>
+          <a:ln w="19050">
+            <a:solidFill>
+              <a:schemeClr val="tx1">
+                <a:lumMod val="95000"/>
+                <a:lumOff val="5000"/>
+              </a:schemeClr>
+            </a:solidFill>
+          </a:ln>
+        </p:spPr>
+        <p:style>
+          <a:lnRef idx="2">
+            <a:schemeClr val="accent1">
+              <a:shade val="50000"/>
+            </a:schemeClr>
+          </a:lnRef>
+          <a:fillRef idx="1">
+            <a:schemeClr val="accent1"/>
+          </a:fillRef>
+          <a:effectRef idx="0">
+            <a:schemeClr val="accent1"/>
+          </a:effectRef>
+          <a:fontRef idx="minor">
+            <a:schemeClr val="lt1"/>
+          </a:fontRef>
+        </p:style>
+        <p:txBody>
+          <a:bodyPr rtlCol="0" anchor="ctr"/>
+          <a:lstStyle/>
+          <a:p>
+            <a:pPr algn="ctr"/>
+            <a:endParaRPr lang="en-US" dirty="0"/>
+          </a:p>
+        </p:txBody>
+      </p:sp>
+      <p:sp>
+        <p:nvSpPr>
+          <p:cNvPr id="18" name="Rectangle 17">
+            <a:extLst>
+              <a:ext uri="{FF2B5EF4-FFF2-40B4-BE49-F238E27FC236}">
+                <a16:creationId xmlns:a16="http://schemas.microsoft.com/office/drawing/2014/main" id="{04D9B7C1-9DEE-6E78-4231-C79A5D8C85A2}"/>
+              </a:ext>
+            </a:extLst>
+          </p:cNvPr>
+          <p:cNvSpPr/>
+          <p:nvPr/>
+        </p:nvSpPr>
+        <p:spPr>
+          <a:xfrm>
+            <a:off x="6734088" y="6457342"/>
+            <a:ext cx="644771" cy="267954"/>
+          </a:xfrm>
+          <a:prstGeom prst="rect">
+            <a:avLst/>
+          </a:prstGeom>
+          <a:solidFill>
+            <a:srgbClr val="020306">
+              <a:alpha val="60000"/>
+            </a:srgbClr>
+          </a:solidFill>
+          <a:ln>
+            <a:noFill/>
+          </a:ln>
+        </p:spPr>
+        <p:style>
+          <a:lnRef idx="2">
+            <a:schemeClr val="accent1">
+              <a:shade val="15000"/>
+            </a:schemeClr>
+          </a:lnRef>
+          <a:fillRef idx="1">
+            <a:schemeClr val="accent1"/>
+          </a:fillRef>
+          <a:effectRef idx="0">
+            <a:schemeClr val="accent1"/>
+          </a:effectRef>
+          <a:fontRef idx="minor">
+            <a:schemeClr val="lt1"/>
+          </a:fontRef>
+        </p:style>
+        <p:txBody>
+          <a:bodyPr rtlCol="0" anchor="ctr"/>
+          <a:lstStyle/>
+          <a:p>
+            <a:pPr algn="ctr"/>
+            <a:r>
+              <a:rPr lang="cs-CZ" dirty="0"/>
+              <a:t>    10</a:t>
+            </a:r>
+            <a:endParaRPr lang="en-US" dirty="0"/>
+          </a:p>
+        </p:txBody>
+      </p:sp>
+      <p:sp>
+        <p:nvSpPr>
+          <p:cNvPr id="20" name="Freeform: Shape 19">
+            <a:extLst>
+              <a:ext uri="{FF2B5EF4-FFF2-40B4-BE49-F238E27FC236}">
+                <a16:creationId xmlns:a16="http://schemas.microsoft.com/office/drawing/2014/main" id="{BED46185-B0DF-7D32-F57D-D4261FD9E89F}"/>
+              </a:ext>
+            </a:extLst>
+          </p:cNvPr>
+          <p:cNvSpPr/>
+          <p:nvPr/>
+        </p:nvSpPr>
+        <p:spPr>
+          <a:xfrm rot="21031095">
+            <a:off x="6797056" y="6424755"/>
+            <a:ext cx="231646" cy="314377"/>
+          </a:xfrm>
+          <a:custGeom>
+            <a:avLst/>
+            <a:gdLst>
+              <a:gd name="connsiteX0" fmla="*/ 0 w 1290415"/>
+              <a:gd name="connsiteY0" fmla="*/ 1016949 h 1709159"/>
+              <a:gd name="connsiteX1" fmla="*/ 922945 w 1290415"/>
+              <a:gd name="connsiteY1" fmla="*/ 0 h 1709159"/>
+              <a:gd name="connsiteX2" fmla="*/ 709301 w 1290415"/>
+              <a:gd name="connsiteY2" fmla="*/ 675118 h 1709159"/>
+              <a:gd name="connsiteX3" fmla="*/ 1290415 w 1290415"/>
+              <a:gd name="connsiteY3" fmla="*/ 675118 h 1709159"/>
+              <a:gd name="connsiteX4" fmla="*/ 350377 w 1290415"/>
+              <a:gd name="connsiteY4" fmla="*/ 1709159 h 1709159"/>
+              <a:gd name="connsiteX5" fmla="*/ 555476 w 1290415"/>
+              <a:gd name="connsiteY5" fmla="*/ 1016949 h 1709159"/>
+              <a:gd name="connsiteX6" fmla="*/ 0 w 1290415"/>
+              <a:gd name="connsiteY6" fmla="*/ 1016949 h 1709159"/>
+              <a:gd name="connsiteX0" fmla="*/ 0 w 1290415"/>
+              <a:gd name="connsiteY0" fmla="*/ 1051132 h 1743342"/>
+              <a:gd name="connsiteX1" fmla="*/ 957128 w 1290415"/>
+              <a:gd name="connsiteY1" fmla="*/ 0 h 1743342"/>
+              <a:gd name="connsiteX2" fmla="*/ 709301 w 1290415"/>
+              <a:gd name="connsiteY2" fmla="*/ 709301 h 1743342"/>
+              <a:gd name="connsiteX3" fmla="*/ 1290415 w 1290415"/>
+              <a:gd name="connsiteY3" fmla="*/ 709301 h 1743342"/>
+              <a:gd name="connsiteX4" fmla="*/ 350377 w 1290415"/>
+              <a:gd name="connsiteY4" fmla="*/ 1743342 h 1743342"/>
+              <a:gd name="connsiteX5" fmla="*/ 555476 w 1290415"/>
+              <a:gd name="connsiteY5" fmla="*/ 1051132 h 1743342"/>
+              <a:gd name="connsiteX6" fmla="*/ 0 w 1290415"/>
+              <a:gd name="connsiteY6" fmla="*/ 1051132 h 1743342"/>
+              <a:gd name="connsiteX0" fmla="*/ 0 w 1290415"/>
+              <a:gd name="connsiteY0" fmla="*/ 1034040 h 1726250"/>
+              <a:gd name="connsiteX1" fmla="*/ 922945 w 1290415"/>
+              <a:gd name="connsiteY1" fmla="*/ 0 h 1726250"/>
+              <a:gd name="connsiteX2" fmla="*/ 709301 w 1290415"/>
+              <a:gd name="connsiteY2" fmla="*/ 692209 h 1726250"/>
+              <a:gd name="connsiteX3" fmla="*/ 1290415 w 1290415"/>
+              <a:gd name="connsiteY3" fmla="*/ 692209 h 1726250"/>
+              <a:gd name="connsiteX4" fmla="*/ 350377 w 1290415"/>
+              <a:gd name="connsiteY4" fmla="*/ 1726250 h 1726250"/>
+              <a:gd name="connsiteX5" fmla="*/ 555476 w 1290415"/>
+              <a:gd name="connsiteY5" fmla="*/ 1034040 h 1726250"/>
+              <a:gd name="connsiteX6" fmla="*/ 0 w 1290415"/>
+              <a:gd name="connsiteY6" fmla="*/ 1034040 h 1726250"/>
+              <a:gd name="connsiteX0" fmla="*/ 0 w 1290415"/>
+              <a:gd name="connsiteY0" fmla="*/ 1034040 h 1726250"/>
+              <a:gd name="connsiteX1" fmla="*/ 948582 w 1290415"/>
+              <a:gd name="connsiteY1" fmla="*/ 0 h 1726250"/>
+              <a:gd name="connsiteX2" fmla="*/ 709301 w 1290415"/>
+              <a:gd name="connsiteY2" fmla="*/ 692209 h 1726250"/>
+              <a:gd name="connsiteX3" fmla="*/ 1290415 w 1290415"/>
+              <a:gd name="connsiteY3" fmla="*/ 692209 h 1726250"/>
+              <a:gd name="connsiteX4" fmla="*/ 350377 w 1290415"/>
+              <a:gd name="connsiteY4" fmla="*/ 1726250 h 1726250"/>
+              <a:gd name="connsiteX5" fmla="*/ 555476 w 1290415"/>
+              <a:gd name="connsiteY5" fmla="*/ 1034040 h 1726250"/>
+              <a:gd name="connsiteX6" fmla="*/ 0 w 1290415"/>
+              <a:gd name="connsiteY6" fmla="*/ 1034040 h 1726250"/>
+              <a:gd name="connsiteX0" fmla="*/ 0 w 1290415"/>
+              <a:gd name="connsiteY0" fmla="*/ 1076769 h 1768979"/>
+              <a:gd name="connsiteX1" fmla="*/ 965674 w 1290415"/>
+              <a:gd name="connsiteY1" fmla="*/ 0 h 1768979"/>
+              <a:gd name="connsiteX2" fmla="*/ 709301 w 1290415"/>
+              <a:gd name="connsiteY2" fmla="*/ 734938 h 1768979"/>
+              <a:gd name="connsiteX3" fmla="*/ 1290415 w 1290415"/>
+              <a:gd name="connsiteY3" fmla="*/ 734938 h 1768979"/>
+              <a:gd name="connsiteX4" fmla="*/ 350377 w 1290415"/>
+              <a:gd name="connsiteY4" fmla="*/ 1768979 h 1768979"/>
+              <a:gd name="connsiteX5" fmla="*/ 555476 w 1290415"/>
+              <a:gd name="connsiteY5" fmla="*/ 1076769 h 1768979"/>
+              <a:gd name="connsiteX6" fmla="*/ 0 w 1290415"/>
+              <a:gd name="connsiteY6" fmla="*/ 1076769 h 1768979"/>
+              <a:gd name="connsiteX0" fmla="*/ 0 w 1316053"/>
+              <a:gd name="connsiteY0" fmla="*/ 1093860 h 1768979"/>
+              <a:gd name="connsiteX1" fmla="*/ 991312 w 1316053"/>
+              <a:gd name="connsiteY1" fmla="*/ 0 h 1768979"/>
+              <a:gd name="connsiteX2" fmla="*/ 734939 w 1316053"/>
+              <a:gd name="connsiteY2" fmla="*/ 734938 h 1768979"/>
+              <a:gd name="connsiteX3" fmla="*/ 1316053 w 1316053"/>
+              <a:gd name="connsiteY3" fmla="*/ 734938 h 1768979"/>
+              <a:gd name="connsiteX4" fmla="*/ 376015 w 1316053"/>
+              <a:gd name="connsiteY4" fmla="*/ 1768979 h 1768979"/>
+              <a:gd name="connsiteX5" fmla="*/ 581114 w 1316053"/>
+              <a:gd name="connsiteY5" fmla="*/ 1076769 h 1768979"/>
+              <a:gd name="connsiteX6" fmla="*/ 0 w 1316053"/>
+              <a:gd name="connsiteY6" fmla="*/ 1093860 h 1768979"/>
+              <a:gd name="connsiteX0" fmla="*/ 0 w 1316053"/>
+              <a:gd name="connsiteY0" fmla="*/ 1068223 h 1768979"/>
+              <a:gd name="connsiteX1" fmla="*/ 991312 w 1316053"/>
+              <a:gd name="connsiteY1" fmla="*/ 0 h 1768979"/>
+              <a:gd name="connsiteX2" fmla="*/ 734939 w 1316053"/>
+              <a:gd name="connsiteY2" fmla="*/ 734938 h 1768979"/>
+              <a:gd name="connsiteX3" fmla="*/ 1316053 w 1316053"/>
+              <a:gd name="connsiteY3" fmla="*/ 734938 h 1768979"/>
+              <a:gd name="connsiteX4" fmla="*/ 376015 w 1316053"/>
+              <a:gd name="connsiteY4" fmla="*/ 1768979 h 1768979"/>
+              <a:gd name="connsiteX5" fmla="*/ 581114 w 1316053"/>
+              <a:gd name="connsiteY5" fmla="*/ 1076769 h 1768979"/>
+              <a:gd name="connsiteX6" fmla="*/ 0 w 1316053"/>
+              <a:gd name="connsiteY6" fmla="*/ 1068223 h 1768979"/>
+              <a:gd name="connsiteX0" fmla="*/ 0 w 1316053"/>
+              <a:gd name="connsiteY0" fmla="*/ 1068223 h 1777524"/>
+              <a:gd name="connsiteX1" fmla="*/ 991312 w 1316053"/>
+              <a:gd name="connsiteY1" fmla="*/ 0 h 1777524"/>
+              <a:gd name="connsiteX2" fmla="*/ 734939 w 1316053"/>
+              <a:gd name="connsiteY2" fmla="*/ 734938 h 1777524"/>
+              <a:gd name="connsiteX3" fmla="*/ 1316053 w 1316053"/>
+              <a:gd name="connsiteY3" fmla="*/ 734938 h 1777524"/>
+              <a:gd name="connsiteX4" fmla="*/ 333286 w 1316053"/>
+              <a:gd name="connsiteY4" fmla="*/ 1777524 h 1777524"/>
+              <a:gd name="connsiteX5" fmla="*/ 581114 w 1316053"/>
+              <a:gd name="connsiteY5" fmla="*/ 1076769 h 1777524"/>
+              <a:gd name="connsiteX6" fmla="*/ 0 w 1316053"/>
+              <a:gd name="connsiteY6" fmla="*/ 1068223 h 1777524"/>
+              <a:gd name="connsiteX0" fmla="*/ 0 w 1316053"/>
+              <a:gd name="connsiteY0" fmla="*/ 1068223 h 1786070"/>
+              <a:gd name="connsiteX1" fmla="*/ 991312 w 1316053"/>
+              <a:gd name="connsiteY1" fmla="*/ 0 h 1786070"/>
+              <a:gd name="connsiteX2" fmla="*/ 734939 w 1316053"/>
+              <a:gd name="connsiteY2" fmla="*/ 734938 h 1786070"/>
+              <a:gd name="connsiteX3" fmla="*/ 1316053 w 1316053"/>
+              <a:gd name="connsiteY3" fmla="*/ 734938 h 1786070"/>
+              <a:gd name="connsiteX4" fmla="*/ 358923 w 1316053"/>
+              <a:gd name="connsiteY4" fmla="*/ 1786070 h 1786070"/>
+              <a:gd name="connsiteX5" fmla="*/ 581114 w 1316053"/>
+              <a:gd name="connsiteY5" fmla="*/ 1076769 h 1786070"/>
+              <a:gd name="connsiteX6" fmla="*/ 0 w 1316053"/>
+              <a:gd name="connsiteY6" fmla="*/ 1068223 h 1786070"/>
+            </a:gdLst>
+            <a:ahLst/>
+            <a:cxnLst>
+              <a:cxn ang="0">
+                <a:pos x="connsiteX0" y="connsiteY0"/>
+              </a:cxn>
+              <a:cxn ang="0">
+                <a:pos x="connsiteX1" y="connsiteY1"/>
+              </a:cxn>
+              <a:cxn ang="0">
+                <a:pos x="connsiteX2" y="connsiteY2"/>
+              </a:cxn>
+              <a:cxn ang="0">
+                <a:pos x="connsiteX3" y="connsiteY3"/>
+              </a:cxn>
+              <a:cxn ang="0">
+                <a:pos x="connsiteX4" y="connsiteY4"/>
+              </a:cxn>
+              <a:cxn ang="0">
+                <a:pos x="connsiteX5" y="connsiteY5"/>
+              </a:cxn>
+              <a:cxn ang="0">
+                <a:pos x="connsiteX6" y="connsiteY6"/>
+              </a:cxn>
+            </a:cxnLst>
+            <a:rect l="l" t="t" r="r" b="b"/>
+            <a:pathLst>
+              <a:path w="1316053" h="1786070">
+                <a:moveTo>
+                  <a:pt x="0" y="1068223"/>
+                </a:moveTo>
+                <a:lnTo>
+                  <a:pt x="991312" y="0"/>
+                </a:lnTo>
+                <a:lnTo>
+                  <a:pt x="734939" y="734938"/>
+                </a:lnTo>
+                <a:lnTo>
+                  <a:pt x="1316053" y="734938"/>
+                </a:lnTo>
+                <a:lnTo>
+                  <a:pt x="358923" y="1786070"/>
+                </a:lnTo>
+                <a:lnTo>
+                  <a:pt x="581114" y="1076769"/>
+                </a:lnTo>
+                <a:lnTo>
+                  <a:pt x="0" y="1068223"/>
+                </a:lnTo>
+                <a:close/>
+              </a:path>
+            </a:pathLst>
+          </a:custGeom>
+          <a:solidFill>
+            <a:schemeClr val="accent5">
+              <a:lumMod val="75000"/>
+            </a:schemeClr>
+          </a:solidFill>
+          <a:ln w="19050"/>
+        </p:spPr>
+        <p:style>
+          <a:lnRef idx="2">
+            <a:schemeClr val="accent1">
+              <a:shade val="15000"/>
+            </a:schemeClr>
+          </a:lnRef>
+          <a:fillRef idx="1">
+            <a:schemeClr val="accent1"/>
+          </a:fillRef>
+          <a:effectRef idx="0">
+            <a:schemeClr val="accent1"/>
+          </a:effectRef>
+          <a:fontRef idx="minor">
+            <a:schemeClr val="lt1"/>
+          </a:fontRef>
+        </p:style>
+        <p:txBody>
+          <a:bodyPr rtlCol="0" anchor="ctr"/>
+          <a:lstStyle/>
+          <a:p>
+            <a:pPr algn="ctr"/>
+            <a:endParaRPr lang="en-US"/>
+          </a:p>
+        </p:txBody>
+      </p:sp>
+      <p:sp>
+        <p:nvSpPr>
+          <p:cNvPr id="21" name="Rectangle 20">
+            <a:extLst>
+              <a:ext uri="{FF2B5EF4-FFF2-40B4-BE49-F238E27FC236}">
+                <a16:creationId xmlns:a16="http://schemas.microsoft.com/office/drawing/2014/main" id="{A457E488-CFC9-2E89-61AA-103D16BA7851}"/>
+              </a:ext>
+            </a:extLst>
+          </p:cNvPr>
+          <p:cNvSpPr/>
+          <p:nvPr/>
+        </p:nvSpPr>
+        <p:spPr>
+          <a:xfrm>
+            <a:off x="7888984" y="6476729"/>
+            <a:ext cx="644771" cy="267954"/>
+          </a:xfrm>
+          <a:prstGeom prst="rect">
+            <a:avLst/>
+          </a:prstGeom>
+          <a:solidFill>
+            <a:srgbClr val="020306">
+              <a:alpha val="60000"/>
+            </a:srgbClr>
+          </a:solidFill>
+          <a:ln>
+            <a:noFill/>
+          </a:ln>
+        </p:spPr>
+        <p:style>
+          <a:lnRef idx="2">
+            <a:schemeClr val="accent1">
+              <a:shade val="15000"/>
+            </a:schemeClr>
+          </a:lnRef>
+          <a:fillRef idx="1">
+            <a:schemeClr val="accent1"/>
+          </a:fillRef>
+          <a:effectRef idx="0">
+            <a:schemeClr val="accent1"/>
+          </a:effectRef>
+          <a:fontRef idx="minor">
+            <a:schemeClr val="lt1"/>
+          </a:fontRef>
+        </p:style>
+        <p:txBody>
+          <a:bodyPr rtlCol="0" anchor="ctr"/>
+          <a:lstStyle/>
+          <a:p>
+            <a:pPr algn="ctr"/>
+            <a:r>
+              <a:rPr lang="cs-CZ" dirty="0">
+                <a:solidFill>
+                  <a:srgbClr val="FF0000"/>
+                </a:solidFill>
+              </a:rPr>
+              <a:t>    20</a:t>
+            </a:r>
+            <a:endParaRPr lang="en-US" dirty="0">
+              <a:solidFill>
+                <a:srgbClr val="FF0000"/>
+              </a:solidFill>
+            </a:endParaRPr>
+          </a:p>
+        </p:txBody>
+      </p:sp>
+      <p:sp>
+        <p:nvSpPr>
+          <p:cNvPr id="23" name="Freeform: Shape 22">
+            <a:extLst>
+              <a:ext uri="{FF2B5EF4-FFF2-40B4-BE49-F238E27FC236}">
+                <a16:creationId xmlns:a16="http://schemas.microsoft.com/office/drawing/2014/main" id="{885FAE80-7469-7EB0-1B53-F63B434FA254}"/>
+              </a:ext>
+            </a:extLst>
+          </p:cNvPr>
+          <p:cNvSpPr/>
+          <p:nvPr/>
+        </p:nvSpPr>
+        <p:spPr>
+          <a:xfrm rot="21031095">
+            <a:off x="7951952" y="6444142"/>
+            <a:ext cx="231646" cy="314377"/>
+          </a:xfrm>
+          <a:custGeom>
+            <a:avLst/>
+            <a:gdLst>
+              <a:gd name="connsiteX0" fmla="*/ 0 w 1290415"/>
+              <a:gd name="connsiteY0" fmla="*/ 1016949 h 1709159"/>
+              <a:gd name="connsiteX1" fmla="*/ 922945 w 1290415"/>
+              <a:gd name="connsiteY1" fmla="*/ 0 h 1709159"/>
+              <a:gd name="connsiteX2" fmla="*/ 709301 w 1290415"/>
+              <a:gd name="connsiteY2" fmla="*/ 675118 h 1709159"/>
+              <a:gd name="connsiteX3" fmla="*/ 1290415 w 1290415"/>
+              <a:gd name="connsiteY3" fmla="*/ 675118 h 1709159"/>
+              <a:gd name="connsiteX4" fmla="*/ 350377 w 1290415"/>
+              <a:gd name="connsiteY4" fmla="*/ 1709159 h 1709159"/>
+              <a:gd name="connsiteX5" fmla="*/ 555476 w 1290415"/>
+              <a:gd name="connsiteY5" fmla="*/ 1016949 h 1709159"/>
+              <a:gd name="connsiteX6" fmla="*/ 0 w 1290415"/>
+              <a:gd name="connsiteY6" fmla="*/ 1016949 h 1709159"/>
+              <a:gd name="connsiteX0" fmla="*/ 0 w 1290415"/>
+              <a:gd name="connsiteY0" fmla="*/ 1051132 h 1743342"/>
+              <a:gd name="connsiteX1" fmla="*/ 957128 w 1290415"/>
+              <a:gd name="connsiteY1" fmla="*/ 0 h 1743342"/>
+              <a:gd name="connsiteX2" fmla="*/ 709301 w 1290415"/>
+              <a:gd name="connsiteY2" fmla="*/ 709301 h 1743342"/>
+              <a:gd name="connsiteX3" fmla="*/ 1290415 w 1290415"/>
+              <a:gd name="connsiteY3" fmla="*/ 709301 h 1743342"/>
+              <a:gd name="connsiteX4" fmla="*/ 350377 w 1290415"/>
+              <a:gd name="connsiteY4" fmla="*/ 1743342 h 1743342"/>
+              <a:gd name="connsiteX5" fmla="*/ 555476 w 1290415"/>
+              <a:gd name="connsiteY5" fmla="*/ 1051132 h 1743342"/>
+              <a:gd name="connsiteX6" fmla="*/ 0 w 1290415"/>
+              <a:gd name="connsiteY6" fmla="*/ 1051132 h 1743342"/>
+              <a:gd name="connsiteX0" fmla="*/ 0 w 1290415"/>
+              <a:gd name="connsiteY0" fmla="*/ 1034040 h 1726250"/>
+              <a:gd name="connsiteX1" fmla="*/ 922945 w 1290415"/>
+              <a:gd name="connsiteY1" fmla="*/ 0 h 1726250"/>
+              <a:gd name="connsiteX2" fmla="*/ 709301 w 1290415"/>
+              <a:gd name="connsiteY2" fmla="*/ 692209 h 1726250"/>
+              <a:gd name="connsiteX3" fmla="*/ 1290415 w 1290415"/>
+              <a:gd name="connsiteY3" fmla="*/ 692209 h 1726250"/>
+              <a:gd name="connsiteX4" fmla="*/ 350377 w 1290415"/>
+              <a:gd name="connsiteY4" fmla="*/ 1726250 h 1726250"/>
+              <a:gd name="connsiteX5" fmla="*/ 555476 w 1290415"/>
+              <a:gd name="connsiteY5" fmla="*/ 1034040 h 1726250"/>
+              <a:gd name="connsiteX6" fmla="*/ 0 w 1290415"/>
+              <a:gd name="connsiteY6" fmla="*/ 1034040 h 1726250"/>
+              <a:gd name="connsiteX0" fmla="*/ 0 w 1290415"/>
+              <a:gd name="connsiteY0" fmla="*/ 1034040 h 1726250"/>
+              <a:gd name="connsiteX1" fmla="*/ 948582 w 1290415"/>
+              <a:gd name="connsiteY1" fmla="*/ 0 h 1726250"/>
+              <a:gd name="connsiteX2" fmla="*/ 709301 w 1290415"/>
+              <a:gd name="connsiteY2" fmla="*/ 692209 h 1726250"/>
+              <a:gd name="connsiteX3" fmla="*/ 1290415 w 1290415"/>
+              <a:gd name="connsiteY3" fmla="*/ 692209 h 1726250"/>
+              <a:gd name="connsiteX4" fmla="*/ 350377 w 1290415"/>
+              <a:gd name="connsiteY4" fmla="*/ 1726250 h 1726250"/>
+              <a:gd name="connsiteX5" fmla="*/ 555476 w 1290415"/>
+              <a:gd name="connsiteY5" fmla="*/ 1034040 h 1726250"/>
+              <a:gd name="connsiteX6" fmla="*/ 0 w 1290415"/>
+              <a:gd name="connsiteY6" fmla="*/ 1034040 h 1726250"/>
+              <a:gd name="connsiteX0" fmla="*/ 0 w 1290415"/>
+              <a:gd name="connsiteY0" fmla="*/ 1076769 h 1768979"/>
+              <a:gd name="connsiteX1" fmla="*/ 965674 w 1290415"/>
+              <a:gd name="connsiteY1" fmla="*/ 0 h 1768979"/>
+              <a:gd name="connsiteX2" fmla="*/ 709301 w 1290415"/>
+              <a:gd name="connsiteY2" fmla="*/ 734938 h 1768979"/>
+              <a:gd name="connsiteX3" fmla="*/ 1290415 w 1290415"/>
+              <a:gd name="connsiteY3" fmla="*/ 734938 h 1768979"/>
+              <a:gd name="connsiteX4" fmla="*/ 350377 w 1290415"/>
+              <a:gd name="connsiteY4" fmla="*/ 1768979 h 1768979"/>
+              <a:gd name="connsiteX5" fmla="*/ 555476 w 1290415"/>
+              <a:gd name="connsiteY5" fmla="*/ 1076769 h 1768979"/>
+              <a:gd name="connsiteX6" fmla="*/ 0 w 1290415"/>
+              <a:gd name="connsiteY6" fmla="*/ 1076769 h 1768979"/>
+              <a:gd name="connsiteX0" fmla="*/ 0 w 1316053"/>
+              <a:gd name="connsiteY0" fmla="*/ 1093860 h 1768979"/>
+              <a:gd name="connsiteX1" fmla="*/ 991312 w 1316053"/>
+              <a:gd name="connsiteY1" fmla="*/ 0 h 1768979"/>
+              <a:gd name="connsiteX2" fmla="*/ 734939 w 1316053"/>
+              <a:gd name="connsiteY2" fmla="*/ 734938 h 1768979"/>
+              <a:gd name="connsiteX3" fmla="*/ 1316053 w 1316053"/>
+              <a:gd name="connsiteY3" fmla="*/ 734938 h 1768979"/>
+              <a:gd name="connsiteX4" fmla="*/ 376015 w 1316053"/>
+              <a:gd name="connsiteY4" fmla="*/ 1768979 h 1768979"/>
+              <a:gd name="connsiteX5" fmla="*/ 581114 w 1316053"/>
+              <a:gd name="connsiteY5" fmla="*/ 1076769 h 1768979"/>
+              <a:gd name="connsiteX6" fmla="*/ 0 w 1316053"/>
+              <a:gd name="connsiteY6" fmla="*/ 1093860 h 1768979"/>
+              <a:gd name="connsiteX0" fmla="*/ 0 w 1316053"/>
+              <a:gd name="connsiteY0" fmla="*/ 1068223 h 1768979"/>
+              <a:gd name="connsiteX1" fmla="*/ 991312 w 1316053"/>
+              <a:gd name="connsiteY1" fmla="*/ 0 h 1768979"/>
+              <a:gd name="connsiteX2" fmla="*/ 734939 w 1316053"/>
+              <a:gd name="connsiteY2" fmla="*/ 734938 h 1768979"/>
+              <a:gd name="connsiteX3" fmla="*/ 1316053 w 1316053"/>
+              <a:gd name="connsiteY3" fmla="*/ 734938 h 1768979"/>
+              <a:gd name="connsiteX4" fmla="*/ 376015 w 1316053"/>
+              <a:gd name="connsiteY4" fmla="*/ 1768979 h 1768979"/>
+              <a:gd name="connsiteX5" fmla="*/ 581114 w 1316053"/>
+              <a:gd name="connsiteY5" fmla="*/ 1076769 h 1768979"/>
+              <a:gd name="connsiteX6" fmla="*/ 0 w 1316053"/>
+              <a:gd name="connsiteY6" fmla="*/ 1068223 h 1768979"/>
+              <a:gd name="connsiteX0" fmla="*/ 0 w 1316053"/>
+              <a:gd name="connsiteY0" fmla="*/ 1068223 h 1777524"/>
+              <a:gd name="connsiteX1" fmla="*/ 991312 w 1316053"/>
+              <a:gd name="connsiteY1" fmla="*/ 0 h 1777524"/>
+              <a:gd name="connsiteX2" fmla="*/ 734939 w 1316053"/>
+              <a:gd name="connsiteY2" fmla="*/ 734938 h 1777524"/>
+              <a:gd name="connsiteX3" fmla="*/ 1316053 w 1316053"/>
+              <a:gd name="connsiteY3" fmla="*/ 734938 h 1777524"/>
+              <a:gd name="connsiteX4" fmla="*/ 333286 w 1316053"/>
+              <a:gd name="connsiteY4" fmla="*/ 1777524 h 1777524"/>
+              <a:gd name="connsiteX5" fmla="*/ 581114 w 1316053"/>
+              <a:gd name="connsiteY5" fmla="*/ 1076769 h 1777524"/>
+              <a:gd name="connsiteX6" fmla="*/ 0 w 1316053"/>
+              <a:gd name="connsiteY6" fmla="*/ 1068223 h 1777524"/>
+              <a:gd name="connsiteX0" fmla="*/ 0 w 1316053"/>
+              <a:gd name="connsiteY0" fmla="*/ 1068223 h 1786070"/>
+              <a:gd name="connsiteX1" fmla="*/ 991312 w 1316053"/>
+              <a:gd name="connsiteY1" fmla="*/ 0 h 1786070"/>
+              <a:gd name="connsiteX2" fmla="*/ 734939 w 1316053"/>
+              <a:gd name="connsiteY2" fmla="*/ 734938 h 1786070"/>
+              <a:gd name="connsiteX3" fmla="*/ 1316053 w 1316053"/>
+              <a:gd name="connsiteY3" fmla="*/ 734938 h 1786070"/>
+              <a:gd name="connsiteX4" fmla="*/ 358923 w 1316053"/>
+              <a:gd name="connsiteY4" fmla="*/ 1786070 h 1786070"/>
+              <a:gd name="connsiteX5" fmla="*/ 581114 w 1316053"/>
+              <a:gd name="connsiteY5" fmla="*/ 1076769 h 1786070"/>
+              <a:gd name="connsiteX6" fmla="*/ 0 w 1316053"/>
+              <a:gd name="connsiteY6" fmla="*/ 1068223 h 1786070"/>
+            </a:gdLst>
+            <a:ahLst/>
+            <a:cxnLst>
+              <a:cxn ang="0">
+                <a:pos x="connsiteX0" y="connsiteY0"/>
+              </a:cxn>
+              <a:cxn ang="0">
+                <a:pos x="connsiteX1" y="connsiteY1"/>
+              </a:cxn>
+              <a:cxn ang="0">
+                <a:pos x="connsiteX2" y="connsiteY2"/>
+              </a:cxn>
+              <a:cxn ang="0">
+                <a:pos x="connsiteX3" y="connsiteY3"/>
+              </a:cxn>
+              <a:cxn ang="0">
+                <a:pos x="connsiteX4" y="connsiteY4"/>
+              </a:cxn>
+              <a:cxn ang="0">
+                <a:pos x="connsiteX5" y="connsiteY5"/>
+              </a:cxn>
+              <a:cxn ang="0">
+                <a:pos x="connsiteX6" y="connsiteY6"/>
+              </a:cxn>
+            </a:cxnLst>
+            <a:rect l="l" t="t" r="r" b="b"/>
+            <a:pathLst>
+              <a:path w="1316053" h="1786070">
+                <a:moveTo>
+                  <a:pt x="0" y="1068223"/>
+                </a:moveTo>
+                <a:lnTo>
+                  <a:pt x="991312" y="0"/>
+                </a:lnTo>
+                <a:lnTo>
+                  <a:pt x="734939" y="734938"/>
+                </a:lnTo>
+                <a:lnTo>
+                  <a:pt x="1316053" y="734938"/>
+                </a:lnTo>
+                <a:lnTo>
+                  <a:pt x="358923" y="1786070"/>
+                </a:lnTo>
+                <a:lnTo>
+                  <a:pt x="581114" y="1076769"/>
+                </a:lnTo>
+                <a:lnTo>
+                  <a:pt x="0" y="1068223"/>
+                </a:lnTo>
+                <a:close/>
+              </a:path>
+            </a:pathLst>
+          </a:custGeom>
+          <a:solidFill>
+            <a:schemeClr val="accent5">
+              <a:lumMod val="75000"/>
+            </a:schemeClr>
+          </a:solidFill>
+          <a:ln w="19050"/>
+        </p:spPr>
+        <p:style>
+          <a:lnRef idx="2">
+            <a:schemeClr val="accent1">
+              <a:shade val="15000"/>
+            </a:schemeClr>
+          </a:lnRef>
+          <a:fillRef idx="1">
+            <a:schemeClr val="accent1"/>
+          </a:fillRef>
+          <a:effectRef idx="0">
+            <a:schemeClr val="accent1"/>
+          </a:effectRef>
+          <a:fontRef idx="minor">
+            <a:schemeClr val="lt1"/>
+          </a:fontRef>
+        </p:style>
+        <p:txBody>
+          <a:bodyPr rtlCol="0" anchor="ctr"/>
+          <a:lstStyle/>
+          <a:p>
+            <a:pPr algn="ctr"/>
+            <a:endParaRPr lang="en-US"/>
+          </a:p>
+        </p:txBody>
+      </p:sp>
+      <p:sp>
+        <p:nvSpPr>
+          <p:cNvPr id="24" name="Rectangle 23">
+            <a:extLst>
+              <a:ext uri="{FF2B5EF4-FFF2-40B4-BE49-F238E27FC236}">
+                <a16:creationId xmlns:a16="http://schemas.microsoft.com/office/drawing/2014/main" id="{0C21EBC4-86D2-B138-2DD0-47A222FEAAFE}"/>
+              </a:ext>
+            </a:extLst>
+          </p:cNvPr>
+          <p:cNvSpPr/>
+          <p:nvPr/>
+        </p:nvSpPr>
+        <p:spPr>
+          <a:xfrm>
+            <a:off x="9061855" y="6476729"/>
+            <a:ext cx="644771" cy="267954"/>
+          </a:xfrm>
+          <a:prstGeom prst="rect">
+            <a:avLst/>
+          </a:prstGeom>
+          <a:solidFill>
+            <a:srgbClr val="020306">
+              <a:alpha val="60000"/>
+            </a:srgbClr>
+          </a:solidFill>
+          <a:ln>
+            <a:noFill/>
+          </a:ln>
+        </p:spPr>
+        <p:style>
+          <a:lnRef idx="2">
+            <a:schemeClr val="accent1">
+              <a:shade val="15000"/>
+            </a:schemeClr>
+          </a:lnRef>
+          <a:fillRef idx="1">
+            <a:schemeClr val="accent1"/>
+          </a:fillRef>
+          <a:effectRef idx="0">
+            <a:schemeClr val="accent1"/>
+          </a:effectRef>
+          <a:fontRef idx="minor">
+            <a:schemeClr val="lt1"/>
+          </a:fontRef>
+        </p:style>
+        <p:txBody>
+          <a:bodyPr rtlCol="0" anchor="ctr"/>
+          <a:lstStyle/>
+          <a:p>
+            <a:pPr algn="ctr"/>
+            <a:r>
+              <a:rPr lang="cs-CZ" dirty="0">
+                <a:solidFill>
+                  <a:srgbClr val="FF0000"/>
+                </a:solidFill>
+              </a:rPr>
+              <a:t>    25</a:t>
+            </a:r>
+            <a:endParaRPr lang="en-US" dirty="0">
+              <a:solidFill>
+                <a:srgbClr val="FF0000"/>
+              </a:solidFill>
+            </a:endParaRPr>
+          </a:p>
+        </p:txBody>
+      </p:sp>
+      <p:sp>
+        <p:nvSpPr>
+          <p:cNvPr id="25" name="Freeform: Shape 24">
+            <a:extLst>
+              <a:ext uri="{FF2B5EF4-FFF2-40B4-BE49-F238E27FC236}">
+                <a16:creationId xmlns:a16="http://schemas.microsoft.com/office/drawing/2014/main" id="{B63A7FEC-2074-DAA4-F2B3-048E4C7D288D}"/>
+              </a:ext>
+            </a:extLst>
+          </p:cNvPr>
+          <p:cNvSpPr/>
+          <p:nvPr/>
+        </p:nvSpPr>
+        <p:spPr>
+          <a:xfrm rot="21031095">
+            <a:off x="9124823" y="6444142"/>
+            <a:ext cx="231646" cy="314377"/>
+          </a:xfrm>
+          <a:custGeom>
+            <a:avLst/>
+            <a:gdLst>
+              <a:gd name="connsiteX0" fmla="*/ 0 w 1290415"/>
+              <a:gd name="connsiteY0" fmla="*/ 1016949 h 1709159"/>
+              <a:gd name="connsiteX1" fmla="*/ 922945 w 1290415"/>
+              <a:gd name="connsiteY1" fmla="*/ 0 h 1709159"/>
+              <a:gd name="connsiteX2" fmla="*/ 709301 w 1290415"/>
+              <a:gd name="connsiteY2" fmla="*/ 675118 h 1709159"/>
+              <a:gd name="connsiteX3" fmla="*/ 1290415 w 1290415"/>
+              <a:gd name="connsiteY3" fmla="*/ 675118 h 1709159"/>
+              <a:gd name="connsiteX4" fmla="*/ 350377 w 1290415"/>
+              <a:gd name="connsiteY4" fmla="*/ 1709159 h 1709159"/>
+              <a:gd name="connsiteX5" fmla="*/ 555476 w 1290415"/>
+              <a:gd name="connsiteY5" fmla="*/ 1016949 h 1709159"/>
+              <a:gd name="connsiteX6" fmla="*/ 0 w 1290415"/>
+              <a:gd name="connsiteY6" fmla="*/ 1016949 h 1709159"/>
+              <a:gd name="connsiteX0" fmla="*/ 0 w 1290415"/>
+              <a:gd name="connsiteY0" fmla="*/ 1051132 h 1743342"/>
+              <a:gd name="connsiteX1" fmla="*/ 957128 w 1290415"/>
+              <a:gd name="connsiteY1" fmla="*/ 0 h 1743342"/>
+              <a:gd name="connsiteX2" fmla="*/ 709301 w 1290415"/>
+              <a:gd name="connsiteY2" fmla="*/ 709301 h 1743342"/>
+              <a:gd name="connsiteX3" fmla="*/ 1290415 w 1290415"/>
+              <a:gd name="connsiteY3" fmla="*/ 709301 h 1743342"/>
+              <a:gd name="connsiteX4" fmla="*/ 350377 w 1290415"/>
+              <a:gd name="connsiteY4" fmla="*/ 1743342 h 1743342"/>
+              <a:gd name="connsiteX5" fmla="*/ 555476 w 1290415"/>
+              <a:gd name="connsiteY5" fmla="*/ 1051132 h 1743342"/>
+              <a:gd name="connsiteX6" fmla="*/ 0 w 1290415"/>
+              <a:gd name="connsiteY6" fmla="*/ 1051132 h 1743342"/>
+              <a:gd name="connsiteX0" fmla="*/ 0 w 1290415"/>
+              <a:gd name="connsiteY0" fmla="*/ 1034040 h 1726250"/>
+              <a:gd name="connsiteX1" fmla="*/ 922945 w 1290415"/>
+              <a:gd name="connsiteY1" fmla="*/ 0 h 1726250"/>
+              <a:gd name="connsiteX2" fmla="*/ 709301 w 1290415"/>
+              <a:gd name="connsiteY2" fmla="*/ 692209 h 1726250"/>
+              <a:gd name="connsiteX3" fmla="*/ 1290415 w 1290415"/>
+              <a:gd name="connsiteY3" fmla="*/ 692209 h 1726250"/>
+              <a:gd name="connsiteX4" fmla="*/ 350377 w 1290415"/>
+              <a:gd name="connsiteY4" fmla="*/ 1726250 h 1726250"/>
+              <a:gd name="connsiteX5" fmla="*/ 555476 w 1290415"/>
+              <a:gd name="connsiteY5" fmla="*/ 1034040 h 1726250"/>
+              <a:gd name="connsiteX6" fmla="*/ 0 w 1290415"/>
+              <a:gd name="connsiteY6" fmla="*/ 1034040 h 1726250"/>
+              <a:gd name="connsiteX0" fmla="*/ 0 w 1290415"/>
+              <a:gd name="connsiteY0" fmla="*/ 1034040 h 1726250"/>
+              <a:gd name="connsiteX1" fmla="*/ 948582 w 1290415"/>
+              <a:gd name="connsiteY1" fmla="*/ 0 h 1726250"/>
+              <a:gd name="connsiteX2" fmla="*/ 709301 w 1290415"/>
+              <a:gd name="connsiteY2" fmla="*/ 692209 h 1726250"/>
+              <a:gd name="connsiteX3" fmla="*/ 1290415 w 1290415"/>
+              <a:gd name="connsiteY3" fmla="*/ 692209 h 1726250"/>
+              <a:gd name="connsiteX4" fmla="*/ 350377 w 1290415"/>
+              <a:gd name="connsiteY4" fmla="*/ 1726250 h 1726250"/>
+              <a:gd name="connsiteX5" fmla="*/ 555476 w 1290415"/>
+              <a:gd name="connsiteY5" fmla="*/ 1034040 h 1726250"/>
+              <a:gd name="connsiteX6" fmla="*/ 0 w 1290415"/>
+              <a:gd name="connsiteY6" fmla="*/ 1034040 h 1726250"/>
+              <a:gd name="connsiteX0" fmla="*/ 0 w 1290415"/>
+              <a:gd name="connsiteY0" fmla="*/ 1076769 h 1768979"/>
+              <a:gd name="connsiteX1" fmla="*/ 965674 w 1290415"/>
+              <a:gd name="connsiteY1" fmla="*/ 0 h 1768979"/>
+              <a:gd name="connsiteX2" fmla="*/ 709301 w 1290415"/>
+              <a:gd name="connsiteY2" fmla="*/ 734938 h 1768979"/>
+              <a:gd name="connsiteX3" fmla="*/ 1290415 w 1290415"/>
+              <a:gd name="connsiteY3" fmla="*/ 734938 h 1768979"/>
+              <a:gd name="connsiteX4" fmla="*/ 350377 w 1290415"/>
+              <a:gd name="connsiteY4" fmla="*/ 1768979 h 1768979"/>
+              <a:gd name="connsiteX5" fmla="*/ 555476 w 1290415"/>
+              <a:gd name="connsiteY5" fmla="*/ 1076769 h 1768979"/>
+              <a:gd name="connsiteX6" fmla="*/ 0 w 1290415"/>
+              <a:gd name="connsiteY6" fmla="*/ 1076769 h 1768979"/>
+              <a:gd name="connsiteX0" fmla="*/ 0 w 1316053"/>
+              <a:gd name="connsiteY0" fmla="*/ 1093860 h 1768979"/>
+              <a:gd name="connsiteX1" fmla="*/ 991312 w 1316053"/>
+              <a:gd name="connsiteY1" fmla="*/ 0 h 1768979"/>
+              <a:gd name="connsiteX2" fmla="*/ 734939 w 1316053"/>
+              <a:gd name="connsiteY2" fmla="*/ 734938 h 1768979"/>
+              <a:gd name="connsiteX3" fmla="*/ 1316053 w 1316053"/>
+              <a:gd name="connsiteY3" fmla="*/ 734938 h 1768979"/>
+              <a:gd name="connsiteX4" fmla="*/ 376015 w 1316053"/>
+              <a:gd name="connsiteY4" fmla="*/ 1768979 h 1768979"/>
+              <a:gd name="connsiteX5" fmla="*/ 581114 w 1316053"/>
+              <a:gd name="connsiteY5" fmla="*/ 1076769 h 1768979"/>
+              <a:gd name="connsiteX6" fmla="*/ 0 w 1316053"/>
+              <a:gd name="connsiteY6" fmla="*/ 1093860 h 1768979"/>
+              <a:gd name="connsiteX0" fmla="*/ 0 w 1316053"/>
+              <a:gd name="connsiteY0" fmla="*/ 1068223 h 1768979"/>
+              <a:gd name="connsiteX1" fmla="*/ 991312 w 1316053"/>
+              <a:gd name="connsiteY1" fmla="*/ 0 h 1768979"/>
+              <a:gd name="connsiteX2" fmla="*/ 734939 w 1316053"/>
+              <a:gd name="connsiteY2" fmla="*/ 734938 h 1768979"/>
+              <a:gd name="connsiteX3" fmla="*/ 1316053 w 1316053"/>
+              <a:gd name="connsiteY3" fmla="*/ 734938 h 1768979"/>
+              <a:gd name="connsiteX4" fmla="*/ 376015 w 1316053"/>
+              <a:gd name="connsiteY4" fmla="*/ 1768979 h 1768979"/>
+              <a:gd name="connsiteX5" fmla="*/ 581114 w 1316053"/>
+              <a:gd name="connsiteY5" fmla="*/ 1076769 h 1768979"/>
+              <a:gd name="connsiteX6" fmla="*/ 0 w 1316053"/>
+              <a:gd name="connsiteY6" fmla="*/ 1068223 h 1768979"/>
+              <a:gd name="connsiteX0" fmla="*/ 0 w 1316053"/>
+              <a:gd name="connsiteY0" fmla="*/ 1068223 h 1777524"/>
+              <a:gd name="connsiteX1" fmla="*/ 991312 w 1316053"/>
+              <a:gd name="connsiteY1" fmla="*/ 0 h 1777524"/>
+              <a:gd name="connsiteX2" fmla="*/ 734939 w 1316053"/>
+              <a:gd name="connsiteY2" fmla="*/ 734938 h 1777524"/>
+              <a:gd name="connsiteX3" fmla="*/ 1316053 w 1316053"/>
+              <a:gd name="connsiteY3" fmla="*/ 734938 h 1777524"/>
+              <a:gd name="connsiteX4" fmla="*/ 333286 w 1316053"/>
+              <a:gd name="connsiteY4" fmla="*/ 1777524 h 1777524"/>
+              <a:gd name="connsiteX5" fmla="*/ 581114 w 1316053"/>
+              <a:gd name="connsiteY5" fmla="*/ 1076769 h 1777524"/>
+              <a:gd name="connsiteX6" fmla="*/ 0 w 1316053"/>
+              <a:gd name="connsiteY6" fmla="*/ 1068223 h 1777524"/>
+              <a:gd name="connsiteX0" fmla="*/ 0 w 1316053"/>
+              <a:gd name="connsiteY0" fmla="*/ 1068223 h 1786070"/>
+              <a:gd name="connsiteX1" fmla="*/ 991312 w 1316053"/>
+              <a:gd name="connsiteY1" fmla="*/ 0 h 1786070"/>
+              <a:gd name="connsiteX2" fmla="*/ 734939 w 1316053"/>
+              <a:gd name="connsiteY2" fmla="*/ 734938 h 1786070"/>
+              <a:gd name="connsiteX3" fmla="*/ 1316053 w 1316053"/>
+              <a:gd name="connsiteY3" fmla="*/ 734938 h 1786070"/>
+              <a:gd name="connsiteX4" fmla="*/ 358923 w 1316053"/>
+              <a:gd name="connsiteY4" fmla="*/ 1786070 h 1786070"/>
+              <a:gd name="connsiteX5" fmla="*/ 581114 w 1316053"/>
+              <a:gd name="connsiteY5" fmla="*/ 1076769 h 1786070"/>
+              <a:gd name="connsiteX6" fmla="*/ 0 w 1316053"/>
+              <a:gd name="connsiteY6" fmla="*/ 1068223 h 1786070"/>
+            </a:gdLst>
+            <a:ahLst/>
+            <a:cxnLst>
+              <a:cxn ang="0">
+                <a:pos x="connsiteX0" y="connsiteY0"/>
+              </a:cxn>
+              <a:cxn ang="0">
+                <a:pos x="connsiteX1" y="connsiteY1"/>
+              </a:cxn>
+              <a:cxn ang="0">
+                <a:pos x="connsiteX2" y="connsiteY2"/>
+              </a:cxn>
+              <a:cxn ang="0">
+                <a:pos x="connsiteX3" y="connsiteY3"/>
+              </a:cxn>
+              <a:cxn ang="0">
+                <a:pos x="connsiteX4" y="connsiteY4"/>
+              </a:cxn>
+              <a:cxn ang="0">
+                <a:pos x="connsiteX5" y="connsiteY5"/>
+              </a:cxn>
+              <a:cxn ang="0">
+                <a:pos x="connsiteX6" y="connsiteY6"/>
+              </a:cxn>
+            </a:cxnLst>
+            <a:rect l="l" t="t" r="r" b="b"/>
+            <a:pathLst>
+              <a:path w="1316053" h="1786070">
+                <a:moveTo>
+                  <a:pt x="0" y="1068223"/>
+                </a:moveTo>
+                <a:lnTo>
+                  <a:pt x="991312" y="0"/>
+                </a:lnTo>
+                <a:lnTo>
+                  <a:pt x="734939" y="734938"/>
+                </a:lnTo>
+                <a:lnTo>
+                  <a:pt x="1316053" y="734938"/>
+                </a:lnTo>
+                <a:lnTo>
+                  <a:pt x="358923" y="1786070"/>
+                </a:lnTo>
+                <a:lnTo>
+                  <a:pt x="581114" y="1076769"/>
+                </a:lnTo>
+                <a:lnTo>
+                  <a:pt x="0" y="1068223"/>
+                </a:lnTo>
+                <a:close/>
+              </a:path>
+            </a:pathLst>
+          </a:custGeom>
+          <a:solidFill>
+            <a:schemeClr val="accent5">
+              <a:lumMod val="75000"/>
+            </a:schemeClr>
+          </a:solidFill>
+          <a:ln w="19050"/>
+        </p:spPr>
+        <p:style>
+          <a:lnRef idx="2">
+            <a:schemeClr val="accent1">
+              <a:shade val="15000"/>
+            </a:schemeClr>
+          </a:lnRef>
+          <a:fillRef idx="1">
+            <a:schemeClr val="accent1"/>
+          </a:fillRef>
+          <a:effectRef idx="0">
+            <a:schemeClr val="accent1"/>
+          </a:effectRef>
+          <a:fontRef idx="minor">
+            <a:schemeClr val="lt1"/>
+          </a:fontRef>
+        </p:style>
+        <p:txBody>
+          <a:bodyPr rtlCol="0" anchor="ctr"/>
+          <a:lstStyle/>
+          <a:p>
+            <a:pPr algn="ctr"/>
+            <a:endParaRPr lang="en-US"/>
           </a:p>
         </p:txBody>
       </p:sp>
@@ -15915,6 +17152,6880 @@
     <p:extLst>
       <p:ext uri="{BB962C8B-B14F-4D97-AF65-F5344CB8AC3E}">
         <p14:creationId xmlns:p14="http://schemas.microsoft.com/office/powerpoint/2010/main" val="3678447292"/>
+      </p:ext>
+    </p:extLst>
+  </p:cSld>
+  <p:clrMapOvr>
+    <a:masterClrMapping/>
+  </p:clrMapOvr>
+</p:sld>
+</file>
+
+<file path=ppt/slides/slide4.xml><?xml version="1.0" encoding="utf-8"?>
+<p:sld xmlns:a="http://schemas.openxmlformats.org/drawingml/2006/main" xmlns:r="http://schemas.openxmlformats.org/officeDocument/2006/relationships" xmlns:p="http://schemas.openxmlformats.org/presentationml/2006/main">
+  <p:cSld>
+    <p:spTree>
+      <p:nvGrpSpPr>
+        <p:cNvPr id="1" name=""/>
+        <p:cNvGrpSpPr/>
+        <p:nvPr/>
+      </p:nvGrpSpPr>
+      <p:grpSpPr>
+        <a:xfrm>
+          <a:off x="0" y="0"/>
+          <a:ext cx="0" cy="0"/>
+          <a:chOff x="0" y="0"/>
+          <a:chExt cx="0" cy="0"/>
+        </a:xfrm>
+      </p:grpSpPr>
+      <p:grpSp>
+        <p:nvGrpSpPr>
+          <p:cNvPr id="168" name="Group 167">
+            <a:extLst>
+              <a:ext uri="{FF2B5EF4-FFF2-40B4-BE49-F238E27FC236}">
+                <a16:creationId xmlns:a16="http://schemas.microsoft.com/office/drawing/2014/main" id="{E1AA8225-1ECA-3A0E-3D57-80D0165DD3DA}"/>
+              </a:ext>
+            </a:extLst>
+          </p:cNvPr>
+          <p:cNvGrpSpPr/>
+          <p:nvPr/>
+        </p:nvGrpSpPr>
+        <p:grpSpPr>
+          <a:xfrm>
+            <a:off x="1828063" y="732070"/>
+            <a:ext cx="5313642" cy="971091"/>
+            <a:chOff x="1857780" y="624683"/>
+            <a:chExt cx="5949796" cy="1087350"/>
+          </a:xfrm>
+        </p:grpSpPr>
+        <p:sp>
+          <p:nvSpPr>
+            <p:cNvPr id="87" name="Oval 86">
+              <a:extLst>
+                <a:ext uri="{FF2B5EF4-FFF2-40B4-BE49-F238E27FC236}">
+                  <a16:creationId xmlns:a16="http://schemas.microsoft.com/office/drawing/2014/main" id="{2F449B1D-18FD-2C1E-9439-482B61805257}"/>
+                </a:ext>
+              </a:extLst>
+            </p:cNvPr>
+            <p:cNvSpPr/>
+            <p:nvPr/>
+          </p:nvSpPr>
+          <p:spPr>
+            <a:xfrm>
+              <a:off x="3858261" y="908942"/>
+              <a:ext cx="384561" cy="384561"/>
+            </a:xfrm>
+            <a:prstGeom prst="ellipse">
+              <a:avLst/>
+            </a:prstGeom>
+            <a:ln w="28575">
+              <a:solidFill>
+                <a:schemeClr val="accent1">
+                  <a:lumMod val="50000"/>
+                </a:schemeClr>
+              </a:solidFill>
+            </a:ln>
+          </p:spPr>
+          <p:style>
+            <a:lnRef idx="2">
+              <a:schemeClr val="accent1">
+                <a:shade val="50000"/>
+              </a:schemeClr>
+            </a:lnRef>
+            <a:fillRef idx="1">
+              <a:schemeClr val="accent1"/>
+            </a:fillRef>
+            <a:effectRef idx="0">
+              <a:schemeClr val="accent1"/>
+            </a:effectRef>
+            <a:fontRef idx="minor">
+              <a:schemeClr val="lt1"/>
+            </a:fontRef>
+          </p:style>
+          <p:txBody>
+            <a:bodyPr rtlCol="0" anchor="ctr"/>
+            <a:lstStyle/>
+            <a:p>
+              <a:pPr algn="ctr"/>
+              <a:endParaRPr lang="en-US"/>
+            </a:p>
+          </p:txBody>
+        </p:sp>
+        <p:sp>
+          <p:nvSpPr>
+            <p:cNvPr id="88" name="Oval 87">
+              <a:extLst>
+                <a:ext uri="{FF2B5EF4-FFF2-40B4-BE49-F238E27FC236}">
+                  <a16:creationId xmlns:a16="http://schemas.microsoft.com/office/drawing/2014/main" id="{4EC2F7DD-BC59-80BA-4B9A-F6952DD5D6D2}"/>
+                </a:ext>
+              </a:extLst>
+            </p:cNvPr>
+            <p:cNvSpPr/>
+            <p:nvPr/>
+          </p:nvSpPr>
+          <p:spPr>
+            <a:xfrm>
+              <a:off x="4050541" y="913924"/>
+              <a:ext cx="384561" cy="384561"/>
+            </a:xfrm>
+            <a:prstGeom prst="ellipse">
+              <a:avLst/>
+            </a:prstGeom>
+            <a:ln w="28575">
+              <a:solidFill>
+                <a:schemeClr val="accent1">
+                  <a:lumMod val="50000"/>
+                </a:schemeClr>
+              </a:solidFill>
+            </a:ln>
+          </p:spPr>
+          <p:style>
+            <a:lnRef idx="2">
+              <a:schemeClr val="accent1">
+                <a:shade val="50000"/>
+              </a:schemeClr>
+            </a:lnRef>
+            <a:fillRef idx="1">
+              <a:schemeClr val="accent1"/>
+            </a:fillRef>
+            <a:effectRef idx="0">
+              <a:schemeClr val="accent1"/>
+            </a:effectRef>
+            <a:fontRef idx="minor">
+              <a:schemeClr val="lt1"/>
+            </a:fontRef>
+          </p:style>
+          <p:txBody>
+            <a:bodyPr rtlCol="0" anchor="ctr"/>
+            <a:lstStyle/>
+            <a:p>
+              <a:pPr algn="ctr"/>
+              <a:endParaRPr lang="en-US"/>
+            </a:p>
+          </p:txBody>
+        </p:sp>
+        <p:sp>
+          <p:nvSpPr>
+            <p:cNvPr id="93" name="Oval 92">
+              <a:extLst>
+                <a:ext uri="{FF2B5EF4-FFF2-40B4-BE49-F238E27FC236}">
+                  <a16:creationId xmlns:a16="http://schemas.microsoft.com/office/drawing/2014/main" id="{6013FD00-1352-4570-1443-66ACB6B4F84B}"/>
+                </a:ext>
+              </a:extLst>
+            </p:cNvPr>
+            <p:cNvSpPr/>
+            <p:nvPr/>
+          </p:nvSpPr>
+          <p:spPr>
+            <a:xfrm>
+              <a:off x="4239261" y="917482"/>
+              <a:ext cx="384561" cy="384561"/>
+            </a:xfrm>
+            <a:prstGeom prst="ellipse">
+              <a:avLst/>
+            </a:prstGeom>
+            <a:ln w="28575">
+              <a:solidFill>
+                <a:schemeClr val="accent1">
+                  <a:lumMod val="50000"/>
+                </a:schemeClr>
+              </a:solidFill>
+            </a:ln>
+          </p:spPr>
+          <p:style>
+            <a:lnRef idx="2">
+              <a:schemeClr val="accent1">
+                <a:shade val="50000"/>
+              </a:schemeClr>
+            </a:lnRef>
+            <a:fillRef idx="1">
+              <a:schemeClr val="accent1"/>
+            </a:fillRef>
+            <a:effectRef idx="0">
+              <a:schemeClr val="accent1"/>
+            </a:effectRef>
+            <a:fontRef idx="minor">
+              <a:schemeClr val="lt1"/>
+            </a:fontRef>
+          </p:style>
+          <p:txBody>
+            <a:bodyPr rtlCol="0" anchor="ctr"/>
+            <a:lstStyle/>
+            <a:p>
+              <a:pPr algn="ctr"/>
+              <a:endParaRPr lang="en-US"/>
+            </a:p>
+          </p:txBody>
+        </p:sp>
+        <p:sp>
+          <p:nvSpPr>
+            <p:cNvPr id="98" name="TextBox 97">
+              <a:extLst>
+                <a:ext uri="{FF2B5EF4-FFF2-40B4-BE49-F238E27FC236}">
+                  <a16:creationId xmlns:a16="http://schemas.microsoft.com/office/drawing/2014/main" id="{EA869147-47CC-645B-7BC1-4682DDD9B96A}"/>
+                </a:ext>
+              </a:extLst>
+            </p:cNvPr>
+            <p:cNvSpPr txBox="1"/>
+            <p:nvPr/>
+          </p:nvSpPr>
+          <p:spPr>
+            <a:xfrm>
+              <a:off x="3897429" y="1293503"/>
+              <a:ext cx="518091" cy="369332"/>
+            </a:xfrm>
+            <a:prstGeom prst="rect">
+              <a:avLst/>
+            </a:prstGeom>
+            <a:noFill/>
+          </p:spPr>
+          <p:txBody>
+            <a:bodyPr wrap="none" rtlCol="0">
+              <a:spAutoFit/>
+            </a:bodyPr>
+            <a:lstStyle/>
+            <a:p>
+              <a:r>
+                <a:rPr lang="cs-CZ" dirty="0"/>
+                <a:t>12x</a:t>
+              </a:r>
+              <a:endParaRPr lang="en-US" dirty="0"/>
+            </a:p>
+          </p:txBody>
+        </p:sp>
+        <p:sp>
+          <p:nvSpPr>
+            <p:cNvPr id="102" name="Arrow: Chevron 101">
+              <a:extLst>
+                <a:ext uri="{FF2B5EF4-FFF2-40B4-BE49-F238E27FC236}">
+                  <a16:creationId xmlns:a16="http://schemas.microsoft.com/office/drawing/2014/main" id="{AC2C31F0-A716-4AB9-A690-1BD55547F345}"/>
+                </a:ext>
+              </a:extLst>
+            </p:cNvPr>
+            <p:cNvSpPr/>
+            <p:nvPr/>
+          </p:nvSpPr>
+          <p:spPr>
+            <a:xfrm flipH="1">
+              <a:off x="3872149" y="627085"/>
+              <a:ext cx="518091" cy="207055"/>
+            </a:xfrm>
+            <a:prstGeom prst="chevron">
+              <a:avLst/>
+            </a:prstGeom>
+            <a:solidFill>
+              <a:schemeClr val="bg1"/>
+            </a:solidFill>
+            <a:ln w="28575">
+              <a:solidFill>
+                <a:schemeClr val="tx1"/>
+              </a:solidFill>
+            </a:ln>
+          </p:spPr>
+          <p:style>
+            <a:lnRef idx="2">
+              <a:schemeClr val="accent1">
+                <a:shade val="50000"/>
+              </a:schemeClr>
+            </a:lnRef>
+            <a:fillRef idx="1">
+              <a:schemeClr val="accent1"/>
+            </a:fillRef>
+            <a:effectRef idx="0">
+              <a:schemeClr val="accent1"/>
+            </a:effectRef>
+            <a:fontRef idx="minor">
+              <a:schemeClr val="lt1"/>
+            </a:fontRef>
+          </p:style>
+          <p:txBody>
+            <a:bodyPr rtlCol="0" anchor="ctr"/>
+            <a:lstStyle/>
+            <a:p>
+              <a:pPr algn="ctr"/>
+              <a:r>
+                <a:rPr lang="cs-CZ" dirty="0">
+                  <a:solidFill>
+                    <a:schemeClr val="tx1"/>
+                  </a:solidFill>
+                </a:rPr>
+                <a:t>4</a:t>
+              </a:r>
+              <a:endParaRPr lang="en-US" dirty="0">
+                <a:solidFill>
+                  <a:schemeClr val="tx1"/>
+                </a:solidFill>
+              </a:endParaRPr>
+            </a:p>
+          </p:txBody>
+        </p:sp>
+        <p:sp>
+          <p:nvSpPr>
+            <p:cNvPr id="104" name="Circle: Hollow 103">
+              <a:extLst>
+                <a:ext uri="{FF2B5EF4-FFF2-40B4-BE49-F238E27FC236}">
+                  <a16:creationId xmlns:a16="http://schemas.microsoft.com/office/drawing/2014/main" id="{BE1D4E9E-2943-7856-30F7-F2B770DD6C70}"/>
+                </a:ext>
+              </a:extLst>
+            </p:cNvPr>
+            <p:cNvSpPr/>
+            <p:nvPr/>
+          </p:nvSpPr>
+          <p:spPr>
+            <a:xfrm>
+              <a:off x="4880531" y="834140"/>
+              <a:ext cx="467903" cy="467903"/>
+            </a:xfrm>
+            <a:prstGeom prst="donut">
+              <a:avLst>
+                <a:gd name="adj" fmla="val 40691"/>
+              </a:avLst>
+            </a:prstGeom>
+            <a:solidFill>
+              <a:srgbClr val="FFC000"/>
+            </a:solidFill>
+            <a:ln w="19050">
+              <a:solidFill>
+                <a:srgbClr val="FF0000"/>
+              </a:solidFill>
+            </a:ln>
+          </p:spPr>
+          <p:style>
+            <a:lnRef idx="2">
+              <a:schemeClr val="accent1">
+                <a:shade val="50000"/>
+              </a:schemeClr>
+            </a:lnRef>
+            <a:fillRef idx="1">
+              <a:schemeClr val="accent1"/>
+            </a:fillRef>
+            <a:effectRef idx="0">
+              <a:schemeClr val="accent1"/>
+            </a:effectRef>
+            <a:fontRef idx="minor">
+              <a:schemeClr val="lt1"/>
+            </a:fontRef>
+          </p:style>
+          <p:txBody>
+            <a:bodyPr rtlCol="0" anchor="ctr"/>
+            <a:lstStyle/>
+            <a:p>
+              <a:pPr algn="ctr"/>
+              <a:endParaRPr lang="en-US">
+                <a:solidFill>
+                  <a:schemeClr val="tx1"/>
+                </a:solidFill>
+              </a:endParaRPr>
+            </a:p>
+          </p:txBody>
+        </p:sp>
+        <p:sp>
+          <p:nvSpPr>
+            <p:cNvPr id="106" name="TextBox 105">
+              <a:extLst>
+                <a:ext uri="{FF2B5EF4-FFF2-40B4-BE49-F238E27FC236}">
+                  <a16:creationId xmlns:a16="http://schemas.microsoft.com/office/drawing/2014/main" id="{925C8E72-AF78-E61C-DD9F-68DF39B13851}"/>
+                </a:ext>
+              </a:extLst>
+            </p:cNvPr>
+            <p:cNvSpPr txBox="1"/>
+            <p:nvPr/>
+          </p:nvSpPr>
+          <p:spPr>
+            <a:xfrm>
+              <a:off x="4830343" y="1293503"/>
+              <a:ext cx="401072" cy="369332"/>
+            </a:xfrm>
+            <a:prstGeom prst="rect">
+              <a:avLst/>
+            </a:prstGeom>
+            <a:noFill/>
+          </p:spPr>
+          <p:txBody>
+            <a:bodyPr wrap="none" rtlCol="0">
+              <a:spAutoFit/>
+            </a:bodyPr>
+            <a:lstStyle/>
+            <a:p>
+              <a:r>
+                <a:rPr lang="cs-CZ" dirty="0"/>
+                <a:t>2x</a:t>
+              </a:r>
+              <a:endParaRPr lang="en-US" dirty="0"/>
+            </a:p>
+          </p:txBody>
+        </p:sp>
+        <p:sp>
+          <p:nvSpPr>
+            <p:cNvPr id="107" name="Arrow: Chevron 106">
+              <a:extLst>
+                <a:ext uri="{FF2B5EF4-FFF2-40B4-BE49-F238E27FC236}">
+                  <a16:creationId xmlns:a16="http://schemas.microsoft.com/office/drawing/2014/main" id="{A8719E0D-9969-CE6F-C938-EE90C4C69413}"/>
+                </a:ext>
+              </a:extLst>
+            </p:cNvPr>
+            <p:cNvSpPr/>
+            <p:nvPr/>
+          </p:nvSpPr>
+          <p:spPr>
+            <a:xfrm flipH="1">
+              <a:off x="5838725" y="624683"/>
+              <a:ext cx="518091" cy="207055"/>
+            </a:xfrm>
+            <a:prstGeom prst="chevron">
+              <a:avLst/>
+            </a:prstGeom>
+            <a:solidFill>
+              <a:schemeClr val="bg1"/>
+            </a:solidFill>
+            <a:ln w="28575">
+              <a:solidFill>
+                <a:schemeClr val="tx1"/>
+              </a:solidFill>
+            </a:ln>
+          </p:spPr>
+          <p:style>
+            <a:lnRef idx="2">
+              <a:schemeClr val="accent1">
+                <a:shade val="50000"/>
+              </a:schemeClr>
+            </a:lnRef>
+            <a:fillRef idx="1">
+              <a:schemeClr val="accent1"/>
+            </a:fillRef>
+            <a:effectRef idx="0">
+              <a:schemeClr val="accent1"/>
+            </a:effectRef>
+            <a:fontRef idx="minor">
+              <a:schemeClr val="lt1"/>
+            </a:fontRef>
+          </p:style>
+          <p:txBody>
+            <a:bodyPr rtlCol="0" anchor="ctr"/>
+            <a:lstStyle/>
+            <a:p>
+              <a:pPr algn="ctr"/>
+              <a:r>
+                <a:rPr lang="cs-CZ" dirty="0">
+                  <a:solidFill>
+                    <a:schemeClr val="tx1"/>
+                  </a:solidFill>
+                </a:rPr>
+                <a:t>5</a:t>
+              </a:r>
+              <a:endParaRPr lang="en-US" dirty="0">
+                <a:solidFill>
+                  <a:schemeClr val="tx1"/>
+                </a:solidFill>
+              </a:endParaRPr>
+            </a:p>
+          </p:txBody>
+        </p:sp>
+        <p:sp>
+          <p:nvSpPr>
+            <p:cNvPr id="108" name="Isosceles Triangle 107">
+              <a:extLst>
+                <a:ext uri="{FF2B5EF4-FFF2-40B4-BE49-F238E27FC236}">
+                  <a16:creationId xmlns:a16="http://schemas.microsoft.com/office/drawing/2014/main" id="{6C7830E0-7BA6-F2F3-AE35-A22F1C4CBA81}"/>
+                </a:ext>
+              </a:extLst>
+            </p:cNvPr>
+            <p:cNvSpPr/>
+            <p:nvPr/>
+          </p:nvSpPr>
+          <p:spPr>
+            <a:xfrm rot="16200000">
+              <a:off x="6915536" y="925474"/>
+              <a:ext cx="401072" cy="345752"/>
+            </a:xfrm>
+            <a:prstGeom prst="triangle">
+              <a:avLst/>
+            </a:prstGeom>
+            <a:solidFill>
+              <a:srgbClr val="92D050"/>
+            </a:solidFill>
+            <a:ln w="28575">
+              <a:solidFill>
+                <a:srgbClr val="00B050"/>
+              </a:solidFill>
+            </a:ln>
+          </p:spPr>
+          <p:style>
+            <a:lnRef idx="2">
+              <a:schemeClr val="accent1">
+                <a:shade val="50000"/>
+              </a:schemeClr>
+            </a:lnRef>
+            <a:fillRef idx="1">
+              <a:schemeClr val="accent1"/>
+            </a:fillRef>
+            <a:effectRef idx="0">
+              <a:schemeClr val="accent1"/>
+            </a:effectRef>
+            <a:fontRef idx="minor">
+              <a:schemeClr val="lt1"/>
+            </a:fontRef>
+          </p:style>
+          <p:txBody>
+            <a:bodyPr rtlCol="0" anchor="ctr"/>
+            <a:lstStyle/>
+            <a:p>
+              <a:pPr algn="ctr"/>
+              <a:endParaRPr lang="en-US"/>
+            </a:p>
+          </p:txBody>
+        </p:sp>
+        <p:sp>
+          <p:nvSpPr>
+            <p:cNvPr id="109" name="Isosceles Triangle 108">
+              <a:extLst>
+                <a:ext uri="{FF2B5EF4-FFF2-40B4-BE49-F238E27FC236}">
+                  <a16:creationId xmlns:a16="http://schemas.microsoft.com/office/drawing/2014/main" id="{DFD86353-3094-B9F9-9257-A89C964A437B}"/>
+                </a:ext>
+              </a:extLst>
+            </p:cNvPr>
+            <p:cNvSpPr/>
+            <p:nvPr/>
+          </p:nvSpPr>
+          <p:spPr>
+            <a:xfrm rot="16200000">
+              <a:off x="7088412" y="925474"/>
+              <a:ext cx="401072" cy="345752"/>
+            </a:xfrm>
+            <a:prstGeom prst="triangle">
+              <a:avLst/>
+            </a:prstGeom>
+            <a:solidFill>
+              <a:srgbClr val="92D050"/>
+            </a:solidFill>
+            <a:ln w="28575">
+              <a:solidFill>
+                <a:srgbClr val="00B050"/>
+              </a:solidFill>
+            </a:ln>
+          </p:spPr>
+          <p:style>
+            <a:lnRef idx="2">
+              <a:schemeClr val="accent1">
+                <a:shade val="50000"/>
+              </a:schemeClr>
+            </a:lnRef>
+            <a:fillRef idx="1">
+              <a:schemeClr val="accent1"/>
+            </a:fillRef>
+            <a:effectRef idx="0">
+              <a:schemeClr val="accent1"/>
+            </a:effectRef>
+            <a:fontRef idx="minor">
+              <a:schemeClr val="lt1"/>
+            </a:fontRef>
+          </p:style>
+          <p:txBody>
+            <a:bodyPr rtlCol="0" anchor="ctr"/>
+            <a:lstStyle/>
+            <a:p>
+              <a:pPr algn="ctr"/>
+              <a:endParaRPr lang="en-US"/>
+            </a:p>
+          </p:txBody>
+        </p:sp>
+        <p:sp>
+          <p:nvSpPr>
+            <p:cNvPr id="110" name="Isosceles Triangle 109">
+              <a:extLst>
+                <a:ext uri="{FF2B5EF4-FFF2-40B4-BE49-F238E27FC236}">
+                  <a16:creationId xmlns:a16="http://schemas.microsoft.com/office/drawing/2014/main" id="{5A5CA5DB-40F3-0D9C-66C2-AD4C0410646E}"/>
+                </a:ext>
+              </a:extLst>
+            </p:cNvPr>
+            <p:cNvSpPr/>
+            <p:nvPr/>
+          </p:nvSpPr>
+          <p:spPr>
+            <a:xfrm rot="16200000">
+              <a:off x="7261288" y="925474"/>
+              <a:ext cx="401072" cy="345752"/>
+            </a:xfrm>
+            <a:prstGeom prst="triangle">
+              <a:avLst/>
+            </a:prstGeom>
+            <a:solidFill>
+              <a:srgbClr val="92D050"/>
+            </a:solidFill>
+            <a:ln w="28575">
+              <a:solidFill>
+                <a:srgbClr val="00B050"/>
+              </a:solidFill>
+            </a:ln>
+          </p:spPr>
+          <p:style>
+            <a:lnRef idx="2">
+              <a:schemeClr val="accent1">
+                <a:shade val="50000"/>
+              </a:schemeClr>
+            </a:lnRef>
+            <a:fillRef idx="1">
+              <a:schemeClr val="accent1"/>
+            </a:fillRef>
+            <a:effectRef idx="0">
+              <a:schemeClr val="accent1"/>
+            </a:effectRef>
+            <a:fontRef idx="minor">
+              <a:schemeClr val="lt1"/>
+            </a:fontRef>
+          </p:style>
+          <p:txBody>
+            <a:bodyPr rtlCol="0" anchor="ctr"/>
+            <a:lstStyle/>
+            <a:p>
+              <a:pPr algn="ctr"/>
+              <a:endParaRPr lang="en-US"/>
+            </a:p>
+          </p:txBody>
+        </p:sp>
+        <p:sp>
+          <p:nvSpPr>
+            <p:cNvPr id="111" name="Isosceles Triangle 110">
+              <a:extLst>
+                <a:ext uri="{FF2B5EF4-FFF2-40B4-BE49-F238E27FC236}">
+                  <a16:creationId xmlns:a16="http://schemas.microsoft.com/office/drawing/2014/main" id="{ABEC0D2F-4EB4-66ED-2984-8D7288261E0D}"/>
+                </a:ext>
+              </a:extLst>
+            </p:cNvPr>
+            <p:cNvSpPr/>
+            <p:nvPr/>
+          </p:nvSpPr>
+          <p:spPr>
+            <a:xfrm rot="16200000">
+              <a:off x="7434164" y="922871"/>
+              <a:ext cx="401072" cy="345752"/>
+            </a:xfrm>
+            <a:prstGeom prst="triangle">
+              <a:avLst/>
+            </a:prstGeom>
+            <a:solidFill>
+              <a:srgbClr val="92D050"/>
+            </a:solidFill>
+            <a:ln w="28575">
+              <a:solidFill>
+                <a:srgbClr val="00B050"/>
+              </a:solidFill>
+            </a:ln>
+          </p:spPr>
+          <p:style>
+            <a:lnRef idx="2">
+              <a:schemeClr val="accent1">
+                <a:shade val="50000"/>
+              </a:schemeClr>
+            </a:lnRef>
+            <a:fillRef idx="1">
+              <a:schemeClr val="accent1"/>
+            </a:fillRef>
+            <a:effectRef idx="0">
+              <a:schemeClr val="accent1"/>
+            </a:effectRef>
+            <a:fontRef idx="minor">
+              <a:schemeClr val="lt1"/>
+            </a:fontRef>
+          </p:style>
+          <p:txBody>
+            <a:bodyPr rtlCol="0" anchor="ctr"/>
+            <a:lstStyle/>
+            <a:p>
+              <a:pPr algn="ctr"/>
+              <a:endParaRPr lang="en-US"/>
+            </a:p>
+          </p:txBody>
+        </p:sp>
+        <p:sp>
+          <p:nvSpPr>
+            <p:cNvPr id="112" name="Pentagon 111">
+              <a:extLst>
+                <a:ext uri="{FF2B5EF4-FFF2-40B4-BE49-F238E27FC236}">
+                  <a16:creationId xmlns:a16="http://schemas.microsoft.com/office/drawing/2014/main" id="{BA1672DB-9C9F-156B-D2F7-2D7D8D21819B}"/>
+                </a:ext>
+              </a:extLst>
+            </p:cNvPr>
+            <p:cNvSpPr/>
+            <p:nvPr/>
+          </p:nvSpPr>
+          <p:spPr>
+            <a:xfrm>
+              <a:off x="5869124" y="908942"/>
+              <a:ext cx="401072" cy="381973"/>
+            </a:xfrm>
+            <a:prstGeom prst="pentagon">
+              <a:avLst/>
+            </a:prstGeom>
+            <a:solidFill>
+              <a:srgbClr val="C481D9"/>
+            </a:solidFill>
+            <a:ln w="28575">
+              <a:solidFill>
+                <a:srgbClr val="7030A0"/>
+              </a:solidFill>
+            </a:ln>
+          </p:spPr>
+          <p:style>
+            <a:lnRef idx="2">
+              <a:schemeClr val="accent1">
+                <a:shade val="50000"/>
+              </a:schemeClr>
+            </a:lnRef>
+            <a:fillRef idx="1">
+              <a:schemeClr val="accent1"/>
+            </a:fillRef>
+            <a:effectRef idx="0">
+              <a:schemeClr val="accent1"/>
+            </a:effectRef>
+            <a:fontRef idx="minor">
+              <a:schemeClr val="lt1"/>
+            </a:fontRef>
+          </p:style>
+          <p:txBody>
+            <a:bodyPr rtlCol="0" anchor="ctr"/>
+            <a:lstStyle/>
+            <a:p>
+              <a:pPr algn="ctr"/>
+              <a:endParaRPr lang="en-US"/>
+            </a:p>
+          </p:txBody>
+        </p:sp>
+        <p:sp>
+          <p:nvSpPr>
+            <p:cNvPr id="113" name="Pentagon 112">
+              <a:extLst>
+                <a:ext uri="{FF2B5EF4-FFF2-40B4-BE49-F238E27FC236}">
+                  <a16:creationId xmlns:a16="http://schemas.microsoft.com/office/drawing/2014/main" id="{0CD2BFE0-3430-8396-EADC-F50028142EFD}"/>
+                </a:ext>
+              </a:extLst>
+            </p:cNvPr>
+            <p:cNvSpPr/>
+            <p:nvPr/>
+          </p:nvSpPr>
+          <p:spPr>
+            <a:xfrm>
+              <a:off x="6227668" y="899107"/>
+              <a:ext cx="401072" cy="381973"/>
+            </a:xfrm>
+            <a:prstGeom prst="pentagon">
+              <a:avLst/>
+            </a:prstGeom>
+            <a:solidFill>
+              <a:srgbClr val="C481D9"/>
+            </a:solidFill>
+            <a:ln w="28575">
+              <a:solidFill>
+                <a:srgbClr val="7030A0"/>
+              </a:solidFill>
+            </a:ln>
+          </p:spPr>
+          <p:style>
+            <a:lnRef idx="2">
+              <a:schemeClr val="accent1">
+                <a:shade val="50000"/>
+              </a:schemeClr>
+            </a:lnRef>
+            <a:fillRef idx="1">
+              <a:schemeClr val="accent1"/>
+            </a:fillRef>
+            <a:effectRef idx="0">
+              <a:schemeClr val="accent1"/>
+            </a:effectRef>
+            <a:fontRef idx="minor">
+              <a:schemeClr val="lt1"/>
+            </a:fontRef>
+          </p:style>
+          <p:txBody>
+            <a:bodyPr rtlCol="0" anchor="ctr"/>
+            <a:lstStyle/>
+            <a:p>
+              <a:pPr algn="ctr"/>
+              <a:endParaRPr lang="en-US"/>
+            </a:p>
+          </p:txBody>
+        </p:sp>
+        <p:sp>
+          <p:nvSpPr>
+            <p:cNvPr id="114" name="TextBox 113">
+              <a:extLst>
+                <a:ext uri="{FF2B5EF4-FFF2-40B4-BE49-F238E27FC236}">
+                  <a16:creationId xmlns:a16="http://schemas.microsoft.com/office/drawing/2014/main" id="{EFDF7346-1C35-D96C-7DCB-29E6E04D4918}"/>
+                </a:ext>
+              </a:extLst>
+            </p:cNvPr>
+            <p:cNvSpPr txBox="1"/>
+            <p:nvPr/>
+          </p:nvSpPr>
+          <p:spPr>
+            <a:xfrm>
+              <a:off x="5884945" y="1281080"/>
+              <a:ext cx="401072" cy="369332"/>
+            </a:xfrm>
+            <a:prstGeom prst="rect">
+              <a:avLst/>
+            </a:prstGeom>
+            <a:noFill/>
+          </p:spPr>
+          <p:txBody>
+            <a:bodyPr wrap="none" rtlCol="0">
+              <a:spAutoFit/>
+            </a:bodyPr>
+            <a:lstStyle/>
+            <a:p>
+              <a:r>
+                <a:rPr lang="cs-CZ" dirty="0"/>
+                <a:t>8x</a:t>
+              </a:r>
+              <a:endParaRPr lang="en-US" dirty="0"/>
+            </a:p>
+          </p:txBody>
+        </p:sp>
+        <p:sp>
+          <p:nvSpPr>
+            <p:cNvPr id="115" name="TextBox 114">
+              <a:extLst>
+                <a:ext uri="{FF2B5EF4-FFF2-40B4-BE49-F238E27FC236}">
+                  <a16:creationId xmlns:a16="http://schemas.microsoft.com/office/drawing/2014/main" id="{1072DC1A-635E-BDC3-E656-2B092A9099D3}"/>
+                </a:ext>
+              </a:extLst>
+            </p:cNvPr>
+            <p:cNvSpPr txBox="1"/>
+            <p:nvPr/>
+          </p:nvSpPr>
+          <p:spPr>
+            <a:xfrm>
+              <a:off x="6987705" y="1281080"/>
+              <a:ext cx="518091" cy="369332"/>
+            </a:xfrm>
+            <a:prstGeom prst="rect">
+              <a:avLst/>
+            </a:prstGeom>
+            <a:noFill/>
+          </p:spPr>
+          <p:txBody>
+            <a:bodyPr wrap="none" rtlCol="0">
+              <a:spAutoFit/>
+            </a:bodyPr>
+            <a:lstStyle/>
+            <a:p>
+              <a:r>
+                <a:rPr lang="cs-CZ" dirty="0"/>
+                <a:t>15x</a:t>
+              </a:r>
+              <a:endParaRPr lang="en-US" dirty="0"/>
+            </a:p>
+          </p:txBody>
+        </p:sp>
+        <p:cxnSp>
+          <p:nvCxnSpPr>
+            <p:cNvPr id="116" name="Straight Connector 115">
+              <a:extLst>
+                <a:ext uri="{FF2B5EF4-FFF2-40B4-BE49-F238E27FC236}">
+                  <a16:creationId xmlns:a16="http://schemas.microsoft.com/office/drawing/2014/main" id="{02BC5BE0-F20C-5FE2-F4E8-61D9CDABA1B8}"/>
+                </a:ext>
+              </a:extLst>
+            </p:cNvPr>
+            <p:cNvCxnSpPr/>
+            <p:nvPr/>
+          </p:nvCxnSpPr>
+          <p:spPr>
+            <a:xfrm>
+              <a:off x="3762477" y="745814"/>
+              <a:ext cx="0" cy="824270"/>
+            </a:xfrm>
+            <a:prstGeom prst="line">
+              <a:avLst/>
+            </a:prstGeom>
+            <a:ln w="19050">
+              <a:solidFill>
+                <a:schemeClr val="tx1"/>
+              </a:solidFill>
+              <a:prstDash val="lgDash"/>
+            </a:ln>
+          </p:spPr>
+          <p:style>
+            <a:lnRef idx="1">
+              <a:schemeClr val="accent1"/>
+            </a:lnRef>
+            <a:fillRef idx="0">
+              <a:schemeClr val="accent1"/>
+            </a:fillRef>
+            <a:effectRef idx="0">
+              <a:schemeClr val="accent1"/>
+            </a:effectRef>
+            <a:fontRef idx="minor">
+              <a:schemeClr val="tx1"/>
+            </a:fontRef>
+          </p:style>
+        </p:cxnSp>
+        <p:cxnSp>
+          <p:nvCxnSpPr>
+            <p:cNvPr id="117" name="Straight Connector 116">
+              <a:extLst>
+                <a:ext uri="{FF2B5EF4-FFF2-40B4-BE49-F238E27FC236}">
+                  <a16:creationId xmlns:a16="http://schemas.microsoft.com/office/drawing/2014/main" id="{E676BE00-85BE-2EFB-E3DB-C63A58BAFD04}"/>
+                </a:ext>
+              </a:extLst>
+            </p:cNvPr>
+            <p:cNvCxnSpPr/>
+            <p:nvPr/>
+          </p:nvCxnSpPr>
+          <p:spPr>
+            <a:xfrm>
+              <a:off x="5743677" y="745814"/>
+              <a:ext cx="0" cy="824270"/>
+            </a:xfrm>
+            <a:prstGeom prst="line">
+              <a:avLst/>
+            </a:prstGeom>
+            <a:ln w="19050">
+              <a:solidFill>
+                <a:schemeClr val="tx1"/>
+              </a:solidFill>
+              <a:prstDash val="lgDash"/>
+            </a:ln>
+          </p:spPr>
+          <p:style>
+            <a:lnRef idx="1">
+              <a:schemeClr val="accent1"/>
+            </a:lnRef>
+            <a:fillRef idx="0">
+              <a:schemeClr val="accent1"/>
+            </a:fillRef>
+            <a:effectRef idx="0">
+              <a:schemeClr val="accent1"/>
+            </a:effectRef>
+            <a:fontRef idx="minor">
+              <a:schemeClr val="tx1"/>
+            </a:fontRef>
+          </p:style>
+        </p:cxnSp>
+        <p:sp>
+          <p:nvSpPr>
+            <p:cNvPr id="137" name="TextBox 136">
+              <a:extLst>
+                <a:ext uri="{FF2B5EF4-FFF2-40B4-BE49-F238E27FC236}">
+                  <a16:creationId xmlns:a16="http://schemas.microsoft.com/office/drawing/2014/main" id="{7ECB878D-B839-BDB8-9E35-7C1A7568668C}"/>
+                </a:ext>
+              </a:extLst>
+            </p:cNvPr>
+            <p:cNvSpPr txBox="1"/>
+            <p:nvPr/>
+          </p:nvSpPr>
+          <p:spPr>
+            <a:xfrm>
+              <a:off x="1922367" y="1298485"/>
+              <a:ext cx="449089" cy="413548"/>
+            </a:xfrm>
+            <a:prstGeom prst="rect">
+              <a:avLst/>
+            </a:prstGeom>
+            <a:noFill/>
+          </p:spPr>
+          <p:txBody>
+            <a:bodyPr wrap="none" rtlCol="0">
+              <a:spAutoFit/>
+            </a:bodyPr>
+            <a:lstStyle/>
+            <a:p>
+              <a:r>
+                <a:rPr lang="cs-CZ" dirty="0"/>
+                <a:t>4x</a:t>
+              </a:r>
+              <a:endParaRPr lang="en-US" dirty="0"/>
+            </a:p>
+          </p:txBody>
+        </p:sp>
+        <p:sp>
+          <p:nvSpPr>
+            <p:cNvPr id="140" name="Isosceles Triangle 139">
+              <a:extLst>
+                <a:ext uri="{FF2B5EF4-FFF2-40B4-BE49-F238E27FC236}">
+                  <a16:creationId xmlns:a16="http://schemas.microsoft.com/office/drawing/2014/main" id="{FDC1642C-6109-FD0B-60D0-5BE8811805E5}"/>
+                </a:ext>
+              </a:extLst>
+            </p:cNvPr>
+            <p:cNvSpPr/>
+            <p:nvPr/>
+          </p:nvSpPr>
+          <p:spPr>
+            <a:xfrm rot="16200000">
+              <a:off x="1830120" y="948831"/>
+              <a:ext cx="401072" cy="345752"/>
+            </a:xfrm>
+            <a:prstGeom prst="triangle">
+              <a:avLst/>
+            </a:prstGeom>
+            <a:solidFill>
+              <a:srgbClr val="92D050"/>
+            </a:solidFill>
+            <a:ln w="28575">
+              <a:solidFill>
+                <a:srgbClr val="00B050"/>
+              </a:solidFill>
+            </a:ln>
+          </p:spPr>
+          <p:style>
+            <a:lnRef idx="2">
+              <a:schemeClr val="accent1">
+                <a:shade val="50000"/>
+              </a:schemeClr>
+            </a:lnRef>
+            <a:fillRef idx="1">
+              <a:schemeClr val="accent1"/>
+            </a:fillRef>
+            <a:effectRef idx="0">
+              <a:schemeClr val="accent1"/>
+            </a:effectRef>
+            <a:fontRef idx="minor">
+              <a:schemeClr val="lt1"/>
+            </a:fontRef>
+          </p:style>
+          <p:txBody>
+            <a:bodyPr rtlCol="0" anchor="ctr"/>
+            <a:lstStyle/>
+            <a:p>
+              <a:pPr algn="ctr"/>
+              <a:endParaRPr lang="en-US"/>
+            </a:p>
+          </p:txBody>
+        </p:sp>
+        <p:sp>
+          <p:nvSpPr>
+            <p:cNvPr id="141" name="Isosceles Triangle 140">
+              <a:extLst>
+                <a:ext uri="{FF2B5EF4-FFF2-40B4-BE49-F238E27FC236}">
+                  <a16:creationId xmlns:a16="http://schemas.microsoft.com/office/drawing/2014/main" id="{F0062342-F117-85DE-5C26-83A8E4FBBA6B}"/>
+                </a:ext>
+              </a:extLst>
+            </p:cNvPr>
+            <p:cNvSpPr/>
+            <p:nvPr/>
+          </p:nvSpPr>
+          <p:spPr>
+            <a:xfrm rot="16200000">
+              <a:off x="2002996" y="948831"/>
+              <a:ext cx="401072" cy="345752"/>
+            </a:xfrm>
+            <a:prstGeom prst="triangle">
+              <a:avLst/>
+            </a:prstGeom>
+            <a:solidFill>
+              <a:srgbClr val="92D050"/>
+            </a:solidFill>
+            <a:ln w="28575">
+              <a:solidFill>
+                <a:srgbClr val="00B050"/>
+              </a:solidFill>
+            </a:ln>
+          </p:spPr>
+          <p:style>
+            <a:lnRef idx="2">
+              <a:schemeClr val="accent1">
+                <a:shade val="50000"/>
+              </a:schemeClr>
+            </a:lnRef>
+            <a:fillRef idx="1">
+              <a:schemeClr val="accent1"/>
+            </a:fillRef>
+            <a:effectRef idx="0">
+              <a:schemeClr val="accent1"/>
+            </a:effectRef>
+            <a:fontRef idx="minor">
+              <a:schemeClr val="lt1"/>
+            </a:fontRef>
+          </p:style>
+          <p:txBody>
+            <a:bodyPr rtlCol="0" anchor="ctr"/>
+            <a:lstStyle/>
+            <a:p>
+              <a:pPr algn="ctr"/>
+              <a:endParaRPr lang="en-US"/>
+            </a:p>
+          </p:txBody>
+        </p:sp>
+        <p:sp>
+          <p:nvSpPr>
+            <p:cNvPr id="142" name="Isosceles Triangle 141">
+              <a:extLst>
+                <a:ext uri="{FF2B5EF4-FFF2-40B4-BE49-F238E27FC236}">
+                  <a16:creationId xmlns:a16="http://schemas.microsoft.com/office/drawing/2014/main" id="{CD09FB7C-0D49-8CC0-90CD-204F3A226212}"/>
+                </a:ext>
+              </a:extLst>
+            </p:cNvPr>
+            <p:cNvSpPr/>
+            <p:nvPr/>
+          </p:nvSpPr>
+          <p:spPr>
+            <a:xfrm rot="16200000">
+              <a:off x="2175872" y="948831"/>
+              <a:ext cx="401072" cy="345752"/>
+            </a:xfrm>
+            <a:prstGeom prst="triangle">
+              <a:avLst/>
+            </a:prstGeom>
+            <a:solidFill>
+              <a:srgbClr val="92D050"/>
+            </a:solidFill>
+            <a:ln w="28575">
+              <a:solidFill>
+                <a:srgbClr val="00B050"/>
+              </a:solidFill>
+            </a:ln>
+          </p:spPr>
+          <p:style>
+            <a:lnRef idx="2">
+              <a:schemeClr val="accent1">
+                <a:shade val="50000"/>
+              </a:schemeClr>
+            </a:lnRef>
+            <a:fillRef idx="1">
+              <a:schemeClr val="accent1"/>
+            </a:fillRef>
+            <a:effectRef idx="0">
+              <a:schemeClr val="accent1"/>
+            </a:effectRef>
+            <a:fontRef idx="minor">
+              <a:schemeClr val="lt1"/>
+            </a:fontRef>
+          </p:style>
+          <p:txBody>
+            <a:bodyPr rtlCol="0" anchor="ctr"/>
+            <a:lstStyle/>
+            <a:p>
+              <a:pPr algn="ctr"/>
+              <a:endParaRPr lang="en-US"/>
+            </a:p>
+          </p:txBody>
+        </p:sp>
+        <p:sp>
+          <p:nvSpPr>
+            <p:cNvPr id="143" name="Isosceles Triangle 142">
+              <a:extLst>
+                <a:ext uri="{FF2B5EF4-FFF2-40B4-BE49-F238E27FC236}">
+                  <a16:creationId xmlns:a16="http://schemas.microsoft.com/office/drawing/2014/main" id="{55014924-FE60-A156-7AC8-5C066BB9CCFE}"/>
+                </a:ext>
+              </a:extLst>
+            </p:cNvPr>
+            <p:cNvSpPr/>
+            <p:nvPr/>
+          </p:nvSpPr>
+          <p:spPr>
+            <a:xfrm rot="16200000">
+              <a:off x="2348748" y="946228"/>
+              <a:ext cx="401072" cy="345752"/>
+            </a:xfrm>
+            <a:prstGeom prst="triangle">
+              <a:avLst/>
+            </a:prstGeom>
+            <a:solidFill>
+              <a:srgbClr val="92D050"/>
+            </a:solidFill>
+            <a:ln w="28575">
+              <a:solidFill>
+                <a:srgbClr val="00B050"/>
+              </a:solidFill>
+            </a:ln>
+          </p:spPr>
+          <p:style>
+            <a:lnRef idx="2">
+              <a:schemeClr val="accent1">
+                <a:shade val="50000"/>
+              </a:schemeClr>
+            </a:lnRef>
+            <a:fillRef idx="1">
+              <a:schemeClr val="accent1"/>
+            </a:fillRef>
+            <a:effectRef idx="0">
+              <a:schemeClr val="accent1"/>
+            </a:effectRef>
+            <a:fontRef idx="minor">
+              <a:schemeClr val="lt1"/>
+            </a:fontRef>
+          </p:style>
+          <p:txBody>
+            <a:bodyPr rtlCol="0" anchor="ctr"/>
+            <a:lstStyle/>
+            <a:p>
+              <a:pPr algn="ctr"/>
+              <a:endParaRPr lang="en-US"/>
+            </a:p>
+          </p:txBody>
+        </p:sp>
+        <p:sp>
+          <p:nvSpPr>
+            <p:cNvPr id="144" name="Pentagon 143">
+              <a:extLst>
+                <a:ext uri="{FF2B5EF4-FFF2-40B4-BE49-F238E27FC236}">
+                  <a16:creationId xmlns:a16="http://schemas.microsoft.com/office/drawing/2014/main" id="{73D644A8-18BC-973D-55AA-9D0F548E38A6}"/>
+                </a:ext>
+              </a:extLst>
+            </p:cNvPr>
+            <p:cNvSpPr/>
+            <p:nvPr/>
+          </p:nvSpPr>
+          <p:spPr>
+            <a:xfrm>
+              <a:off x="3056886" y="932299"/>
+              <a:ext cx="401072" cy="381973"/>
+            </a:xfrm>
+            <a:prstGeom prst="pentagon">
+              <a:avLst/>
+            </a:prstGeom>
+            <a:solidFill>
+              <a:srgbClr val="C481D9"/>
+            </a:solidFill>
+            <a:ln w="28575">
+              <a:solidFill>
+                <a:srgbClr val="7030A0"/>
+              </a:solidFill>
+            </a:ln>
+          </p:spPr>
+          <p:style>
+            <a:lnRef idx="2">
+              <a:schemeClr val="accent1">
+                <a:shade val="50000"/>
+              </a:schemeClr>
+            </a:lnRef>
+            <a:fillRef idx="1">
+              <a:schemeClr val="accent1"/>
+            </a:fillRef>
+            <a:effectRef idx="0">
+              <a:schemeClr val="accent1"/>
+            </a:effectRef>
+            <a:fontRef idx="minor">
+              <a:schemeClr val="lt1"/>
+            </a:fontRef>
+          </p:style>
+          <p:txBody>
+            <a:bodyPr rtlCol="0" anchor="ctr"/>
+            <a:lstStyle/>
+            <a:p>
+              <a:pPr algn="ctr"/>
+              <a:endParaRPr lang="en-US"/>
+            </a:p>
+          </p:txBody>
+        </p:sp>
+        <p:sp>
+          <p:nvSpPr>
+            <p:cNvPr id="146" name="TextBox 145">
+              <a:extLst>
+                <a:ext uri="{FF2B5EF4-FFF2-40B4-BE49-F238E27FC236}">
+                  <a16:creationId xmlns:a16="http://schemas.microsoft.com/office/drawing/2014/main" id="{C17CBB3A-A1A6-DE47-D6AA-DB9CB4BA893B}"/>
+                </a:ext>
+              </a:extLst>
+            </p:cNvPr>
+            <p:cNvSpPr txBox="1"/>
+            <p:nvPr/>
+          </p:nvSpPr>
+          <p:spPr>
+            <a:xfrm>
+              <a:off x="3072707" y="1304437"/>
+              <a:ext cx="401072" cy="369332"/>
+            </a:xfrm>
+            <a:prstGeom prst="rect">
+              <a:avLst/>
+            </a:prstGeom>
+            <a:noFill/>
+          </p:spPr>
+          <p:txBody>
+            <a:bodyPr wrap="none" rtlCol="0">
+              <a:spAutoFit/>
+            </a:bodyPr>
+            <a:lstStyle/>
+            <a:p>
+              <a:r>
+                <a:rPr lang="cs-CZ" dirty="0"/>
+                <a:t>1x</a:t>
+              </a:r>
+              <a:endParaRPr lang="en-US" dirty="0"/>
+            </a:p>
+          </p:txBody>
+        </p:sp>
+      </p:grpSp>
+      <p:sp>
+        <p:nvSpPr>
+          <p:cNvPr id="164" name="Parallelogram 163">
+            <a:extLst>
+              <a:ext uri="{FF2B5EF4-FFF2-40B4-BE49-F238E27FC236}">
+                <a16:creationId xmlns:a16="http://schemas.microsoft.com/office/drawing/2014/main" id="{CD032361-3D6B-A186-A07A-0853D00B069F}"/>
+              </a:ext>
+            </a:extLst>
+          </p:cNvPr>
+          <p:cNvSpPr/>
+          <p:nvPr/>
+        </p:nvSpPr>
+        <p:spPr>
+          <a:xfrm>
+            <a:off x="1324035" y="421531"/>
+            <a:ext cx="4244336" cy="252804"/>
+          </a:xfrm>
+          <a:prstGeom prst="parallelogram">
+            <a:avLst>
+              <a:gd name="adj" fmla="val 88042"/>
+            </a:avLst>
+          </a:prstGeom>
+          <a:solidFill>
+            <a:schemeClr val="bg2">
+              <a:lumMod val="75000"/>
+            </a:schemeClr>
+          </a:solidFill>
+          <a:ln w="28575">
+            <a:solidFill>
+              <a:schemeClr val="tx1"/>
+            </a:solidFill>
+          </a:ln>
+        </p:spPr>
+        <p:style>
+          <a:lnRef idx="2">
+            <a:schemeClr val="accent1">
+              <a:shade val="50000"/>
+            </a:schemeClr>
+          </a:lnRef>
+          <a:fillRef idx="1">
+            <a:schemeClr val="accent1"/>
+          </a:fillRef>
+          <a:effectRef idx="0">
+            <a:schemeClr val="accent1"/>
+          </a:effectRef>
+          <a:fontRef idx="minor">
+            <a:schemeClr val="lt1"/>
+          </a:fontRef>
+        </p:style>
+        <p:txBody>
+          <a:bodyPr rtlCol="0" anchor="ctr"/>
+          <a:lstStyle/>
+          <a:p>
+            <a:pPr algn="ctr"/>
+            <a:endParaRPr lang="en-US"/>
+          </a:p>
+        </p:txBody>
+      </p:sp>
+      <p:sp>
+        <p:nvSpPr>
+          <p:cNvPr id="193" name="Parallelogram 192">
+            <a:extLst>
+              <a:ext uri="{FF2B5EF4-FFF2-40B4-BE49-F238E27FC236}">
+                <a16:creationId xmlns:a16="http://schemas.microsoft.com/office/drawing/2014/main" id="{F8096727-FD00-A981-6180-E41973E8963C}"/>
+              </a:ext>
+            </a:extLst>
+          </p:cNvPr>
+          <p:cNvSpPr/>
+          <p:nvPr/>
+        </p:nvSpPr>
+        <p:spPr>
+          <a:xfrm>
+            <a:off x="1433342" y="467437"/>
+            <a:ext cx="504313" cy="159422"/>
+          </a:xfrm>
+          <a:prstGeom prst="parallelogram">
+            <a:avLst>
+              <a:gd name="adj" fmla="val 88042"/>
+            </a:avLst>
+          </a:prstGeom>
+          <a:solidFill>
+            <a:srgbClr val="FF0000"/>
+          </a:solidFill>
+          <a:ln w="6350">
+            <a:noFill/>
+          </a:ln>
+          <a:effectLst>
+            <a:innerShdw blurRad="76200">
+              <a:prstClr val="black"/>
+            </a:innerShdw>
+          </a:effectLst>
+        </p:spPr>
+        <p:style>
+          <a:lnRef idx="2">
+            <a:schemeClr val="accent1">
+              <a:shade val="50000"/>
+            </a:schemeClr>
+          </a:lnRef>
+          <a:fillRef idx="1">
+            <a:schemeClr val="accent1"/>
+          </a:fillRef>
+          <a:effectRef idx="0">
+            <a:schemeClr val="accent1"/>
+          </a:effectRef>
+          <a:fontRef idx="minor">
+            <a:schemeClr val="lt1"/>
+          </a:fontRef>
+        </p:style>
+        <p:txBody>
+          <a:bodyPr rtlCol="0" anchor="ctr"/>
+          <a:lstStyle/>
+          <a:p>
+            <a:pPr algn="ctr"/>
+            <a:endParaRPr lang="en-US" dirty="0"/>
+          </a:p>
+        </p:txBody>
+      </p:sp>
+      <p:sp>
+        <p:nvSpPr>
+          <p:cNvPr id="165" name="Arrow: Pentagon 164">
+            <a:extLst>
+              <a:ext uri="{FF2B5EF4-FFF2-40B4-BE49-F238E27FC236}">
+                <a16:creationId xmlns:a16="http://schemas.microsoft.com/office/drawing/2014/main" id="{296D5C16-7AB2-6223-CEE6-6D4C42A39204}"/>
+              </a:ext>
+            </a:extLst>
+          </p:cNvPr>
+          <p:cNvSpPr/>
+          <p:nvPr/>
+        </p:nvSpPr>
+        <p:spPr>
+          <a:xfrm>
+            <a:off x="970503" y="119150"/>
+            <a:ext cx="5061525" cy="315884"/>
+          </a:xfrm>
+          <a:prstGeom prst="homePlate">
+            <a:avLst/>
+          </a:prstGeom>
+          <a:solidFill>
+            <a:schemeClr val="tx1">
+              <a:lumMod val="50000"/>
+              <a:lumOff val="50000"/>
+            </a:schemeClr>
+          </a:solidFill>
+          <a:ln w="28575">
+            <a:solidFill>
+              <a:schemeClr val="tx1"/>
+            </a:solidFill>
+          </a:ln>
+        </p:spPr>
+        <p:style>
+          <a:lnRef idx="2">
+            <a:schemeClr val="accent1">
+              <a:shade val="15000"/>
+            </a:schemeClr>
+          </a:lnRef>
+          <a:fillRef idx="1">
+            <a:schemeClr val="accent1"/>
+          </a:fillRef>
+          <a:effectRef idx="0">
+            <a:schemeClr val="accent1"/>
+          </a:effectRef>
+          <a:fontRef idx="minor">
+            <a:schemeClr val="lt1"/>
+          </a:fontRef>
+        </p:style>
+        <p:txBody>
+          <a:bodyPr rtlCol="0" anchor="ctr"/>
+          <a:lstStyle/>
+          <a:p>
+            <a:pPr algn="ctr"/>
+            <a:endParaRPr lang="en-US"/>
+          </a:p>
+        </p:txBody>
+      </p:sp>
+      <p:sp>
+        <p:nvSpPr>
+          <p:cNvPr id="197" name="Arrow: Pentagon 196">
+            <a:extLst>
+              <a:ext uri="{FF2B5EF4-FFF2-40B4-BE49-F238E27FC236}">
+                <a16:creationId xmlns:a16="http://schemas.microsoft.com/office/drawing/2014/main" id="{1839418C-4F52-179E-3419-F7EF9E6714E5}"/>
+              </a:ext>
+            </a:extLst>
+          </p:cNvPr>
+          <p:cNvSpPr/>
+          <p:nvPr/>
+        </p:nvSpPr>
+        <p:spPr>
+          <a:xfrm>
+            <a:off x="1097144" y="153437"/>
+            <a:ext cx="4860309" cy="245934"/>
+          </a:xfrm>
+          <a:prstGeom prst="homePlate">
+            <a:avLst/>
+          </a:prstGeom>
+          <a:solidFill>
+            <a:schemeClr val="tx1">
+              <a:lumMod val="65000"/>
+              <a:lumOff val="35000"/>
+            </a:schemeClr>
+          </a:solidFill>
+          <a:ln w="6350">
+            <a:solidFill>
+              <a:schemeClr val="tx1"/>
+            </a:solidFill>
+          </a:ln>
+          <a:effectLst>
+            <a:innerShdw blurRad="63500" dist="50800" dir="13500000">
+              <a:prstClr val="black">
+                <a:alpha val="50000"/>
+              </a:prstClr>
+            </a:innerShdw>
+          </a:effectLst>
+        </p:spPr>
+        <p:style>
+          <a:lnRef idx="2">
+            <a:schemeClr val="accent1">
+              <a:shade val="15000"/>
+            </a:schemeClr>
+          </a:lnRef>
+          <a:fillRef idx="1">
+            <a:schemeClr val="accent1"/>
+          </a:fillRef>
+          <a:effectRef idx="0">
+            <a:schemeClr val="accent1"/>
+          </a:effectRef>
+          <a:fontRef idx="minor">
+            <a:schemeClr val="lt1"/>
+          </a:fontRef>
+        </p:style>
+        <p:txBody>
+          <a:bodyPr rtlCol="0" anchor="ctr"/>
+          <a:lstStyle/>
+          <a:p>
+            <a:pPr algn="ctr"/>
+            <a:endParaRPr lang="en-US"/>
+          </a:p>
+        </p:txBody>
+      </p:sp>
+      <p:sp>
+        <p:nvSpPr>
+          <p:cNvPr id="198" name="Arrow: Pentagon 197">
+            <a:extLst>
+              <a:ext uri="{FF2B5EF4-FFF2-40B4-BE49-F238E27FC236}">
+                <a16:creationId xmlns:a16="http://schemas.microsoft.com/office/drawing/2014/main" id="{BBEC61A6-4DD5-94AE-A1BD-9AD73AAF1E42}"/>
+              </a:ext>
+            </a:extLst>
+          </p:cNvPr>
+          <p:cNvSpPr/>
+          <p:nvPr/>
+        </p:nvSpPr>
+        <p:spPr>
+          <a:xfrm>
+            <a:off x="1140758" y="166695"/>
+            <a:ext cx="3372093" cy="228373"/>
+          </a:xfrm>
+          <a:prstGeom prst="homePlate">
+            <a:avLst/>
+          </a:prstGeom>
+          <a:solidFill>
+            <a:srgbClr val="00B050"/>
+          </a:solidFill>
+          <a:ln w="6350">
+            <a:noFill/>
+          </a:ln>
+          <a:effectLst>
+            <a:innerShdw blurRad="63500" dist="50800" dir="13500000">
+              <a:prstClr val="black">
+                <a:alpha val="50000"/>
+              </a:prstClr>
+            </a:innerShdw>
+          </a:effectLst>
+        </p:spPr>
+        <p:style>
+          <a:lnRef idx="2">
+            <a:schemeClr val="accent1">
+              <a:shade val="15000"/>
+            </a:schemeClr>
+          </a:lnRef>
+          <a:fillRef idx="1">
+            <a:schemeClr val="accent1"/>
+          </a:fillRef>
+          <a:effectRef idx="0">
+            <a:schemeClr val="accent1"/>
+          </a:effectRef>
+          <a:fontRef idx="minor">
+            <a:schemeClr val="lt1"/>
+          </a:fontRef>
+        </p:style>
+        <p:txBody>
+          <a:bodyPr rtlCol="0" anchor="ctr"/>
+          <a:lstStyle/>
+          <a:p>
+            <a:pPr algn="ctr"/>
+            <a:endParaRPr lang="en-US">
+              <a:solidFill>
+                <a:srgbClr val="92D050"/>
+              </a:solidFill>
+            </a:endParaRPr>
+          </a:p>
+        </p:txBody>
+      </p:sp>
+      <p:pic>
+        <p:nvPicPr>
+          <p:cNvPr id="48" name="Picture 47" descr="A yellow folded paper with white lines&#10;&#10;Description automatically generated">
+            <a:extLst>
+              <a:ext uri="{FF2B5EF4-FFF2-40B4-BE49-F238E27FC236}">
+                <a16:creationId xmlns:a16="http://schemas.microsoft.com/office/drawing/2014/main" id="{51D98620-49F9-CB5B-D667-A695E94FCAEE}"/>
+              </a:ext>
+            </a:extLst>
+          </p:cNvPr>
+          <p:cNvPicPr>
+            <a:picLocks noChangeAspect="1"/>
+          </p:cNvPicPr>
+          <p:nvPr/>
+        </p:nvPicPr>
+        <p:blipFill>
+          <a:blip r:embed="rId2">
+            <a:extLst>
+              <a:ext uri="{28A0092B-C50C-407E-A947-70E740481C1C}">
+                <a14:useLocalDpi xmlns:a14="http://schemas.microsoft.com/office/drawing/2010/main" val="0"/>
+              </a:ext>
+            </a:extLst>
+          </a:blip>
+          <a:stretch>
+            <a:fillRect/>
+          </a:stretch>
+        </p:blipFill>
+        <p:spPr>
+          <a:xfrm>
+            <a:off x="8770930" y="5543146"/>
+            <a:ext cx="1192186" cy="1192186"/>
+          </a:xfrm>
+          <a:prstGeom prst="rect">
+            <a:avLst/>
+          </a:prstGeom>
+        </p:spPr>
+      </p:pic>
+      <p:pic>
+        <p:nvPicPr>
+          <p:cNvPr id="47" name="Picture 46" descr="A yellow folded paper with white lines&#10;&#10;Description automatically generated">
+            <a:extLst>
+              <a:ext uri="{FF2B5EF4-FFF2-40B4-BE49-F238E27FC236}">
+                <a16:creationId xmlns:a16="http://schemas.microsoft.com/office/drawing/2014/main" id="{D32367CB-8B36-A17F-81C5-DDEDC644A50E}"/>
+              </a:ext>
+            </a:extLst>
+          </p:cNvPr>
+          <p:cNvPicPr>
+            <a:picLocks noChangeAspect="1"/>
+          </p:cNvPicPr>
+          <p:nvPr/>
+        </p:nvPicPr>
+        <p:blipFill>
+          <a:blip r:embed="rId2">
+            <a:extLst>
+              <a:ext uri="{28A0092B-C50C-407E-A947-70E740481C1C}">
+                <a14:useLocalDpi xmlns:a14="http://schemas.microsoft.com/office/drawing/2010/main" val="0"/>
+              </a:ext>
+            </a:extLst>
+          </a:blip>
+          <a:stretch>
+            <a:fillRect/>
+          </a:stretch>
+        </p:blipFill>
+        <p:spPr>
+          <a:xfrm>
+            <a:off x="7611667" y="5543146"/>
+            <a:ext cx="1192186" cy="1192186"/>
+          </a:xfrm>
+          <a:prstGeom prst="rect">
+            <a:avLst/>
+          </a:prstGeom>
+        </p:spPr>
+      </p:pic>
+      <p:pic>
+        <p:nvPicPr>
+          <p:cNvPr id="56" name="Picture 55" descr="A grey and white object with a black handle&#10;&#10;Description automatically generated">
+            <a:extLst>
+              <a:ext uri="{FF2B5EF4-FFF2-40B4-BE49-F238E27FC236}">
+                <a16:creationId xmlns:a16="http://schemas.microsoft.com/office/drawing/2014/main" id="{4C7B6F72-0CFD-6104-3DC3-FEA4FBC29395}"/>
+              </a:ext>
+            </a:extLst>
+          </p:cNvPr>
+          <p:cNvPicPr>
+            <a:picLocks noChangeAspect="1"/>
+          </p:cNvPicPr>
+          <p:nvPr/>
+        </p:nvPicPr>
+        <p:blipFill>
+          <a:blip r:embed="rId3">
+            <a:extLst>
+              <a:ext uri="{28A0092B-C50C-407E-A947-70E740481C1C}">
+                <a14:useLocalDpi xmlns:a14="http://schemas.microsoft.com/office/drawing/2010/main" val="0"/>
+              </a:ext>
+            </a:extLst>
+          </a:blip>
+          <a:stretch>
+            <a:fillRect/>
+          </a:stretch>
+        </p:blipFill>
+        <p:spPr>
+          <a:xfrm>
+            <a:off x="8616918" y="5346541"/>
+            <a:ext cx="1523616" cy="1523616"/>
+          </a:xfrm>
+          <a:prstGeom prst="rect">
+            <a:avLst/>
+          </a:prstGeom>
+        </p:spPr>
+      </p:pic>
+      <p:sp>
+        <p:nvSpPr>
+          <p:cNvPr id="95" name="Rectangle: Rounded Corners 94">
+            <a:extLst>
+              <a:ext uri="{FF2B5EF4-FFF2-40B4-BE49-F238E27FC236}">
+                <a16:creationId xmlns:a16="http://schemas.microsoft.com/office/drawing/2014/main" id="{035CAFC5-C7E0-F283-069F-7276835C6EF9}"/>
+              </a:ext>
+            </a:extLst>
+          </p:cNvPr>
+          <p:cNvSpPr/>
+          <p:nvPr/>
+        </p:nvSpPr>
+        <p:spPr>
+          <a:xfrm>
+            <a:off x="7729114" y="6254984"/>
+            <a:ext cx="983255" cy="400111"/>
+          </a:xfrm>
+          <a:prstGeom prst="roundRect">
+            <a:avLst>
+              <a:gd name="adj" fmla="val 0"/>
+            </a:avLst>
+          </a:prstGeom>
+          <a:solidFill>
+            <a:schemeClr val="tx1">
+              <a:alpha val="50000"/>
+            </a:schemeClr>
+          </a:solidFill>
+          <a:ln w="28575">
+            <a:noFill/>
+          </a:ln>
+        </p:spPr>
+        <p:style>
+          <a:lnRef idx="2">
+            <a:schemeClr val="accent1">
+              <a:shade val="50000"/>
+            </a:schemeClr>
+          </a:lnRef>
+          <a:fillRef idx="1">
+            <a:schemeClr val="accent1"/>
+          </a:fillRef>
+          <a:effectRef idx="0">
+            <a:schemeClr val="accent1"/>
+          </a:effectRef>
+          <a:fontRef idx="minor">
+            <a:schemeClr val="lt1"/>
+          </a:fontRef>
+        </p:style>
+        <p:txBody>
+          <a:bodyPr rtlCol="0" anchor="ctr"/>
+          <a:lstStyle/>
+          <a:p>
+            <a:pPr algn="ctr"/>
+            <a:endParaRPr lang="en-US"/>
+          </a:p>
+        </p:txBody>
+      </p:sp>
+      <p:pic>
+        <p:nvPicPr>
+          <p:cNvPr id="51" name="Picture 50" descr="A grey and white object with a black handle&#10;&#10;Description automatically generated">
+            <a:extLst>
+              <a:ext uri="{FF2B5EF4-FFF2-40B4-BE49-F238E27FC236}">
+                <a16:creationId xmlns:a16="http://schemas.microsoft.com/office/drawing/2014/main" id="{98547B3F-CAE2-F157-930A-22103AA055BA}"/>
+              </a:ext>
+            </a:extLst>
+          </p:cNvPr>
+          <p:cNvPicPr>
+            <a:picLocks noChangeAspect="1"/>
+          </p:cNvPicPr>
+          <p:nvPr/>
+        </p:nvPicPr>
+        <p:blipFill>
+          <a:blip r:embed="rId4">
+            <a:extLst>
+              <a:ext uri="{BEBA8EAE-BF5A-486C-A8C5-ECC9F3942E4B}">
+                <a14:imgProps xmlns:a14="http://schemas.microsoft.com/office/drawing/2010/main">
+                  <a14:imgLayer r:embed="rId5">
+                    <a14:imgEffect>
+                      <a14:brightnessContrast bright="-40000"/>
+                    </a14:imgEffect>
+                  </a14:imgLayer>
+                </a14:imgProps>
+              </a:ext>
+              <a:ext uri="{28A0092B-C50C-407E-A947-70E740481C1C}">
+                <a14:useLocalDpi xmlns:a14="http://schemas.microsoft.com/office/drawing/2010/main" val="0"/>
+              </a:ext>
+            </a:extLst>
+          </a:blip>
+          <a:stretch>
+            <a:fillRect/>
+          </a:stretch>
+        </p:blipFill>
+        <p:spPr>
+          <a:xfrm>
+            <a:off x="7461912" y="5334384"/>
+            <a:ext cx="1523616" cy="1523616"/>
+          </a:xfrm>
+          <a:prstGeom prst="rect">
+            <a:avLst/>
+          </a:prstGeom>
+        </p:spPr>
+      </p:pic>
+      <p:pic>
+        <p:nvPicPr>
+          <p:cNvPr id="46" name="Picture 45" descr="A yellow folded paper with white lines&#10;&#10;Description automatically generated">
+            <a:extLst>
+              <a:ext uri="{FF2B5EF4-FFF2-40B4-BE49-F238E27FC236}">
+                <a16:creationId xmlns:a16="http://schemas.microsoft.com/office/drawing/2014/main" id="{93117B03-79F4-2785-6750-D082BFFBAAEA}"/>
+              </a:ext>
+            </a:extLst>
+          </p:cNvPr>
+          <p:cNvPicPr>
+            <a:picLocks noChangeAspect="1"/>
+          </p:cNvPicPr>
+          <p:nvPr/>
+        </p:nvPicPr>
+        <p:blipFill>
+          <a:blip r:embed="rId2">
+            <a:extLst>
+              <a:ext uri="{28A0092B-C50C-407E-A947-70E740481C1C}">
+                <a14:useLocalDpi xmlns:a14="http://schemas.microsoft.com/office/drawing/2010/main" val="0"/>
+              </a:ext>
+            </a:extLst>
+          </a:blip>
+          <a:stretch>
+            <a:fillRect/>
+          </a:stretch>
+        </p:blipFill>
+        <p:spPr>
+          <a:xfrm>
+            <a:off x="6466232" y="5528433"/>
+            <a:ext cx="1192186" cy="1192186"/>
+          </a:xfrm>
+          <a:prstGeom prst="rect">
+            <a:avLst/>
+          </a:prstGeom>
+        </p:spPr>
+      </p:pic>
+      <p:pic>
+        <p:nvPicPr>
+          <p:cNvPr id="55" name="Picture 54" descr="A grey and white object with a black handle&#10;&#10;Description automatically generated">
+            <a:extLst>
+              <a:ext uri="{FF2B5EF4-FFF2-40B4-BE49-F238E27FC236}">
+                <a16:creationId xmlns:a16="http://schemas.microsoft.com/office/drawing/2014/main" id="{B28AC4B7-A74A-4647-1D17-0132FC3EA6DB}"/>
+              </a:ext>
+            </a:extLst>
+          </p:cNvPr>
+          <p:cNvPicPr>
+            <a:picLocks noChangeAspect="1"/>
+          </p:cNvPicPr>
+          <p:nvPr/>
+        </p:nvPicPr>
+        <p:blipFill>
+          <a:blip r:embed="rId3">
+            <a:extLst>
+              <a:ext uri="{28A0092B-C50C-407E-A947-70E740481C1C}">
+                <a14:useLocalDpi xmlns:a14="http://schemas.microsoft.com/office/drawing/2010/main" val="0"/>
+              </a:ext>
+            </a:extLst>
+          </a:blip>
+          <a:stretch>
+            <a:fillRect/>
+          </a:stretch>
+        </p:blipFill>
+        <p:spPr>
+          <a:xfrm>
+            <a:off x="6308343" y="5377431"/>
+            <a:ext cx="1523616" cy="1523616"/>
+          </a:xfrm>
+          <a:prstGeom prst="rect">
+            <a:avLst/>
+          </a:prstGeom>
+        </p:spPr>
+      </p:pic>
+      <p:pic>
+        <p:nvPicPr>
+          <p:cNvPr id="44" name="Picture 43" descr="A green folded paper with white lines&#10;&#10;Description automatically generated">
+            <a:extLst>
+              <a:ext uri="{FF2B5EF4-FFF2-40B4-BE49-F238E27FC236}">
+                <a16:creationId xmlns:a16="http://schemas.microsoft.com/office/drawing/2014/main" id="{BCC5013C-D6F3-A41F-05DE-D8F499785926}"/>
+              </a:ext>
+            </a:extLst>
+          </p:cNvPr>
+          <p:cNvPicPr>
+            <a:picLocks noChangeAspect="1"/>
+          </p:cNvPicPr>
+          <p:nvPr/>
+        </p:nvPicPr>
+        <p:blipFill>
+          <a:blip r:embed="rId6">
+            <a:extLst>
+              <a:ext uri="{28A0092B-C50C-407E-A947-70E740481C1C}">
+                <a14:useLocalDpi xmlns:a14="http://schemas.microsoft.com/office/drawing/2010/main" val="0"/>
+              </a:ext>
+            </a:extLst>
+          </a:blip>
+          <a:stretch>
+            <a:fillRect/>
+          </a:stretch>
+        </p:blipFill>
+        <p:spPr>
+          <a:xfrm>
+            <a:off x="5336450" y="5528433"/>
+            <a:ext cx="1192185" cy="1192185"/>
+          </a:xfrm>
+          <a:prstGeom prst="rect">
+            <a:avLst/>
+          </a:prstGeom>
+        </p:spPr>
+      </p:pic>
+      <p:pic>
+        <p:nvPicPr>
+          <p:cNvPr id="57" name="Picture 56" descr="A grey and white object with a black handle&#10;&#10;Description automatically generated">
+            <a:extLst>
+              <a:ext uri="{FF2B5EF4-FFF2-40B4-BE49-F238E27FC236}">
+                <a16:creationId xmlns:a16="http://schemas.microsoft.com/office/drawing/2014/main" id="{F31F3BF9-EDAC-8AF1-5E93-169A5277539B}"/>
+              </a:ext>
+            </a:extLst>
+          </p:cNvPr>
+          <p:cNvPicPr>
+            <a:picLocks noChangeAspect="1"/>
+          </p:cNvPicPr>
+          <p:nvPr/>
+        </p:nvPicPr>
+        <p:blipFill>
+          <a:blip r:embed="rId3">
+            <a:extLst>
+              <a:ext uri="{28A0092B-C50C-407E-A947-70E740481C1C}">
+                <a14:useLocalDpi xmlns:a14="http://schemas.microsoft.com/office/drawing/2010/main" val="0"/>
+              </a:ext>
+            </a:extLst>
+          </a:blip>
+          <a:stretch>
+            <a:fillRect/>
+          </a:stretch>
+        </p:blipFill>
+        <p:spPr>
+          <a:xfrm>
+            <a:off x="5145872" y="5394200"/>
+            <a:ext cx="1523616" cy="1523616"/>
+          </a:xfrm>
+          <a:prstGeom prst="rect">
+            <a:avLst/>
+          </a:prstGeom>
+        </p:spPr>
+      </p:pic>
+      <p:pic>
+        <p:nvPicPr>
+          <p:cNvPr id="39" name="Picture 38" descr="A blue and white folded paper&#10;&#10;Description automatically generated">
+            <a:extLst>
+              <a:ext uri="{FF2B5EF4-FFF2-40B4-BE49-F238E27FC236}">
+                <a16:creationId xmlns:a16="http://schemas.microsoft.com/office/drawing/2014/main" id="{0B2CB7CD-5122-A6C0-3313-D686944EBCE3}"/>
+              </a:ext>
+            </a:extLst>
+          </p:cNvPr>
+          <p:cNvPicPr>
+            <a:picLocks noChangeAspect="1"/>
+          </p:cNvPicPr>
+          <p:nvPr/>
+        </p:nvPicPr>
+        <p:blipFill>
+          <a:blip r:embed="rId7">
+            <a:extLst>
+              <a:ext uri="{28A0092B-C50C-407E-A947-70E740481C1C}">
+                <a14:useLocalDpi xmlns:a14="http://schemas.microsoft.com/office/drawing/2010/main" val="0"/>
+              </a:ext>
+            </a:extLst>
+          </a:blip>
+          <a:stretch>
+            <a:fillRect/>
+          </a:stretch>
+        </p:blipFill>
+        <p:spPr>
+          <a:xfrm>
+            <a:off x="4203566" y="5544357"/>
+            <a:ext cx="1192185" cy="1192185"/>
+          </a:xfrm>
+          <a:prstGeom prst="rect">
+            <a:avLst/>
+          </a:prstGeom>
+        </p:spPr>
+      </p:pic>
+      <p:pic>
+        <p:nvPicPr>
+          <p:cNvPr id="37" name="Picture 36" descr="A blue and white folded paper&#10;&#10;Description automatically generated">
+            <a:extLst>
+              <a:ext uri="{FF2B5EF4-FFF2-40B4-BE49-F238E27FC236}">
+                <a16:creationId xmlns:a16="http://schemas.microsoft.com/office/drawing/2014/main" id="{88B6138F-A9AD-635F-14CA-5B8FC9B89B36}"/>
+              </a:ext>
+            </a:extLst>
+          </p:cNvPr>
+          <p:cNvPicPr>
+            <a:picLocks noChangeAspect="1"/>
+          </p:cNvPicPr>
+          <p:nvPr/>
+        </p:nvPicPr>
+        <p:blipFill>
+          <a:blip r:embed="rId7">
+            <a:extLst>
+              <a:ext uri="{28A0092B-C50C-407E-A947-70E740481C1C}">
+                <a14:useLocalDpi xmlns:a14="http://schemas.microsoft.com/office/drawing/2010/main" val="0"/>
+              </a:ext>
+            </a:extLst>
+          </a:blip>
+          <a:stretch>
+            <a:fillRect/>
+          </a:stretch>
+        </p:blipFill>
+        <p:spPr>
+          <a:xfrm>
+            <a:off x="3079705" y="5545780"/>
+            <a:ext cx="1192185" cy="1192185"/>
+          </a:xfrm>
+          <a:prstGeom prst="rect">
+            <a:avLst/>
+          </a:prstGeom>
+        </p:spPr>
+      </p:pic>
+      <p:sp>
+        <p:nvSpPr>
+          <p:cNvPr id="94" name="Rectangle: Rounded Corners 93">
+            <a:extLst>
+              <a:ext uri="{FF2B5EF4-FFF2-40B4-BE49-F238E27FC236}">
+                <a16:creationId xmlns:a16="http://schemas.microsoft.com/office/drawing/2014/main" id="{56CA0332-3BAD-0C14-BB77-3C6939D2B772}"/>
+              </a:ext>
+            </a:extLst>
+          </p:cNvPr>
+          <p:cNvSpPr/>
+          <p:nvPr/>
+        </p:nvSpPr>
+        <p:spPr>
+          <a:xfrm>
+            <a:off x="4314741" y="6018191"/>
+            <a:ext cx="997077" cy="640544"/>
+          </a:xfrm>
+          <a:prstGeom prst="roundRect">
+            <a:avLst>
+              <a:gd name="adj" fmla="val 0"/>
+            </a:avLst>
+          </a:prstGeom>
+          <a:solidFill>
+            <a:schemeClr val="tx1">
+              <a:alpha val="50000"/>
+            </a:schemeClr>
+          </a:solidFill>
+          <a:ln w="28575">
+            <a:noFill/>
+          </a:ln>
+        </p:spPr>
+        <p:style>
+          <a:lnRef idx="2">
+            <a:schemeClr val="accent1">
+              <a:shade val="50000"/>
+            </a:schemeClr>
+          </a:lnRef>
+          <a:fillRef idx="1">
+            <a:schemeClr val="accent1"/>
+          </a:fillRef>
+          <a:effectRef idx="0">
+            <a:schemeClr val="accent1"/>
+          </a:effectRef>
+          <a:fontRef idx="minor">
+            <a:schemeClr val="lt1"/>
+          </a:fontRef>
+        </p:style>
+        <p:txBody>
+          <a:bodyPr rtlCol="0" anchor="ctr"/>
+          <a:lstStyle/>
+          <a:p>
+            <a:pPr algn="ctr"/>
+            <a:endParaRPr lang="en-US"/>
+          </a:p>
+        </p:txBody>
+      </p:sp>
+      <p:sp>
+        <p:nvSpPr>
+          <p:cNvPr id="99" name="Oval 98">
+            <a:extLst>
+              <a:ext uri="{FF2B5EF4-FFF2-40B4-BE49-F238E27FC236}">
+                <a16:creationId xmlns:a16="http://schemas.microsoft.com/office/drawing/2014/main" id="{32E967AB-6A83-6023-266F-D5010423D343}"/>
+              </a:ext>
+            </a:extLst>
+          </p:cNvPr>
+          <p:cNvSpPr/>
+          <p:nvPr/>
+        </p:nvSpPr>
+        <p:spPr>
+          <a:xfrm>
+            <a:off x="2222508" y="5551525"/>
+            <a:ext cx="813903" cy="813903"/>
+          </a:xfrm>
+          <a:prstGeom prst="ellipse">
+            <a:avLst/>
+          </a:prstGeom>
+          <a:solidFill>
+            <a:srgbClr val="0070C0"/>
+          </a:solidFill>
+          <a:ln w="28575">
+            <a:solidFill>
+              <a:schemeClr val="tx1">
+                <a:lumMod val="95000"/>
+                <a:lumOff val="5000"/>
+              </a:schemeClr>
+            </a:solidFill>
+          </a:ln>
+          <a:effectLst>
+            <a:innerShdw blurRad="254000">
+              <a:srgbClr val="00B0F0"/>
+            </a:innerShdw>
+          </a:effectLst>
+        </p:spPr>
+        <p:style>
+          <a:lnRef idx="2">
+            <a:schemeClr val="accent1">
+              <a:shade val="50000"/>
+            </a:schemeClr>
+          </a:lnRef>
+          <a:fillRef idx="1">
+            <a:schemeClr val="accent1"/>
+          </a:fillRef>
+          <a:effectRef idx="0">
+            <a:schemeClr val="accent1"/>
+          </a:effectRef>
+          <a:fontRef idx="minor">
+            <a:schemeClr val="lt1"/>
+          </a:fontRef>
+        </p:style>
+        <p:txBody>
+          <a:bodyPr rtlCol="0" anchor="ctr"/>
+          <a:lstStyle/>
+          <a:p>
+            <a:pPr algn="ctr"/>
+            <a:endParaRPr lang="en-US" dirty="0"/>
+          </a:p>
+        </p:txBody>
+      </p:sp>
+      <p:sp>
+        <p:nvSpPr>
+          <p:cNvPr id="100" name="Chord 99">
+            <a:extLst>
+              <a:ext uri="{FF2B5EF4-FFF2-40B4-BE49-F238E27FC236}">
+                <a16:creationId xmlns:a16="http://schemas.microsoft.com/office/drawing/2014/main" id="{95F3B57F-5EE6-13F1-D8C0-BAA1099B6E71}"/>
+              </a:ext>
+            </a:extLst>
+          </p:cNvPr>
+          <p:cNvSpPr/>
+          <p:nvPr/>
+        </p:nvSpPr>
+        <p:spPr>
+          <a:xfrm rot="7063128">
+            <a:off x="2244324" y="5571855"/>
+            <a:ext cx="779668" cy="779668"/>
+          </a:xfrm>
+          <a:prstGeom prst="chord">
+            <a:avLst>
+              <a:gd name="adj1" fmla="val 2293319"/>
+              <a:gd name="adj2" fmla="val 16200000"/>
+            </a:avLst>
+          </a:prstGeom>
+          <a:solidFill>
+            <a:schemeClr val="tx1">
+              <a:alpha val="25000"/>
+            </a:schemeClr>
+          </a:solidFill>
+        </p:spPr>
+        <p:style>
+          <a:lnRef idx="2">
+            <a:schemeClr val="accent1">
+              <a:shade val="50000"/>
+            </a:schemeClr>
+          </a:lnRef>
+          <a:fillRef idx="1">
+            <a:schemeClr val="accent1"/>
+          </a:fillRef>
+          <a:effectRef idx="0">
+            <a:schemeClr val="accent1"/>
+          </a:effectRef>
+          <a:fontRef idx="minor">
+            <a:schemeClr val="lt1"/>
+          </a:fontRef>
+        </p:style>
+        <p:txBody>
+          <a:bodyPr rtlCol="0" anchor="ctr"/>
+          <a:lstStyle/>
+          <a:p>
+            <a:pPr algn="ctr"/>
+            <a:endParaRPr lang="en-US" dirty="0"/>
+          </a:p>
+        </p:txBody>
+      </p:sp>
+      <p:sp>
+        <p:nvSpPr>
+          <p:cNvPr id="101" name="TextBox 100">
+            <a:extLst>
+              <a:ext uri="{FF2B5EF4-FFF2-40B4-BE49-F238E27FC236}">
+                <a16:creationId xmlns:a16="http://schemas.microsoft.com/office/drawing/2014/main" id="{A3F6B73B-897D-BFC7-892B-0D4C9567D676}"/>
+              </a:ext>
+            </a:extLst>
+          </p:cNvPr>
+          <p:cNvSpPr txBox="1"/>
+          <p:nvPr/>
+        </p:nvSpPr>
+        <p:spPr>
+          <a:xfrm>
+            <a:off x="2220532" y="5602345"/>
+            <a:ext cx="817853" cy="584775"/>
+          </a:xfrm>
+          <a:prstGeom prst="rect">
+            <a:avLst/>
+          </a:prstGeom>
+          <a:noFill/>
+        </p:spPr>
+        <p:txBody>
+          <a:bodyPr wrap="none" rtlCol="0">
+            <a:spAutoFit/>
+          </a:bodyPr>
+          <a:lstStyle/>
+          <a:p>
+            <a:pPr algn="ctr"/>
+            <a:r>
+              <a:rPr lang="cs-CZ" sz="3200" dirty="0">
+                <a:solidFill>
+                  <a:schemeClr val="bg1"/>
+                </a:solidFill>
+              </a:rPr>
+              <a:t>10</a:t>
+            </a:r>
+            <a:r>
+              <a:rPr lang="cs-CZ" sz="1200" dirty="0">
+                <a:solidFill>
+                  <a:schemeClr val="bg1"/>
+                </a:solidFill>
+              </a:rPr>
+              <a:t>/30</a:t>
+            </a:r>
+            <a:endParaRPr lang="en-US" sz="1200" dirty="0">
+              <a:solidFill>
+                <a:schemeClr val="bg1"/>
+              </a:solidFill>
+            </a:endParaRPr>
+          </a:p>
+        </p:txBody>
+      </p:sp>
+      <p:sp>
+        <p:nvSpPr>
+          <p:cNvPr id="103" name="Hexagon 102">
+            <a:extLst>
+              <a:ext uri="{FF2B5EF4-FFF2-40B4-BE49-F238E27FC236}">
+                <a16:creationId xmlns:a16="http://schemas.microsoft.com/office/drawing/2014/main" id="{06FB6F29-38E5-CD88-1385-D83377EE27C9}"/>
+              </a:ext>
+            </a:extLst>
+          </p:cNvPr>
+          <p:cNvSpPr/>
+          <p:nvPr/>
+        </p:nvSpPr>
+        <p:spPr>
+          <a:xfrm>
+            <a:off x="1505060" y="6030161"/>
+            <a:ext cx="800930" cy="690457"/>
+          </a:xfrm>
+          <a:prstGeom prst="hexagon">
+            <a:avLst>
+              <a:gd name="adj" fmla="val 33336"/>
+              <a:gd name="vf" fmla="val 115470"/>
+            </a:avLst>
+          </a:prstGeom>
+          <a:solidFill>
+            <a:srgbClr val="FF7809"/>
+          </a:solidFill>
+          <a:ln w="28575">
+            <a:solidFill>
+              <a:schemeClr val="tx1">
+                <a:lumMod val="95000"/>
+                <a:lumOff val="5000"/>
+              </a:schemeClr>
+            </a:solidFill>
+          </a:ln>
+        </p:spPr>
+        <p:style>
+          <a:lnRef idx="2">
+            <a:schemeClr val="accent1">
+              <a:shade val="50000"/>
+            </a:schemeClr>
+          </a:lnRef>
+          <a:fillRef idx="1">
+            <a:schemeClr val="accent1"/>
+          </a:fillRef>
+          <a:effectRef idx="0">
+            <a:schemeClr val="accent1"/>
+          </a:effectRef>
+          <a:fontRef idx="minor">
+            <a:schemeClr val="lt1"/>
+          </a:fontRef>
+        </p:style>
+        <p:txBody>
+          <a:bodyPr rtlCol="0" anchor="ctr"/>
+          <a:lstStyle/>
+          <a:p>
+            <a:pPr algn="ctr"/>
+            <a:endParaRPr lang="en-US" dirty="0"/>
+          </a:p>
+        </p:txBody>
+      </p:sp>
+      <p:sp>
+        <p:nvSpPr>
+          <p:cNvPr id="105" name="TextBox 104">
+            <a:extLst>
+              <a:ext uri="{FF2B5EF4-FFF2-40B4-BE49-F238E27FC236}">
+                <a16:creationId xmlns:a16="http://schemas.microsoft.com/office/drawing/2014/main" id="{F7ADEC3E-04F9-5C3D-75BC-21253CBE3FB3}"/>
+              </a:ext>
+            </a:extLst>
+          </p:cNvPr>
+          <p:cNvSpPr txBox="1"/>
+          <p:nvPr/>
+        </p:nvSpPr>
+        <p:spPr>
+          <a:xfrm>
+            <a:off x="1570821" y="6046075"/>
+            <a:ext cx="658681" cy="584775"/>
+          </a:xfrm>
+          <a:prstGeom prst="rect">
+            <a:avLst/>
+          </a:prstGeom>
+          <a:noFill/>
+        </p:spPr>
+        <p:txBody>
+          <a:bodyPr wrap="square" rtlCol="0">
+            <a:spAutoFit/>
+          </a:bodyPr>
+          <a:lstStyle/>
+          <a:p>
+            <a:pPr algn="ctr"/>
+            <a:r>
+              <a:rPr lang="cs-CZ" sz="3200" dirty="0">
+                <a:solidFill>
+                  <a:schemeClr val="bg1"/>
+                </a:solidFill>
+              </a:rPr>
+              <a:t>35</a:t>
+            </a:r>
+            <a:endParaRPr lang="en-US" sz="3200" dirty="0">
+              <a:solidFill>
+                <a:schemeClr val="bg1"/>
+              </a:solidFill>
+            </a:endParaRPr>
+          </a:p>
+        </p:txBody>
+      </p:sp>
+      <p:sp>
+        <p:nvSpPr>
+          <p:cNvPr id="149" name="Oval 148">
+            <a:extLst>
+              <a:ext uri="{FF2B5EF4-FFF2-40B4-BE49-F238E27FC236}">
+                <a16:creationId xmlns:a16="http://schemas.microsoft.com/office/drawing/2014/main" id="{8E265BD4-9F23-C1CC-66FB-94B21146C1C2}"/>
+              </a:ext>
+            </a:extLst>
+          </p:cNvPr>
+          <p:cNvSpPr/>
+          <p:nvPr/>
+        </p:nvSpPr>
+        <p:spPr>
+          <a:xfrm>
+            <a:off x="128186" y="92222"/>
+            <a:ext cx="1683522" cy="1683522"/>
+          </a:xfrm>
+          <a:prstGeom prst="ellipse">
+            <a:avLst/>
+          </a:prstGeom>
+          <a:solidFill>
+            <a:srgbClr val="00B0F0"/>
+          </a:solidFill>
+          <a:ln w="28575">
+            <a:solidFill>
+              <a:schemeClr val="tx1"/>
+            </a:solidFill>
+          </a:ln>
+        </p:spPr>
+        <p:style>
+          <a:lnRef idx="2">
+            <a:schemeClr val="accent1">
+              <a:shade val="15000"/>
+            </a:schemeClr>
+          </a:lnRef>
+          <a:fillRef idx="1">
+            <a:schemeClr val="accent1"/>
+          </a:fillRef>
+          <a:effectRef idx="0">
+            <a:schemeClr val="accent1"/>
+          </a:effectRef>
+          <a:fontRef idx="minor">
+            <a:schemeClr val="lt1"/>
+          </a:fontRef>
+        </p:style>
+        <p:txBody>
+          <a:bodyPr rtlCol="0" anchor="ctr"/>
+          <a:lstStyle/>
+          <a:p>
+            <a:pPr algn="ctr"/>
+            <a:endParaRPr lang="en-US" dirty="0"/>
+          </a:p>
+        </p:txBody>
+      </p:sp>
+      <p:sp>
+        <p:nvSpPr>
+          <p:cNvPr id="155" name="Partial Circle 154">
+            <a:extLst>
+              <a:ext uri="{FF2B5EF4-FFF2-40B4-BE49-F238E27FC236}">
+                <a16:creationId xmlns:a16="http://schemas.microsoft.com/office/drawing/2014/main" id="{FB689104-1554-FD35-B01E-6F48D02B6F0B}"/>
+              </a:ext>
+            </a:extLst>
+          </p:cNvPr>
+          <p:cNvSpPr/>
+          <p:nvPr/>
+        </p:nvSpPr>
+        <p:spPr>
+          <a:xfrm>
+            <a:off x="148041" y="110694"/>
+            <a:ext cx="1654313" cy="1654313"/>
+          </a:xfrm>
+          <a:prstGeom prst="pie">
+            <a:avLst>
+              <a:gd name="adj1" fmla="val 1798483"/>
+              <a:gd name="adj2" fmla="val 16200000"/>
+            </a:avLst>
+          </a:prstGeom>
+          <a:solidFill>
+            <a:schemeClr val="bg1">
+              <a:lumMod val="65000"/>
+            </a:schemeClr>
+          </a:solidFill>
+          <a:ln>
+            <a:noFill/>
+          </a:ln>
+        </p:spPr>
+        <p:style>
+          <a:lnRef idx="2">
+            <a:schemeClr val="accent1">
+              <a:shade val="15000"/>
+            </a:schemeClr>
+          </a:lnRef>
+          <a:fillRef idx="1">
+            <a:schemeClr val="accent1"/>
+          </a:fillRef>
+          <a:effectRef idx="0">
+            <a:schemeClr val="accent1"/>
+          </a:effectRef>
+          <a:fontRef idx="minor">
+            <a:schemeClr val="lt1"/>
+          </a:fontRef>
+        </p:style>
+        <p:txBody>
+          <a:bodyPr rtlCol="0" anchor="ctr"/>
+          <a:lstStyle/>
+          <a:p>
+            <a:pPr algn="ctr"/>
+            <a:endParaRPr lang="en-US"/>
+          </a:p>
+        </p:txBody>
+      </p:sp>
+      <p:sp>
+        <p:nvSpPr>
+          <p:cNvPr id="211" name="Rectangle 210">
+            <a:extLst>
+              <a:ext uri="{FF2B5EF4-FFF2-40B4-BE49-F238E27FC236}">
+                <a16:creationId xmlns:a16="http://schemas.microsoft.com/office/drawing/2014/main" id="{A53AE974-247E-7702-E394-EBF32B7E9A32}"/>
+              </a:ext>
+            </a:extLst>
+          </p:cNvPr>
+          <p:cNvSpPr/>
+          <p:nvPr/>
+        </p:nvSpPr>
+        <p:spPr>
+          <a:xfrm>
+            <a:off x="483526" y="1427340"/>
+            <a:ext cx="976413" cy="535915"/>
+          </a:xfrm>
+          <a:prstGeom prst="rect">
+            <a:avLst/>
+          </a:prstGeom>
+          <a:solidFill>
+            <a:schemeClr val="tx1">
+              <a:lumMod val="65000"/>
+              <a:lumOff val="35000"/>
+            </a:schemeClr>
+          </a:solidFill>
+          <a:ln w="19050"/>
+          <a:scene3d>
+            <a:camera prst="orthographicFront"/>
+            <a:lightRig rig="threePt" dir="t"/>
+          </a:scene3d>
+          <a:sp3d>
+            <a:bevelT/>
+          </a:sp3d>
+        </p:spPr>
+        <p:style>
+          <a:lnRef idx="2">
+            <a:schemeClr val="accent1">
+              <a:shade val="15000"/>
+            </a:schemeClr>
+          </a:lnRef>
+          <a:fillRef idx="1">
+            <a:schemeClr val="accent1"/>
+          </a:fillRef>
+          <a:effectRef idx="0">
+            <a:schemeClr val="accent1"/>
+          </a:effectRef>
+          <a:fontRef idx="minor">
+            <a:schemeClr val="lt1"/>
+          </a:fontRef>
+        </p:style>
+        <p:txBody>
+          <a:bodyPr rtlCol="0" anchor="ctr"/>
+          <a:lstStyle/>
+          <a:p>
+            <a:pPr algn="ctr"/>
+            <a:endParaRPr lang="en-US"/>
+          </a:p>
+        </p:txBody>
+      </p:sp>
+      <p:sp>
+        <p:nvSpPr>
+          <p:cNvPr id="151" name="Oval 150">
+            <a:extLst>
+              <a:ext uri="{FF2B5EF4-FFF2-40B4-BE49-F238E27FC236}">
+                <a16:creationId xmlns:a16="http://schemas.microsoft.com/office/drawing/2014/main" id="{4C9F6434-27A3-CF0B-E3FF-D5BD14523C8D}"/>
+              </a:ext>
+            </a:extLst>
+          </p:cNvPr>
+          <p:cNvSpPr/>
+          <p:nvPr/>
+        </p:nvSpPr>
+        <p:spPr>
+          <a:xfrm>
+            <a:off x="138687" y="88346"/>
+            <a:ext cx="1662173" cy="1643270"/>
+          </a:xfrm>
+          <a:prstGeom prst="ellipse">
+            <a:avLst/>
+          </a:prstGeom>
+          <a:solidFill>
+            <a:schemeClr val="tx1">
+              <a:lumMod val="50000"/>
+              <a:lumOff val="50000"/>
+            </a:schemeClr>
+          </a:solidFill>
+          <a:ln w="28575">
+            <a:solidFill>
+              <a:schemeClr val="tx1"/>
+            </a:solidFill>
+          </a:ln>
+          <a:effectLst>
+            <a:outerShdw blurRad="50800" dist="38100" algn="l" rotWithShape="0">
+              <a:prstClr val="black">
+                <a:alpha val="40000"/>
+              </a:prstClr>
+            </a:outerShdw>
+          </a:effectLst>
+          <a:scene3d>
+            <a:camera prst="orthographicFront"/>
+            <a:lightRig rig="threePt" dir="t"/>
+          </a:scene3d>
+          <a:sp3d>
+            <a:bevelT/>
+          </a:sp3d>
+        </p:spPr>
+        <p:style>
+          <a:lnRef idx="2">
+            <a:schemeClr val="accent1">
+              <a:shade val="15000"/>
+            </a:schemeClr>
+          </a:lnRef>
+          <a:fillRef idx="1">
+            <a:schemeClr val="accent1"/>
+          </a:fillRef>
+          <a:effectRef idx="0">
+            <a:schemeClr val="accent1"/>
+          </a:effectRef>
+          <a:fontRef idx="minor">
+            <a:schemeClr val="lt1"/>
+          </a:fontRef>
+        </p:style>
+        <p:txBody>
+          <a:bodyPr rtlCol="0" anchor="ctr"/>
+          <a:lstStyle/>
+          <a:p>
+            <a:pPr algn="ctr"/>
+            <a:endParaRPr lang="en-US" dirty="0"/>
+          </a:p>
+        </p:txBody>
+      </p:sp>
+      <p:sp>
+        <p:nvSpPr>
+          <p:cNvPr id="153" name="TextBox 152">
+            <a:extLst>
+              <a:ext uri="{FF2B5EF4-FFF2-40B4-BE49-F238E27FC236}">
+                <a16:creationId xmlns:a16="http://schemas.microsoft.com/office/drawing/2014/main" id="{BB28470A-A8E5-774F-AED9-BE8FFCFFBCA8}"/>
+              </a:ext>
+            </a:extLst>
+          </p:cNvPr>
+          <p:cNvSpPr txBox="1"/>
+          <p:nvPr/>
+        </p:nvSpPr>
+        <p:spPr>
+          <a:xfrm>
+            <a:off x="702085" y="764977"/>
+            <a:ext cx="535724" cy="923330"/>
+          </a:xfrm>
+          <a:prstGeom prst="rect">
+            <a:avLst/>
+          </a:prstGeom>
+          <a:noFill/>
+        </p:spPr>
+        <p:txBody>
+          <a:bodyPr wrap="none" rtlCol="0">
+            <a:spAutoFit/>
+          </a:bodyPr>
+          <a:lstStyle/>
+          <a:p>
+            <a:pPr algn="ctr"/>
+            <a:r>
+              <a:rPr lang="cs-CZ" sz="5400" dirty="0">
+                <a:solidFill>
+                  <a:schemeClr val="bg1"/>
+                </a:solidFill>
+              </a:rPr>
+              <a:t>3</a:t>
+            </a:r>
+            <a:endParaRPr lang="en-US" sz="5400" dirty="0">
+              <a:solidFill>
+                <a:schemeClr val="bg1"/>
+              </a:solidFill>
+            </a:endParaRPr>
+          </a:p>
+        </p:txBody>
+      </p:sp>
+      <p:sp>
+        <p:nvSpPr>
+          <p:cNvPr id="177" name="Parallelogram 176">
+            <a:extLst>
+              <a:ext uri="{FF2B5EF4-FFF2-40B4-BE49-F238E27FC236}">
+                <a16:creationId xmlns:a16="http://schemas.microsoft.com/office/drawing/2014/main" id="{714660AA-8AC5-6D7E-461F-085CE3F867F8}"/>
+              </a:ext>
+            </a:extLst>
+          </p:cNvPr>
+          <p:cNvSpPr/>
+          <p:nvPr/>
+        </p:nvSpPr>
+        <p:spPr>
+          <a:xfrm>
+            <a:off x="4569396" y="474357"/>
+            <a:ext cx="504313" cy="159422"/>
+          </a:xfrm>
+          <a:prstGeom prst="parallelogram">
+            <a:avLst>
+              <a:gd name="adj" fmla="val 88042"/>
+            </a:avLst>
+          </a:prstGeom>
+          <a:solidFill>
+            <a:schemeClr val="tx1">
+              <a:lumMod val="65000"/>
+              <a:lumOff val="35000"/>
+            </a:schemeClr>
+          </a:solidFill>
+          <a:ln w="6350">
+            <a:noFill/>
+          </a:ln>
+          <a:effectLst>
+            <a:innerShdw blurRad="76200">
+              <a:prstClr val="black"/>
+            </a:innerShdw>
+          </a:effectLst>
+        </p:spPr>
+        <p:style>
+          <a:lnRef idx="2">
+            <a:schemeClr val="accent1">
+              <a:shade val="50000"/>
+            </a:schemeClr>
+          </a:lnRef>
+          <a:fillRef idx="1">
+            <a:schemeClr val="accent1"/>
+          </a:fillRef>
+          <a:effectRef idx="0">
+            <a:schemeClr val="accent1"/>
+          </a:effectRef>
+          <a:fontRef idx="minor">
+            <a:schemeClr val="lt1"/>
+          </a:fontRef>
+        </p:style>
+        <p:txBody>
+          <a:bodyPr rtlCol="0" anchor="ctr"/>
+          <a:lstStyle/>
+          <a:p>
+            <a:pPr algn="ctr"/>
+            <a:endParaRPr lang="en-US" dirty="0"/>
+          </a:p>
+        </p:txBody>
+      </p:sp>
+      <p:sp>
+        <p:nvSpPr>
+          <p:cNvPr id="179" name="Parallelogram 178">
+            <a:extLst>
+              <a:ext uri="{FF2B5EF4-FFF2-40B4-BE49-F238E27FC236}">
+                <a16:creationId xmlns:a16="http://schemas.microsoft.com/office/drawing/2014/main" id="{31B1080F-000C-6BC1-7FFD-BB829EFC61E2}"/>
+              </a:ext>
+            </a:extLst>
+          </p:cNvPr>
+          <p:cNvSpPr/>
+          <p:nvPr/>
+        </p:nvSpPr>
+        <p:spPr>
+          <a:xfrm>
+            <a:off x="4961944" y="478981"/>
+            <a:ext cx="504313" cy="159422"/>
+          </a:xfrm>
+          <a:prstGeom prst="parallelogram">
+            <a:avLst>
+              <a:gd name="adj" fmla="val 88042"/>
+            </a:avLst>
+          </a:prstGeom>
+          <a:solidFill>
+            <a:schemeClr val="tx1">
+              <a:lumMod val="65000"/>
+              <a:lumOff val="35000"/>
+            </a:schemeClr>
+          </a:solidFill>
+          <a:ln w="6350">
+            <a:noFill/>
+          </a:ln>
+          <a:effectLst>
+            <a:innerShdw blurRad="76200">
+              <a:prstClr val="black"/>
+            </a:innerShdw>
+          </a:effectLst>
+        </p:spPr>
+        <p:style>
+          <a:lnRef idx="2">
+            <a:schemeClr val="accent1">
+              <a:shade val="50000"/>
+            </a:schemeClr>
+          </a:lnRef>
+          <a:fillRef idx="1">
+            <a:schemeClr val="accent1"/>
+          </a:fillRef>
+          <a:effectRef idx="0">
+            <a:schemeClr val="accent1"/>
+          </a:effectRef>
+          <a:fontRef idx="minor">
+            <a:schemeClr val="lt1"/>
+          </a:fontRef>
+        </p:style>
+        <p:txBody>
+          <a:bodyPr rtlCol="0" anchor="ctr"/>
+          <a:lstStyle/>
+          <a:p>
+            <a:pPr algn="ctr"/>
+            <a:endParaRPr lang="en-US" dirty="0"/>
+          </a:p>
+        </p:txBody>
+      </p:sp>
+      <p:sp>
+        <p:nvSpPr>
+          <p:cNvPr id="180" name="Parallelogram 179">
+            <a:extLst>
+              <a:ext uri="{FF2B5EF4-FFF2-40B4-BE49-F238E27FC236}">
+                <a16:creationId xmlns:a16="http://schemas.microsoft.com/office/drawing/2014/main" id="{7790735A-086C-B621-95A9-7CB81221895C}"/>
+              </a:ext>
+            </a:extLst>
+          </p:cNvPr>
+          <p:cNvSpPr/>
+          <p:nvPr/>
+        </p:nvSpPr>
+        <p:spPr>
+          <a:xfrm>
+            <a:off x="3788885" y="468473"/>
+            <a:ext cx="504313" cy="159422"/>
+          </a:xfrm>
+          <a:prstGeom prst="parallelogram">
+            <a:avLst>
+              <a:gd name="adj" fmla="val 88042"/>
+            </a:avLst>
+          </a:prstGeom>
+          <a:solidFill>
+            <a:srgbClr val="FF0000"/>
+          </a:solidFill>
+          <a:ln w="6350">
+            <a:noFill/>
+          </a:ln>
+          <a:effectLst>
+            <a:innerShdw blurRad="76200">
+              <a:prstClr val="black"/>
+            </a:innerShdw>
+          </a:effectLst>
+        </p:spPr>
+        <p:style>
+          <a:lnRef idx="2">
+            <a:schemeClr val="accent1">
+              <a:shade val="50000"/>
+            </a:schemeClr>
+          </a:lnRef>
+          <a:fillRef idx="1">
+            <a:schemeClr val="accent1"/>
+          </a:fillRef>
+          <a:effectRef idx="0">
+            <a:schemeClr val="accent1"/>
+          </a:effectRef>
+          <a:fontRef idx="minor">
+            <a:schemeClr val="lt1"/>
+          </a:fontRef>
+        </p:style>
+        <p:txBody>
+          <a:bodyPr rtlCol="0" anchor="ctr"/>
+          <a:lstStyle/>
+          <a:p>
+            <a:pPr algn="ctr"/>
+            <a:endParaRPr lang="en-US" dirty="0"/>
+          </a:p>
+        </p:txBody>
+      </p:sp>
+      <p:sp>
+        <p:nvSpPr>
+          <p:cNvPr id="181" name="Parallelogram 180">
+            <a:extLst>
+              <a:ext uri="{FF2B5EF4-FFF2-40B4-BE49-F238E27FC236}">
+                <a16:creationId xmlns:a16="http://schemas.microsoft.com/office/drawing/2014/main" id="{52B9F3F5-7F0C-CF55-A5FE-62FB2A7A7B3A}"/>
+              </a:ext>
+            </a:extLst>
+          </p:cNvPr>
+          <p:cNvSpPr/>
+          <p:nvPr/>
+        </p:nvSpPr>
+        <p:spPr>
+          <a:xfrm>
+            <a:off x="4181433" y="473097"/>
+            <a:ext cx="504313" cy="159422"/>
+          </a:xfrm>
+          <a:prstGeom prst="parallelogram">
+            <a:avLst>
+              <a:gd name="adj" fmla="val 88042"/>
+            </a:avLst>
+          </a:prstGeom>
+          <a:solidFill>
+            <a:schemeClr val="tx1">
+              <a:lumMod val="65000"/>
+              <a:lumOff val="35000"/>
+            </a:schemeClr>
+          </a:solidFill>
+          <a:ln w="6350">
+            <a:noFill/>
+          </a:ln>
+          <a:effectLst>
+            <a:innerShdw blurRad="76200">
+              <a:prstClr val="black"/>
+            </a:innerShdw>
+          </a:effectLst>
+        </p:spPr>
+        <p:style>
+          <a:lnRef idx="2">
+            <a:schemeClr val="accent1">
+              <a:shade val="50000"/>
+            </a:schemeClr>
+          </a:lnRef>
+          <a:fillRef idx="1">
+            <a:schemeClr val="accent1"/>
+          </a:fillRef>
+          <a:effectRef idx="0">
+            <a:schemeClr val="accent1"/>
+          </a:effectRef>
+          <a:fontRef idx="minor">
+            <a:schemeClr val="lt1"/>
+          </a:fontRef>
+        </p:style>
+        <p:txBody>
+          <a:bodyPr rtlCol="0" anchor="ctr"/>
+          <a:lstStyle/>
+          <a:p>
+            <a:pPr algn="ctr"/>
+            <a:endParaRPr lang="en-US" dirty="0"/>
+          </a:p>
+        </p:txBody>
+      </p:sp>
+      <p:sp>
+        <p:nvSpPr>
+          <p:cNvPr id="182" name="Parallelogram 181">
+            <a:extLst>
+              <a:ext uri="{FF2B5EF4-FFF2-40B4-BE49-F238E27FC236}">
+                <a16:creationId xmlns:a16="http://schemas.microsoft.com/office/drawing/2014/main" id="{82FDDF7F-7A7E-49EC-DD1C-3E30CBFDA875}"/>
+              </a:ext>
+            </a:extLst>
+          </p:cNvPr>
+          <p:cNvSpPr/>
+          <p:nvPr/>
+        </p:nvSpPr>
+        <p:spPr>
+          <a:xfrm>
+            <a:off x="3003663" y="468319"/>
+            <a:ext cx="504313" cy="159422"/>
+          </a:xfrm>
+          <a:prstGeom prst="parallelogram">
+            <a:avLst>
+              <a:gd name="adj" fmla="val 88042"/>
+            </a:avLst>
+          </a:prstGeom>
+          <a:solidFill>
+            <a:srgbClr val="FF0000"/>
+          </a:solidFill>
+          <a:ln w="6350">
+            <a:noFill/>
+          </a:ln>
+          <a:effectLst>
+            <a:innerShdw blurRad="76200">
+              <a:prstClr val="black"/>
+            </a:innerShdw>
+          </a:effectLst>
+        </p:spPr>
+        <p:style>
+          <a:lnRef idx="2">
+            <a:schemeClr val="accent1">
+              <a:shade val="50000"/>
+            </a:schemeClr>
+          </a:lnRef>
+          <a:fillRef idx="1">
+            <a:schemeClr val="accent1"/>
+          </a:fillRef>
+          <a:effectRef idx="0">
+            <a:schemeClr val="accent1"/>
+          </a:effectRef>
+          <a:fontRef idx="minor">
+            <a:schemeClr val="lt1"/>
+          </a:fontRef>
+        </p:style>
+        <p:txBody>
+          <a:bodyPr rtlCol="0" anchor="ctr"/>
+          <a:lstStyle/>
+          <a:p>
+            <a:pPr algn="ctr"/>
+            <a:endParaRPr lang="en-US" dirty="0"/>
+          </a:p>
+        </p:txBody>
+      </p:sp>
+      <p:sp>
+        <p:nvSpPr>
+          <p:cNvPr id="183" name="Parallelogram 182">
+            <a:extLst>
+              <a:ext uri="{FF2B5EF4-FFF2-40B4-BE49-F238E27FC236}">
+                <a16:creationId xmlns:a16="http://schemas.microsoft.com/office/drawing/2014/main" id="{02ECF703-C7E1-C1C7-A77A-09CD5F4392A8}"/>
+              </a:ext>
+            </a:extLst>
+          </p:cNvPr>
+          <p:cNvSpPr/>
+          <p:nvPr/>
+        </p:nvSpPr>
+        <p:spPr>
+          <a:xfrm>
+            <a:off x="3396211" y="472943"/>
+            <a:ext cx="504313" cy="159422"/>
+          </a:xfrm>
+          <a:prstGeom prst="parallelogram">
+            <a:avLst>
+              <a:gd name="adj" fmla="val 88042"/>
+            </a:avLst>
+          </a:prstGeom>
+          <a:solidFill>
+            <a:srgbClr val="FF0000"/>
+          </a:solidFill>
+          <a:ln w="6350">
+            <a:noFill/>
+          </a:ln>
+          <a:effectLst>
+            <a:innerShdw blurRad="76200">
+              <a:prstClr val="black"/>
+            </a:innerShdw>
+          </a:effectLst>
+        </p:spPr>
+        <p:style>
+          <a:lnRef idx="2">
+            <a:schemeClr val="accent1">
+              <a:shade val="50000"/>
+            </a:schemeClr>
+          </a:lnRef>
+          <a:fillRef idx="1">
+            <a:schemeClr val="accent1"/>
+          </a:fillRef>
+          <a:effectRef idx="0">
+            <a:schemeClr val="accent1"/>
+          </a:effectRef>
+          <a:fontRef idx="minor">
+            <a:schemeClr val="lt1"/>
+          </a:fontRef>
+        </p:style>
+        <p:txBody>
+          <a:bodyPr rtlCol="0" anchor="ctr"/>
+          <a:lstStyle/>
+          <a:p>
+            <a:pPr algn="ctr"/>
+            <a:endParaRPr lang="en-US" dirty="0"/>
+          </a:p>
+        </p:txBody>
+      </p:sp>
+      <p:sp>
+        <p:nvSpPr>
+          <p:cNvPr id="185" name="Parallelogram 184">
+            <a:extLst>
+              <a:ext uri="{FF2B5EF4-FFF2-40B4-BE49-F238E27FC236}">
+                <a16:creationId xmlns:a16="http://schemas.microsoft.com/office/drawing/2014/main" id="{C0B69106-A519-0414-8685-E23DAE2C3B6A}"/>
+              </a:ext>
+            </a:extLst>
+          </p:cNvPr>
+          <p:cNvSpPr/>
+          <p:nvPr/>
+        </p:nvSpPr>
+        <p:spPr>
+          <a:xfrm>
+            <a:off x="2615700" y="467059"/>
+            <a:ext cx="504313" cy="159422"/>
+          </a:xfrm>
+          <a:prstGeom prst="parallelogram">
+            <a:avLst>
+              <a:gd name="adj" fmla="val 88042"/>
+            </a:avLst>
+          </a:prstGeom>
+          <a:solidFill>
+            <a:srgbClr val="FF0000"/>
+          </a:solidFill>
+          <a:ln w="6350">
+            <a:noFill/>
+          </a:ln>
+          <a:effectLst>
+            <a:innerShdw blurRad="76200">
+              <a:prstClr val="black"/>
+            </a:innerShdw>
+          </a:effectLst>
+        </p:spPr>
+        <p:style>
+          <a:lnRef idx="2">
+            <a:schemeClr val="accent1">
+              <a:shade val="50000"/>
+            </a:schemeClr>
+          </a:lnRef>
+          <a:fillRef idx="1">
+            <a:schemeClr val="accent1"/>
+          </a:fillRef>
+          <a:effectRef idx="0">
+            <a:schemeClr val="accent1"/>
+          </a:effectRef>
+          <a:fontRef idx="minor">
+            <a:schemeClr val="lt1"/>
+          </a:fontRef>
+        </p:style>
+        <p:txBody>
+          <a:bodyPr rtlCol="0" anchor="ctr"/>
+          <a:lstStyle/>
+          <a:p>
+            <a:pPr algn="ctr"/>
+            <a:endParaRPr lang="en-US" dirty="0"/>
+          </a:p>
+        </p:txBody>
+      </p:sp>
+      <p:sp>
+        <p:nvSpPr>
+          <p:cNvPr id="190" name="Parallelogram 189">
+            <a:extLst>
+              <a:ext uri="{FF2B5EF4-FFF2-40B4-BE49-F238E27FC236}">
+                <a16:creationId xmlns:a16="http://schemas.microsoft.com/office/drawing/2014/main" id="{0F7AE083-795E-33AE-73B6-3D3CE8E5B480}"/>
+              </a:ext>
+            </a:extLst>
+          </p:cNvPr>
+          <p:cNvSpPr/>
+          <p:nvPr/>
+        </p:nvSpPr>
+        <p:spPr>
+          <a:xfrm>
+            <a:off x="1830541" y="468697"/>
+            <a:ext cx="504313" cy="159422"/>
+          </a:xfrm>
+          <a:prstGeom prst="parallelogram">
+            <a:avLst>
+              <a:gd name="adj" fmla="val 88042"/>
+            </a:avLst>
+          </a:prstGeom>
+          <a:solidFill>
+            <a:srgbClr val="FF0000"/>
+          </a:solidFill>
+          <a:ln w="6350">
+            <a:noFill/>
+          </a:ln>
+          <a:effectLst>
+            <a:innerShdw blurRad="76200">
+              <a:prstClr val="black"/>
+            </a:innerShdw>
+          </a:effectLst>
+        </p:spPr>
+        <p:style>
+          <a:lnRef idx="2">
+            <a:schemeClr val="accent1">
+              <a:shade val="50000"/>
+            </a:schemeClr>
+          </a:lnRef>
+          <a:fillRef idx="1">
+            <a:schemeClr val="accent1"/>
+          </a:fillRef>
+          <a:effectRef idx="0">
+            <a:schemeClr val="accent1"/>
+          </a:effectRef>
+          <a:fontRef idx="minor">
+            <a:schemeClr val="lt1"/>
+          </a:fontRef>
+        </p:style>
+        <p:txBody>
+          <a:bodyPr rtlCol="0" anchor="ctr"/>
+          <a:lstStyle/>
+          <a:p>
+            <a:pPr algn="ctr"/>
+            <a:endParaRPr lang="en-US" dirty="0"/>
+          </a:p>
+        </p:txBody>
+      </p:sp>
+      <p:sp>
+        <p:nvSpPr>
+          <p:cNvPr id="191" name="Parallelogram 190">
+            <a:extLst>
+              <a:ext uri="{FF2B5EF4-FFF2-40B4-BE49-F238E27FC236}">
+                <a16:creationId xmlns:a16="http://schemas.microsoft.com/office/drawing/2014/main" id="{7019CDFF-B057-F6FB-C566-B580C21916BE}"/>
+              </a:ext>
+            </a:extLst>
+          </p:cNvPr>
+          <p:cNvSpPr/>
+          <p:nvPr/>
+        </p:nvSpPr>
+        <p:spPr>
+          <a:xfrm>
+            <a:off x="2223089" y="473321"/>
+            <a:ext cx="504313" cy="159422"/>
+          </a:xfrm>
+          <a:prstGeom prst="parallelogram">
+            <a:avLst>
+              <a:gd name="adj" fmla="val 88042"/>
+            </a:avLst>
+          </a:prstGeom>
+          <a:solidFill>
+            <a:srgbClr val="FF0000"/>
+          </a:solidFill>
+          <a:ln w="6350">
+            <a:noFill/>
+          </a:ln>
+          <a:effectLst>
+            <a:innerShdw blurRad="76200">
+              <a:prstClr val="black"/>
+            </a:innerShdw>
+          </a:effectLst>
+        </p:spPr>
+        <p:style>
+          <a:lnRef idx="2">
+            <a:schemeClr val="accent1">
+              <a:shade val="50000"/>
+            </a:schemeClr>
+          </a:lnRef>
+          <a:fillRef idx="1">
+            <a:schemeClr val="accent1"/>
+          </a:fillRef>
+          <a:effectRef idx="0">
+            <a:schemeClr val="accent1"/>
+          </a:effectRef>
+          <a:fontRef idx="minor">
+            <a:schemeClr val="lt1"/>
+          </a:fontRef>
+        </p:style>
+        <p:txBody>
+          <a:bodyPr rtlCol="0" anchor="ctr"/>
+          <a:lstStyle/>
+          <a:p>
+            <a:pPr algn="ctr"/>
+            <a:endParaRPr lang="en-US" dirty="0"/>
+          </a:p>
+        </p:txBody>
+      </p:sp>
+      <p:sp>
+        <p:nvSpPr>
+          <p:cNvPr id="199" name="TextBox 198">
+            <a:extLst>
+              <a:ext uri="{FF2B5EF4-FFF2-40B4-BE49-F238E27FC236}">
+                <a16:creationId xmlns:a16="http://schemas.microsoft.com/office/drawing/2014/main" id="{C641BF30-10EB-F6F9-7124-D59F7C407281}"/>
+              </a:ext>
+            </a:extLst>
+          </p:cNvPr>
+          <p:cNvSpPr txBox="1"/>
+          <p:nvPr/>
+        </p:nvSpPr>
+        <p:spPr>
+          <a:xfrm>
+            <a:off x="2906260" y="101878"/>
+            <a:ext cx="859531" cy="369332"/>
+          </a:xfrm>
+          <a:prstGeom prst="rect">
+            <a:avLst/>
+          </a:prstGeom>
+          <a:noFill/>
+        </p:spPr>
+        <p:txBody>
+          <a:bodyPr wrap="none" rtlCol="0">
+            <a:spAutoFit/>
+          </a:bodyPr>
+          <a:lstStyle/>
+          <a:p>
+            <a:r>
+              <a:rPr lang="cs-CZ" dirty="0">
+                <a:solidFill>
+                  <a:schemeClr val="bg1"/>
+                </a:solidFill>
+              </a:rPr>
+              <a:t>85/120</a:t>
+            </a:r>
+            <a:endParaRPr lang="en-US" dirty="0">
+              <a:solidFill>
+                <a:schemeClr val="bg1"/>
+              </a:solidFill>
+            </a:endParaRPr>
+          </a:p>
+        </p:txBody>
+      </p:sp>
+      <p:sp>
+        <p:nvSpPr>
+          <p:cNvPr id="201" name="Arrow: Chevron 200">
+            <a:extLst>
+              <a:ext uri="{FF2B5EF4-FFF2-40B4-BE49-F238E27FC236}">
+                <a16:creationId xmlns:a16="http://schemas.microsoft.com/office/drawing/2014/main" id="{77940102-9BFF-CB80-F97C-274FBBC32546}"/>
+              </a:ext>
+            </a:extLst>
+          </p:cNvPr>
+          <p:cNvSpPr/>
+          <p:nvPr/>
+        </p:nvSpPr>
+        <p:spPr>
+          <a:xfrm>
+            <a:off x="4972646" y="177128"/>
+            <a:ext cx="148732" cy="218976"/>
+          </a:xfrm>
+          <a:prstGeom prst="chevron">
+            <a:avLst/>
+          </a:prstGeom>
+          <a:solidFill>
+            <a:srgbClr val="92D050"/>
+          </a:solidFill>
+          <a:ln>
+            <a:noFill/>
+          </a:ln>
+        </p:spPr>
+        <p:style>
+          <a:lnRef idx="2">
+            <a:schemeClr val="accent1">
+              <a:shade val="15000"/>
+            </a:schemeClr>
+          </a:lnRef>
+          <a:fillRef idx="1">
+            <a:schemeClr val="accent1"/>
+          </a:fillRef>
+          <a:effectRef idx="0">
+            <a:schemeClr val="accent1"/>
+          </a:effectRef>
+          <a:fontRef idx="minor">
+            <a:schemeClr val="lt1"/>
+          </a:fontRef>
+        </p:style>
+        <p:txBody>
+          <a:bodyPr rtlCol="0" anchor="ctr"/>
+          <a:lstStyle/>
+          <a:p>
+            <a:pPr algn="ctr"/>
+            <a:endParaRPr lang="en-US">
+              <a:solidFill>
+                <a:schemeClr val="tx1"/>
+              </a:solidFill>
+            </a:endParaRPr>
+          </a:p>
+        </p:txBody>
+      </p:sp>
+      <p:sp>
+        <p:nvSpPr>
+          <p:cNvPr id="202" name="Arrow: Chevron 201">
+            <a:extLst>
+              <a:ext uri="{FF2B5EF4-FFF2-40B4-BE49-F238E27FC236}">
+                <a16:creationId xmlns:a16="http://schemas.microsoft.com/office/drawing/2014/main" id="{617AE107-9C2E-4401-DFAB-CF00101C891B}"/>
+              </a:ext>
+            </a:extLst>
+          </p:cNvPr>
+          <p:cNvSpPr/>
+          <p:nvPr/>
+        </p:nvSpPr>
+        <p:spPr>
+          <a:xfrm>
+            <a:off x="5581173" y="179715"/>
+            <a:ext cx="148732" cy="218976"/>
+          </a:xfrm>
+          <a:prstGeom prst="chevron">
+            <a:avLst/>
+          </a:prstGeom>
+          <a:solidFill>
+            <a:srgbClr val="92D050"/>
+          </a:solidFill>
+          <a:ln>
+            <a:noFill/>
+          </a:ln>
+        </p:spPr>
+        <p:style>
+          <a:lnRef idx="2">
+            <a:schemeClr val="accent1">
+              <a:shade val="15000"/>
+            </a:schemeClr>
+          </a:lnRef>
+          <a:fillRef idx="1">
+            <a:schemeClr val="accent1"/>
+          </a:fillRef>
+          <a:effectRef idx="0">
+            <a:schemeClr val="accent1"/>
+          </a:effectRef>
+          <a:fontRef idx="minor">
+            <a:schemeClr val="lt1"/>
+          </a:fontRef>
+        </p:style>
+        <p:txBody>
+          <a:bodyPr rtlCol="0" anchor="ctr"/>
+          <a:lstStyle/>
+          <a:p>
+            <a:pPr algn="ctr"/>
+            <a:endParaRPr lang="en-US">
+              <a:solidFill>
+                <a:schemeClr val="tx1"/>
+              </a:solidFill>
+            </a:endParaRPr>
+          </a:p>
+        </p:txBody>
+      </p:sp>
+      <p:sp>
+        <p:nvSpPr>
+          <p:cNvPr id="203" name="TextBox 202">
+            <a:extLst>
+              <a:ext uri="{FF2B5EF4-FFF2-40B4-BE49-F238E27FC236}">
+                <a16:creationId xmlns:a16="http://schemas.microsoft.com/office/drawing/2014/main" id="{D0CEE02F-4498-CFD7-A730-5395761B6BFF}"/>
+              </a:ext>
+            </a:extLst>
+          </p:cNvPr>
+          <p:cNvSpPr txBox="1"/>
+          <p:nvPr/>
+        </p:nvSpPr>
+        <p:spPr>
+          <a:xfrm>
+            <a:off x="4472211" y="101840"/>
+            <a:ext cx="534121" cy="369332"/>
+          </a:xfrm>
+          <a:prstGeom prst="rect">
+            <a:avLst/>
+          </a:prstGeom>
+          <a:noFill/>
+        </p:spPr>
+        <p:txBody>
+          <a:bodyPr wrap="none" rtlCol="0">
+            <a:spAutoFit/>
+          </a:bodyPr>
+          <a:lstStyle/>
+          <a:p>
+            <a:r>
+              <a:rPr lang="cs-CZ" dirty="0">
+                <a:solidFill>
+                  <a:srgbClr val="92D050"/>
+                </a:solidFill>
+              </a:rPr>
+              <a:t>+15</a:t>
+            </a:r>
+            <a:endParaRPr lang="en-US" dirty="0">
+              <a:solidFill>
+                <a:srgbClr val="92D050"/>
+              </a:solidFill>
+            </a:endParaRPr>
+          </a:p>
+        </p:txBody>
+      </p:sp>
+      <p:sp>
+        <p:nvSpPr>
+          <p:cNvPr id="206" name="Rectangle 205">
+            <a:extLst>
+              <a:ext uri="{FF2B5EF4-FFF2-40B4-BE49-F238E27FC236}">
+                <a16:creationId xmlns:a16="http://schemas.microsoft.com/office/drawing/2014/main" id="{17B55743-C331-4B16-8EE1-71EC2C81E8F4}"/>
+              </a:ext>
+            </a:extLst>
+          </p:cNvPr>
+          <p:cNvSpPr/>
+          <p:nvPr/>
+        </p:nvSpPr>
+        <p:spPr>
+          <a:xfrm>
+            <a:off x="9691065" y="505590"/>
+            <a:ext cx="2259412" cy="4091853"/>
+          </a:xfrm>
+          <a:prstGeom prst="rect">
+            <a:avLst/>
+          </a:prstGeom>
+          <a:solidFill>
+            <a:schemeClr val="bg1">
+              <a:lumMod val="65000"/>
+            </a:schemeClr>
+          </a:solidFill>
+          <a:ln>
+            <a:solidFill>
+              <a:schemeClr val="tx1"/>
+            </a:solidFill>
+          </a:ln>
+        </p:spPr>
+        <p:style>
+          <a:lnRef idx="2">
+            <a:schemeClr val="accent1">
+              <a:shade val="15000"/>
+            </a:schemeClr>
+          </a:lnRef>
+          <a:fillRef idx="1">
+            <a:schemeClr val="accent1"/>
+          </a:fillRef>
+          <a:effectRef idx="0">
+            <a:schemeClr val="accent1"/>
+          </a:effectRef>
+          <a:fontRef idx="minor">
+            <a:schemeClr val="lt1"/>
+          </a:fontRef>
+        </p:style>
+        <p:txBody>
+          <a:bodyPr rtlCol="0" anchor="ctr"/>
+          <a:lstStyle/>
+          <a:p>
+            <a:pPr algn="ctr"/>
+            <a:endParaRPr lang="en-US"/>
+          </a:p>
+        </p:txBody>
+      </p:sp>
+      <p:sp>
+        <p:nvSpPr>
+          <p:cNvPr id="209" name="TextBox 208">
+            <a:extLst>
+              <a:ext uri="{FF2B5EF4-FFF2-40B4-BE49-F238E27FC236}">
+                <a16:creationId xmlns:a16="http://schemas.microsoft.com/office/drawing/2014/main" id="{8B23AAF1-DFCD-B39C-9794-04A37C25DD08}"/>
+              </a:ext>
+            </a:extLst>
+          </p:cNvPr>
+          <p:cNvSpPr txBox="1"/>
+          <p:nvPr/>
+        </p:nvSpPr>
+        <p:spPr>
+          <a:xfrm>
+            <a:off x="463805" y="243264"/>
+            <a:ext cx="1021946" cy="469616"/>
+          </a:xfrm>
+          <a:prstGeom prst="rect">
+            <a:avLst/>
+          </a:prstGeom>
+          <a:noFill/>
+        </p:spPr>
+        <p:txBody>
+          <a:bodyPr wrap="none" rtlCol="0">
+            <a:spAutoFit/>
+          </a:bodyPr>
+          <a:lstStyle/>
+          <a:p>
+            <a:pPr algn="ctr">
+              <a:lnSpc>
+                <a:spcPct val="75000"/>
+              </a:lnSpc>
+            </a:pPr>
+            <a:r>
+              <a:rPr lang="en-US" sz="1600" noProof="1">
+                <a:solidFill>
+                  <a:srgbClr val="92D050"/>
+                </a:solidFill>
+              </a:rPr>
+              <a:t>3 waves</a:t>
+            </a:r>
+            <a:br>
+              <a:rPr lang="en-US" sz="1600" noProof="1">
+                <a:solidFill>
+                  <a:srgbClr val="92D050"/>
+                </a:solidFill>
+              </a:rPr>
+            </a:br>
+            <a:r>
+              <a:rPr lang="en-US" sz="1600" noProof="1">
+                <a:solidFill>
+                  <a:srgbClr val="92D050"/>
+                </a:solidFill>
+              </a:rPr>
+              <a:t>remaining</a:t>
+            </a:r>
+          </a:p>
+        </p:txBody>
+      </p:sp>
+      <p:sp>
+        <p:nvSpPr>
+          <p:cNvPr id="210" name="TextBox 209">
+            <a:extLst>
+              <a:ext uri="{FF2B5EF4-FFF2-40B4-BE49-F238E27FC236}">
+                <a16:creationId xmlns:a16="http://schemas.microsoft.com/office/drawing/2014/main" id="{670953E9-D0E2-EEC6-5FB2-3604A25E60B1}"/>
+              </a:ext>
+            </a:extLst>
+          </p:cNvPr>
+          <p:cNvSpPr txBox="1"/>
+          <p:nvPr/>
+        </p:nvSpPr>
+        <p:spPr>
+          <a:xfrm>
+            <a:off x="450294" y="505590"/>
+            <a:ext cx="1049262" cy="584775"/>
+          </a:xfrm>
+          <a:prstGeom prst="rect">
+            <a:avLst/>
+          </a:prstGeom>
+          <a:noFill/>
+        </p:spPr>
+        <p:txBody>
+          <a:bodyPr wrap="none" rtlCol="0">
+            <a:spAutoFit/>
+          </a:bodyPr>
+          <a:lstStyle/>
+          <a:p>
+            <a:r>
+              <a:rPr lang="en-US" sz="3200" noProof="1">
+                <a:solidFill>
+                  <a:schemeClr val="bg1"/>
+                </a:solidFill>
+              </a:rPr>
+              <a:t>wave</a:t>
+            </a:r>
+          </a:p>
+        </p:txBody>
+      </p:sp>
+      <p:sp>
+        <p:nvSpPr>
+          <p:cNvPr id="217" name="Oval 216">
+            <a:extLst>
+              <a:ext uri="{FF2B5EF4-FFF2-40B4-BE49-F238E27FC236}">
+                <a16:creationId xmlns:a16="http://schemas.microsoft.com/office/drawing/2014/main" id="{97D32959-B727-AE48-8ADC-C4F6A7893837}"/>
+              </a:ext>
+            </a:extLst>
+          </p:cNvPr>
+          <p:cNvSpPr/>
+          <p:nvPr/>
+        </p:nvSpPr>
+        <p:spPr>
+          <a:xfrm>
+            <a:off x="11730638" y="67310"/>
+            <a:ext cx="353396" cy="353396"/>
+          </a:xfrm>
+          <a:prstGeom prst="ellipse">
+            <a:avLst/>
+          </a:prstGeom>
+          <a:solidFill>
+            <a:schemeClr val="tx1">
+              <a:lumMod val="75000"/>
+              <a:lumOff val="25000"/>
+            </a:schemeClr>
+          </a:solidFill>
+          <a:ln>
+            <a:solidFill>
+              <a:schemeClr val="tx1">
+                <a:lumMod val="95000"/>
+                <a:lumOff val="5000"/>
+              </a:schemeClr>
+            </a:solidFill>
+          </a:ln>
+        </p:spPr>
+        <p:style>
+          <a:lnRef idx="2">
+            <a:schemeClr val="accent1">
+              <a:shade val="15000"/>
+            </a:schemeClr>
+          </a:lnRef>
+          <a:fillRef idx="1">
+            <a:schemeClr val="accent1"/>
+          </a:fillRef>
+          <a:effectRef idx="0">
+            <a:schemeClr val="accent1"/>
+          </a:effectRef>
+          <a:fontRef idx="minor">
+            <a:schemeClr val="lt1"/>
+          </a:fontRef>
+        </p:style>
+        <p:txBody>
+          <a:bodyPr rtlCol="0" anchor="ctr"/>
+          <a:lstStyle/>
+          <a:p>
+            <a:pPr algn="ctr"/>
+            <a:endParaRPr lang="en-US"/>
+          </a:p>
+        </p:txBody>
+      </p:sp>
+      <p:pic>
+        <p:nvPicPr>
+          <p:cNvPr id="28" name="Picture 27" descr="A grey and white object with a black handle&#10;&#10;Description automatically generated">
+            <a:extLst>
+              <a:ext uri="{FF2B5EF4-FFF2-40B4-BE49-F238E27FC236}">
+                <a16:creationId xmlns:a16="http://schemas.microsoft.com/office/drawing/2014/main" id="{DEE88AE6-1C7D-CE3B-F9EC-64BF8BB9DD46}"/>
+              </a:ext>
+            </a:extLst>
+          </p:cNvPr>
+          <p:cNvPicPr>
+            <a:picLocks noChangeAspect="1"/>
+          </p:cNvPicPr>
+          <p:nvPr/>
+        </p:nvPicPr>
+        <p:blipFill>
+          <a:blip r:embed="rId3">
+            <a:extLst>
+              <a:ext uri="{28A0092B-C50C-407E-A947-70E740481C1C}">
+                <a14:useLocalDpi xmlns:a14="http://schemas.microsoft.com/office/drawing/2010/main" val="0"/>
+              </a:ext>
+            </a:extLst>
+          </a:blip>
+          <a:stretch>
+            <a:fillRect/>
+          </a:stretch>
+        </p:blipFill>
+        <p:spPr>
+          <a:xfrm>
+            <a:off x="2913089" y="5425040"/>
+            <a:ext cx="1523616" cy="1523616"/>
+          </a:xfrm>
+          <a:prstGeom prst="rect">
+            <a:avLst/>
+          </a:prstGeom>
+        </p:spPr>
+      </p:pic>
+      <p:pic>
+        <p:nvPicPr>
+          <p:cNvPr id="26" name="Picture 25" descr="A grey and white object with a black handle&#10;&#10;Description automatically generated">
+            <a:extLst>
+              <a:ext uri="{FF2B5EF4-FFF2-40B4-BE49-F238E27FC236}">
+                <a16:creationId xmlns:a16="http://schemas.microsoft.com/office/drawing/2014/main" id="{90B50BE9-B304-F77C-263C-8949F22802B2}"/>
+              </a:ext>
+            </a:extLst>
+          </p:cNvPr>
+          <p:cNvPicPr>
+            <a:picLocks noChangeAspect="1"/>
+          </p:cNvPicPr>
+          <p:nvPr/>
+        </p:nvPicPr>
+        <p:blipFill>
+          <a:blip r:embed="rId4">
+            <a:extLst>
+              <a:ext uri="{BEBA8EAE-BF5A-486C-A8C5-ECC9F3942E4B}">
+                <a14:imgProps xmlns:a14="http://schemas.microsoft.com/office/drawing/2010/main">
+                  <a14:imgLayer r:embed="rId5">
+                    <a14:imgEffect>
+                      <a14:brightnessContrast bright="-40000"/>
+                    </a14:imgEffect>
+                  </a14:imgLayer>
+                </a14:imgProps>
+              </a:ext>
+              <a:ext uri="{28A0092B-C50C-407E-A947-70E740481C1C}">
+                <a14:useLocalDpi xmlns:a14="http://schemas.microsoft.com/office/drawing/2010/main" val="0"/>
+              </a:ext>
+            </a:extLst>
+          </a:blip>
+          <a:stretch>
+            <a:fillRect/>
+          </a:stretch>
+        </p:blipFill>
+        <p:spPr>
+          <a:xfrm>
+            <a:off x="4037850" y="5394200"/>
+            <a:ext cx="1523616" cy="1523616"/>
+          </a:xfrm>
+          <a:prstGeom prst="rect">
+            <a:avLst/>
+          </a:prstGeom>
+        </p:spPr>
+      </p:pic>
+      <p:pic>
+        <p:nvPicPr>
+          <p:cNvPr id="6" name="Picture 5">
+            <a:extLst>
+              <a:ext uri="{FF2B5EF4-FFF2-40B4-BE49-F238E27FC236}">
+                <a16:creationId xmlns:a16="http://schemas.microsoft.com/office/drawing/2014/main" id="{22E62D54-DAD2-2785-5192-49BD1CF0625C}"/>
+              </a:ext>
+            </a:extLst>
+          </p:cNvPr>
+          <p:cNvPicPr>
+            <a:picLocks noChangeAspect="1"/>
+          </p:cNvPicPr>
+          <p:nvPr/>
+        </p:nvPicPr>
+        <p:blipFill>
+          <a:blip r:embed="rId3">
+            <a:extLst>
+              <a:ext uri="{28A0092B-C50C-407E-A947-70E740481C1C}">
+                <a14:useLocalDpi xmlns:a14="http://schemas.microsoft.com/office/drawing/2010/main" val="0"/>
+              </a:ext>
+            </a:extLst>
+          </a:blip>
+          <a:stretch>
+            <a:fillRect/>
+          </a:stretch>
+        </p:blipFill>
+        <p:spPr>
+          <a:xfrm>
+            <a:off x="9825232" y="356179"/>
+            <a:ext cx="1983498" cy="1983498"/>
+          </a:xfrm>
+          <a:prstGeom prst="rect">
+            <a:avLst/>
+          </a:prstGeom>
+        </p:spPr>
+      </p:pic>
+      <p:sp>
+        <p:nvSpPr>
+          <p:cNvPr id="207" name="TextBox 206">
+            <a:extLst>
+              <a:ext uri="{FF2B5EF4-FFF2-40B4-BE49-F238E27FC236}">
+                <a16:creationId xmlns:a16="http://schemas.microsoft.com/office/drawing/2014/main" id="{7830A819-AF03-F024-2231-FDC5E0A7AD55}"/>
+              </a:ext>
+            </a:extLst>
+          </p:cNvPr>
+          <p:cNvSpPr txBox="1"/>
+          <p:nvPr/>
+        </p:nvSpPr>
+        <p:spPr>
+          <a:xfrm>
+            <a:off x="10139873" y="568909"/>
+            <a:ext cx="1482714" cy="369332"/>
+          </a:xfrm>
+          <a:prstGeom prst="rect">
+            <a:avLst/>
+          </a:prstGeom>
+          <a:noFill/>
+        </p:spPr>
+        <p:txBody>
+          <a:bodyPr wrap="none" rtlCol="0">
+            <a:spAutoFit/>
+          </a:bodyPr>
+          <a:lstStyle/>
+          <a:p>
+            <a:r>
+              <a:rPr lang="cs-CZ" noProof="1">
+                <a:solidFill>
+                  <a:schemeClr val="bg1"/>
+                </a:solidFill>
+              </a:rPr>
+              <a:t>Sample tower</a:t>
+            </a:r>
+            <a:endParaRPr lang="en-US" noProof="1">
+              <a:solidFill>
+                <a:schemeClr val="bg1"/>
+              </a:solidFill>
+            </a:endParaRPr>
+          </a:p>
+        </p:txBody>
+      </p:sp>
+      <p:sp>
+        <p:nvSpPr>
+          <p:cNvPr id="7" name="TextBox 6">
+            <a:extLst>
+              <a:ext uri="{FF2B5EF4-FFF2-40B4-BE49-F238E27FC236}">
+                <a16:creationId xmlns:a16="http://schemas.microsoft.com/office/drawing/2014/main" id="{A2C8F947-9E2B-8D78-C0EA-979D6371EF09}"/>
+              </a:ext>
+            </a:extLst>
+          </p:cNvPr>
+          <p:cNvSpPr txBox="1"/>
+          <p:nvPr/>
+        </p:nvSpPr>
+        <p:spPr>
+          <a:xfrm>
+            <a:off x="9712539" y="2073454"/>
+            <a:ext cx="2259411" cy="2308324"/>
+          </a:xfrm>
+          <a:prstGeom prst="rect">
+            <a:avLst/>
+          </a:prstGeom>
+          <a:noFill/>
+        </p:spPr>
+        <p:txBody>
+          <a:bodyPr wrap="square" rtlCol="0">
+            <a:spAutoFit/>
+          </a:bodyPr>
+          <a:lstStyle/>
+          <a:p>
+            <a:r>
+              <a:rPr lang="cs-CZ" dirty="0" err="1">
+                <a:solidFill>
+                  <a:schemeClr val="bg1"/>
+                </a:solidFill>
+              </a:rPr>
+              <a:t>Damage</a:t>
+            </a:r>
+            <a:r>
+              <a:rPr lang="cs-CZ" dirty="0">
+                <a:solidFill>
+                  <a:schemeClr val="bg1"/>
+                </a:solidFill>
+              </a:rPr>
+              <a:t>      2</a:t>
+            </a:r>
+          </a:p>
+          <a:p>
+            <a:r>
+              <a:rPr lang="cs-CZ" dirty="0" err="1">
+                <a:solidFill>
+                  <a:schemeClr val="bg1"/>
+                </a:solidFill>
+              </a:rPr>
+              <a:t>Range</a:t>
+            </a:r>
+            <a:r>
+              <a:rPr lang="cs-CZ" dirty="0">
+                <a:solidFill>
+                  <a:schemeClr val="bg1"/>
+                </a:solidFill>
+              </a:rPr>
+              <a:t>      </a:t>
+            </a:r>
+            <a:r>
+              <a:rPr lang="cs-CZ" dirty="0">
+                <a:solidFill>
+                  <a:srgbClr val="FF0000"/>
+                </a:solidFill>
+              </a:rPr>
+              <a:t>2.4</a:t>
+            </a:r>
+          </a:p>
+          <a:p>
+            <a:r>
+              <a:rPr lang="cs-CZ" dirty="0">
+                <a:solidFill>
+                  <a:schemeClr val="bg1"/>
+                </a:solidFill>
+              </a:rPr>
+              <a:t>Interval</a:t>
+            </a:r>
+            <a:r>
+              <a:rPr lang="cs-CZ" dirty="0">
+                <a:solidFill>
+                  <a:srgbClr val="66FF33"/>
+                </a:solidFill>
+              </a:rPr>
+              <a:t>      0.5s</a:t>
+            </a:r>
+            <a:br>
+              <a:rPr lang="cs-CZ" dirty="0">
+                <a:solidFill>
+                  <a:schemeClr val="bg1"/>
+                </a:solidFill>
+              </a:rPr>
+            </a:br>
+            <a:r>
+              <a:rPr lang="cs-CZ" dirty="0" err="1">
+                <a:solidFill>
+                  <a:schemeClr val="bg1"/>
+                </a:solidFill>
+              </a:rPr>
+              <a:t>This</a:t>
+            </a:r>
+            <a:r>
+              <a:rPr lang="cs-CZ" dirty="0">
+                <a:solidFill>
+                  <a:schemeClr val="bg1"/>
+                </a:solidFill>
+              </a:rPr>
+              <a:t> </a:t>
+            </a:r>
+            <a:r>
+              <a:rPr lang="cs-CZ" dirty="0" err="1">
+                <a:solidFill>
+                  <a:schemeClr val="bg1"/>
+                </a:solidFill>
+              </a:rPr>
+              <a:t>tower</a:t>
+            </a:r>
+            <a:r>
+              <a:rPr lang="cs-CZ" dirty="0">
+                <a:solidFill>
+                  <a:schemeClr val="bg1"/>
+                </a:solidFill>
+              </a:rPr>
+              <a:t> </a:t>
+            </a:r>
+            <a:r>
+              <a:rPr lang="cs-CZ" dirty="0" err="1">
+                <a:solidFill>
+                  <a:schemeClr val="bg1"/>
+                </a:solidFill>
+              </a:rPr>
+              <a:t>shoots</a:t>
+            </a:r>
+            <a:r>
+              <a:rPr lang="cs-CZ" dirty="0">
+                <a:solidFill>
+                  <a:schemeClr val="bg1"/>
+                </a:solidFill>
+              </a:rPr>
+              <a:t> </a:t>
+            </a:r>
+            <a:r>
+              <a:rPr lang="cs-CZ" dirty="0" err="1">
+                <a:solidFill>
+                  <a:schemeClr val="bg1"/>
+                </a:solidFill>
+              </a:rPr>
+              <a:t>at</a:t>
+            </a:r>
+            <a:r>
+              <a:rPr lang="cs-CZ" dirty="0">
+                <a:solidFill>
+                  <a:schemeClr val="bg1"/>
+                </a:solidFill>
+              </a:rPr>
+              <a:t> </a:t>
+            </a:r>
+            <a:r>
+              <a:rPr lang="cs-CZ" dirty="0" err="1">
+                <a:solidFill>
+                  <a:schemeClr val="bg1"/>
+                </a:solidFill>
+              </a:rPr>
+              <a:t>attackers</a:t>
+            </a:r>
+            <a:r>
+              <a:rPr lang="cs-CZ" dirty="0">
+                <a:solidFill>
+                  <a:schemeClr val="bg1"/>
+                </a:solidFill>
+              </a:rPr>
+              <a:t>.</a:t>
+            </a:r>
+            <a:endParaRPr lang="en-US" dirty="0">
+              <a:solidFill>
+                <a:schemeClr val="bg1"/>
+              </a:solidFill>
+            </a:endParaRPr>
+          </a:p>
+          <a:p>
+            <a:r>
+              <a:rPr lang="cs-CZ" dirty="0" err="1">
+                <a:solidFill>
+                  <a:schemeClr val="bg1"/>
+                </a:solidFill>
+              </a:rPr>
+              <a:t>When</a:t>
+            </a:r>
+            <a:r>
+              <a:rPr lang="cs-CZ" dirty="0">
+                <a:solidFill>
+                  <a:schemeClr val="bg1"/>
+                </a:solidFill>
+              </a:rPr>
+              <a:t> </a:t>
+            </a:r>
+            <a:r>
+              <a:rPr lang="cs-CZ" dirty="0" err="1">
+                <a:solidFill>
+                  <a:schemeClr val="bg1"/>
+                </a:solidFill>
+              </a:rPr>
+              <a:t>it</a:t>
+            </a:r>
+            <a:r>
+              <a:rPr lang="cs-CZ" dirty="0">
+                <a:solidFill>
+                  <a:schemeClr val="bg1"/>
+                </a:solidFill>
+              </a:rPr>
+              <a:t> </a:t>
+            </a:r>
+            <a:r>
+              <a:rPr lang="cs-CZ" dirty="0" err="1">
+                <a:solidFill>
+                  <a:schemeClr val="bg1"/>
+                </a:solidFill>
+              </a:rPr>
+              <a:t>shoots</a:t>
+            </a:r>
+            <a:r>
+              <a:rPr lang="cs-CZ" dirty="0">
+                <a:solidFill>
+                  <a:schemeClr val="bg1"/>
+                </a:solidFill>
+              </a:rPr>
+              <a:t>, </a:t>
+            </a:r>
+            <a:r>
+              <a:rPr lang="cs-CZ" dirty="0" err="1">
+                <a:solidFill>
+                  <a:schemeClr val="bg1"/>
+                </a:solidFill>
+              </a:rPr>
+              <a:t>it</a:t>
+            </a:r>
+            <a:r>
+              <a:rPr lang="cs-CZ" dirty="0">
+                <a:solidFill>
+                  <a:schemeClr val="bg1"/>
+                </a:solidFill>
+              </a:rPr>
+              <a:t> </a:t>
+            </a:r>
+            <a:r>
+              <a:rPr lang="cs-CZ" dirty="0" err="1">
+                <a:solidFill>
+                  <a:schemeClr val="bg1"/>
+                </a:solidFill>
+              </a:rPr>
+              <a:t>produces</a:t>
+            </a:r>
+            <a:r>
+              <a:rPr lang="cs-CZ" dirty="0">
+                <a:solidFill>
+                  <a:schemeClr val="bg1"/>
+                </a:solidFill>
+              </a:rPr>
+              <a:t> </a:t>
+            </a:r>
+            <a:r>
+              <a:rPr lang="cs-CZ" dirty="0">
+                <a:solidFill>
+                  <a:srgbClr val="66FF33"/>
+                </a:solidFill>
+              </a:rPr>
+              <a:t>10    </a:t>
+            </a:r>
+            <a:r>
+              <a:rPr lang="cs-CZ" dirty="0" err="1">
+                <a:solidFill>
+                  <a:schemeClr val="bg1"/>
+                </a:solidFill>
+              </a:rPr>
+              <a:t>energy</a:t>
+            </a:r>
+            <a:r>
+              <a:rPr lang="cs-CZ" dirty="0">
+                <a:solidFill>
+                  <a:schemeClr val="bg1"/>
+                </a:solidFill>
+              </a:rPr>
+              <a:t>.</a:t>
+            </a:r>
+          </a:p>
+          <a:p>
+            <a:r>
+              <a:rPr lang="cs-CZ" dirty="0" err="1">
+                <a:solidFill>
+                  <a:srgbClr val="CC6600"/>
+                </a:solidFill>
+              </a:rPr>
+              <a:t>This</a:t>
+            </a:r>
+            <a:r>
+              <a:rPr lang="cs-CZ" dirty="0">
+                <a:solidFill>
+                  <a:srgbClr val="CC6600"/>
+                </a:solidFill>
+              </a:rPr>
+              <a:t> </a:t>
+            </a:r>
+            <a:r>
+              <a:rPr lang="cs-CZ" dirty="0" err="1">
+                <a:solidFill>
+                  <a:srgbClr val="CC6600"/>
+                </a:solidFill>
+              </a:rPr>
+              <a:t>tower</a:t>
+            </a:r>
+            <a:r>
+              <a:rPr lang="cs-CZ" dirty="0">
+                <a:solidFill>
+                  <a:srgbClr val="CC6600"/>
+                </a:solidFill>
+              </a:rPr>
+              <a:t> </a:t>
+            </a:r>
+            <a:r>
+              <a:rPr lang="cs-CZ" dirty="0" err="1">
+                <a:solidFill>
+                  <a:srgbClr val="CC6600"/>
+                </a:solidFill>
+              </a:rPr>
+              <a:t>is</a:t>
+            </a:r>
+            <a:r>
+              <a:rPr lang="cs-CZ" dirty="0">
+                <a:solidFill>
+                  <a:srgbClr val="CC6600"/>
+                </a:solidFill>
+              </a:rPr>
+              <a:t> cool.</a:t>
+            </a:r>
+            <a:endParaRPr lang="en-US" dirty="0">
+              <a:solidFill>
+                <a:srgbClr val="CC6600"/>
+              </a:solidFill>
+            </a:endParaRPr>
+          </a:p>
+        </p:txBody>
+      </p:sp>
+      <p:sp>
+        <p:nvSpPr>
+          <p:cNvPr id="9" name="TextBox 8">
+            <a:extLst>
+              <a:ext uri="{FF2B5EF4-FFF2-40B4-BE49-F238E27FC236}">
+                <a16:creationId xmlns:a16="http://schemas.microsoft.com/office/drawing/2014/main" id="{3C4972D4-71BD-CE0A-E0A6-23109BC73655}"/>
+              </a:ext>
+            </a:extLst>
+          </p:cNvPr>
+          <p:cNvSpPr txBox="1"/>
+          <p:nvPr/>
+        </p:nvSpPr>
+        <p:spPr>
+          <a:xfrm>
+            <a:off x="1667157" y="6412841"/>
+            <a:ext cx="457176" cy="307777"/>
+          </a:xfrm>
+          <a:prstGeom prst="rect">
+            <a:avLst/>
+          </a:prstGeom>
+          <a:noFill/>
+        </p:spPr>
+        <p:txBody>
+          <a:bodyPr wrap="none" rtlCol="0">
+            <a:spAutoFit/>
+          </a:bodyPr>
+          <a:lstStyle/>
+          <a:p>
+            <a:r>
+              <a:rPr lang="cs-CZ" sz="1400" dirty="0">
+                <a:solidFill>
+                  <a:schemeClr val="bg1"/>
+                </a:solidFill>
+              </a:rPr>
+              <a:t>+15</a:t>
+            </a:r>
+            <a:endParaRPr lang="en-US" sz="1400" dirty="0">
+              <a:solidFill>
+                <a:schemeClr val="bg1"/>
+              </a:solidFill>
+            </a:endParaRPr>
+          </a:p>
+        </p:txBody>
+      </p:sp>
+      <p:sp>
+        <p:nvSpPr>
+          <p:cNvPr id="10" name="TextBox 9">
+            <a:extLst>
+              <a:ext uri="{FF2B5EF4-FFF2-40B4-BE49-F238E27FC236}">
+                <a16:creationId xmlns:a16="http://schemas.microsoft.com/office/drawing/2014/main" id="{A3699D12-D821-F6F6-2087-52538B65B225}"/>
+              </a:ext>
+            </a:extLst>
+          </p:cNvPr>
+          <p:cNvSpPr txBox="1"/>
+          <p:nvPr/>
+        </p:nvSpPr>
+        <p:spPr>
+          <a:xfrm>
+            <a:off x="2383203" y="6002119"/>
+            <a:ext cx="457176" cy="307777"/>
+          </a:xfrm>
+          <a:prstGeom prst="rect">
+            <a:avLst/>
+          </a:prstGeom>
+          <a:noFill/>
+        </p:spPr>
+        <p:txBody>
+          <a:bodyPr wrap="none" rtlCol="0">
+            <a:spAutoFit/>
+          </a:bodyPr>
+          <a:lstStyle/>
+          <a:p>
+            <a:r>
+              <a:rPr lang="cs-CZ" sz="1400" dirty="0">
+                <a:solidFill>
+                  <a:schemeClr val="bg1"/>
+                </a:solidFill>
+              </a:rPr>
+              <a:t>+10</a:t>
+            </a:r>
+            <a:endParaRPr lang="en-US" sz="1400" dirty="0">
+              <a:solidFill>
+                <a:schemeClr val="bg1"/>
+              </a:solidFill>
+            </a:endParaRPr>
+          </a:p>
+        </p:txBody>
+      </p:sp>
+      <p:sp>
+        <p:nvSpPr>
+          <p:cNvPr id="11" name="Rectangle 10">
+            <a:extLst>
+              <a:ext uri="{FF2B5EF4-FFF2-40B4-BE49-F238E27FC236}">
+                <a16:creationId xmlns:a16="http://schemas.microsoft.com/office/drawing/2014/main" id="{3E78A3EF-024C-42C0-2BE7-7D353B2489F1}"/>
+              </a:ext>
+            </a:extLst>
+          </p:cNvPr>
+          <p:cNvSpPr/>
+          <p:nvPr/>
+        </p:nvSpPr>
+        <p:spPr>
+          <a:xfrm>
+            <a:off x="3346095" y="6488111"/>
+            <a:ext cx="644771" cy="267954"/>
+          </a:xfrm>
+          <a:prstGeom prst="rect">
+            <a:avLst/>
+          </a:prstGeom>
+          <a:solidFill>
+            <a:srgbClr val="020306">
+              <a:alpha val="60000"/>
+            </a:srgbClr>
+          </a:solidFill>
+          <a:ln>
+            <a:noFill/>
+          </a:ln>
+        </p:spPr>
+        <p:style>
+          <a:lnRef idx="2">
+            <a:schemeClr val="accent1">
+              <a:shade val="15000"/>
+            </a:schemeClr>
+          </a:lnRef>
+          <a:fillRef idx="1">
+            <a:schemeClr val="accent1"/>
+          </a:fillRef>
+          <a:effectRef idx="0">
+            <a:schemeClr val="accent1"/>
+          </a:effectRef>
+          <a:fontRef idx="minor">
+            <a:schemeClr val="lt1"/>
+          </a:fontRef>
+        </p:style>
+        <p:txBody>
+          <a:bodyPr rtlCol="0" anchor="ctr"/>
+          <a:lstStyle/>
+          <a:p>
+            <a:pPr algn="ctr"/>
+            <a:r>
+              <a:rPr lang="cs-CZ" dirty="0"/>
+              <a:t>    20</a:t>
+            </a:r>
+            <a:endParaRPr lang="en-US" dirty="0"/>
+          </a:p>
+        </p:txBody>
+      </p:sp>
+      <p:sp>
+        <p:nvSpPr>
+          <p:cNvPr id="12" name="Hexagon 11">
+            <a:extLst>
+              <a:ext uri="{FF2B5EF4-FFF2-40B4-BE49-F238E27FC236}">
+                <a16:creationId xmlns:a16="http://schemas.microsoft.com/office/drawing/2014/main" id="{E23D5654-E1F3-C6A9-B393-2464DBEB7498}"/>
+              </a:ext>
+            </a:extLst>
+          </p:cNvPr>
+          <p:cNvSpPr/>
+          <p:nvPr/>
+        </p:nvSpPr>
+        <p:spPr>
+          <a:xfrm>
+            <a:off x="3383071" y="6514667"/>
+            <a:ext cx="255972" cy="220665"/>
+          </a:xfrm>
+          <a:prstGeom prst="hexagon">
+            <a:avLst>
+              <a:gd name="adj" fmla="val 33336"/>
+              <a:gd name="vf" fmla="val 115470"/>
+            </a:avLst>
+          </a:prstGeom>
+          <a:solidFill>
+            <a:srgbClr val="FF7809"/>
+          </a:solidFill>
+          <a:ln w="19050">
+            <a:solidFill>
+              <a:schemeClr val="tx1">
+                <a:lumMod val="95000"/>
+                <a:lumOff val="5000"/>
+              </a:schemeClr>
+            </a:solidFill>
+          </a:ln>
+        </p:spPr>
+        <p:style>
+          <a:lnRef idx="2">
+            <a:schemeClr val="accent1">
+              <a:shade val="50000"/>
+            </a:schemeClr>
+          </a:lnRef>
+          <a:fillRef idx="1">
+            <a:schemeClr val="accent1"/>
+          </a:fillRef>
+          <a:effectRef idx="0">
+            <a:schemeClr val="accent1"/>
+          </a:effectRef>
+          <a:fontRef idx="minor">
+            <a:schemeClr val="lt1"/>
+          </a:fontRef>
+        </p:style>
+        <p:txBody>
+          <a:bodyPr rtlCol="0" anchor="ctr"/>
+          <a:lstStyle/>
+          <a:p>
+            <a:pPr algn="ctr"/>
+            <a:endParaRPr lang="en-US" dirty="0"/>
+          </a:p>
+        </p:txBody>
+      </p:sp>
+      <p:sp>
+        <p:nvSpPr>
+          <p:cNvPr id="13" name="Rectangle 12">
+            <a:extLst>
+              <a:ext uri="{FF2B5EF4-FFF2-40B4-BE49-F238E27FC236}">
+                <a16:creationId xmlns:a16="http://schemas.microsoft.com/office/drawing/2014/main" id="{2EECB8EF-9343-C38C-C5F1-89A8D5E4D9A9}"/>
+              </a:ext>
+            </a:extLst>
+          </p:cNvPr>
+          <p:cNvSpPr/>
+          <p:nvPr/>
+        </p:nvSpPr>
+        <p:spPr>
+          <a:xfrm>
+            <a:off x="4484425" y="6457342"/>
+            <a:ext cx="644771" cy="267954"/>
+          </a:xfrm>
+          <a:prstGeom prst="rect">
+            <a:avLst/>
+          </a:prstGeom>
+          <a:solidFill>
+            <a:srgbClr val="020306">
+              <a:alpha val="60000"/>
+            </a:srgbClr>
+          </a:solidFill>
+          <a:ln>
+            <a:noFill/>
+          </a:ln>
+        </p:spPr>
+        <p:style>
+          <a:lnRef idx="2">
+            <a:schemeClr val="accent1">
+              <a:shade val="15000"/>
+            </a:schemeClr>
+          </a:lnRef>
+          <a:fillRef idx="1">
+            <a:schemeClr val="accent1"/>
+          </a:fillRef>
+          <a:effectRef idx="0">
+            <a:schemeClr val="accent1"/>
+          </a:effectRef>
+          <a:fontRef idx="minor">
+            <a:schemeClr val="lt1"/>
+          </a:fontRef>
+        </p:style>
+        <p:txBody>
+          <a:bodyPr rtlCol="0" anchor="ctr"/>
+          <a:lstStyle/>
+          <a:p>
+            <a:pPr algn="ctr"/>
+            <a:r>
+              <a:rPr lang="cs-CZ" dirty="0">
+                <a:solidFill>
+                  <a:srgbClr val="FF0000"/>
+                </a:solidFill>
+              </a:rPr>
+              <a:t>    </a:t>
+            </a:r>
+            <a:r>
+              <a:rPr lang="cs-CZ" dirty="0">
+                <a:solidFill>
+                  <a:schemeClr val="bg2">
+                    <a:lumMod val="90000"/>
+                  </a:schemeClr>
+                </a:solidFill>
+              </a:rPr>
+              <a:t>30</a:t>
+            </a:r>
+            <a:endParaRPr lang="en-US" dirty="0">
+              <a:solidFill>
+                <a:schemeClr val="bg2">
+                  <a:lumMod val="90000"/>
+                </a:schemeClr>
+              </a:solidFill>
+            </a:endParaRPr>
+          </a:p>
+        </p:txBody>
+      </p:sp>
+      <p:sp>
+        <p:nvSpPr>
+          <p:cNvPr id="15" name="Hexagon 14">
+            <a:extLst>
+              <a:ext uri="{FF2B5EF4-FFF2-40B4-BE49-F238E27FC236}">
+                <a16:creationId xmlns:a16="http://schemas.microsoft.com/office/drawing/2014/main" id="{F7E5370D-E4F5-F3F2-FE80-86D5F30B4824}"/>
+              </a:ext>
+            </a:extLst>
+          </p:cNvPr>
+          <p:cNvSpPr/>
+          <p:nvPr/>
+        </p:nvSpPr>
+        <p:spPr>
+          <a:xfrm>
+            <a:off x="4521401" y="6483898"/>
+            <a:ext cx="255972" cy="220665"/>
+          </a:xfrm>
+          <a:prstGeom prst="hexagon">
+            <a:avLst>
+              <a:gd name="adj" fmla="val 33336"/>
+              <a:gd name="vf" fmla="val 115470"/>
+            </a:avLst>
+          </a:prstGeom>
+          <a:solidFill>
+            <a:srgbClr val="FF7809"/>
+          </a:solidFill>
+          <a:ln w="19050">
+            <a:solidFill>
+              <a:schemeClr val="tx1">
+                <a:lumMod val="95000"/>
+                <a:lumOff val="5000"/>
+              </a:schemeClr>
+            </a:solidFill>
+          </a:ln>
+        </p:spPr>
+        <p:style>
+          <a:lnRef idx="2">
+            <a:schemeClr val="accent1">
+              <a:shade val="50000"/>
+            </a:schemeClr>
+          </a:lnRef>
+          <a:fillRef idx="1">
+            <a:schemeClr val="accent1"/>
+          </a:fillRef>
+          <a:effectRef idx="0">
+            <a:schemeClr val="accent1"/>
+          </a:effectRef>
+          <a:fontRef idx="minor">
+            <a:schemeClr val="lt1"/>
+          </a:fontRef>
+        </p:style>
+        <p:txBody>
+          <a:bodyPr rtlCol="0" anchor="ctr"/>
+          <a:lstStyle/>
+          <a:p>
+            <a:pPr algn="ctr"/>
+            <a:endParaRPr lang="en-US" dirty="0"/>
+          </a:p>
+        </p:txBody>
+      </p:sp>
+      <p:sp>
+        <p:nvSpPr>
+          <p:cNvPr id="40" name="Rectangle: Rounded Corners 39">
+            <a:extLst>
+              <a:ext uri="{FF2B5EF4-FFF2-40B4-BE49-F238E27FC236}">
+                <a16:creationId xmlns:a16="http://schemas.microsoft.com/office/drawing/2014/main" id="{BE9F208E-ED21-E572-6D55-7651E85F3D6B}"/>
+              </a:ext>
+            </a:extLst>
+          </p:cNvPr>
+          <p:cNvSpPr/>
+          <p:nvPr/>
+        </p:nvSpPr>
+        <p:spPr>
+          <a:xfrm>
+            <a:off x="529951" y="1526581"/>
+            <a:ext cx="410070" cy="410070"/>
+          </a:xfrm>
+          <a:prstGeom prst="roundRect">
+            <a:avLst/>
+          </a:prstGeom>
+          <a:solidFill>
+            <a:schemeClr val="bg1">
+              <a:lumMod val="75000"/>
+            </a:schemeClr>
+          </a:solidFill>
+          <a:ln w="19050">
+            <a:solidFill>
+              <a:schemeClr val="tx1"/>
+            </a:solidFill>
+          </a:ln>
+        </p:spPr>
+        <p:style>
+          <a:lnRef idx="2">
+            <a:schemeClr val="accent1">
+              <a:shade val="15000"/>
+            </a:schemeClr>
+          </a:lnRef>
+          <a:fillRef idx="1">
+            <a:schemeClr val="accent1"/>
+          </a:fillRef>
+          <a:effectRef idx="0">
+            <a:schemeClr val="accent1"/>
+          </a:effectRef>
+          <a:fontRef idx="minor">
+            <a:schemeClr val="lt1"/>
+          </a:fontRef>
+        </p:style>
+        <p:txBody>
+          <a:bodyPr rtlCol="0" anchor="ctr"/>
+          <a:lstStyle/>
+          <a:p>
+            <a:pPr algn="ctr"/>
+            <a:endParaRPr lang="en-US"/>
+          </a:p>
+        </p:txBody>
+      </p:sp>
+      <p:sp>
+        <p:nvSpPr>
+          <p:cNvPr id="16" name="Rectangle 15">
+            <a:extLst>
+              <a:ext uri="{FF2B5EF4-FFF2-40B4-BE49-F238E27FC236}">
+                <a16:creationId xmlns:a16="http://schemas.microsoft.com/office/drawing/2014/main" id="{99D25D6C-7AB1-79B7-87A2-389D6261E40A}"/>
+              </a:ext>
+            </a:extLst>
+          </p:cNvPr>
+          <p:cNvSpPr/>
+          <p:nvPr/>
+        </p:nvSpPr>
+        <p:spPr>
+          <a:xfrm>
+            <a:off x="5614065" y="6457342"/>
+            <a:ext cx="644771" cy="267954"/>
+          </a:xfrm>
+          <a:prstGeom prst="rect">
+            <a:avLst/>
+          </a:prstGeom>
+          <a:solidFill>
+            <a:srgbClr val="020306">
+              <a:alpha val="60000"/>
+            </a:srgbClr>
+          </a:solidFill>
+          <a:ln>
+            <a:noFill/>
+          </a:ln>
+        </p:spPr>
+        <p:style>
+          <a:lnRef idx="2">
+            <a:schemeClr val="accent1">
+              <a:shade val="15000"/>
+            </a:schemeClr>
+          </a:lnRef>
+          <a:fillRef idx="1">
+            <a:schemeClr val="accent1"/>
+          </a:fillRef>
+          <a:effectRef idx="0">
+            <a:schemeClr val="accent1"/>
+          </a:effectRef>
+          <a:fontRef idx="minor">
+            <a:schemeClr val="lt1"/>
+          </a:fontRef>
+        </p:style>
+        <p:txBody>
+          <a:bodyPr rtlCol="0" anchor="ctr"/>
+          <a:lstStyle/>
+          <a:p>
+            <a:pPr algn="ctr"/>
+            <a:r>
+              <a:rPr lang="cs-CZ" dirty="0">
+                <a:solidFill>
+                  <a:srgbClr val="FF0000"/>
+                </a:solidFill>
+              </a:rPr>
+              <a:t>    40</a:t>
+            </a:r>
+            <a:endParaRPr lang="en-US" dirty="0">
+              <a:solidFill>
+                <a:srgbClr val="FF0000"/>
+              </a:solidFill>
+            </a:endParaRPr>
+          </a:p>
+        </p:txBody>
+      </p:sp>
+      <p:sp>
+        <p:nvSpPr>
+          <p:cNvPr id="18" name="Rectangle 17">
+            <a:extLst>
+              <a:ext uri="{FF2B5EF4-FFF2-40B4-BE49-F238E27FC236}">
+                <a16:creationId xmlns:a16="http://schemas.microsoft.com/office/drawing/2014/main" id="{04D9B7C1-9DEE-6E78-4231-C79A5D8C85A2}"/>
+              </a:ext>
+            </a:extLst>
+          </p:cNvPr>
+          <p:cNvSpPr/>
+          <p:nvPr/>
+        </p:nvSpPr>
+        <p:spPr>
+          <a:xfrm>
+            <a:off x="6734088" y="6457342"/>
+            <a:ext cx="644771" cy="267954"/>
+          </a:xfrm>
+          <a:prstGeom prst="rect">
+            <a:avLst/>
+          </a:prstGeom>
+          <a:solidFill>
+            <a:srgbClr val="020306">
+              <a:alpha val="60000"/>
+            </a:srgbClr>
+          </a:solidFill>
+          <a:ln>
+            <a:noFill/>
+          </a:ln>
+        </p:spPr>
+        <p:style>
+          <a:lnRef idx="2">
+            <a:schemeClr val="accent1">
+              <a:shade val="15000"/>
+            </a:schemeClr>
+          </a:lnRef>
+          <a:fillRef idx="1">
+            <a:schemeClr val="accent1"/>
+          </a:fillRef>
+          <a:effectRef idx="0">
+            <a:schemeClr val="accent1"/>
+          </a:effectRef>
+          <a:fontRef idx="minor">
+            <a:schemeClr val="lt1"/>
+          </a:fontRef>
+        </p:style>
+        <p:txBody>
+          <a:bodyPr rtlCol="0" anchor="ctr"/>
+          <a:lstStyle/>
+          <a:p>
+            <a:pPr algn="ctr"/>
+            <a:r>
+              <a:rPr lang="cs-CZ" dirty="0"/>
+              <a:t>    10</a:t>
+            </a:r>
+            <a:endParaRPr lang="en-US" dirty="0"/>
+          </a:p>
+        </p:txBody>
+      </p:sp>
+      <p:sp>
+        <p:nvSpPr>
+          <p:cNvPr id="20" name="Freeform: Shape 19">
+            <a:extLst>
+              <a:ext uri="{FF2B5EF4-FFF2-40B4-BE49-F238E27FC236}">
+                <a16:creationId xmlns:a16="http://schemas.microsoft.com/office/drawing/2014/main" id="{BED46185-B0DF-7D32-F57D-D4261FD9E89F}"/>
+              </a:ext>
+            </a:extLst>
+          </p:cNvPr>
+          <p:cNvSpPr/>
+          <p:nvPr/>
+        </p:nvSpPr>
+        <p:spPr>
+          <a:xfrm rot="21031095">
+            <a:off x="6797056" y="6424755"/>
+            <a:ext cx="231646" cy="314377"/>
+          </a:xfrm>
+          <a:custGeom>
+            <a:avLst/>
+            <a:gdLst>
+              <a:gd name="connsiteX0" fmla="*/ 0 w 1290415"/>
+              <a:gd name="connsiteY0" fmla="*/ 1016949 h 1709159"/>
+              <a:gd name="connsiteX1" fmla="*/ 922945 w 1290415"/>
+              <a:gd name="connsiteY1" fmla="*/ 0 h 1709159"/>
+              <a:gd name="connsiteX2" fmla="*/ 709301 w 1290415"/>
+              <a:gd name="connsiteY2" fmla="*/ 675118 h 1709159"/>
+              <a:gd name="connsiteX3" fmla="*/ 1290415 w 1290415"/>
+              <a:gd name="connsiteY3" fmla="*/ 675118 h 1709159"/>
+              <a:gd name="connsiteX4" fmla="*/ 350377 w 1290415"/>
+              <a:gd name="connsiteY4" fmla="*/ 1709159 h 1709159"/>
+              <a:gd name="connsiteX5" fmla="*/ 555476 w 1290415"/>
+              <a:gd name="connsiteY5" fmla="*/ 1016949 h 1709159"/>
+              <a:gd name="connsiteX6" fmla="*/ 0 w 1290415"/>
+              <a:gd name="connsiteY6" fmla="*/ 1016949 h 1709159"/>
+              <a:gd name="connsiteX0" fmla="*/ 0 w 1290415"/>
+              <a:gd name="connsiteY0" fmla="*/ 1051132 h 1743342"/>
+              <a:gd name="connsiteX1" fmla="*/ 957128 w 1290415"/>
+              <a:gd name="connsiteY1" fmla="*/ 0 h 1743342"/>
+              <a:gd name="connsiteX2" fmla="*/ 709301 w 1290415"/>
+              <a:gd name="connsiteY2" fmla="*/ 709301 h 1743342"/>
+              <a:gd name="connsiteX3" fmla="*/ 1290415 w 1290415"/>
+              <a:gd name="connsiteY3" fmla="*/ 709301 h 1743342"/>
+              <a:gd name="connsiteX4" fmla="*/ 350377 w 1290415"/>
+              <a:gd name="connsiteY4" fmla="*/ 1743342 h 1743342"/>
+              <a:gd name="connsiteX5" fmla="*/ 555476 w 1290415"/>
+              <a:gd name="connsiteY5" fmla="*/ 1051132 h 1743342"/>
+              <a:gd name="connsiteX6" fmla="*/ 0 w 1290415"/>
+              <a:gd name="connsiteY6" fmla="*/ 1051132 h 1743342"/>
+              <a:gd name="connsiteX0" fmla="*/ 0 w 1290415"/>
+              <a:gd name="connsiteY0" fmla="*/ 1034040 h 1726250"/>
+              <a:gd name="connsiteX1" fmla="*/ 922945 w 1290415"/>
+              <a:gd name="connsiteY1" fmla="*/ 0 h 1726250"/>
+              <a:gd name="connsiteX2" fmla="*/ 709301 w 1290415"/>
+              <a:gd name="connsiteY2" fmla="*/ 692209 h 1726250"/>
+              <a:gd name="connsiteX3" fmla="*/ 1290415 w 1290415"/>
+              <a:gd name="connsiteY3" fmla="*/ 692209 h 1726250"/>
+              <a:gd name="connsiteX4" fmla="*/ 350377 w 1290415"/>
+              <a:gd name="connsiteY4" fmla="*/ 1726250 h 1726250"/>
+              <a:gd name="connsiteX5" fmla="*/ 555476 w 1290415"/>
+              <a:gd name="connsiteY5" fmla="*/ 1034040 h 1726250"/>
+              <a:gd name="connsiteX6" fmla="*/ 0 w 1290415"/>
+              <a:gd name="connsiteY6" fmla="*/ 1034040 h 1726250"/>
+              <a:gd name="connsiteX0" fmla="*/ 0 w 1290415"/>
+              <a:gd name="connsiteY0" fmla="*/ 1034040 h 1726250"/>
+              <a:gd name="connsiteX1" fmla="*/ 948582 w 1290415"/>
+              <a:gd name="connsiteY1" fmla="*/ 0 h 1726250"/>
+              <a:gd name="connsiteX2" fmla="*/ 709301 w 1290415"/>
+              <a:gd name="connsiteY2" fmla="*/ 692209 h 1726250"/>
+              <a:gd name="connsiteX3" fmla="*/ 1290415 w 1290415"/>
+              <a:gd name="connsiteY3" fmla="*/ 692209 h 1726250"/>
+              <a:gd name="connsiteX4" fmla="*/ 350377 w 1290415"/>
+              <a:gd name="connsiteY4" fmla="*/ 1726250 h 1726250"/>
+              <a:gd name="connsiteX5" fmla="*/ 555476 w 1290415"/>
+              <a:gd name="connsiteY5" fmla="*/ 1034040 h 1726250"/>
+              <a:gd name="connsiteX6" fmla="*/ 0 w 1290415"/>
+              <a:gd name="connsiteY6" fmla="*/ 1034040 h 1726250"/>
+              <a:gd name="connsiteX0" fmla="*/ 0 w 1290415"/>
+              <a:gd name="connsiteY0" fmla="*/ 1076769 h 1768979"/>
+              <a:gd name="connsiteX1" fmla="*/ 965674 w 1290415"/>
+              <a:gd name="connsiteY1" fmla="*/ 0 h 1768979"/>
+              <a:gd name="connsiteX2" fmla="*/ 709301 w 1290415"/>
+              <a:gd name="connsiteY2" fmla="*/ 734938 h 1768979"/>
+              <a:gd name="connsiteX3" fmla="*/ 1290415 w 1290415"/>
+              <a:gd name="connsiteY3" fmla="*/ 734938 h 1768979"/>
+              <a:gd name="connsiteX4" fmla="*/ 350377 w 1290415"/>
+              <a:gd name="connsiteY4" fmla="*/ 1768979 h 1768979"/>
+              <a:gd name="connsiteX5" fmla="*/ 555476 w 1290415"/>
+              <a:gd name="connsiteY5" fmla="*/ 1076769 h 1768979"/>
+              <a:gd name="connsiteX6" fmla="*/ 0 w 1290415"/>
+              <a:gd name="connsiteY6" fmla="*/ 1076769 h 1768979"/>
+              <a:gd name="connsiteX0" fmla="*/ 0 w 1316053"/>
+              <a:gd name="connsiteY0" fmla="*/ 1093860 h 1768979"/>
+              <a:gd name="connsiteX1" fmla="*/ 991312 w 1316053"/>
+              <a:gd name="connsiteY1" fmla="*/ 0 h 1768979"/>
+              <a:gd name="connsiteX2" fmla="*/ 734939 w 1316053"/>
+              <a:gd name="connsiteY2" fmla="*/ 734938 h 1768979"/>
+              <a:gd name="connsiteX3" fmla="*/ 1316053 w 1316053"/>
+              <a:gd name="connsiteY3" fmla="*/ 734938 h 1768979"/>
+              <a:gd name="connsiteX4" fmla="*/ 376015 w 1316053"/>
+              <a:gd name="connsiteY4" fmla="*/ 1768979 h 1768979"/>
+              <a:gd name="connsiteX5" fmla="*/ 581114 w 1316053"/>
+              <a:gd name="connsiteY5" fmla="*/ 1076769 h 1768979"/>
+              <a:gd name="connsiteX6" fmla="*/ 0 w 1316053"/>
+              <a:gd name="connsiteY6" fmla="*/ 1093860 h 1768979"/>
+              <a:gd name="connsiteX0" fmla="*/ 0 w 1316053"/>
+              <a:gd name="connsiteY0" fmla="*/ 1068223 h 1768979"/>
+              <a:gd name="connsiteX1" fmla="*/ 991312 w 1316053"/>
+              <a:gd name="connsiteY1" fmla="*/ 0 h 1768979"/>
+              <a:gd name="connsiteX2" fmla="*/ 734939 w 1316053"/>
+              <a:gd name="connsiteY2" fmla="*/ 734938 h 1768979"/>
+              <a:gd name="connsiteX3" fmla="*/ 1316053 w 1316053"/>
+              <a:gd name="connsiteY3" fmla="*/ 734938 h 1768979"/>
+              <a:gd name="connsiteX4" fmla="*/ 376015 w 1316053"/>
+              <a:gd name="connsiteY4" fmla="*/ 1768979 h 1768979"/>
+              <a:gd name="connsiteX5" fmla="*/ 581114 w 1316053"/>
+              <a:gd name="connsiteY5" fmla="*/ 1076769 h 1768979"/>
+              <a:gd name="connsiteX6" fmla="*/ 0 w 1316053"/>
+              <a:gd name="connsiteY6" fmla="*/ 1068223 h 1768979"/>
+              <a:gd name="connsiteX0" fmla="*/ 0 w 1316053"/>
+              <a:gd name="connsiteY0" fmla="*/ 1068223 h 1777524"/>
+              <a:gd name="connsiteX1" fmla="*/ 991312 w 1316053"/>
+              <a:gd name="connsiteY1" fmla="*/ 0 h 1777524"/>
+              <a:gd name="connsiteX2" fmla="*/ 734939 w 1316053"/>
+              <a:gd name="connsiteY2" fmla="*/ 734938 h 1777524"/>
+              <a:gd name="connsiteX3" fmla="*/ 1316053 w 1316053"/>
+              <a:gd name="connsiteY3" fmla="*/ 734938 h 1777524"/>
+              <a:gd name="connsiteX4" fmla="*/ 333286 w 1316053"/>
+              <a:gd name="connsiteY4" fmla="*/ 1777524 h 1777524"/>
+              <a:gd name="connsiteX5" fmla="*/ 581114 w 1316053"/>
+              <a:gd name="connsiteY5" fmla="*/ 1076769 h 1777524"/>
+              <a:gd name="connsiteX6" fmla="*/ 0 w 1316053"/>
+              <a:gd name="connsiteY6" fmla="*/ 1068223 h 1777524"/>
+              <a:gd name="connsiteX0" fmla="*/ 0 w 1316053"/>
+              <a:gd name="connsiteY0" fmla="*/ 1068223 h 1786070"/>
+              <a:gd name="connsiteX1" fmla="*/ 991312 w 1316053"/>
+              <a:gd name="connsiteY1" fmla="*/ 0 h 1786070"/>
+              <a:gd name="connsiteX2" fmla="*/ 734939 w 1316053"/>
+              <a:gd name="connsiteY2" fmla="*/ 734938 h 1786070"/>
+              <a:gd name="connsiteX3" fmla="*/ 1316053 w 1316053"/>
+              <a:gd name="connsiteY3" fmla="*/ 734938 h 1786070"/>
+              <a:gd name="connsiteX4" fmla="*/ 358923 w 1316053"/>
+              <a:gd name="connsiteY4" fmla="*/ 1786070 h 1786070"/>
+              <a:gd name="connsiteX5" fmla="*/ 581114 w 1316053"/>
+              <a:gd name="connsiteY5" fmla="*/ 1076769 h 1786070"/>
+              <a:gd name="connsiteX6" fmla="*/ 0 w 1316053"/>
+              <a:gd name="connsiteY6" fmla="*/ 1068223 h 1786070"/>
+            </a:gdLst>
+            <a:ahLst/>
+            <a:cxnLst>
+              <a:cxn ang="0">
+                <a:pos x="connsiteX0" y="connsiteY0"/>
+              </a:cxn>
+              <a:cxn ang="0">
+                <a:pos x="connsiteX1" y="connsiteY1"/>
+              </a:cxn>
+              <a:cxn ang="0">
+                <a:pos x="connsiteX2" y="connsiteY2"/>
+              </a:cxn>
+              <a:cxn ang="0">
+                <a:pos x="connsiteX3" y="connsiteY3"/>
+              </a:cxn>
+              <a:cxn ang="0">
+                <a:pos x="connsiteX4" y="connsiteY4"/>
+              </a:cxn>
+              <a:cxn ang="0">
+                <a:pos x="connsiteX5" y="connsiteY5"/>
+              </a:cxn>
+              <a:cxn ang="0">
+                <a:pos x="connsiteX6" y="connsiteY6"/>
+              </a:cxn>
+            </a:cxnLst>
+            <a:rect l="l" t="t" r="r" b="b"/>
+            <a:pathLst>
+              <a:path w="1316053" h="1786070">
+                <a:moveTo>
+                  <a:pt x="0" y="1068223"/>
+                </a:moveTo>
+                <a:lnTo>
+                  <a:pt x="991312" y="0"/>
+                </a:lnTo>
+                <a:lnTo>
+                  <a:pt x="734939" y="734938"/>
+                </a:lnTo>
+                <a:lnTo>
+                  <a:pt x="1316053" y="734938"/>
+                </a:lnTo>
+                <a:lnTo>
+                  <a:pt x="358923" y="1786070"/>
+                </a:lnTo>
+                <a:lnTo>
+                  <a:pt x="581114" y="1076769"/>
+                </a:lnTo>
+                <a:lnTo>
+                  <a:pt x="0" y="1068223"/>
+                </a:lnTo>
+                <a:close/>
+              </a:path>
+            </a:pathLst>
+          </a:custGeom>
+          <a:solidFill>
+            <a:schemeClr val="accent5">
+              <a:lumMod val="75000"/>
+            </a:schemeClr>
+          </a:solidFill>
+          <a:ln w="19050"/>
+        </p:spPr>
+        <p:style>
+          <a:lnRef idx="2">
+            <a:schemeClr val="accent1">
+              <a:shade val="15000"/>
+            </a:schemeClr>
+          </a:lnRef>
+          <a:fillRef idx="1">
+            <a:schemeClr val="accent1"/>
+          </a:fillRef>
+          <a:effectRef idx="0">
+            <a:schemeClr val="accent1"/>
+          </a:effectRef>
+          <a:fontRef idx="minor">
+            <a:schemeClr val="lt1"/>
+          </a:fontRef>
+        </p:style>
+        <p:txBody>
+          <a:bodyPr rtlCol="0" anchor="ctr"/>
+          <a:lstStyle/>
+          <a:p>
+            <a:pPr algn="ctr"/>
+            <a:endParaRPr lang="en-US"/>
+          </a:p>
+        </p:txBody>
+      </p:sp>
+      <p:sp>
+        <p:nvSpPr>
+          <p:cNvPr id="21" name="Rectangle 20">
+            <a:extLst>
+              <a:ext uri="{FF2B5EF4-FFF2-40B4-BE49-F238E27FC236}">
+                <a16:creationId xmlns:a16="http://schemas.microsoft.com/office/drawing/2014/main" id="{A457E488-CFC9-2E89-61AA-103D16BA7851}"/>
+              </a:ext>
+            </a:extLst>
+          </p:cNvPr>
+          <p:cNvSpPr/>
+          <p:nvPr/>
+        </p:nvSpPr>
+        <p:spPr>
+          <a:xfrm>
+            <a:off x="7888984" y="6476729"/>
+            <a:ext cx="644771" cy="267954"/>
+          </a:xfrm>
+          <a:prstGeom prst="rect">
+            <a:avLst/>
+          </a:prstGeom>
+          <a:solidFill>
+            <a:srgbClr val="020306">
+              <a:alpha val="60000"/>
+            </a:srgbClr>
+          </a:solidFill>
+          <a:ln>
+            <a:noFill/>
+          </a:ln>
+        </p:spPr>
+        <p:style>
+          <a:lnRef idx="2">
+            <a:schemeClr val="accent1">
+              <a:shade val="15000"/>
+            </a:schemeClr>
+          </a:lnRef>
+          <a:fillRef idx="1">
+            <a:schemeClr val="accent1"/>
+          </a:fillRef>
+          <a:effectRef idx="0">
+            <a:schemeClr val="accent1"/>
+          </a:effectRef>
+          <a:fontRef idx="minor">
+            <a:schemeClr val="lt1"/>
+          </a:fontRef>
+        </p:style>
+        <p:txBody>
+          <a:bodyPr rtlCol="0" anchor="ctr"/>
+          <a:lstStyle/>
+          <a:p>
+            <a:pPr algn="ctr"/>
+            <a:r>
+              <a:rPr lang="cs-CZ" dirty="0">
+                <a:solidFill>
+                  <a:srgbClr val="FF0000"/>
+                </a:solidFill>
+              </a:rPr>
+              <a:t>    20</a:t>
+            </a:r>
+            <a:endParaRPr lang="en-US" dirty="0">
+              <a:solidFill>
+                <a:srgbClr val="FF0000"/>
+              </a:solidFill>
+            </a:endParaRPr>
+          </a:p>
+        </p:txBody>
+      </p:sp>
+      <p:sp>
+        <p:nvSpPr>
+          <p:cNvPr id="23" name="Freeform: Shape 22">
+            <a:extLst>
+              <a:ext uri="{FF2B5EF4-FFF2-40B4-BE49-F238E27FC236}">
+                <a16:creationId xmlns:a16="http://schemas.microsoft.com/office/drawing/2014/main" id="{885FAE80-7469-7EB0-1B53-F63B434FA254}"/>
+              </a:ext>
+            </a:extLst>
+          </p:cNvPr>
+          <p:cNvSpPr/>
+          <p:nvPr/>
+        </p:nvSpPr>
+        <p:spPr>
+          <a:xfrm rot="21031095">
+            <a:off x="7951952" y="6444142"/>
+            <a:ext cx="231646" cy="314377"/>
+          </a:xfrm>
+          <a:custGeom>
+            <a:avLst/>
+            <a:gdLst>
+              <a:gd name="connsiteX0" fmla="*/ 0 w 1290415"/>
+              <a:gd name="connsiteY0" fmla="*/ 1016949 h 1709159"/>
+              <a:gd name="connsiteX1" fmla="*/ 922945 w 1290415"/>
+              <a:gd name="connsiteY1" fmla="*/ 0 h 1709159"/>
+              <a:gd name="connsiteX2" fmla="*/ 709301 w 1290415"/>
+              <a:gd name="connsiteY2" fmla="*/ 675118 h 1709159"/>
+              <a:gd name="connsiteX3" fmla="*/ 1290415 w 1290415"/>
+              <a:gd name="connsiteY3" fmla="*/ 675118 h 1709159"/>
+              <a:gd name="connsiteX4" fmla="*/ 350377 w 1290415"/>
+              <a:gd name="connsiteY4" fmla="*/ 1709159 h 1709159"/>
+              <a:gd name="connsiteX5" fmla="*/ 555476 w 1290415"/>
+              <a:gd name="connsiteY5" fmla="*/ 1016949 h 1709159"/>
+              <a:gd name="connsiteX6" fmla="*/ 0 w 1290415"/>
+              <a:gd name="connsiteY6" fmla="*/ 1016949 h 1709159"/>
+              <a:gd name="connsiteX0" fmla="*/ 0 w 1290415"/>
+              <a:gd name="connsiteY0" fmla="*/ 1051132 h 1743342"/>
+              <a:gd name="connsiteX1" fmla="*/ 957128 w 1290415"/>
+              <a:gd name="connsiteY1" fmla="*/ 0 h 1743342"/>
+              <a:gd name="connsiteX2" fmla="*/ 709301 w 1290415"/>
+              <a:gd name="connsiteY2" fmla="*/ 709301 h 1743342"/>
+              <a:gd name="connsiteX3" fmla="*/ 1290415 w 1290415"/>
+              <a:gd name="connsiteY3" fmla="*/ 709301 h 1743342"/>
+              <a:gd name="connsiteX4" fmla="*/ 350377 w 1290415"/>
+              <a:gd name="connsiteY4" fmla="*/ 1743342 h 1743342"/>
+              <a:gd name="connsiteX5" fmla="*/ 555476 w 1290415"/>
+              <a:gd name="connsiteY5" fmla="*/ 1051132 h 1743342"/>
+              <a:gd name="connsiteX6" fmla="*/ 0 w 1290415"/>
+              <a:gd name="connsiteY6" fmla="*/ 1051132 h 1743342"/>
+              <a:gd name="connsiteX0" fmla="*/ 0 w 1290415"/>
+              <a:gd name="connsiteY0" fmla="*/ 1034040 h 1726250"/>
+              <a:gd name="connsiteX1" fmla="*/ 922945 w 1290415"/>
+              <a:gd name="connsiteY1" fmla="*/ 0 h 1726250"/>
+              <a:gd name="connsiteX2" fmla="*/ 709301 w 1290415"/>
+              <a:gd name="connsiteY2" fmla="*/ 692209 h 1726250"/>
+              <a:gd name="connsiteX3" fmla="*/ 1290415 w 1290415"/>
+              <a:gd name="connsiteY3" fmla="*/ 692209 h 1726250"/>
+              <a:gd name="connsiteX4" fmla="*/ 350377 w 1290415"/>
+              <a:gd name="connsiteY4" fmla="*/ 1726250 h 1726250"/>
+              <a:gd name="connsiteX5" fmla="*/ 555476 w 1290415"/>
+              <a:gd name="connsiteY5" fmla="*/ 1034040 h 1726250"/>
+              <a:gd name="connsiteX6" fmla="*/ 0 w 1290415"/>
+              <a:gd name="connsiteY6" fmla="*/ 1034040 h 1726250"/>
+              <a:gd name="connsiteX0" fmla="*/ 0 w 1290415"/>
+              <a:gd name="connsiteY0" fmla="*/ 1034040 h 1726250"/>
+              <a:gd name="connsiteX1" fmla="*/ 948582 w 1290415"/>
+              <a:gd name="connsiteY1" fmla="*/ 0 h 1726250"/>
+              <a:gd name="connsiteX2" fmla="*/ 709301 w 1290415"/>
+              <a:gd name="connsiteY2" fmla="*/ 692209 h 1726250"/>
+              <a:gd name="connsiteX3" fmla="*/ 1290415 w 1290415"/>
+              <a:gd name="connsiteY3" fmla="*/ 692209 h 1726250"/>
+              <a:gd name="connsiteX4" fmla="*/ 350377 w 1290415"/>
+              <a:gd name="connsiteY4" fmla="*/ 1726250 h 1726250"/>
+              <a:gd name="connsiteX5" fmla="*/ 555476 w 1290415"/>
+              <a:gd name="connsiteY5" fmla="*/ 1034040 h 1726250"/>
+              <a:gd name="connsiteX6" fmla="*/ 0 w 1290415"/>
+              <a:gd name="connsiteY6" fmla="*/ 1034040 h 1726250"/>
+              <a:gd name="connsiteX0" fmla="*/ 0 w 1290415"/>
+              <a:gd name="connsiteY0" fmla="*/ 1076769 h 1768979"/>
+              <a:gd name="connsiteX1" fmla="*/ 965674 w 1290415"/>
+              <a:gd name="connsiteY1" fmla="*/ 0 h 1768979"/>
+              <a:gd name="connsiteX2" fmla="*/ 709301 w 1290415"/>
+              <a:gd name="connsiteY2" fmla="*/ 734938 h 1768979"/>
+              <a:gd name="connsiteX3" fmla="*/ 1290415 w 1290415"/>
+              <a:gd name="connsiteY3" fmla="*/ 734938 h 1768979"/>
+              <a:gd name="connsiteX4" fmla="*/ 350377 w 1290415"/>
+              <a:gd name="connsiteY4" fmla="*/ 1768979 h 1768979"/>
+              <a:gd name="connsiteX5" fmla="*/ 555476 w 1290415"/>
+              <a:gd name="connsiteY5" fmla="*/ 1076769 h 1768979"/>
+              <a:gd name="connsiteX6" fmla="*/ 0 w 1290415"/>
+              <a:gd name="connsiteY6" fmla="*/ 1076769 h 1768979"/>
+              <a:gd name="connsiteX0" fmla="*/ 0 w 1316053"/>
+              <a:gd name="connsiteY0" fmla="*/ 1093860 h 1768979"/>
+              <a:gd name="connsiteX1" fmla="*/ 991312 w 1316053"/>
+              <a:gd name="connsiteY1" fmla="*/ 0 h 1768979"/>
+              <a:gd name="connsiteX2" fmla="*/ 734939 w 1316053"/>
+              <a:gd name="connsiteY2" fmla="*/ 734938 h 1768979"/>
+              <a:gd name="connsiteX3" fmla="*/ 1316053 w 1316053"/>
+              <a:gd name="connsiteY3" fmla="*/ 734938 h 1768979"/>
+              <a:gd name="connsiteX4" fmla="*/ 376015 w 1316053"/>
+              <a:gd name="connsiteY4" fmla="*/ 1768979 h 1768979"/>
+              <a:gd name="connsiteX5" fmla="*/ 581114 w 1316053"/>
+              <a:gd name="connsiteY5" fmla="*/ 1076769 h 1768979"/>
+              <a:gd name="connsiteX6" fmla="*/ 0 w 1316053"/>
+              <a:gd name="connsiteY6" fmla="*/ 1093860 h 1768979"/>
+              <a:gd name="connsiteX0" fmla="*/ 0 w 1316053"/>
+              <a:gd name="connsiteY0" fmla="*/ 1068223 h 1768979"/>
+              <a:gd name="connsiteX1" fmla="*/ 991312 w 1316053"/>
+              <a:gd name="connsiteY1" fmla="*/ 0 h 1768979"/>
+              <a:gd name="connsiteX2" fmla="*/ 734939 w 1316053"/>
+              <a:gd name="connsiteY2" fmla="*/ 734938 h 1768979"/>
+              <a:gd name="connsiteX3" fmla="*/ 1316053 w 1316053"/>
+              <a:gd name="connsiteY3" fmla="*/ 734938 h 1768979"/>
+              <a:gd name="connsiteX4" fmla="*/ 376015 w 1316053"/>
+              <a:gd name="connsiteY4" fmla="*/ 1768979 h 1768979"/>
+              <a:gd name="connsiteX5" fmla="*/ 581114 w 1316053"/>
+              <a:gd name="connsiteY5" fmla="*/ 1076769 h 1768979"/>
+              <a:gd name="connsiteX6" fmla="*/ 0 w 1316053"/>
+              <a:gd name="connsiteY6" fmla="*/ 1068223 h 1768979"/>
+              <a:gd name="connsiteX0" fmla="*/ 0 w 1316053"/>
+              <a:gd name="connsiteY0" fmla="*/ 1068223 h 1777524"/>
+              <a:gd name="connsiteX1" fmla="*/ 991312 w 1316053"/>
+              <a:gd name="connsiteY1" fmla="*/ 0 h 1777524"/>
+              <a:gd name="connsiteX2" fmla="*/ 734939 w 1316053"/>
+              <a:gd name="connsiteY2" fmla="*/ 734938 h 1777524"/>
+              <a:gd name="connsiteX3" fmla="*/ 1316053 w 1316053"/>
+              <a:gd name="connsiteY3" fmla="*/ 734938 h 1777524"/>
+              <a:gd name="connsiteX4" fmla="*/ 333286 w 1316053"/>
+              <a:gd name="connsiteY4" fmla="*/ 1777524 h 1777524"/>
+              <a:gd name="connsiteX5" fmla="*/ 581114 w 1316053"/>
+              <a:gd name="connsiteY5" fmla="*/ 1076769 h 1777524"/>
+              <a:gd name="connsiteX6" fmla="*/ 0 w 1316053"/>
+              <a:gd name="connsiteY6" fmla="*/ 1068223 h 1777524"/>
+              <a:gd name="connsiteX0" fmla="*/ 0 w 1316053"/>
+              <a:gd name="connsiteY0" fmla="*/ 1068223 h 1786070"/>
+              <a:gd name="connsiteX1" fmla="*/ 991312 w 1316053"/>
+              <a:gd name="connsiteY1" fmla="*/ 0 h 1786070"/>
+              <a:gd name="connsiteX2" fmla="*/ 734939 w 1316053"/>
+              <a:gd name="connsiteY2" fmla="*/ 734938 h 1786070"/>
+              <a:gd name="connsiteX3" fmla="*/ 1316053 w 1316053"/>
+              <a:gd name="connsiteY3" fmla="*/ 734938 h 1786070"/>
+              <a:gd name="connsiteX4" fmla="*/ 358923 w 1316053"/>
+              <a:gd name="connsiteY4" fmla="*/ 1786070 h 1786070"/>
+              <a:gd name="connsiteX5" fmla="*/ 581114 w 1316053"/>
+              <a:gd name="connsiteY5" fmla="*/ 1076769 h 1786070"/>
+              <a:gd name="connsiteX6" fmla="*/ 0 w 1316053"/>
+              <a:gd name="connsiteY6" fmla="*/ 1068223 h 1786070"/>
+            </a:gdLst>
+            <a:ahLst/>
+            <a:cxnLst>
+              <a:cxn ang="0">
+                <a:pos x="connsiteX0" y="connsiteY0"/>
+              </a:cxn>
+              <a:cxn ang="0">
+                <a:pos x="connsiteX1" y="connsiteY1"/>
+              </a:cxn>
+              <a:cxn ang="0">
+                <a:pos x="connsiteX2" y="connsiteY2"/>
+              </a:cxn>
+              <a:cxn ang="0">
+                <a:pos x="connsiteX3" y="connsiteY3"/>
+              </a:cxn>
+              <a:cxn ang="0">
+                <a:pos x="connsiteX4" y="connsiteY4"/>
+              </a:cxn>
+              <a:cxn ang="0">
+                <a:pos x="connsiteX5" y="connsiteY5"/>
+              </a:cxn>
+              <a:cxn ang="0">
+                <a:pos x="connsiteX6" y="connsiteY6"/>
+              </a:cxn>
+            </a:cxnLst>
+            <a:rect l="l" t="t" r="r" b="b"/>
+            <a:pathLst>
+              <a:path w="1316053" h="1786070">
+                <a:moveTo>
+                  <a:pt x="0" y="1068223"/>
+                </a:moveTo>
+                <a:lnTo>
+                  <a:pt x="991312" y="0"/>
+                </a:lnTo>
+                <a:lnTo>
+                  <a:pt x="734939" y="734938"/>
+                </a:lnTo>
+                <a:lnTo>
+                  <a:pt x="1316053" y="734938"/>
+                </a:lnTo>
+                <a:lnTo>
+                  <a:pt x="358923" y="1786070"/>
+                </a:lnTo>
+                <a:lnTo>
+                  <a:pt x="581114" y="1076769"/>
+                </a:lnTo>
+                <a:lnTo>
+                  <a:pt x="0" y="1068223"/>
+                </a:lnTo>
+                <a:close/>
+              </a:path>
+            </a:pathLst>
+          </a:custGeom>
+          <a:solidFill>
+            <a:schemeClr val="accent5">
+              <a:lumMod val="75000"/>
+            </a:schemeClr>
+          </a:solidFill>
+          <a:ln w="19050"/>
+        </p:spPr>
+        <p:style>
+          <a:lnRef idx="2">
+            <a:schemeClr val="accent1">
+              <a:shade val="15000"/>
+            </a:schemeClr>
+          </a:lnRef>
+          <a:fillRef idx="1">
+            <a:schemeClr val="accent1"/>
+          </a:fillRef>
+          <a:effectRef idx="0">
+            <a:schemeClr val="accent1"/>
+          </a:effectRef>
+          <a:fontRef idx="minor">
+            <a:schemeClr val="lt1"/>
+          </a:fontRef>
+        </p:style>
+        <p:txBody>
+          <a:bodyPr rtlCol="0" anchor="ctr"/>
+          <a:lstStyle/>
+          <a:p>
+            <a:pPr algn="ctr"/>
+            <a:endParaRPr lang="en-US"/>
+          </a:p>
+        </p:txBody>
+      </p:sp>
+      <p:sp>
+        <p:nvSpPr>
+          <p:cNvPr id="24" name="Rectangle 23">
+            <a:extLst>
+              <a:ext uri="{FF2B5EF4-FFF2-40B4-BE49-F238E27FC236}">
+                <a16:creationId xmlns:a16="http://schemas.microsoft.com/office/drawing/2014/main" id="{0C21EBC4-86D2-B138-2DD0-47A222FEAAFE}"/>
+              </a:ext>
+            </a:extLst>
+          </p:cNvPr>
+          <p:cNvSpPr/>
+          <p:nvPr/>
+        </p:nvSpPr>
+        <p:spPr>
+          <a:xfrm>
+            <a:off x="9061855" y="6476729"/>
+            <a:ext cx="644771" cy="267954"/>
+          </a:xfrm>
+          <a:prstGeom prst="rect">
+            <a:avLst/>
+          </a:prstGeom>
+          <a:solidFill>
+            <a:srgbClr val="020306">
+              <a:alpha val="60000"/>
+            </a:srgbClr>
+          </a:solidFill>
+          <a:ln>
+            <a:noFill/>
+          </a:ln>
+        </p:spPr>
+        <p:style>
+          <a:lnRef idx="2">
+            <a:schemeClr val="accent1">
+              <a:shade val="15000"/>
+            </a:schemeClr>
+          </a:lnRef>
+          <a:fillRef idx="1">
+            <a:schemeClr val="accent1"/>
+          </a:fillRef>
+          <a:effectRef idx="0">
+            <a:schemeClr val="accent1"/>
+          </a:effectRef>
+          <a:fontRef idx="minor">
+            <a:schemeClr val="lt1"/>
+          </a:fontRef>
+        </p:style>
+        <p:txBody>
+          <a:bodyPr rtlCol="0" anchor="ctr"/>
+          <a:lstStyle/>
+          <a:p>
+            <a:pPr algn="ctr"/>
+            <a:r>
+              <a:rPr lang="cs-CZ" dirty="0">
+                <a:solidFill>
+                  <a:srgbClr val="FF0000"/>
+                </a:solidFill>
+              </a:rPr>
+              <a:t>    25</a:t>
+            </a:r>
+            <a:endParaRPr lang="en-US" dirty="0">
+              <a:solidFill>
+                <a:srgbClr val="FF0000"/>
+              </a:solidFill>
+            </a:endParaRPr>
+          </a:p>
+        </p:txBody>
+      </p:sp>
+      <p:sp>
+        <p:nvSpPr>
+          <p:cNvPr id="25" name="Freeform: Shape 24">
+            <a:extLst>
+              <a:ext uri="{FF2B5EF4-FFF2-40B4-BE49-F238E27FC236}">
+                <a16:creationId xmlns:a16="http://schemas.microsoft.com/office/drawing/2014/main" id="{B63A7FEC-2074-DAA4-F2B3-048E4C7D288D}"/>
+              </a:ext>
+            </a:extLst>
+          </p:cNvPr>
+          <p:cNvSpPr/>
+          <p:nvPr/>
+        </p:nvSpPr>
+        <p:spPr>
+          <a:xfrm rot="21031095">
+            <a:off x="9124823" y="6444142"/>
+            <a:ext cx="231646" cy="314377"/>
+          </a:xfrm>
+          <a:custGeom>
+            <a:avLst/>
+            <a:gdLst>
+              <a:gd name="connsiteX0" fmla="*/ 0 w 1290415"/>
+              <a:gd name="connsiteY0" fmla="*/ 1016949 h 1709159"/>
+              <a:gd name="connsiteX1" fmla="*/ 922945 w 1290415"/>
+              <a:gd name="connsiteY1" fmla="*/ 0 h 1709159"/>
+              <a:gd name="connsiteX2" fmla="*/ 709301 w 1290415"/>
+              <a:gd name="connsiteY2" fmla="*/ 675118 h 1709159"/>
+              <a:gd name="connsiteX3" fmla="*/ 1290415 w 1290415"/>
+              <a:gd name="connsiteY3" fmla="*/ 675118 h 1709159"/>
+              <a:gd name="connsiteX4" fmla="*/ 350377 w 1290415"/>
+              <a:gd name="connsiteY4" fmla="*/ 1709159 h 1709159"/>
+              <a:gd name="connsiteX5" fmla="*/ 555476 w 1290415"/>
+              <a:gd name="connsiteY5" fmla="*/ 1016949 h 1709159"/>
+              <a:gd name="connsiteX6" fmla="*/ 0 w 1290415"/>
+              <a:gd name="connsiteY6" fmla="*/ 1016949 h 1709159"/>
+              <a:gd name="connsiteX0" fmla="*/ 0 w 1290415"/>
+              <a:gd name="connsiteY0" fmla="*/ 1051132 h 1743342"/>
+              <a:gd name="connsiteX1" fmla="*/ 957128 w 1290415"/>
+              <a:gd name="connsiteY1" fmla="*/ 0 h 1743342"/>
+              <a:gd name="connsiteX2" fmla="*/ 709301 w 1290415"/>
+              <a:gd name="connsiteY2" fmla="*/ 709301 h 1743342"/>
+              <a:gd name="connsiteX3" fmla="*/ 1290415 w 1290415"/>
+              <a:gd name="connsiteY3" fmla="*/ 709301 h 1743342"/>
+              <a:gd name="connsiteX4" fmla="*/ 350377 w 1290415"/>
+              <a:gd name="connsiteY4" fmla="*/ 1743342 h 1743342"/>
+              <a:gd name="connsiteX5" fmla="*/ 555476 w 1290415"/>
+              <a:gd name="connsiteY5" fmla="*/ 1051132 h 1743342"/>
+              <a:gd name="connsiteX6" fmla="*/ 0 w 1290415"/>
+              <a:gd name="connsiteY6" fmla="*/ 1051132 h 1743342"/>
+              <a:gd name="connsiteX0" fmla="*/ 0 w 1290415"/>
+              <a:gd name="connsiteY0" fmla="*/ 1034040 h 1726250"/>
+              <a:gd name="connsiteX1" fmla="*/ 922945 w 1290415"/>
+              <a:gd name="connsiteY1" fmla="*/ 0 h 1726250"/>
+              <a:gd name="connsiteX2" fmla="*/ 709301 w 1290415"/>
+              <a:gd name="connsiteY2" fmla="*/ 692209 h 1726250"/>
+              <a:gd name="connsiteX3" fmla="*/ 1290415 w 1290415"/>
+              <a:gd name="connsiteY3" fmla="*/ 692209 h 1726250"/>
+              <a:gd name="connsiteX4" fmla="*/ 350377 w 1290415"/>
+              <a:gd name="connsiteY4" fmla="*/ 1726250 h 1726250"/>
+              <a:gd name="connsiteX5" fmla="*/ 555476 w 1290415"/>
+              <a:gd name="connsiteY5" fmla="*/ 1034040 h 1726250"/>
+              <a:gd name="connsiteX6" fmla="*/ 0 w 1290415"/>
+              <a:gd name="connsiteY6" fmla="*/ 1034040 h 1726250"/>
+              <a:gd name="connsiteX0" fmla="*/ 0 w 1290415"/>
+              <a:gd name="connsiteY0" fmla="*/ 1034040 h 1726250"/>
+              <a:gd name="connsiteX1" fmla="*/ 948582 w 1290415"/>
+              <a:gd name="connsiteY1" fmla="*/ 0 h 1726250"/>
+              <a:gd name="connsiteX2" fmla="*/ 709301 w 1290415"/>
+              <a:gd name="connsiteY2" fmla="*/ 692209 h 1726250"/>
+              <a:gd name="connsiteX3" fmla="*/ 1290415 w 1290415"/>
+              <a:gd name="connsiteY3" fmla="*/ 692209 h 1726250"/>
+              <a:gd name="connsiteX4" fmla="*/ 350377 w 1290415"/>
+              <a:gd name="connsiteY4" fmla="*/ 1726250 h 1726250"/>
+              <a:gd name="connsiteX5" fmla="*/ 555476 w 1290415"/>
+              <a:gd name="connsiteY5" fmla="*/ 1034040 h 1726250"/>
+              <a:gd name="connsiteX6" fmla="*/ 0 w 1290415"/>
+              <a:gd name="connsiteY6" fmla="*/ 1034040 h 1726250"/>
+              <a:gd name="connsiteX0" fmla="*/ 0 w 1290415"/>
+              <a:gd name="connsiteY0" fmla="*/ 1076769 h 1768979"/>
+              <a:gd name="connsiteX1" fmla="*/ 965674 w 1290415"/>
+              <a:gd name="connsiteY1" fmla="*/ 0 h 1768979"/>
+              <a:gd name="connsiteX2" fmla="*/ 709301 w 1290415"/>
+              <a:gd name="connsiteY2" fmla="*/ 734938 h 1768979"/>
+              <a:gd name="connsiteX3" fmla="*/ 1290415 w 1290415"/>
+              <a:gd name="connsiteY3" fmla="*/ 734938 h 1768979"/>
+              <a:gd name="connsiteX4" fmla="*/ 350377 w 1290415"/>
+              <a:gd name="connsiteY4" fmla="*/ 1768979 h 1768979"/>
+              <a:gd name="connsiteX5" fmla="*/ 555476 w 1290415"/>
+              <a:gd name="connsiteY5" fmla="*/ 1076769 h 1768979"/>
+              <a:gd name="connsiteX6" fmla="*/ 0 w 1290415"/>
+              <a:gd name="connsiteY6" fmla="*/ 1076769 h 1768979"/>
+              <a:gd name="connsiteX0" fmla="*/ 0 w 1316053"/>
+              <a:gd name="connsiteY0" fmla="*/ 1093860 h 1768979"/>
+              <a:gd name="connsiteX1" fmla="*/ 991312 w 1316053"/>
+              <a:gd name="connsiteY1" fmla="*/ 0 h 1768979"/>
+              <a:gd name="connsiteX2" fmla="*/ 734939 w 1316053"/>
+              <a:gd name="connsiteY2" fmla="*/ 734938 h 1768979"/>
+              <a:gd name="connsiteX3" fmla="*/ 1316053 w 1316053"/>
+              <a:gd name="connsiteY3" fmla="*/ 734938 h 1768979"/>
+              <a:gd name="connsiteX4" fmla="*/ 376015 w 1316053"/>
+              <a:gd name="connsiteY4" fmla="*/ 1768979 h 1768979"/>
+              <a:gd name="connsiteX5" fmla="*/ 581114 w 1316053"/>
+              <a:gd name="connsiteY5" fmla="*/ 1076769 h 1768979"/>
+              <a:gd name="connsiteX6" fmla="*/ 0 w 1316053"/>
+              <a:gd name="connsiteY6" fmla="*/ 1093860 h 1768979"/>
+              <a:gd name="connsiteX0" fmla="*/ 0 w 1316053"/>
+              <a:gd name="connsiteY0" fmla="*/ 1068223 h 1768979"/>
+              <a:gd name="connsiteX1" fmla="*/ 991312 w 1316053"/>
+              <a:gd name="connsiteY1" fmla="*/ 0 h 1768979"/>
+              <a:gd name="connsiteX2" fmla="*/ 734939 w 1316053"/>
+              <a:gd name="connsiteY2" fmla="*/ 734938 h 1768979"/>
+              <a:gd name="connsiteX3" fmla="*/ 1316053 w 1316053"/>
+              <a:gd name="connsiteY3" fmla="*/ 734938 h 1768979"/>
+              <a:gd name="connsiteX4" fmla="*/ 376015 w 1316053"/>
+              <a:gd name="connsiteY4" fmla="*/ 1768979 h 1768979"/>
+              <a:gd name="connsiteX5" fmla="*/ 581114 w 1316053"/>
+              <a:gd name="connsiteY5" fmla="*/ 1076769 h 1768979"/>
+              <a:gd name="connsiteX6" fmla="*/ 0 w 1316053"/>
+              <a:gd name="connsiteY6" fmla="*/ 1068223 h 1768979"/>
+              <a:gd name="connsiteX0" fmla="*/ 0 w 1316053"/>
+              <a:gd name="connsiteY0" fmla="*/ 1068223 h 1777524"/>
+              <a:gd name="connsiteX1" fmla="*/ 991312 w 1316053"/>
+              <a:gd name="connsiteY1" fmla="*/ 0 h 1777524"/>
+              <a:gd name="connsiteX2" fmla="*/ 734939 w 1316053"/>
+              <a:gd name="connsiteY2" fmla="*/ 734938 h 1777524"/>
+              <a:gd name="connsiteX3" fmla="*/ 1316053 w 1316053"/>
+              <a:gd name="connsiteY3" fmla="*/ 734938 h 1777524"/>
+              <a:gd name="connsiteX4" fmla="*/ 333286 w 1316053"/>
+              <a:gd name="connsiteY4" fmla="*/ 1777524 h 1777524"/>
+              <a:gd name="connsiteX5" fmla="*/ 581114 w 1316053"/>
+              <a:gd name="connsiteY5" fmla="*/ 1076769 h 1777524"/>
+              <a:gd name="connsiteX6" fmla="*/ 0 w 1316053"/>
+              <a:gd name="connsiteY6" fmla="*/ 1068223 h 1777524"/>
+              <a:gd name="connsiteX0" fmla="*/ 0 w 1316053"/>
+              <a:gd name="connsiteY0" fmla="*/ 1068223 h 1786070"/>
+              <a:gd name="connsiteX1" fmla="*/ 991312 w 1316053"/>
+              <a:gd name="connsiteY1" fmla="*/ 0 h 1786070"/>
+              <a:gd name="connsiteX2" fmla="*/ 734939 w 1316053"/>
+              <a:gd name="connsiteY2" fmla="*/ 734938 h 1786070"/>
+              <a:gd name="connsiteX3" fmla="*/ 1316053 w 1316053"/>
+              <a:gd name="connsiteY3" fmla="*/ 734938 h 1786070"/>
+              <a:gd name="connsiteX4" fmla="*/ 358923 w 1316053"/>
+              <a:gd name="connsiteY4" fmla="*/ 1786070 h 1786070"/>
+              <a:gd name="connsiteX5" fmla="*/ 581114 w 1316053"/>
+              <a:gd name="connsiteY5" fmla="*/ 1076769 h 1786070"/>
+              <a:gd name="connsiteX6" fmla="*/ 0 w 1316053"/>
+              <a:gd name="connsiteY6" fmla="*/ 1068223 h 1786070"/>
+            </a:gdLst>
+            <a:ahLst/>
+            <a:cxnLst>
+              <a:cxn ang="0">
+                <a:pos x="connsiteX0" y="connsiteY0"/>
+              </a:cxn>
+              <a:cxn ang="0">
+                <a:pos x="connsiteX1" y="connsiteY1"/>
+              </a:cxn>
+              <a:cxn ang="0">
+                <a:pos x="connsiteX2" y="connsiteY2"/>
+              </a:cxn>
+              <a:cxn ang="0">
+                <a:pos x="connsiteX3" y="connsiteY3"/>
+              </a:cxn>
+              <a:cxn ang="0">
+                <a:pos x="connsiteX4" y="connsiteY4"/>
+              </a:cxn>
+              <a:cxn ang="0">
+                <a:pos x="connsiteX5" y="connsiteY5"/>
+              </a:cxn>
+              <a:cxn ang="0">
+                <a:pos x="connsiteX6" y="connsiteY6"/>
+              </a:cxn>
+            </a:cxnLst>
+            <a:rect l="l" t="t" r="r" b="b"/>
+            <a:pathLst>
+              <a:path w="1316053" h="1786070">
+                <a:moveTo>
+                  <a:pt x="0" y="1068223"/>
+                </a:moveTo>
+                <a:lnTo>
+                  <a:pt x="991312" y="0"/>
+                </a:lnTo>
+                <a:lnTo>
+                  <a:pt x="734939" y="734938"/>
+                </a:lnTo>
+                <a:lnTo>
+                  <a:pt x="1316053" y="734938"/>
+                </a:lnTo>
+                <a:lnTo>
+                  <a:pt x="358923" y="1786070"/>
+                </a:lnTo>
+                <a:lnTo>
+                  <a:pt x="581114" y="1076769"/>
+                </a:lnTo>
+                <a:lnTo>
+                  <a:pt x="0" y="1068223"/>
+                </a:lnTo>
+                <a:close/>
+              </a:path>
+            </a:pathLst>
+          </a:custGeom>
+          <a:solidFill>
+            <a:schemeClr val="accent5">
+              <a:lumMod val="75000"/>
+            </a:schemeClr>
+          </a:solidFill>
+          <a:ln w="19050"/>
+        </p:spPr>
+        <p:style>
+          <a:lnRef idx="2">
+            <a:schemeClr val="accent1">
+              <a:shade val="15000"/>
+            </a:schemeClr>
+          </a:lnRef>
+          <a:fillRef idx="1">
+            <a:schemeClr val="accent1"/>
+          </a:fillRef>
+          <a:effectRef idx="0">
+            <a:schemeClr val="accent1"/>
+          </a:effectRef>
+          <a:fontRef idx="minor">
+            <a:schemeClr val="lt1"/>
+          </a:fontRef>
+        </p:style>
+        <p:txBody>
+          <a:bodyPr rtlCol="0" anchor="ctr"/>
+          <a:lstStyle/>
+          <a:p>
+            <a:pPr algn="ctr"/>
+            <a:endParaRPr lang="en-US"/>
+          </a:p>
+        </p:txBody>
+      </p:sp>
+      <p:sp>
+        <p:nvSpPr>
+          <p:cNvPr id="27" name="TextBox 26">
+            <a:extLst>
+              <a:ext uri="{FF2B5EF4-FFF2-40B4-BE49-F238E27FC236}">
+                <a16:creationId xmlns:a16="http://schemas.microsoft.com/office/drawing/2014/main" id="{CE8B69AC-0E55-0FEB-AD75-7BF31B3D7F90}"/>
+              </a:ext>
+            </a:extLst>
+          </p:cNvPr>
+          <p:cNvSpPr txBox="1"/>
+          <p:nvPr/>
+        </p:nvSpPr>
+        <p:spPr>
+          <a:xfrm>
+            <a:off x="10504700" y="1740071"/>
+            <a:ext cx="541110" cy="338554"/>
+          </a:xfrm>
+          <a:prstGeom prst="rect">
+            <a:avLst/>
+          </a:prstGeom>
+          <a:noFill/>
+        </p:spPr>
+        <p:txBody>
+          <a:bodyPr wrap="none" rtlCol="0">
+            <a:spAutoFit/>
+          </a:bodyPr>
+          <a:lstStyle/>
+          <a:p>
+            <a:r>
+              <a:rPr lang="cs-CZ" sz="1600" dirty="0" err="1">
+                <a:solidFill>
+                  <a:schemeClr val="bg1"/>
+                </a:solidFill>
+              </a:rPr>
+              <a:t>First</a:t>
+            </a:r>
+            <a:endParaRPr lang="en-US" sz="1600" dirty="0">
+              <a:solidFill>
+                <a:schemeClr val="bg1"/>
+              </a:solidFill>
+            </a:endParaRPr>
+          </a:p>
+        </p:txBody>
+      </p:sp>
+      <p:sp>
+        <p:nvSpPr>
+          <p:cNvPr id="29" name="L-Shape 28">
+            <a:extLst>
+              <a:ext uri="{FF2B5EF4-FFF2-40B4-BE49-F238E27FC236}">
+                <a16:creationId xmlns:a16="http://schemas.microsoft.com/office/drawing/2014/main" id="{CF83BD1C-9688-6F87-67C4-8B1CB502EBA3}"/>
+              </a:ext>
+            </a:extLst>
+          </p:cNvPr>
+          <p:cNvSpPr/>
+          <p:nvPr/>
+        </p:nvSpPr>
+        <p:spPr>
+          <a:xfrm rot="2700000">
+            <a:off x="10392610" y="1857418"/>
+            <a:ext cx="143203" cy="143203"/>
+          </a:xfrm>
+          <a:prstGeom prst="corner">
+            <a:avLst/>
+          </a:prstGeom>
+          <a:solidFill>
+            <a:schemeClr val="bg1"/>
+          </a:solidFill>
+        </p:spPr>
+        <p:style>
+          <a:lnRef idx="2">
+            <a:schemeClr val="accent1">
+              <a:shade val="15000"/>
+            </a:schemeClr>
+          </a:lnRef>
+          <a:fillRef idx="1">
+            <a:schemeClr val="accent1"/>
+          </a:fillRef>
+          <a:effectRef idx="0">
+            <a:schemeClr val="accent1"/>
+          </a:effectRef>
+          <a:fontRef idx="minor">
+            <a:schemeClr val="lt1"/>
+          </a:fontRef>
+        </p:style>
+        <p:txBody>
+          <a:bodyPr rtlCol="0" anchor="ctr"/>
+          <a:lstStyle/>
+          <a:p>
+            <a:pPr algn="ctr"/>
+            <a:endParaRPr lang="en-US"/>
+          </a:p>
+        </p:txBody>
+      </p:sp>
+      <p:sp>
+        <p:nvSpPr>
+          <p:cNvPr id="30" name="L-Shape 29">
+            <a:extLst>
+              <a:ext uri="{FF2B5EF4-FFF2-40B4-BE49-F238E27FC236}">
+                <a16:creationId xmlns:a16="http://schemas.microsoft.com/office/drawing/2014/main" id="{9CC4CDD1-58A6-F5F0-1F13-4201B8F9BDBC}"/>
+              </a:ext>
+            </a:extLst>
+          </p:cNvPr>
+          <p:cNvSpPr/>
+          <p:nvPr/>
+        </p:nvSpPr>
+        <p:spPr>
+          <a:xfrm rot="13500000">
+            <a:off x="11045082" y="1838645"/>
+            <a:ext cx="143203" cy="143203"/>
+          </a:xfrm>
+          <a:prstGeom prst="corner">
+            <a:avLst/>
+          </a:prstGeom>
+          <a:solidFill>
+            <a:schemeClr val="bg1"/>
+          </a:solidFill>
+        </p:spPr>
+        <p:style>
+          <a:lnRef idx="2">
+            <a:schemeClr val="accent1">
+              <a:shade val="15000"/>
+            </a:schemeClr>
+          </a:lnRef>
+          <a:fillRef idx="1">
+            <a:schemeClr val="accent1"/>
+          </a:fillRef>
+          <a:effectRef idx="0">
+            <a:schemeClr val="accent1"/>
+          </a:effectRef>
+          <a:fontRef idx="minor">
+            <a:schemeClr val="lt1"/>
+          </a:fontRef>
+        </p:style>
+        <p:txBody>
+          <a:bodyPr rtlCol="0" anchor="ctr"/>
+          <a:lstStyle/>
+          <a:p>
+            <a:pPr algn="ctr"/>
+            <a:endParaRPr lang="en-US"/>
+          </a:p>
+        </p:txBody>
+      </p:sp>
+      <p:sp>
+        <p:nvSpPr>
+          <p:cNvPr id="2" name="Rectangle 1">
+            <a:extLst>
+              <a:ext uri="{FF2B5EF4-FFF2-40B4-BE49-F238E27FC236}">
+                <a16:creationId xmlns:a16="http://schemas.microsoft.com/office/drawing/2014/main" id="{CA2BCB26-9DCC-9D97-A780-E5015EB72F2C}"/>
+              </a:ext>
+            </a:extLst>
+          </p:cNvPr>
+          <p:cNvSpPr/>
+          <p:nvPr/>
+        </p:nvSpPr>
+        <p:spPr>
+          <a:xfrm>
+            <a:off x="-6831" y="0"/>
+            <a:ext cx="12198831" cy="6858000"/>
+          </a:xfrm>
+          <a:prstGeom prst="rect">
+            <a:avLst/>
+          </a:prstGeom>
+          <a:noFill/>
+          <a:ln w="28575">
+            <a:solidFill>
+              <a:schemeClr val="tx1"/>
+            </a:solidFill>
+          </a:ln>
+        </p:spPr>
+        <p:style>
+          <a:lnRef idx="2">
+            <a:schemeClr val="accent1">
+              <a:shade val="15000"/>
+            </a:schemeClr>
+          </a:lnRef>
+          <a:fillRef idx="1">
+            <a:schemeClr val="accent1"/>
+          </a:fillRef>
+          <a:effectRef idx="0">
+            <a:schemeClr val="accent1"/>
+          </a:effectRef>
+          <a:fontRef idx="minor">
+            <a:schemeClr val="lt1"/>
+          </a:fontRef>
+        </p:style>
+        <p:txBody>
+          <a:bodyPr rtlCol="0" anchor="ctr"/>
+          <a:lstStyle/>
+          <a:p>
+            <a:pPr algn="ctr"/>
+            <a:endParaRPr lang="en-US"/>
+          </a:p>
+        </p:txBody>
+      </p:sp>
+      <p:sp>
+        <p:nvSpPr>
+          <p:cNvPr id="5" name="Oval 4">
+            <a:extLst>
+              <a:ext uri="{FF2B5EF4-FFF2-40B4-BE49-F238E27FC236}">
+                <a16:creationId xmlns:a16="http://schemas.microsoft.com/office/drawing/2014/main" id="{ADB5798C-8C21-D1B5-0014-C13E01B07494}"/>
+              </a:ext>
+            </a:extLst>
+          </p:cNvPr>
+          <p:cNvSpPr/>
+          <p:nvPr/>
+        </p:nvSpPr>
+        <p:spPr>
+          <a:xfrm>
+            <a:off x="125336" y="198248"/>
+            <a:ext cx="358190" cy="358190"/>
+          </a:xfrm>
+          <a:prstGeom prst="ellipse">
+            <a:avLst/>
+          </a:prstGeom>
+          <a:solidFill>
+            <a:schemeClr val="bg1"/>
+          </a:solidFill>
+          <a:ln w="28575">
+            <a:solidFill>
+              <a:srgbClr val="FF0000"/>
+            </a:solidFill>
+          </a:ln>
+        </p:spPr>
+        <p:style>
+          <a:lnRef idx="2">
+            <a:schemeClr val="accent1">
+              <a:shade val="15000"/>
+            </a:schemeClr>
+          </a:lnRef>
+          <a:fillRef idx="1">
+            <a:schemeClr val="accent1"/>
+          </a:fillRef>
+          <a:effectRef idx="0">
+            <a:schemeClr val="accent1"/>
+          </a:effectRef>
+          <a:fontRef idx="minor">
+            <a:schemeClr val="lt1"/>
+          </a:fontRef>
+        </p:style>
+        <p:txBody>
+          <a:bodyPr rtlCol="0" anchor="ctr"/>
+          <a:lstStyle/>
+          <a:p>
+            <a:pPr algn="ctr"/>
+            <a:r>
+              <a:rPr lang="cs-CZ" sz="2000" dirty="0">
+                <a:solidFill>
+                  <a:srgbClr val="FF0000"/>
+                </a:solidFill>
+              </a:rPr>
+              <a:t>1</a:t>
+            </a:r>
+            <a:endParaRPr lang="en-US" sz="2000" dirty="0">
+              <a:solidFill>
+                <a:srgbClr val="FF0000"/>
+              </a:solidFill>
+            </a:endParaRPr>
+          </a:p>
+        </p:txBody>
+      </p:sp>
+      <p:sp>
+        <p:nvSpPr>
+          <p:cNvPr id="14" name="Oval 13">
+            <a:extLst>
+              <a:ext uri="{FF2B5EF4-FFF2-40B4-BE49-F238E27FC236}">
+                <a16:creationId xmlns:a16="http://schemas.microsoft.com/office/drawing/2014/main" id="{014AABAD-CE8D-255B-F0F6-967B9E6AA4CC}"/>
+              </a:ext>
+            </a:extLst>
+          </p:cNvPr>
+          <p:cNvSpPr/>
+          <p:nvPr/>
+        </p:nvSpPr>
+        <p:spPr>
+          <a:xfrm>
+            <a:off x="1652923" y="46267"/>
+            <a:ext cx="358190" cy="358190"/>
+          </a:xfrm>
+          <a:prstGeom prst="ellipse">
+            <a:avLst/>
+          </a:prstGeom>
+          <a:solidFill>
+            <a:schemeClr val="bg1"/>
+          </a:solidFill>
+          <a:ln w="28575">
+            <a:solidFill>
+              <a:srgbClr val="FF0000"/>
+            </a:solidFill>
+          </a:ln>
+        </p:spPr>
+        <p:style>
+          <a:lnRef idx="2">
+            <a:schemeClr val="accent1">
+              <a:shade val="15000"/>
+            </a:schemeClr>
+          </a:lnRef>
+          <a:fillRef idx="1">
+            <a:schemeClr val="accent1"/>
+          </a:fillRef>
+          <a:effectRef idx="0">
+            <a:schemeClr val="accent1"/>
+          </a:effectRef>
+          <a:fontRef idx="minor">
+            <a:schemeClr val="lt1"/>
+          </a:fontRef>
+        </p:style>
+        <p:txBody>
+          <a:bodyPr rtlCol="0" anchor="ctr"/>
+          <a:lstStyle/>
+          <a:p>
+            <a:pPr algn="ctr"/>
+            <a:r>
+              <a:rPr lang="cs-CZ" sz="2000" dirty="0">
+                <a:solidFill>
+                  <a:srgbClr val="FF0000"/>
+                </a:solidFill>
+              </a:rPr>
+              <a:t>2</a:t>
+            </a:r>
+            <a:endParaRPr lang="en-US" sz="2000" dirty="0">
+              <a:solidFill>
+                <a:srgbClr val="FF0000"/>
+              </a:solidFill>
+            </a:endParaRPr>
+          </a:p>
+        </p:txBody>
+      </p:sp>
+      <p:sp>
+        <p:nvSpPr>
+          <p:cNvPr id="22" name="Oval 21">
+            <a:extLst>
+              <a:ext uri="{FF2B5EF4-FFF2-40B4-BE49-F238E27FC236}">
+                <a16:creationId xmlns:a16="http://schemas.microsoft.com/office/drawing/2014/main" id="{C341003F-3617-1055-468F-04A480365C65}"/>
+              </a:ext>
+            </a:extLst>
+          </p:cNvPr>
+          <p:cNvSpPr/>
+          <p:nvPr/>
+        </p:nvSpPr>
+        <p:spPr>
+          <a:xfrm>
+            <a:off x="1912893" y="875326"/>
+            <a:ext cx="358190" cy="358190"/>
+          </a:xfrm>
+          <a:prstGeom prst="ellipse">
+            <a:avLst/>
+          </a:prstGeom>
+          <a:solidFill>
+            <a:schemeClr val="bg1"/>
+          </a:solidFill>
+          <a:ln w="28575">
+            <a:solidFill>
+              <a:srgbClr val="FF0000"/>
+            </a:solidFill>
+          </a:ln>
+        </p:spPr>
+        <p:style>
+          <a:lnRef idx="2">
+            <a:schemeClr val="accent1">
+              <a:shade val="15000"/>
+            </a:schemeClr>
+          </a:lnRef>
+          <a:fillRef idx="1">
+            <a:schemeClr val="accent1"/>
+          </a:fillRef>
+          <a:effectRef idx="0">
+            <a:schemeClr val="accent1"/>
+          </a:effectRef>
+          <a:fontRef idx="minor">
+            <a:schemeClr val="lt1"/>
+          </a:fontRef>
+        </p:style>
+        <p:txBody>
+          <a:bodyPr rtlCol="0" anchor="ctr"/>
+          <a:lstStyle/>
+          <a:p>
+            <a:pPr algn="ctr"/>
+            <a:r>
+              <a:rPr lang="cs-CZ" sz="2000" dirty="0">
+                <a:solidFill>
+                  <a:srgbClr val="FF0000"/>
+                </a:solidFill>
+              </a:rPr>
+              <a:t>3</a:t>
+            </a:r>
+            <a:endParaRPr lang="en-US" sz="2000" dirty="0">
+              <a:solidFill>
+                <a:srgbClr val="FF0000"/>
+              </a:solidFill>
+            </a:endParaRPr>
+          </a:p>
+        </p:txBody>
+      </p:sp>
+      <p:sp>
+        <p:nvSpPr>
+          <p:cNvPr id="31" name="Oval 30">
+            <a:extLst>
+              <a:ext uri="{FF2B5EF4-FFF2-40B4-BE49-F238E27FC236}">
+                <a16:creationId xmlns:a16="http://schemas.microsoft.com/office/drawing/2014/main" id="{042D64E4-3F74-F23B-6530-25EB5BC05955}"/>
+              </a:ext>
+            </a:extLst>
+          </p:cNvPr>
+          <p:cNvSpPr/>
+          <p:nvPr/>
+        </p:nvSpPr>
+        <p:spPr>
+          <a:xfrm>
+            <a:off x="1750618" y="5542023"/>
+            <a:ext cx="358190" cy="358190"/>
+          </a:xfrm>
+          <a:prstGeom prst="ellipse">
+            <a:avLst/>
+          </a:prstGeom>
+          <a:solidFill>
+            <a:schemeClr val="bg1"/>
+          </a:solidFill>
+          <a:ln w="28575">
+            <a:solidFill>
+              <a:srgbClr val="FF0000"/>
+            </a:solidFill>
+          </a:ln>
+        </p:spPr>
+        <p:style>
+          <a:lnRef idx="2">
+            <a:schemeClr val="accent1">
+              <a:shade val="15000"/>
+            </a:schemeClr>
+          </a:lnRef>
+          <a:fillRef idx="1">
+            <a:schemeClr val="accent1"/>
+          </a:fillRef>
+          <a:effectRef idx="0">
+            <a:schemeClr val="accent1"/>
+          </a:effectRef>
+          <a:fontRef idx="minor">
+            <a:schemeClr val="lt1"/>
+          </a:fontRef>
+        </p:style>
+        <p:txBody>
+          <a:bodyPr rtlCol="0" anchor="ctr"/>
+          <a:lstStyle/>
+          <a:p>
+            <a:pPr algn="ctr"/>
+            <a:r>
+              <a:rPr lang="cs-CZ" sz="2000" dirty="0">
+                <a:solidFill>
+                  <a:srgbClr val="FF0000"/>
+                </a:solidFill>
+              </a:rPr>
+              <a:t>4</a:t>
+            </a:r>
+            <a:endParaRPr lang="en-US" sz="2000" dirty="0">
+              <a:solidFill>
+                <a:srgbClr val="FF0000"/>
+              </a:solidFill>
+            </a:endParaRPr>
+          </a:p>
+        </p:txBody>
+      </p:sp>
+      <p:sp>
+        <p:nvSpPr>
+          <p:cNvPr id="32" name="Oval 31">
+            <a:extLst>
+              <a:ext uri="{FF2B5EF4-FFF2-40B4-BE49-F238E27FC236}">
+                <a16:creationId xmlns:a16="http://schemas.microsoft.com/office/drawing/2014/main" id="{89A1E266-FCD1-54FD-32B8-C945200D4872}"/>
+              </a:ext>
+            </a:extLst>
+          </p:cNvPr>
+          <p:cNvSpPr/>
+          <p:nvPr/>
+        </p:nvSpPr>
+        <p:spPr>
+          <a:xfrm>
+            <a:off x="3112089" y="5396887"/>
+            <a:ext cx="358190" cy="358190"/>
+          </a:xfrm>
+          <a:prstGeom prst="ellipse">
+            <a:avLst/>
+          </a:prstGeom>
+          <a:solidFill>
+            <a:schemeClr val="bg1"/>
+          </a:solidFill>
+          <a:ln w="28575">
+            <a:solidFill>
+              <a:srgbClr val="FF0000"/>
+            </a:solidFill>
+          </a:ln>
+        </p:spPr>
+        <p:style>
+          <a:lnRef idx="2">
+            <a:schemeClr val="accent1">
+              <a:shade val="15000"/>
+            </a:schemeClr>
+          </a:lnRef>
+          <a:fillRef idx="1">
+            <a:schemeClr val="accent1"/>
+          </a:fillRef>
+          <a:effectRef idx="0">
+            <a:schemeClr val="accent1"/>
+          </a:effectRef>
+          <a:fontRef idx="minor">
+            <a:schemeClr val="lt1"/>
+          </a:fontRef>
+        </p:style>
+        <p:txBody>
+          <a:bodyPr rtlCol="0" anchor="ctr"/>
+          <a:lstStyle/>
+          <a:p>
+            <a:pPr algn="ctr"/>
+            <a:r>
+              <a:rPr lang="cs-CZ" sz="2000" dirty="0">
+                <a:solidFill>
+                  <a:srgbClr val="FF0000"/>
+                </a:solidFill>
+              </a:rPr>
+              <a:t>5</a:t>
+            </a:r>
+            <a:endParaRPr lang="en-US" sz="2000" dirty="0">
+              <a:solidFill>
+                <a:srgbClr val="FF0000"/>
+              </a:solidFill>
+            </a:endParaRPr>
+          </a:p>
+        </p:txBody>
+      </p:sp>
+      <p:sp>
+        <p:nvSpPr>
+          <p:cNvPr id="33" name="Oval 32">
+            <a:extLst>
+              <a:ext uri="{FF2B5EF4-FFF2-40B4-BE49-F238E27FC236}">
+                <a16:creationId xmlns:a16="http://schemas.microsoft.com/office/drawing/2014/main" id="{CE357FCF-FD07-EB0C-4D55-A7EB02DBBF39}"/>
+              </a:ext>
+            </a:extLst>
+          </p:cNvPr>
+          <p:cNvSpPr/>
+          <p:nvPr/>
+        </p:nvSpPr>
+        <p:spPr>
+          <a:xfrm>
+            <a:off x="11422979" y="44028"/>
+            <a:ext cx="358190" cy="358190"/>
+          </a:xfrm>
+          <a:prstGeom prst="ellipse">
+            <a:avLst/>
+          </a:prstGeom>
+          <a:solidFill>
+            <a:schemeClr val="bg1"/>
+          </a:solidFill>
+          <a:ln w="28575">
+            <a:solidFill>
+              <a:srgbClr val="FF0000"/>
+            </a:solidFill>
+          </a:ln>
+        </p:spPr>
+        <p:style>
+          <a:lnRef idx="2">
+            <a:schemeClr val="accent1">
+              <a:shade val="15000"/>
+            </a:schemeClr>
+          </a:lnRef>
+          <a:fillRef idx="1">
+            <a:schemeClr val="accent1"/>
+          </a:fillRef>
+          <a:effectRef idx="0">
+            <a:schemeClr val="accent1"/>
+          </a:effectRef>
+          <a:fontRef idx="minor">
+            <a:schemeClr val="lt1"/>
+          </a:fontRef>
+        </p:style>
+        <p:txBody>
+          <a:bodyPr rtlCol="0" anchor="ctr"/>
+          <a:lstStyle/>
+          <a:p>
+            <a:pPr algn="ctr"/>
+            <a:r>
+              <a:rPr lang="cs-CZ" sz="2000" dirty="0">
+                <a:solidFill>
+                  <a:srgbClr val="FF0000"/>
+                </a:solidFill>
+              </a:rPr>
+              <a:t>6</a:t>
+            </a:r>
+            <a:endParaRPr lang="en-US" sz="2000" dirty="0">
+              <a:solidFill>
+                <a:srgbClr val="FF0000"/>
+              </a:solidFill>
+            </a:endParaRPr>
+          </a:p>
+        </p:txBody>
+      </p:sp>
+      <p:sp>
+        <p:nvSpPr>
+          <p:cNvPr id="34" name="Oval 33">
+            <a:extLst>
+              <a:ext uri="{FF2B5EF4-FFF2-40B4-BE49-F238E27FC236}">
+                <a16:creationId xmlns:a16="http://schemas.microsoft.com/office/drawing/2014/main" id="{D891EE91-6F65-07F7-B7A6-C73859D14305}"/>
+              </a:ext>
+            </a:extLst>
+          </p:cNvPr>
+          <p:cNvSpPr/>
+          <p:nvPr/>
+        </p:nvSpPr>
+        <p:spPr>
+          <a:xfrm>
+            <a:off x="9725337" y="533785"/>
+            <a:ext cx="358190" cy="358190"/>
+          </a:xfrm>
+          <a:prstGeom prst="ellipse">
+            <a:avLst/>
+          </a:prstGeom>
+          <a:solidFill>
+            <a:schemeClr val="bg1"/>
+          </a:solidFill>
+          <a:ln w="28575">
+            <a:solidFill>
+              <a:srgbClr val="FF0000"/>
+            </a:solidFill>
+          </a:ln>
+        </p:spPr>
+        <p:style>
+          <a:lnRef idx="2">
+            <a:schemeClr val="accent1">
+              <a:shade val="15000"/>
+            </a:schemeClr>
+          </a:lnRef>
+          <a:fillRef idx="1">
+            <a:schemeClr val="accent1"/>
+          </a:fillRef>
+          <a:effectRef idx="0">
+            <a:schemeClr val="accent1"/>
+          </a:effectRef>
+          <a:fontRef idx="minor">
+            <a:schemeClr val="lt1"/>
+          </a:fontRef>
+        </p:style>
+        <p:txBody>
+          <a:bodyPr rtlCol="0" anchor="ctr"/>
+          <a:lstStyle/>
+          <a:p>
+            <a:pPr algn="ctr"/>
+            <a:r>
+              <a:rPr lang="cs-CZ" sz="2000" dirty="0">
+                <a:solidFill>
+                  <a:srgbClr val="FF0000"/>
+                </a:solidFill>
+              </a:rPr>
+              <a:t>7</a:t>
+            </a:r>
+            <a:endParaRPr lang="en-US" sz="2000" dirty="0">
+              <a:solidFill>
+                <a:srgbClr val="FF0000"/>
+              </a:solidFill>
+            </a:endParaRPr>
+          </a:p>
+        </p:txBody>
+      </p:sp>
+      <p:sp>
+        <p:nvSpPr>
+          <p:cNvPr id="35" name="Rectangle 34">
+            <a:extLst>
+              <a:ext uri="{FF2B5EF4-FFF2-40B4-BE49-F238E27FC236}">
+                <a16:creationId xmlns:a16="http://schemas.microsoft.com/office/drawing/2014/main" id="{9E298F62-BA6C-1B6E-C02D-FAEB3C8A107B}"/>
+              </a:ext>
+            </a:extLst>
+          </p:cNvPr>
+          <p:cNvSpPr/>
+          <p:nvPr/>
+        </p:nvSpPr>
+        <p:spPr>
+          <a:xfrm>
+            <a:off x="10389484" y="4331302"/>
+            <a:ext cx="854993" cy="222369"/>
+          </a:xfrm>
+          <a:prstGeom prst="rect">
+            <a:avLst/>
+          </a:prstGeom>
+          <a:solidFill>
+            <a:srgbClr val="FF0000"/>
+          </a:solidFill>
+          <a:ln w="19050"/>
+        </p:spPr>
+        <p:style>
+          <a:lnRef idx="2">
+            <a:schemeClr val="accent1">
+              <a:shade val="15000"/>
+            </a:schemeClr>
+          </a:lnRef>
+          <a:fillRef idx="1">
+            <a:schemeClr val="accent1"/>
+          </a:fillRef>
+          <a:effectRef idx="0">
+            <a:schemeClr val="accent1"/>
+          </a:effectRef>
+          <a:fontRef idx="minor">
+            <a:schemeClr val="lt1"/>
+          </a:fontRef>
+        </p:style>
+        <p:txBody>
+          <a:bodyPr rtlCol="0" anchor="ctr"/>
+          <a:lstStyle/>
+          <a:p>
+            <a:pPr algn="ctr"/>
+            <a:r>
+              <a:rPr lang="cs-CZ" dirty="0" err="1"/>
+              <a:t>Delete</a:t>
+            </a:r>
+            <a:endParaRPr lang="en-US" dirty="0"/>
+          </a:p>
+        </p:txBody>
+      </p:sp>
+      <p:sp>
+        <p:nvSpPr>
+          <p:cNvPr id="154" name="Equals 153">
+            <a:extLst>
+              <a:ext uri="{FF2B5EF4-FFF2-40B4-BE49-F238E27FC236}">
+                <a16:creationId xmlns:a16="http://schemas.microsoft.com/office/drawing/2014/main" id="{BC40E713-698F-D70D-C78C-B54545A52F32}"/>
+              </a:ext>
+            </a:extLst>
+          </p:cNvPr>
+          <p:cNvSpPr/>
+          <p:nvPr/>
+        </p:nvSpPr>
+        <p:spPr>
+          <a:xfrm rot="5400000">
+            <a:off x="560591" y="1512624"/>
+            <a:ext cx="331672" cy="422238"/>
+          </a:xfrm>
+          <a:prstGeom prst="mathEqual">
+            <a:avLst/>
+          </a:prstGeom>
+          <a:solidFill>
+            <a:schemeClr val="bg1"/>
+          </a:solidFill>
+          <a:ln>
+            <a:solidFill>
+              <a:schemeClr val="tx1">
+                <a:lumMod val="50000"/>
+                <a:lumOff val="50000"/>
+              </a:schemeClr>
+            </a:solidFill>
+          </a:ln>
+          <a:effectLst>
+            <a:innerShdw blurRad="63500" dist="12700" dir="13500000">
+              <a:prstClr val="black">
+                <a:alpha val="50000"/>
+              </a:prstClr>
+            </a:innerShdw>
+          </a:effectLst>
+        </p:spPr>
+        <p:style>
+          <a:lnRef idx="2">
+            <a:schemeClr val="accent1">
+              <a:shade val="15000"/>
+            </a:schemeClr>
+          </a:lnRef>
+          <a:fillRef idx="1">
+            <a:schemeClr val="accent1"/>
+          </a:fillRef>
+          <a:effectRef idx="0">
+            <a:schemeClr val="accent1"/>
+          </a:effectRef>
+          <a:fontRef idx="minor">
+            <a:schemeClr val="lt1"/>
+          </a:fontRef>
+        </p:style>
+        <p:txBody>
+          <a:bodyPr rtlCol="0" anchor="ctr"/>
+          <a:lstStyle/>
+          <a:p>
+            <a:pPr algn="ctr"/>
+            <a:endParaRPr lang="en-US">
+              <a:solidFill>
+                <a:schemeClr val="tx1"/>
+              </a:solidFill>
+            </a:endParaRPr>
+          </a:p>
+        </p:txBody>
+      </p:sp>
+      <p:sp>
+        <p:nvSpPr>
+          <p:cNvPr id="41" name="Rectangle: Rounded Corners 40">
+            <a:extLst>
+              <a:ext uri="{FF2B5EF4-FFF2-40B4-BE49-F238E27FC236}">
+                <a16:creationId xmlns:a16="http://schemas.microsoft.com/office/drawing/2014/main" id="{C11073A6-4D30-160B-BDC8-01CA52685DE8}"/>
+              </a:ext>
+            </a:extLst>
+          </p:cNvPr>
+          <p:cNvSpPr/>
+          <p:nvPr/>
+        </p:nvSpPr>
+        <p:spPr>
+          <a:xfrm>
+            <a:off x="1011753" y="1518708"/>
+            <a:ext cx="410070" cy="410070"/>
+          </a:xfrm>
+          <a:prstGeom prst="roundRect">
+            <a:avLst/>
+          </a:prstGeom>
+          <a:solidFill>
+            <a:schemeClr val="bg1">
+              <a:lumMod val="75000"/>
+            </a:schemeClr>
+          </a:solidFill>
+          <a:ln w="19050">
+            <a:solidFill>
+              <a:schemeClr val="tx1"/>
+            </a:solidFill>
+          </a:ln>
+        </p:spPr>
+        <p:style>
+          <a:lnRef idx="2">
+            <a:schemeClr val="accent1">
+              <a:shade val="15000"/>
+            </a:schemeClr>
+          </a:lnRef>
+          <a:fillRef idx="1">
+            <a:schemeClr val="accent1"/>
+          </a:fillRef>
+          <a:effectRef idx="0">
+            <a:schemeClr val="accent1"/>
+          </a:effectRef>
+          <a:fontRef idx="minor">
+            <a:schemeClr val="lt1"/>
+          </a:fontRef>
+        </p:style>
+        <p:txBody>
+          <a:bodyPr rtlCol="0" anchor="ctr"/>
+          <a:lstStyle/>
+          <a:p>
+            <a:pPr algn="ctr"/>
+            <a:endParaRPr lang="en-US"/>
+          </a:p>
+        </p:txBody>
+      </p:sp>
+      <p:sp>
+        <p:nvSpPr>
+          <p:cNvPr id="157" name="Arrow: Chevron 156">
+            <a:extLst>
+              <a:ext uri="{FF2B5EF4-FFF2-40B4-BE49-F238E27FC236}">
+                <a16:creationId xmlns:a16="http://schemas.microsoft.com/office/drawing/2014/main" id="{5F9C2888-1B3E-DD46-EC67-F01C809506B5}"/>
+              </a:ext>
+            </a:extLst>
+          </p:cNvPr>
+          <p:cNvSpPr/>
+          <p:nvPr/>
+        </p:nvSpPr>
+        <p:spPr>
+          <a:xfrm>
+            <a:off x="1006867" y="1595340"/>
+            <a:ext cx="230516" cy="239425"/>
+          </a:xfrm>
+          <a:prstGeom prst="chevron">
+            <a:avLst/>
+          </a:prstGeom>
+          <a:solidFill>
+            <a:schemeClr val="bg1"/>
+          </a:solidFill>
+          <a:ln>
+            <a:solidFill>
+              <a:schemeClr val="tx1">
+                <a:lumMod val="50000"/>
+                <a:lumOff val="50000"/>
+              </a:schemeClr>
+            </a:solidFill>
+          </a:ln>
+          <a:effectLst>
+            <a:innerShdw blurRad="63500" dist="12700" dir="13500000">
+              <a:prstClr val="black">
+                <a:alpha val="50000"/>
+              </a:prstClr>
+            </a:innerShdw>
+          </a:effectLst>
+        </p:spPr>
+        <p:style>
+          <a:lnRef idx="2">
+            <a:schemeClr val="accent1">
+              <a:shade val="15000"/>
+            </a:schemeClr>
+          </a:lnRef>
+          <a:fillRef idx="1">
+            <a:schemeClr val="accent1"/>
+          </a:fillRef>
+          <a:effectRef idx="0">
+            <a:schemeClr val="accent1"/>
+          </a:effectRef>
+          <a:fontRef idx="minor">
+            <a:schemeClr val="lt1"/>
+          </a:fontRef>
+        </p:style>
+        <p:txBody>
+          <a:bodyPr rtlCol="0" anchor="ctr"/>
+          <a:lstStyle/>
+          <a:p>
+            <a:pPr algn="ctr"/>
+            <a:endParaRPr lang="en-US">
+              <a:solidFill>
+                <a:schemeClr val="tx1"/>
+              </a:solidFill>
+            </a:endParaRPr>
+          </a:p>
+        </p:txBody>
+      </p:sp>
+      <p:sp>
+        <p:nvSpPr>
+          <p:cNvPr id="158" name="Arrow: Chevron 157">
+            <a:extLst>
+              <a:ext uri="{FF2B5EF4-FFF2-40B4-BE49-F238E27FC236}">
+                <a16:creationId xmlns:a16="http://schemas.microsoft.com/office/drawing/2014/main" id="{4743CAF8-55F3-7FB1-5A0D-DBA0298BECD3}"/>
+              </a:ext>
+            </a:extLst>
+          </p:cNvPr>
+          <p:cNvSpPr/>
+          <p:nvPr/>
+        </p:nvSpPr>
+        <p:spPr>
+          <a:xfrm>
+            <a:off x="1182386" y="1595341"/>
+            <a:ext cx="230516" cy="239425"/>
+          </a:xfrm>
+          <a:prstGeom prst="chevron">
+            <a:avLst/>
+          </a:prstGeom>
+          <a:solidFill>
+            <a:schemeClr val="bg1"/>
+          </a:solidFill>
+          <a:ln>
+            <a:solidFill>
+              <a:schemeClr val="tx1">
+                <a:lumMod val="50000"/>
+                <a:lumOff val="50000"/>
+              </a:schemeClr>
+            </a:solidFill>
+          </a:ln>
+          <a:effectLst>
+            <a:innerShdw blurRad="63500" dist="12700" dir="13500000">
+              <a:prstClr val="black">
+                <a:alpha val="50000"/>
+              </a:prstClr>
+            </a:innerShdw>
+          </a:effectLst>
+        </p:spPr>
+        <p:style>
+          <a:lnRef idx="2">
+            <a:schemeClr val="accent1">
+              <a:shade val="15000"/>
+            </a:schemeClr>
+          </a:lnRef>
+          <a:fillRef idx="1">
+            <a:schemeClr val="accent1"/>
+          </a:fillRef>
+          <a:effectRef idx="0">
+            <a:schemeClr val="accent1"/>
+          </a:effectRef>
+          <a:fontRef idx="minor">
+            <a:schemeClr val="lt1"/>
+          </a:fontRef>
+        </p:style>
+        <p:txBody>
+          <a:bodyPr rtlCol="0" anchor="ctr"/>
+          <a:lstStyle/>
+          <a:p>
+            <a:pPr algn="ctr"/>
+            <a:endParaRPr lang="en-US">
+              <a:solidFill>
+                <a:schemeClr val="tx1"/>
+              </a:solidFill>
+            </a:endParaRPr>
+          </a:p>
+        </p:txBody>
+      </p:sp>
+      <p:sp>
+        <p:nvSpPr>
+          <p:cNvPr id="43" name="Explosion: 8 Points 42">
+            <a:extLst>
+              <a:ext uri="{FF2B5EF4-FFF2-40B4-BE49-F238E27FC236}">
+                <a16:creationId xmlns:a16="http://schemas.microsoft.com/office/drawing/2014/main" id="{9BEBA196-7F2C-1AD8-4A99-AEFC2760BBC0}"/>
+              </a:ext>
+            </a:extLst>
+          </p:cNvPr>
+          <p:cNvSpPr/>
+          <p:nvPr/>
+        </p:nvSpPr>
+        <p:spPr>
+          <a:xfrm>
+            <a:off x="10631992" y="2160944"/>
+            <a:ext cx="240680" cy="240680"/>
+          </a:xfrm>
+          <a:prstGeom prst="irregularSeal1">
+            <a:avLst/>
+          </a:prstGeom>
+          <a:solidFill>
+            <a:srgbClr val="FFC000"/>
+          </a:solidFill>
+          <a:ln>
+            <a:solidFill>
+              <a:schemeClr val="tx1"/>
+            </a:solidFill>
+          </a:ln>
+        </p:spPr>
+        <p:style>
+          <a:lnRef idx="2">
+            <a:schemeClr val="accent1">
+              <a:shade val="15000"/>
+            </a:schemeClr>
+          </a:lnRef>
+          <a:fillRef idx="1">
+            <a:schemeClr val="accent1"/>
+          </a:fillRef>
+          <a:effectRef idx="0">
+            <a:schemeClr val="accent1"/>
+          </a:effectRef>
+          <a:fontRef idx="minor">
+            <a:schemeClr val="lt1"/>
+          </a:fontRef>
+        </p:style>
+        <p:txBody>
+          <a:bodyPr rtlCol="0" anchor="ctr"/>
+          <a:lstStyle/>
+          <a:p>
+            <a:pPr algn="ctr"/>
+            <a:endParaRPr lang="en-US"/>
+          </a:p>
+        </p:txBody>
+      </p:sp>
+      <p:sp>
+        <p:nvSpPr>
+          <p:cNvPr id="45" name="Circle: Hollow 44">
+            <a:extLst>
+              <a:ext uri="{FF2B5EF4-FFF2-40B4-BE49-F238E27FC236}">
+                <a16:creationId xmlns:a16="http://schemas.microsoft.com/office/drawing/2014/main" id="{0BF5B1EE-B5EC-9AD4-6F6B-50F5A8D80F49}"/>
+              </a:ext>
+            </a:extLst>
+          </p:cNvPr>
+          <p:cNvSpPr/>
+          <p:nvPr/>
+        </p:nvSpPr>
+        <p:spPr>
+          <a:xfrm>
+            <a:off x="10425955" y="2427912"/>
+            <a:ext cx="219974" cy="219974"/>
+          </a:xfrm>
+          <a:prstGeom prst="donut">
+            <a:avLst/>
+          </a:prstGeom>
+          <a:solidFill>
+            <a:srgbClr val="92D050"/>
+          </a:solidFill>
+          <a:ln>
+            <a:solidFill>
+              <a:schemeClr val="tx1"/>
+            </a:solidFill>
+          </a:ln>
+        </p:spPr>
+        <p:style>
+          <a:lnRef idx="2">
+            <a:schemeClr val="accent1">
+              <a:shade val="15000"/>
+            </a:schemeClr>
+          </a:lnRef>
+          <a:fillRef idx="1">
+            <a:schemeClr val="accent1"/>
+          </a:fillRef>
+          <a:effectRef idx="0">
+            <a:schemeClr val="accent1"/>
+          </a:effectRef>
+          <a:fontRef idx="minor">
+            <a:schemeClr val="lt1"/>
+          </a:fontRef>
+        </p:style>
+        <p:txBody>
+          <a:bodyPr rtlCol="0" anchor="ctr"/>
+          <a:lstStyle/>
+          <a:p>
+            <a:pPr algn="ctr"/>
+            <a:endParaRPr lang="en-US">
+              <a:solidFill>
+                <a:schemeClr val="tx1"/>
+              </a:solidFill>
+            </a:endParaRPr>
+          </a:p>
+        </p:txBody>
+      </p:sp>
+      <p:sp>
+        <p:nvSpPr>
+          <p:cNvPr id="49" name="Hexagon 48">
+            <a:extLst>
+              <a:ext uri="{FF2B5EF4-FFF2-40B4-BE49-F238E27FC236}">
+                <a16:creationId xmlns:a16="http://schemas.microsoft.com/office/drawing/2014/main" id="{362AA65D-DDDE-3DAD-C474-F7B80381944D}"/>
+              </a:ext>
+            </a:extLst>
+          </p:cNvPr>
+          <p:cNvSpPr/>
+          <p:nvPr/>
+        </p:nvSpPr>
+        <p:spPr>
+          <a:xfrm rot="2134043">
+            <a:off x="10595225" y="2715836"/>
+            <a:ext cx="188987" cy="162920"/>
+          </a:xfrm>
+          <a:prstGeom prst="hexagon">
+            <a:avLst/>
+          </a:prstGeom>
+          <a:solidFill>
+            <a:srgbClr val="FF9999"/>
+          </a:solidFill>
+          <a:ln>
+            <a:solidFill>
+              <a:schemeClr val="tx1"/>
+            </a:solidFill>
+          </a:ln>
+        </p:spPr>
+        <p:style>
+          <a:lnRef idx="2">
+            <a:schemeClr val="accent1">
+              <a:shade val="15000"/>
+            </a:schemeClr>
+          </a:lnRef>
+          <a:fillRef idx="1">
+            <a:schemeClr val="accent1"/>
+          </a:fillRef>
+          <a:effectRef idx="0">
+            <a:schemeClr val="accent1"/>
+          </a:effectRef>
+          <a:fontRef idx="minor">
+            <a:schemeClr val="lt1"/>
+          </a:fontRef>
+        </p:style>
+        <p:txBody>
+          <a:bodyPr rtlCol="0" anchor="ctr"/>
+          <a:lstStyle/>
+          <a:p>
+            <a:pPr algn="ctr"/>
+            <a:endParaRPr lang="en-US"/>
+          </a:p>
+        </p:txBody>
+      </p:sp>
+      <p:sp>
+        <p:nvSpPr>
+          <p:cNvPr id="50" name="Freeform: Shape 49">
+            <a:extLst>
+              <a:ext uri="{FF2B5EF4-FFF2-40B4-BE49-F238E27FC236}">
+                <a16:creationId xmlns:a16="http://schemas.microsoft.com/office/drawing/2014/main" id="{F83EA5AE-BAA2-ECAA-5DF7-34214070E630}"/>
+              </a:ext>
+            </a:extLst>
+          </p:cNvPr>
+          <p:cNvSpPr/>
+          <p:nvPr/>
+        </p:nvSpPr>
+        <p:spPr>
+          <a:xfrm rot="21031095">
+            <a:off x="10994567" y="3791169"/>
+            <a:ext cx="171494" cy="232742"/>
+          </a:xfrm>
+          <a:custGeom>
+            <a:avLst/>
+            <a:gdLst>
+              <a:gd name="connsiteX0" fmla="*/ 0 w 1290415"/>
+              <a:gd name="connsiteY0" fmla="*/ 1016949 h 1709159"/>
+              <a:gd name="connsiteX1" fmla="*/ 922945 w 1290415"/>
+              <a:gd name="connsiteY1" fmla="*/ 0 h 1709159"/>
+              <a:gd name="connsiteX2" fmla="*/ 709301 w 1290415"/>
+              <a:gd name="connsiteY2" fmla="*/ 675118 h 1709159"/>
+              <a:gd name="connsiteX3" fmla="*/ 1290415 w 1290415"/>
+              <a:gd name="connsiteY3" fmla="*/ 675118 h 1709159"/>
+              <a:gd name="connsiteX4" fmla="*/ 350377 w 1290415"/>
+              <a:gd name="connsiteY4" fmla="*/ 1709159 h 1709159"/>
+              <a:gd name="connsiteX5" fmla="*/ 555476 w 1290415"/>
+              <a:gd name="connsiteY5" fmla="*/ 1016949 h 1709159"/>
+              <a:gd name="connsiteX6" fmla="*/ 0 w 1290415"/>
+              <a:gd name="connsiteY6" fmla="*/ 1016949 h 1709159"/>
+              <a:gd name="connsiteX0" fmla="*/ 0 w 1290415"/>
+              <a:gd name="connsiteY0" fmla="*/ 1051132 h 1743342"/>
+              <a:gd name="connsiteX1" fmla="*/ 957128 w 1290415"/>
+              <a:gd name="connsiteY1" fmla="*/ 0 h 1743342"/>
+              <a:gd name="connsiteX2" fmla="*/ 709301 w 1290415"/>
+              <a:gd name="connsiteY2" fmla="*/ 709301 h 1743342"/>
+              <a:gd name="connsiteX3" fmla="*/ 1290415 w 1290415"/>
+              <a:gd name="connsiteY3" fmla="*/ 709301 h 1743342"/>
+              <a:gd name="connsiteX4" fmla="*/ 350377 w 1290415"/>
+              <a:gd name="connsiteY4" fmla="*/ 1743342 h 1743342"/>
+              <a:gd name="connsiteX5" fmla="*/ 555476 w 1290415"/>
+              <a:gd name="connsiteY5" fmla="*/ 1051132 h 1743342"/>
+              <a:gd name="connsiteX6" fmla="*/ 0 w 1290415"/>
+              <a:gd name="connsiteY6" fmla="*/ 1051132 h 1743342"/>
+              <a:gd name="connsiteX0" fmla="*/ 0 w 1290415"/>
+              <a:gd name="connsiteY0" fmla="*/ 1034040 h 1726250"/>
+              <a:gd name="connsiteX1" fmla="*/ 922945 w 1290415"/>
+              <a:gd name="connsiteY1" fmla="*/ 0 h 1726250"/>
+              <a:gd name="connsiteX2" fmla="*/ 709301 w 1290415"/>
+              <a:gd name="connsiteY2" fmla="*/ 692209 h 1726250"/>
+              <a:gd name="connsiteX3" fmla="*/ 1290415 w 1290415"/>
+              <a:gd name="connsiteY3" fmla="*/ 692209 h 1726250"/>
+              <a:gd name="connsiteX4" fmla="*/ 350377 w 1290415"/>
+              <a:gd name="connsiteY4" fmla="*/ 1726250 h 1726250"/>
+              <a:gd name="connsiteX5" fmla="*/ 555476 w 1290415"/>
+              <a:gd name="connsiteY5" fmla="*/ 1034040 h 1726250"/>
+              <a:gd name="connsiteX6" fmla="*/ 0 w 1290415"/>
+              <a:gd name="connsiteY6" fmla="*/ 1034040 h 1726250"/>
+              <a:gd name="connsiteX0" fmla="*/ 0 w 1290415"/>
+              <a:gd name="connsiteY0" fmla="*/ 1034040 h 1726250"/>
+              <a:gd name="connsiteX1" fmla="*/ 948582 w 1290415"/>
+              <a:gd name="connsiteY1" fmla="*/ 0 h 1726250"/>
+              <a:gd name="connsiteX2" fmla="*/ 709301 w 1290415"/>
+              <a:gd name="connsiteY2" fmla="*/ 692209 h 1726250"/>
+              <a:gd name="connsiteX3" fmla="*/ 1290415 w 1290415"/>
+              <a:gd name="connsiteY3" fmla="*/ 692209 h 1726250"/>
+              <a:gd name="connsiteX4" fmla="*/ 350377 w 1290415"/>
+              <a:gd name="connsiteY4" fmla="*/ 1726250 h 1726250"/>
+              <a:gd name="connsiteX5" fmla="*/ 555476 w 1290415"/>
+              <a:gd name="connsiteY5" fmla="*/ 1034040 h 1726250"/>
+              <a:gd name="connsiteX6" fmla="*/ 0 w 1290415"/>
+              <a:gd name="connsiteY6" fmla="*/ 1034040 h 1726250"/>
+              <a:gd name="connsiteX0" fmla="*/ 0 w 1290415"/>
+              <a:gd name="connsiteY0" fmla="*/ 1076769 h 1768979"/>
+              <a:gd name="connsiteX1" fmla="*/ 965674 w 1290415"/>
+              <a:gd name="connsiteY1" fmla="*/ 0 h 1768979"/>
+              <a:gd name="connsiteX2" fmla="*/ 709301 w 1290415"/>
+              <a:gd name="connsiteY2" fmla="*/ 734938 h 1768979"/>
+              <a:gd name="connsiteX3" fmla="*/ 1290415 w 1290415"/>
+              <a:gd name="connsiteY3" fmla="*/ 734938 h 1768979"/>
+              <a:gd name="connsiteX4" fmla="*/ 350377 w 1290415"/>
+              <a:gd name="connsiteY4" fmla="*/ 1768979 h 1768979"/>
+              <a:gd name="connsiteX5" fmla="*/ 555476 w 1290415"/>
+              <a:gd name="connsiteY5" fmla="*/ 1076769 h 1768979"/>
+              <a:gd name="connsiteX6" fmla="*/ 0 w 1290415"/>
+              <a:gd name="connsiteY6" fmla="*/ 1076769 h 1768979"/>
+              <a:gd name="connsiteX0" fmla="*/ 0 w 1316053"/>
+              <a:gd name="connsiteY0" fmla="*/ 1093860 h 1768979"/>
+              <a:gd name="connsiteX1" fmla="*/ 991312 w 1316053"/>
+              <a:gd name="connsiteY1" fmla="*/ 0 h 1768979"/>
+              <a:gd name="connsiteX2" fmla="*/ 734939 w 1316053"/>
+              <a:gd name="connsiteY2" fmla="*/ 734938 h 1768979"/>
+              <a:gd name="connsiteX3" fmla="*/ 1316053 w 1316053"/>
+              <a:gd name="connsiteY3" fmla="*/ 734938 h 1768979"/>
+              <a:gd name="connsiteX4" fmla="*/ 376015 w 1316053"/>
+              <a:gd name="connsiteY4" fmla="*/ 1768979 h 1768979"/>
+              <a:gd name="connsiteX5" fmla="*/ 581114 w 1316053"/>
+              <a:gd name="connsiteY5" fmla="*/ 1076769 h 1768979"/>
+              <a:gd name="connsiteX6" fmla="*/ 0 w 1316053"/>
+              <a:gd name="connsiteY6" fmla="*/ 1093860 h 1768979"/>
+              <a:gd name="connsiteX0" fmla="*/ 0 w 1316053"/>
+              <a:gd name="connsiteY0" fmla="*/ 1068223 h 1768979"/>
+              <a:gd name="connsiteX1" fmla="*/ 991312 w 1316053"/>
+              <a:gd name="connsiteY1" fmla="*/ 0 h 1768979"/>
+              <a:gd name="connsiteX2" fmla="*/ 734939 w 1316053"/>
+              <a:gd name="connsiteY2" fmla="*/ 734938 h 1768979"/>
+              <a:gd name="connsiteX3" fmla="*/ 1316053 w 1316053"/>
+              <a:gd name="connsiteY3" fmla="*/ 734938 h 1768979"/>
+              <a:gd name="connsiteX4" fmla="*/ 376015 w 1316053"/>
+              <a:gd name="connsiteY4" fmla="*/ 1768979 h 1768979"/>
+              <a:gd name="connsiteX5" fmla="*/ 581114 w 1316053"/>
+              <a:gd name="connsiteY5" fmla="*/ 1076769 h 1768979"/>
+              <a:gd name="connsiteX6" fmla="*/ 0 w 1316053"/>
+              <a:gd name="connsiteY6" fmla="*/ 1068223 h 1768979"/>
+              <a:gd name="connsiteX0" fmla="*/ 0 w 1316053"/>
+              <a:gd name="connsiteY0" fmla="*/ 1068223 h 1777524"/>
+              <a:gd name="connsiteX1" fmla="*/ 991312 w 1316053"/>
+              <a:gd name="connsiteY1" fmla="*/ 0 h 1777524"/>
+              <a:gd name="connsiteX2" fmla="*/ 734939 w 1316053"/>
+              <a:gd name="connsiteY2" fmla="*/ 734938 h 1777524"/>
+              <a:gd name="connsiteX3" fmla="*/ 1316053 w 1316053"/>
+              <a:gd name="connsiteY3" fmla="*/ 734938 h 1777524"/>
+              <a:gd name="connsiteX4" fmla="*/ 333286 w 1316053"/>
+              <a:gd name="connsiteY4" fmla="*/ 1777524 h 1777524"/>
+              <a:gd name="connsiteX5" fmla="*/ 581114 w 1316053"/>
+              <a:gd name="connsiteY5" fmla="*/ 1076769 h 1777524"/>
+              <a:gd name="connsiteX6" fmla="*/ 0 w 1316053"/>
+              <a:gd name="connsiteY6" fmla="*/ 1068223 h 1777524"/>
+              <a:gd name="connsiteX0" fmla="*/ 0 w 1316053"/>
+              <a:gd name="connsiteY0" fmla="*/ 1068223 h 1786070"/>
+              <a:gd name="connsiteX1" fmla="*/ 991312 w 1316053"/>
+              <a:gd name="connsiteY1" fmla="*/ 0 h 1786070"/>
+              <a:gd name="connsiteX2" fmla="*/ 734939 w 1316053"/>
+              <a:gd name="connsiteY2" fmla="*/ 734938 h 1786070"/>
+              <a:gd name="connsiteX3" fmla="*/ 1316053 w 1316053"/>
+              <a:gd name="connsiteY3" fmla="*/ 734938 h 1786070"/>
+              <a:gd name="connsiteX4" fmla="*/ 358923 w 1316053"/>
+              <a:gd name="connsiteY4" fmla="*/ 1786070 h 1786070"/>
+              <a:gd name="connsiteX5" fmla="*/ 581114 w 1316053"/>
+              <a:gd name="connsiteY5" fmla="*/ 1076769 h 1786070"/>
+              <a:gd name="connsiteX6" fmla="*/ 0 w 1316053"/>
+              <a:gd name="connsiteY6" fmla="*/ 1068223 h 1786070"/>
+            </a:gdLst>
+            <a:ahLst/>
+            <a:cxnLst>
+              <a:cxn ang="0">
+                <a:pos x="connsiteX0" y="connsiteY0"/>
+              </a:cxn>
+              <a:cxn ang="0">
+                <a:pos x="connsiteX1" y="connsiteY1"/>
+              </a:cxn>
+              <a:cxn ang="0">
+                <a:pos x="connsiteX2" y="connsiteY2"/>
+              </a:cxn>
+              <a:cxn ang="0">
+                <a:pos x="connsiteX3" y="connsiteY3"/>
+              </a:cxn>
+              <a:cxn ang="0">
+                <a:pos x="connsiteX4" y="connsiteY4"/>
+              </a:cxn>
+              <a:cxn ang="0">
+                <a:pos x="connsiteX5" y="connsiteY5"/>
+              </a:cxn>
+              <a:cxn ang="0">
+                <a:pos x="connsiteX6" y="connsiteY6"/>
+              </a:cxn>
+            </a:cxnLst>
+            <a:rect l="l" t="t" r="r" b="b"/>
+            <a:pathLst>
+              <a:path w="1316053" h="1786070">
+                <a:moveTo>
+                  <a:pt x="0" y="1068223"/>
+                </a:moveTo>
+                <a:lnTo>
+                  <a:pt x="991312" y="0"/>
+                </a:lnTo>
+                <a:lnTo>
+                  <a:pt x="734939" y="734938"/>
+                </a:lnTo>
+                <a:lnTo>
+                  <a:pt x="1316053" y="734938"/>
+                </a:lnTo>
+                <a:lnTo>
+                  <a:pt x="358923" y="1786070"/>
+                </a:lnTo>
+                <a:lnTo>
+                  <a:pt x="581114" y="1076769"/>
+                </a:lnTo>
+                <a:lnTo>
+                  <a:pt x="0" y="1068223"/>
+                </a:lnTo>
+                <a:close/>
+              </a:path>
+            </a:pathLst>
+          </a:custGeom>
+          <a:solidFill>
+            <a:schemeClr val="accent5">
+              <a:lumMod val="75000"/>
+            </a:schemeClr>
+          </a:solidFill>
+          <a:ln w="19050"/>
+        </p:spPr>
+        <p:style>
+          <a:lnRef idx="2">
+            <a:schemeClr val="accent1">
+              <a:shade val="15000"/>
+            </a:schemeClr>
+          </a:lnRef>
+          <a:fillRef idx="1">
+            <a:schemeClr val="accent1"/>
+          </a:fillRef>
+          <a:effectRef idx="0">
+            <a:schemeClr val="accent1"/>
+          </a:effectRef>
+          <a:fontRef idx="minor">
+            <a:schemeClr val="lt1"/>
+          </a:fontRef>
+        </p:style>
+        <p:txBody>
+          <a:bodyPr rtlCol="0" anchor="ctr"/>
+          <a:lstStyle/>
+          <a:p>
+            <a:pPr algn="ctr"/>
+            <a:endParaRPr lang="en-US"/>
+          </a:p>
+        </p:txBody>
+      </p:sp>
+      <p:sp>
+        <p:nvSpPr>
+          <p:cNvPr id="52" name="Hexagon 51">
+            <a:extLst>
+              <a:ext uri="{FF2B5EF4-FFF2-40B4-BE49-F238E27FC236}">
+                <a16:creationId xmlns:a16="http://schemas.microsoft.com/office/drawing/2014/main" id="{7403283B-2BFE-A984-849D-055B0E4AD5F6}"/>
+              </a:ext>
+            </a:extLst>
+          </p:cNvPr>
+          <p:cNvSpPr/>
+          <p:nvPr/>
+        </p:nvSpPr>
+        <p:spPr>
+          <a:xfrm>
+            <a:off x="5643363" y="6483898"/>
+            <a:ext cx="255972" cy="220665"/>
+          </a:xfrm>
+          <a:prstGeom prst="hexagon">
+            <a:avLst>
+              <a:gd name="adj" fmla="val 33336"/>
+              <a:gd name="vf" fmla="val 115470"/>
+            </a:avLst>
+          </a:prstGeom>
+          <a:solidFill>
+            <a:srgbClr val="FF7809"/>
+          </a:solidFill>
+          <a:ln w="19050">
+            <a:solidFill>
+              <a:schemeClr val="tx1">
+                <a:lumMod val="95000"/>
+                <a:lumOff val="5000"/>
+              </a:schemeClr>
+            </a:solidFill>
+          </a:ln>
+        </p:spPr>
+        <p:style>
+          <a:lnRef idx="2">
+            <a:schemeClr val="accent1">
+              <a:shade val="50000"/>
+            </a:schemeClr>
+          </a:lnRef>
+          <a:fillRef idx="1">
+            <a:schemeClr val="accent1"/>
+          </a:fillRef>
+          <a:effectRef idx="0">
+            <a:schemeClr val="accent1"/>
+          </a:effectRef>
+          <a:fontRef idx="minor">
+            <a:schemeClr val="lt1"/>
+          </a:fontRef>
+        </p:style>
+        <p:txBody>
+          <a:bodyPr rtlCol="0" anchor="ctr"/>
+          <a:lstStyle/>
+          <a:p>
+            <a:pPr algn="ctr"/>
+            <a:endParaRPr lang="en-US" dirty="0"/>
+          </a:p>
+        </p:txBody>
+      </p:sp>
+    </p:spTree>
+    <p:extLst>
+      <p:ext uri="{BB962C8B-B14F-4D97-AF65-F5344CB8AC3E}">
+        <p14:creationId xmlns:p14="http://schemas.microsoft.com/office/powerpoint/2010/main" val="3722927879"/>
       </p:ext>
     </p:extLst>
   </p:cSld>
